--- a/materials/slides/ch03-5.pptx
+++ b/materials/slides/ch03-5.pptx
@@ -1,38 +1,38 @@
 
 <file path=ppt/presentation.xml><?xml version="1.0" encoding="utf-8"?>
-<p:presentation xmlns:a="http://schemas.openxmlformats.org/drawingml/2006/main" xmlns:r="http://schemas.openxmlformats.org/officeDocument/2006/relationships" xmlns:p="http://schemas.openxmlformats.org/presentationml/2006/main" showSpecialPlsOnTitleSld="0" saveSubsetFonts="1" bookmarkIdSeed="2">
+<p:presentation xmlns:a="http://schemas.openxmlformats.org/drawingml/2006/main" xmlns:r="http://schemas.openxmlformats.org/officeDocument/2006/relationships" xmlns:p="http://schemas.openxmlformats.org/presentationml/2006/main" bookmarkIdSeed="2" showSpecialPlsOnTitleSld="0">
   <p:sldMasterIdLst>
-    <p:sldMasterId id="2147483652" r:id="rId1"/>
+    <p:sldMasterId id="2147483648" r:id="rId1"/>
   </p:sldMasterIdLst>
   <p:notesMasterIdLst>
-    <p:notesMasterId r:id="rId22"/>
+    <p:notesMasterId r:id="rId8"/>
   </p:notesMasterIdLst>
   <p:handoutMasterIdLst>
-    <p:handoutMasterId r:id="rId23"/>
+    <p:handoutMasterId r:id="rId24"/>
   </p:handoutMasterIdLst>
   <p:sldIdLst>
-    <p:sldId id="256" r:id="rId2"/>
-    <p:sldId id="401" r:id="rId3"/>
-    <p:sldId id="378" r:id="rId4"/>
-    <p:sldId id="462" r:id="rId5"/>
-    <p:sldId id="461" r:id="rId6"/>
-    <p:sldId id="390" r:id="rId7"/>
-    <p:sldId id="319" r:id="rId8"/>
-    <p:sldId id="321" r:id="rId9"/>
-    <p:sldId id="413" r:id="rId10"/>
-    <p:sldId id="325" r:id="rId11"/>
-    <p:sldId id="326" r:id="rId12"/>
-    <p:sldId id="368" r:id="rId13"/>
-    <p:sldId id="414" r:id="rId14"/>
-    <p:sldId id="363" r:id="rId15"/>
-    <p:sldId id="364" r:id="rId16"/>
-    <p:sldId id="365" r:id="rId17"/>
-    <p:sldId id="367" r:id="rId18"/>
-    <p:sldId id="370" r:id="rId19"/>
-    <p:sldId id="460" r:id="rId20"/>
-    <p:sldId id="353" r:id="rId21"/>
+    <p:sldId id="256" r:id="rId3"/>
+    <p:sldId id="401" r:id="rId4"/>
+    <p:sldId id="378" r:id="rId5"/>
+    <p:sldId id="479" r:id="rId6"/>
+    <p:sldId id="461" r:id="rId7"/>
+    <p:sldId id="390" r:id="rId9"/>
+    <p:sldId id="319" r:id="rId10"/>
+    <p:sldId id="321" r:id="rId11"/>
+    <p:sldId id="413" r:id="rId12"/>
+    <p:sldId id="325" r:id="rId13"/>
+    <p:sldId id="326" r:id="rId14"/>
+    <p:sldId id="368" r:id="rId15"/>
+    <p:sldId id="414" r:id="rId16"/>
+    <p:sldId id="363" r:id="rId17"/>
+    <p:sldId id="364" r:id="rId18"/>
+    <p:sldId id="365" r:id="rId19"/>
+    <p:sldId id="367" r:id="rId20"/>
+    <p:sldId id="370" r:id="rId21"/>
+    <p:sldId id="460" r:id="rId22"/>
+    <p:sldId id="353" r:id="rId23"/>
   </p:sldIdLst>
-  <p:sldSz cx="9144000" cy="6858000" type="screen4x3"/>
+  <p:sldSz cx="12192000" cy="6858000"/>
   <p:notesSz cx="6858000" cy="9144000"/>
   <p:defaultTextStyle>
     <a:defPPr>
@@ -49,9 +49,9 @@
         <a:solidFill>
           <a:schemeClr val="tx1"/>
         </a:solidFill>
-        <a:latin typeface="Arial" charset="0"/>
+        <a:latin typeface="Arial" panose="020B0604020202020204" pitchFamily="34" charset="0"/>
         <a:ea typeface="+mn-ea"/>
-        <a:cs typeface="Arial" charset="0"/>
+        <a:cs typeface="Arial" panose="020B0604020202020204" pitchFamily="34" charset="0"/>
       </a:defRPr>
     </a:lvl1pPr>
     <a:lvl2pPr marL="457200" algn="l" rtl="0" fontAlgn="base">
@@ -65,9 +65,9 @@
         <a:solidFill>
           <a:schemeClr val="tx1"/>
         </a:solidFill>
-        <a:latin typeface="Arial" charset="0"/>
+        <a:latin typeface="Arial" panose="020B0604020202020204" pitchFamily="34" charset="0"/>
         <a:ea typeface="+mn-ea"/>
-        <a:cs typeface="Arial" charset="0"/>
+        <a:cs typeface="Arial" panose="020B0604020202020204" pitchFamily="34" charset="0"/>
       </a:defRPr>
     </a:lvl2pPr>
     <a:lvl3pPr marL="914400" algn="l" rtl="0" fontAlgn="base">
@@ -81,9 +81,9 @@
         <a:solidFill>
           <a:schemeClr val="tx1"/>
         </a:solidFill>
-        <a:latin typeface="Arial" charset="0"/>
+        <a:latin typeface="Arial" panose="020B0604020202020204" pitchFamily="34" charset="0"/>
         <a:ea typeface="+mn-ea"/>
-        <a:cs typeface="Arial" charset="0"/>
+        <a:cs typeface="Arial" panose="020B0604020202020204" pitchFamily="34" charset="0"/>
       </a:defRPr>
     </a:lvl3pPr>
     <a:lvl4pPr marL="1371600" algn="l" rtl="0" fontAlgn="base">
@@ -97,9 +97,9 @@
         <a:solidFill>
           <a:schemeClr val="tx1"/>
         </a:solidFill>
-        <a:latin typeface="Arial" charset="0"/>
+        <a:latin typeface="Arial" panose="020B0604020202020204" pitchFamily="34" charset="0"/>
         <a:ea typeface="+mn-ea"/>
-        <a:cs typeface="Arial" charset="0"/>
+        <a:cs typeface="Arial" panose="020B0604020202020204" pitchFamily="34" charset="0"/>
       </a:defRPr>
     </a:lvl4pPr>
     <a:lvl5pPr marL="1828800" algn="l" rtl="0" fontAlgn="base">
@@ -113,9 +113,9 @@
         <a:solidFill>
           <a:schemeClr val="tx1"/>
         </a:solidFill>
-        <a:latin typeface="Arial" charset="0"/>
+        <a:latin typeface="Arial" panose="020B0604020202020204" pitchFamily="34" charset="0"/>
         <a:ea typeface="+mn-ea"/>
-        <a:cs typeface="Arial" charset="0"/>
+        <a:cs typeface="Arial" panose="020B0604020202020204" pitchFamily="34" charset="0"/>
       </a:defRPr>
     </a:lvl5pPr>
     <a:lvl6pPr marL="2286000" algn="l" defTabSz="914400" rtl="0" eaLnBrk="1" latinLnBrk="0" hangingPunct="1">
@@ -123,9 +123,9 @@
         <a:solidFill>
           <a:schemeClr val="tx1"/>
         </a:solidFill>
-        <a:latin typeface="Arial" charset="0"/>
+        <a:latin typeface="Arial" panose="020B0604020202020204" pitchFamily="34" charset="0"/>
         <a:ea typeface="+mn-ea"/>
-        <a:cs typeface="Arial" charset="0"/>
+        <a:cs typeface="Arial" panose="020B0604020202020204" pitchFamily="34" charset="0"/>
       </a:defRPr>
     </a:lvl6pPr>
     <a:lvl7pPr marL="2743200" algn="l" defTabSz="914400" rtl="0" eaLnBrk="1" latinLnBrk="0" hangingPunct="1">
@@ -133,9 +133,9 @@
         <a:solidFill>
           <a:schemeClr val="tx1"/>
         </a:solidFill>
-        <a:latin typeface="Arial" charset="0"/>
+        <a:latin typeface="Arial" panose="020B0604020202020204" pitchFamily="34" charset="0"/>
         <a:ea typeface="+mn-ea"/>
-        <a:cs typeface="Arial" charset="0"/>
+        <a:cs typeface="Arial" panose="020B0604020202020204" pitchFamily="34" charset="0"/>
       </a:defRPr>
     </a:lvl7pPr>
     <a:lvl8pPr marL="3200400" algn="l" defTabSz="914400" rtl="0" eaLnBrk="1" latinLnBrk="0" hangingPunct="1">
@@ -143,9 +143,9 @@
         <a:solidFill>
           <a:schemeClr val="tx1"/>
         </a:solidFill>
-        <a:latin typeface="Arial" charset="0"/>
+        <a:latin typeface="Arial" panose="020B0604020202020204" pitchFamily="34" charset="0"/>
         <a:ea typeface="+mn-ea"/>
-        <a:cs typeface="Arial" charset="0"/>
+        <a:cs typeface="Arial" panose="020B0604020202020204" pitchFamily="34" charset="0"/>
       </a:defRPr>
     </a:lvl8pPr>
     <a:lvl9pPr marL="3657600" algn="l" defTabSz="914400" rtl="0" eaLnBrk="1" latinLnBrk="0" hangingPunct="1">
@@ -153,28 +153,12 @@
         <a:solidFill>
           <a:schemeClr val="tx1"/>
         </a:solidFill>
-        <a:latin typeface="Arial" charset="0"/>
+        <a:latin typeface="Arial" panose="020B0604020202020204" pitchFamily="34" charset="0"/>
         <a:ea typeface="+mn-ea"/>
-        <a:cs typeface="Arial" charset="0"/>
+        <a:cs typeface="Arial" panose="020B0604020202020204" pitchFamily="34" charset="0"/>
       </a:defRPr>
     </a:lvl9pPr>
   </p:defaultTextStyle>
-  <p:extLst>
-    <p:ext uri="{EFAFB233-063F-42B5-8137-9DF3F51BA10A}">
-      <p15:sldGuideLst xmlns:p15="http://schemas.microsoft.com/office/powerpoint/2012/main">
-        <p15:guide id="1" orient="horz" pos="2160">
-          <p15:clr>
-            <a:srgbClr val="A4A3A4"/>
-          </p15:clr>
-        </p15:guide>
-        <p15:guide id="2" pos="2880">
-          <p15:clr>
-            <a:srgbClr val="A4A3A4"/>
-          </p15:clr>
-        </p15:guide>
-      </p15:sldGuideLst>
-    </p:ext>
-  </p:extLst>
 </p:presentation>
 </file>
 
@@ -185,117 +169,39 @@
   <dgm:catLst>
     <dgm:cat type="accent1" pri="11200"/>
   </dgm:catLst>
-  <dgm:styleLbl name="node0">
+  <dgm:styleLbl name="alignAcc1">
     <dgm:fillClrLst meth="repeat">
-      <a:schemeClr val="accent1"/>
-    </dgm:fillClrLst>
-    <dgm:linClrLst meth="repeat">
-      <a:schemeClr val="lt1"/>
-    </dgm:linClrLst>
-    <dgm:effectClrLst/>
-    <dgm:txLinClrLst/>
-    <dgm:txFillClrLst/>
-    <dgm:txEffectClrLst/>
-  </dgm:styleLbl>
-  <dgm:styleLbl name="alignNode1">
-    <dgm:fillClrLst meth="repeat">
-      <a:schemeClr val="accent1"/>
+      <a:schemeClr val="lt1">
+        <a:alpha val="90000"/>
+      </a:schemeClr>
     </dgm:fillClrLst>
     <dgm:linClrLst meth="repeat">
       <a:schemeClr val="accent1"/>
     </dgm:linClrLst>
     <dgm:effectClrLst/>
     <dgm:txLinClrLst/>
-    <dgm:txFillClrLst/>
+    <dgm:txFillClrLst meth="repeat">
+      <a:schemeClr val="dk1"/>
+    </dgm:txFillClrLst>
     <dgm:txEffectClrLst/>
   </dgm:styleLbl>
-  <dgm:styleLbl name="node1">
-    <dgm:fillClrLst meth="repeat">
-      <a:schemeClr val="accent1"/>
-    </dgm:fillClrLst>
-    <dgm:linClrLst meth="repeat">
-      <a:schemeClr val="lt1"/>
-    </dgm:linClrLst>
-    <dgm:effectClrLst/>
-    <dgm:txLinClrLst/>
-    <dgm:txFillClrLst/>
-    <dgm:txEffectClrLst/>
-  </dgm:styleLbl>
-  <dgm:styleLbl name="lnNode1">
-    <dgm:fillClrLst meth="repeat">
-      <a:schemeClr val="accent1"/>
-    </dgm:fillClrLst>
-    <dgm:linClrLst meth="repeat">
-      <a:schemeClr val="lt1"/>
-    </dgm:linClrLst>
-    <dgm:effectClrLst/>
-    <dgm:txLinClrLst/>
-    <dgm:txFillClrLst/>
-    <dgm:txEffectClrLst/>
-  </dgm:styleLbl>
-  <dgm:styleLbl name="vennNode1">
+  <dgm:styleLbl name="alignAccFollowNode1">
     <dgm:fillClrLst meth="repeat">
       <a:schemeClr val="accent1">
-        <a:alpha val="50000"/>
+        <a:alpha val="90000"/>
+        <a:tint val="40000"/>
       </a:schemeClr>
     </dgm:fillClrLst>
     <dgm:linClrLst meth="repeat">
-      <a:schemeClr val="lt1"/>
-    </dgm:linClrLst>
-    <dgm:effectClrLst/>
-    <dgm:txLinClrLst/>
-    <dgm:txFillClrLst/>
-    <dgm:txEffectClrLst/>
-  </dgm:styleLbl>
-  <dgm:styleLbl name="node2">
-    <dgm:fillClrLst meth="repeat">
-      <a:schemeClr val="accent1"/>
-    </dgm:fillClrLst>
-    <dgm:linClrLst meth="repeat">
-      <a:schemeClr val="lt1"/>
-    </dgm:linClrLst>
-    <dgm:effectClrLst/>
-    <dgm:txLinClrLst/>
-    <dgm:txFillClrLst/>
-    <dgm:txEffectClrLst/>
-  </dgm:styleLbl>
-  <dgm:styleLbl name="node3">
-    <dgm:fillClrLst meth="repeat">
-      <a:schemeClr val="accent1"/>
-    </dgm:fillClrLst>
-    <dgm:linClrLst meth="repeat">
-      <a:schemeClr val="lt1"/>
-    </dgm:linClrLst>
-    <dgm:effectClrLst/>
-    <dgm:txLinClrLst/>
-    <dgm:txFillClrLst/>
-    <dgm:txEffectClrLst/>
-  </dgm:styleLbl>
-  <dgm:styleLbl name="node4">
-    <dgm:fillClrLst meth="repeat">
-      <a:schemeClr val="accent1"/>
-    </dgm:fillClrLst>
-    <dgm:linClrLst meth="repeat">
-      <a:schemeClr val="lt1"/>
-    </dgm:linClrLst>
-    <dgm:effectClrLst/>
-    <dgm:txLinClrLst/>
-    <dgm:txFillClrLst/>
-    <dgm:txEffectClrLst/>
-  </dgm:styleLbl>
-  <dgm:styleLbl name="fgImgPlace1">
-    <dgm:fillClrLst meth="repeat">
       <a:schemeClr val="accent1">
-        <a:tint val="50000"/>
+        <a:alpha val="90000"/>
+        <a:tint val="40000"/>
       </a:schemeClr>
-    </dgm:fillClrLst>
-    <dgm:linClrLst meth="repeat">
-      <a:schemeClr val="lt1"/>
     </dgm:linClrLst>
     <dgm:effectClrLst/>
     <dgm:txLinClrLst/>
     <dgm:txFillClrLst meth="repeat">
-      <a:schemeClr val="lt1"/>
+      <a:schemeClr val="dk1"/>
     </dgm:txFillClrLst>
     <dgm:txEffectClrLst/>
   </dgm:styleLbl>
@@ -315,71 +221,7 @@
     </dgm:txFillClrLst>
     <dgm:txEffectClrLst/>
   </dgm:styleLbl>
-  <dgm:styleLbl name="bgImgPlace1">
-    <dgm:fillClrLst meth="repeat">
-      <a:schemeClr val="accent1">
-        <a:tint val="50000"/>
-      </a:schemeClr>
-    </dgm:fillClrLst>
-    <dgm:linClrLst meth="repeat">
-      <a:schemeClr val="lt1"/>
-    </dgm:linClrLst>
-    <dgm:effectClrLst/>
-    <dgm:txLinClrLst/>
-    <dgm:txFillClrLst meth="repeat">
-      <a:schemeClr val="lt1"/>
-    </dgm:txFillClrLst>
-    <dgm:txEffectClrLst/>
-  </dgm:styleLbl>
-  <dgm:styleLbl name="sibTrans2D1">
-    <dgm:fillClrLst meth="repeat">
-      <a:schemeClr val="accent1">
-        <a:tint val="60000"/>
-      </a:schemeClr>
-    </dgm:fillClrLst>
-    <dgm:linClrLst meth="repeat">
-      <a:schemeClr val="accent1">
-        <a:tint val="60000"/>
-      </a:schemeClr>
-    </dgm:linClrLst>
-    <dgm:effectClrLst/>
-    <dgm:txLinClrLst/>
-    <dgm:txFillClrLst/>
-    <dgm:txEffectClrLst/>
-  </dgm:styleLbl>
-  <dgm:styleLbl name="fgSibTrans2D1">
-    <dgm:fillClrLst meth="repeat">
-      <a:schemeClr val="accent1">
-        <a:tint val="60000"/>
-      </a:schemeClr>
-    </dgm:fillClrLst>
-    <dgm:linClrLst meth="repeat">
-      <a:schemeClr val="accent1">
-        <a:tint val="60000"/>
-      </a:schemeClr>
-    </dgm:linClrLst>
-    <dgm:effectClrLst/>
-    <dgm:txLinClrLst/>
-    <dgm:txFillClrLst/>
-    <dgm:txEffectClrLst/>
-  </dgm:styleLbl>
-  <dgm:styleLbl name="bgSibTrans2D1">
-    <dgm:fillClrLst meth="repeat">
-      <a:schemeClr val="accent1">
-        <a:tint val="60000"/>
-      </a:schemeClr>
-    </dgm:fillClrLst>
-    <dgm:linClrLst meth="repeat">
-      <a:schemeClr val="accent1">
-        <a:tint val="60000"/>
-      </a:schemeClr>
-    </dgm:linClrLst>
-    <dgm:effectClrLst/>
-    <dgm:txLinClrLst/>
-    <dgm:txFillClrLst/>
-    <dgm:txEffectClrLst/>
-  </dgm:styleLbl>
-  <dgm:styleLbl name="sibTrans1D1">
+  <dgm:styleLbl name="alignNode1">
     <dgm:fillClrLst meth="repeat">
       <a:schemeClr val="accent1"/>
     </dgm:fillClrLst>
@@ -388,25 +230,7 @@
     </dgm:linClrLst>
     <dgm:effectClrLst/>
     <dgm:txLinClrLst/>
-    <dgm:txFillClrLst meth="repeat">
-      <a:schemeClr val="tx1"/>
-    </dgm:txFillClrLst>
-    <dgm:txEffectClrLst/>
-  </dgm:styleLbl>
-  <dgm:styleLbl name="callout">
-    <dgm:fillClrLst meth="repeat">
-      <a:schemeClr val="accent1"/>
-    </dgm:fillClrLst>
-    <dgm:linClrLst meth="repeat">
-      <a:schemeClr val="accent1">
-        <a:tint val="50000"/>
-      </a:schemeClr>
-    </dgm:linClrLst>
-    <dgm:effectClrLst/>
-    <dgm:txLinClrLst/>
-    <dgm:txFillClrLst meth="repeat">
-      <a:schemeClr val="tx1"/>
-    </dgm:txFillClrLst>
+    <dgm:txFillClrLst/>
     <dgm:txEffectClrLst/>
   </dgm:styleLbl>
   <dgm:styleLbl name="asst0">
@@ -469,7 +293,75 @@
     <dgm:txFillClrLst/>
     <dgm:txEffectClrLst/>
   </dgm:styleLbl>
-  <dgm:styleLbl name="parChTrans2D1">
+  <dgm:styleLbl name="bgAcc1">
+    <dgm:fillClrLst meth="repeat">
+      <a:schemeClr val="lt1">
+        <a:alpha val="90000"/>
+      </a:schemeClr>
+    </dgm:fillClrLst>
+    <dgm:linClrLst meth="repeat">
+      <a:schemeClr val="accent1"/>
+    </dgm:linClrLst>
+    <dgm:effectClrLst/>
+    <dgm:txLinClrLst/>
+    <dgm:txFillClrLst meth="repeat">
+      <a:schemeClr val="dk1"/>
+    </dgm:txFillClrLst>
+    <dgm:txEffectClrLst/>
+  </dgm:styleLbl>
+  <dgm:styleLbl name="bgAccFollowNode1">
+    <dgm:fillClrLst meth="repeat">
+      <a:schemeClr val="accent1">
+        <a:alpha val="90000"/>
+        <a:tint val="40000"/>
+      </a:schemeClr>
+    </dgm:fillClrLst>
+    <dgm:linClrLst meth="repeat">
+      <a:schemeClr val="accent1">
+        <a:alpha val="90000"/>
+        <a:tint val="40000"/>
+      </a:schemeClr>
+    </dgm:linClrLst>
+    <dgm:effectClrLst/>
+    <dgm:txLinClrLst/>
+    <dgm:txFillClrLst meth="repeat">
+      <a:schemeClr val="dk1"/>
+    </dgm:txFillClrLst>
+    <dgm:txEffectClrLst/>
+  </dgm:styleLbl>
+  <dgm:styleLbl name="bgImgPlace1">
+    <dgm:fillClrLst meth="repeat">
+      <a:schemeClr val="accent1">
+        <a:tint val="50000"/>
+      </a:schemeClr>
+    </dgm:fillClrLst>
+    <dgm:linClrLst meth="repeat">
+      <a:schemeClr val="lt1"/>
+    </dgm:linClrLst>
+    <dgm:effectClrLst/>
+    <dgm:txLinClrLst/>
+    <dgm:txFillClrLst meth="repeat">
+      <a:schemeClr val="lt1"/>
+    </dgm:txFillClrLst>
+    <dgm:txEffectClrLst/>
+  </dgm:styleLbl>
+  <dgm:styleLbl name="bgShp">
+    <dgm:fillClrLst meth="repeat">
+      <a:schemeClr val="accent1">
+        <a:tint val="40000"/>
+      </a:schemeClr>
+    </dgm:fillClrLst>
+    <dgm:linClrLst meth="repeat">
+      <a:schemeClr val="accent1"/>
+    </dgm:linClrLst>
+    <dgm:effectClrLst/>
+    <dgm:txLinClrLst/>
+    <dgm:txFillClrLst meth="repeat">
+      <a:schemeClr val="dk1"/>
+    </dgm:txFillClrLst>
+    <dgm:txEffectClrLst/>
+  </dgm:styleLbl>
+  <dgm:styleLbl name="bgSibTrans2D1">
     <dgm:fillClrLst meth="repeat">
       <a:schemeClr val="accent1">
         <a:tint val="60000"/>
@@ -482,14 +374,46 @@
     </dgm:linClrLst>
     <dgm:effectClrLst/>
     <dgm:txLinClrLst/>
+    <dgm:txFillClrLst/>
+    <dgm:txEffectClrLst/>
+  </dgm:styleLbl>
+  <dgm:styleLbl name="callout">
+    <dgm:fillClrLst meth="repeat">
+      <a:schemeClr val="accent1"/>
+    </dgm:fillClrLst>
+    <dgm:linClrLst meth="repeat">
+      <a:schemeClr val="accent1">
+        <a:tint val="50000"/>
+      </a:schemeClr>
+    </dgm:linClrLst>
+    <dgm:effectClrLst/>
+    <dgm:txLinClrLst/>
     <dgm:txFillClrLst meth="repeat">
-      <a:schemeClr val="lt1"/>
+      <a:schemeClr val="tx1"/>
     </dgm:txFillClrLst>
     <dgm:txEffectClrLst/>
   </dgm:styleLbl>
-  <dgm:styleLbl name="parChTrans2D2">
+  <dgm:styleLbl name="conFgAcc1">
     <dgm:fillClrLst meth="repeat">
+      <a:schemeClr val="lt1">
+        <a:alpha val="90000"/>
+      </a:schemeClr>
+    </dgm:fillClrLst>
+    <dgm:linClrLst meth="repeat">
       <a:schemeClr val="accent1"/>
+    </dgm:linClrLst>
+    <dgm:effectClrLst/>
+    <dgm:txLinClrLst/>
+    <dgm:txFillClrLst meth="repeat">
+      <a:schemeClr val="dk1"/>
+    </dgm:txFillClrLst>
+    <dgm:txEffectClrLst/>
+  </dgm:styleLbl>
+  <dgm:styleLbl name="dkBgShp">
+    <dgm:fillClrLst meth="repeat">
+      <a:schemeClr val="accent1">
+        <a:shade val="80000"/>
+      </a:schemeClr>
     </dgm:fillClrLst>
     <dgm:linClrLst meth="repeat">
       <a:schemeClr val="accent1"/>
@@ -501,12 +425,114 @@
     </dgm:txFillClrLst>
     <dgm:txEffectClrLst/>
   </dgm:styleLbl>
-  <dgm:styleLbl name="parChTrans2D3">
+  <dgm:styleLbl name="fgAcc0">
     <dgm:fillClrLst meth="repeat">
-      <a:schemeClr val="accent1"/>
+      <a:schemeClr val="lt1">
+        <a:alpha val="90000"/>
+      </a:schemeClr>
     </dgm:fillClrLst>
     <dgm:linClrLst meth="repeat">
       <a:schemeClr val="accent1"/>
+    </dgm:linClrLst>
+    <dgm:effectClrLst/>
+    <dgm:txLinClrLst/>
+    <dgm:txFillClrLst meth="repeat">
+      <a:schemeClr val="dk1"/>
+    </dgm:txFillClrLst>
+    <dgm:txEffectClrLst/>
+  </dgm:styleLbl>
+  <dgm:styleLbl name="fgAcc1">
+    <dgm:fillClrLst meth="repeat">
+      <a:schemeClr val="lt1">
+        <a:alpha val="90000"/>
+      </a:schemeClr>
+    </dgm:fillClrLst>
+    <dgm:linClrLst meth="repeat">
+      <a:schemeClr val="accent1"/>
+    </dgm:linClrLst>
+    <dgm:effectClrLst/>
+    <dgm:txLinClrLst/>
+    <dgm:txFillClrLst meth="repeat">
+      <a:schemeClr val="dk1"/>
+    </dgm:txFillClrLst>
+    <dgm:txEffectClrLst/>
+  </dgm:styleLbl>
+  <dgm:styleLbl name="fgAcc2">
+    <dgm:fillClrLst meth="repeat">
+      <a:schemeClr val="lt1">
+        <a:alpha val="90000"/>
+      </a:schemeClr>
+    </dgm:fillClrLst>
+    <dgm:linClrLst meth="repeat">
+      <a:schemeClr val="accent1"/>
+    </dgm:linClrLst>
+    <dgm:effectClrLst/>
+    <dgm:txLinClrLst/>
+    <dgm:txFillClrLst meth="repeat">
+      <a:schemeClr val="dk1"/>
+    </dgm:txFillClrLst>
+    <dgm:txEffectClrLst/>
+  </dgm:styleLbl>
+  <dgm:styleLbl name="fgAcc3">
+    <dgm:fillClrLst meth="repeat">
+      <a:schemeClr val="lt1">
+        <a:alpha val="90000"/>
+      </a:schemeClr>
+    </dgm:fillClrLst>
+    <dgm:linClrLst meth="repeat">
+      <a:schemeClr val="accent1"/>
+    </dgm:linClrLst>
+    <dgm:effectClrLst/>
+    <dgm:txLinClrLst/>
+    <dgm:txFillClrLst meth="repeat">
+      <a:schemeClr val="dk1"/>
+    </dgm:txFillClrLst>
+    <dgm:txEffectClrLst/>
+  </dgm:styleLbl>
+  <dgm:styleLbl name="fgAcc4">
+    <dgm:fillClrLst meth="repeat">
+      <a:schemeClr val="lt1">
+        <a:alpha val="90000"/>
+      </a:schemeClr>
+    </dgm:fillClrLst>
+    <dgm:linClrLst meth="repeat">
+      <a:schemeClr val="accent1"/>
+    </dgm:linClrLst>
+    <dgm:effectClrLst/>
+    <dgm:txLinClrLst/>
+    <dgm:txFillClrLst meth="repeat">
+      <a:schemeClr val="dk1"/>
+    </dgm:txFillClrLst>
+    <dgm:txEffectClrLst/>
+  </dgm:styleLbl>
+  <dgm:styleLbl name="fgAccFollowNode1">
+    <dgm:fillClrLst meth="repeat">
+      <a:schemeClr val="accent1">
+        <a:alpha val="90000"/>
+        <a:tint val="40000"/>
+      </a:schemeClr>
+    </dgm:fillClrLst>
+    <dgm:linClrLst meth="repeat">
+      <a:schemeClr val="accent1">
+        <a:alpha val="90000"/>
+        <a:tint val="40000"/>
+      </a:schemeClr>
+    </dgm:linClrLst>
+    <dgm:effectClrLst/>
+    <dgm:txLinClrLst/>
+    <dgm:txFillClrLst meth="repeat">
+      <a:schemeClr val="dk1"/>
+    </dgm:txFillClrLst>
+    <dgm:txEffectClrLst/>
+  </dgm:styleLbl>
+  <dgm:styleLbl name="fgImgPlace1">
+    <dgm:fillClrLst meth="repeat">
+      <a:schemeClr val="accent1">
+        <a:tint val="50000"/>
+      </a:schemeClr>
+    </dgm:fillClrLst>
+    <dgm:linClrLst meth="repeat">
+      <a:schemeClr val="lt1"/>
     </dgm:linClrLst>
     <dgm:effectClrLst/>
     <dgm:txLinClrLst/>
@@ -515,18 +541,108 @@
     </dgm:txFillClrLst>
     <dgm:txEffectClrLst/>
   </dgm:styleLbl>
-  <dgm:styleLbl name="parChTrans2D4">
+  <dgm:styleLbl name="fgShp">
+    <dgm:fillClrLst meth="repeat">
+      <a:schemeClr val="accent1">
+        <a:tint val="60000"/>
+      </a:schemeClr>
+    </dgm:fillClrLst>
+    <dgm:linClrLst meth="repeat">
+      <a:schemeClr val="lt1"/>
+    </dgm:linClrLst>
+    <dgm:effectClrLst/>
+    <dgm:txLinClrLst/>
+    <dgm:txFillClrLst meth="repeat">
+      <a:schemeClr val="dk1"/>
+    </dgm:txFillClrLst>
+    <dgm:txEffectClrLst/>
+  </dgm:styleLbl>
+  <dgm:styleLbl name="fgSibTrans2D1">
+    <dgm:fillClrLst meth="repeat">
+      <a:schemeClr val="accent1">
+        <a:tint val="60000"/>
+      </a:schemeClr>
+    </dgm:fillClrLst>
+    <dgm:linClrLst meth="repeat">
+      <a:schemeClr val="accent1">
+        <a:tint val="60000"/>
+      </a:schemeClr>
+    </dgm:linClrLst>
+    <dgm:effectClrLst/>
+    <dgm:txLinClrLst/>
+    <dgm:txFillClrLst/>
+    <dgm:txEffectClrLst/>
+  </dgm:styleLbl>
+  <dgm:styleLbl name="lnNode1">
     <dgm:fillClrLst meth="repeat">
       <a:schemeClr val="accent1"/>
     </dgm:fillClrLst>
     <dgm:linClrLst meth="repeat">
-      <a:schemeClr val="accent1"/>
+      <a:schemeClr val="lt1"/>
     </dgm:linClrLst>
     <dgm:effectClrLst/>
     <dgm:txLinClrLst/>
-    <dgm:txFillClrLst meth="repeat">
+    <dgm:txFillClrLst/>
+    <dgm:txEffectClrLst/>
+  </dgm:styleLbl>
+  <dgm:styleLbl name="node0">
+    <dgm:fillClrLst meth="repeat">
+      <a:schemeClr val="accent1"/>
+    </dgm:fillClrLst>
+    <dgm:linClrLst meth="repeat">
       <a:schemeClr val="lt1"/>
-    </dgm:txFillClrLst>
+    </dgm:linClrLst>
+    <dgm:effectClrLst/>
+    <dgm:txLinClrLst/>
+    <dgm:txFillClrLst/>
+    <dgm:txEffectClrLst/>
+  </dgm:styleLbl>
+  <dgm:styleLbl name="node1">
+    <dgm:fillClrLst meth="repeat">
+      <a:schemeClr val="accent1"/>
+    </dgm:fillClrLst>
+    <dgm:linClrLst meth="repeat">
+      <a:schemeClr val="lt1"/>
+    </dgm:linClrLst>
+    <dgm:effectClrLst/>
+    <dgm:txLinClrLst/>
+    <dgm:txFillClrLst/>
+    <dgm:txEffectClrLst/>
+  </dgm:styleLbl>
+  <dgm:styleLbl name="node2">
+    <dgm:fillClrLst meth="repeat">
+      <a:schemeClr val="accent1"/>
+    </dgm:fillClrLst>
+    <dgm:linClrLst meth="repeat">
+      <a:schemeClr val="lt1"/>
+    </dgm:linClrLst>
+    <dgm:effectClrLst/>
+    <dgm:txLinClrLst/>
+    <dgm:txFillClrLst/>
+    <dgm:txEffectClrLst/>
+  </dgm:styleLbl>
+  <dgm:styleLbl name="node3">
+    <dgm:fillClrLst meth="repeat">
+      <a:schemeClr val="accent1"/>
+    </dgm:fillClrLst>
+    <dgm:linClrLst meth="repeat">
+      <a:schemeClr val="lt1"/>
+    </dgm:linClrLst>
+    <dgm:effectClrLst/>
+    <dgm:txLinClrLst/>
+    <dgm:txFillClrLst/>
+    <dgm:txEffectClrLst/>
+  </dgm:styleLbl>
+  <dgm:styleLbl name="node4">
+    <dgm:fillClrLst meth="repeat">
+      <a:schemeClr val="accent1"/>
+    </dgm:fillClrLst>
+    <dgm:linClrLst meth="repeat">
+      <a:schemeClr val="lt1"/>
+    </dgm:linClrLst>
+    <dgm:effectClrLst/>
+    <dgm:txLinClrLst/>
+    <dgm:txFillClrLst/>
     <dgm:txEffectClrLst/>
   </dgm:styleLbl>
   <dgm:styleLbl name="parChTrans1D1">
@@ -593,11 +709,27 @@
     </dgm:txFillClrLst>
     <dgm:txEffectClrLst/>
   </dgm:styleLbl>
-  <dgm:styleLbl name="fgAcc1">
+  <dgm:styleLbl name="parChTrans2D1">
     <dgm:fillClrLst meth="repeat">
-      <a:schemeClr val="lt1">
-        <a:alpha val="90000"/>
+      <a:schemeClr val="accent1">
+        <a:tint val="60000"/>
       </a:schemeClr>
+    </dgm:fillClrLst>
+    <dgm:linClrLst meth="repeat">
+      <a:schemeClr val="accent1">
+        <a:tint val="60000"/>
+      </a:schemeClr>
+    </dgm:linClrLst>
+    <dgm:effectClrLst/>
+    <dgm:txLinClrLst/>
+    <dgm:txFillClrLst meth="repeat">
+      <a:schemeClr val="lt1"/>
+    </dgm:txFillClrLst>
+    <dgm:txEffectClrLst/>
+  </dgm:styleLbl>
+  <dgm:styleLbl name="parChTrans2D2">
+    <dgm:fillClrLst meth="repeat">
+      <a:schemeClr val="accent1"/>
     </dgm:fillClrLst>
     <dgm:linClrLst meth="repeat">
       <a:schemeClr val="accent1"/>
@@ -605,15 +737,13 @@
     <dgm:effectClrLst/>
     <dgm:txLinClrLst/>
     <dgm:txFillClrLst meth="repeat">
-      <a:schemeClr val="dk1"/>
+      <a:schemeClr val="lt1"/>
     </dgm:txFillClrLst>
     <dgm:txEffectClrLst/>
   </dgm:styleLbl>
-  <dgm:styleLbl name="conFgAcc1">
+  <dgm:styleLbl name="parChTrans2D3">
     <dgm:fillClrLst meth="repeat">
-      <a:schemeClr val="lt1">
-        <a:alpha val="90000"/>
-      </a:schemeClr>
+      <a:schemeClr val="accent1"/>
     </dgm:fillClrLst>
     <dgm:linClrLst meth="repeat">
       <a:schemeClr val="accent1"/>
@@ -621,15 +751,13 @@
     <dgm:effectClrLst/>
     <dgm:txLinClrLst/>
     <dgm:txFillClrLst meth="repeat">
-      <a:schemeClr val="dk1"/>
+      <a:schemeClr val="lt1"/>
     </dgm:txFillClrLst>
     <dgm:txEffectClrLst/>
   </dgm:styleLbl>
-  <dgm:styleLbl name="alignAcc1">
+  <dgm:styleLbl name="parChTrans2D4">
     <dgm:fillClrLst meth="repeat">
-      <a:schemeClr val="lt1">
-        <a:alpha val="90000"/>
-      </a:schemeClr>
+      <a:schemeClr val="accent1"/>
     </dgm:fillClrLst>
     <dgm:linClrLst meth="repeat">
       <a:schemeClr val="accent1"/>
@@ -637,15 +765,31 @@
     <dgm:effectClrLst/>
     <dgm:txLinClrLst/>
     <dgm:txFillClrLst meth="repeat">
-      <a:schemeClr val="dk1"/>
+      <a:schemeClr val="lt1"/>
     </dgm:txFillClrLst>
     <dgm:txEffectClrLst/>
   </dgm:styleLbl>
-  <dgm:styleLbl name="trAlignAcc1">
+  <dgm:styleLbl name="revTx">
     <dgm:fillClrLst meth="repeat">
       <a:schemeClr val="lt1">
-        <a:alpha val="40000"/>
+        <a:alpha val="0"/>
       </a:schemeClr>
+    </dgm:fillClrLst>
+    <dgm:linClrLst meth="repeat">
+      <a:schemeClr val="dk1">
+        <a:alpha val="0"/>
+      </a:schemeClr>
+    </dgm:linClrLst>
+    <dgm:effectClrLst/>
+    <dgm:txLinClrLst/>
+    <dgm:txFillClrLst meth="repeat">
+      <a:schemeClr val="tx1"/>
+    </dgm:txFillClrLst>
+    <dgm:txEffectClrLst/>
+  </dgm:styleLbl>
+  <dgm:styleLbl name="sibTrans1D1">
+    <dgm:fillClrLst meth="repeat">
+      <a:schemeClr val="accent1"/>
     </dgm:fillClrLst>
     <dgm:linClrLst meth="repeat">
       <a:schemeClr val="accent1"/>
@@ -653,38 +797,24 @@
     <dgm:effectClrLst/>
     <dgm:txLinClrLst/>
     <dgm:txFillClrLst meth="repeat">
-      <a:schemeClr val="dk1"/>
+      <a:schemeClr val="tx1"/>
     </dgm:txFillClrLst>
     <dgm:txEffectClrLst/>
   </dgm:styleLbl>
-  <dgm:styleLbl name="bgAcc1">
+  <dgm:styleLbl name="sibTrans2D1">
     <dgm:fillClrLst meth="repeat">
-      <a:schemeClr val="lt1">
-        <a:alpha val="90000"/>
+      <a:schemeClr val="accent1">
+        <a:tint val="60000"/>
       </a:schemeClr>
     </dgm:fillClrLst>
     <dgm:linClrLst meth="repeat">
-      <a:schemeClr val="accent1"/>
+      <a:schemeClr val="accent1">
+        <a:tint val="60000"/>
+      </a:schemeClr>
     </dgm:linClrLst>
     <dgm:effectClrLst/>
     <dgm:txLinClrLst/>
-    <dgm:txFillClrLst meth="repeat">
-      <a:schemeClr val="dk1"/>
-    </dgm:txFillClrLst>
-    <dgm:txEffectClrLst/>
-  </dgm:styleLbl>
-  <dgm:styleLbl name="solidFgAcc1">
-    <dgm:fillClrLst meth="repeat">
-      <a:schemeClr val="lt1"/>
-    </dgm:fillClrLst>
-    <dgm:linClrLst meth="repeat">
-      <a:schemeClr val="accent1"/>
-    </dgm:linClrLst>
-    <dgm:effectClrLst/>
-    <dgm:txLinClrLst/>
-    <dgm:txFillClrLst meth="repeat">
-      <a:schemeClr val="dk1"/>
-    </dgm:txFillClrLst>
+    <dgm:txFillClrLst/>
     <dgm:txEffectClrLst/>
   </dgm:styleLbl>
   <dgm:styleLbl name="solidAlignAcc1">
@@ -715,18 +845,85 @@
     </dgm:txFillClrLst>
     <dgm:txEffectClrLst/>
   </dgm:styleLbl>
-  <dgm:styleLbl name="fgAccFollowNode1">
+  <dgm:styleLbl name="solidFgAcc1">
     <dgm:fillClrLst meth="repeat">
-      <a:schemeClr val="accent1">
-        <a:alpha val="90000"/>
-        <a:tint val="40000"/>
+      <a:schemeClr val="lt1"/>
+    </dgm:fillClrLst>
+    <dgm:linClrLst meth="repeat">
+      <a:schemeClr val="accent1"/>
+    </dgm:linClrLst>
+    <dgm:effectClrLst/>
+    <dgm:txLinClrLst/>
+    <dgm:txFillClrLst meth="repeat">
+      <a:schemeClr val="dk1"/>
+    </dgm:txFillClrLst>
+    <dgm:txEffectClrLst/>
+  </dgm:styleLbl>
+  <dgm:styleLbl name="trAlignAcc1">
+    <dgm:fillClrLst meth="repeat">
+      <a:schemeClr val="lt1">
+        <a:alpha val="40000"/>
       </a:schemeClr>
     </dgm:fillClrLst>
     <dgm:linClrLst meth="repeat">
+      <a:schemeClr val="accent1"/>
+    </dgm:linClrLst>
+    <dgm:effectClrLst/>
+    <dgm:txLinClrLst/>
+    <dgm:txFillClrLst meth="repeat">
+      <a:schemeClr val="dk1"/>
+    </dgm:txFillClrLst>
+    <dgm:txEffectClrLst/>
+  </dgm:styleLbl>
+  <dgm:styleLbl name="trBgShp">
+    <dgm:fillClrLst meth="repeat">
       <a:schemeClr val="accent1">
+        <a:tint val="50000"/>
+        <a:alpha val="40000"/>
+      </a:schemeClr>
+    </dgm:fillClrLst>
+    <dgm:linClrLst meth="repeat">
+      <a:schemeClr val="accent1"/>
+    </dgm:linClrLst>
+    <dgm:effectClrLst/>
+    <dgm:txLinClrLst/>
+    <dgm:txFillClrLst meth="repeat">
+      <a:schemeClr val="lt1"/>
+    </dgm:txFillClrLst>
+    <dgm:txEffectClrLst/>
+  </dgm:styleLbl>
+  <dgm:styleLbl name="vennNode1">
+    <dgm:fillClrLst meth="repeat">
+      <a:schemeClr val="accent1">
+        <a:alpha val="50000"/>
+      </a:schemeClr>
+    </dgm:fillClrLst>
+    <dgm:linClrLst meth="repeat">
+      <a:schemeClr val="lt1"/>
+    </dgm:linClrLst>
+    <dgm:effectClrLst/>
+    <dgm:txLinClrLst/>
+    <dgm:txFillClrLst/>
+    <dgm:txEffectClrLst/>
+  </dgm:styleLbl>
+</dgm:colorsDef>
+</file>
+
+<file path=ppt/diagrams/colors2.xml><?xml version="1.0" encoding="utf-8"?>
+<dgm:colorsDef xmlns:dgm="http://schemas.openxmlformats.org/drawingml/2006/diagram" xmlns:a="http://schemas.openxmlformats.org/drawingml/2006/main" uniqueId="urn:microsoft.com/office/officeart/2005/8/colors/accent1_2">
+  <dgm:title val=""/>
+  <dgm:desc val=""/>
+  <dgm:catLst>
+    <dgm:cat type="accent1" pri="11200"/>
+  </dgm:catLst>
+  <dgm:styleLbl name="alignAcc1">
+    <dgm:fillClrLst meth="repeat">
+      <a:schemeClr val="lt1">
         <a:alpha val="90000"/>
-        <a:tint val="40000"/>
       </a:schemeClr>
+    </dgm:fillClrLst>
+    <dgm:linClrLst meth="repeat">
+      <a:schemeClr val="accent1"/>
     </dgm:linClrLst>
     <dgm:effectClrLst/>
     <dgm:txLinClrLst/>
@@ -755,6 +952,110 @@
     </dgm:txFillClrLst>
     <dgm:txEffectClrLst/>
   </dgm:styleLbl>
+  <dgm:styleLbl name="alignImgPlace1">
+    <dgm:fillClrLst meth="repeat">
+      <a:schemeClr val="accent1">
+        <a:tint val="50000"/>
+      </a:schemeClr>
+    </dgm:fillClrLst>
+    <dgm:linClrLst meth="repeat">
+      <a:schemeClr val="lt1"/>
+    </dgm:linClrLst>
+    <dgm:effectClrLst/>
+    <dgm:txLinClrLst/>
+    <dgm:txFillClrLst meth="repeat">
+      <a:schemeClr val="lt1"/>
+    </dgm:txFillClrLst>
+    <dgm:txEffectClrLst/>
+  </dgm:styleLbl>
+  <dgm:styleLbl name="alignNode1">
+    <dgm:fillClrLst meth="repeat">
+      <a:schemeClr val="accent1"/>
+    </dgm:fillClrLst>
+    <dgm:linClrLst meth="repeat">
+      <a:schemeClr val="accent1"/>
+    </dgm:linClrLst>
+    <dgm:effectClrLst/>
+    <dgm:txLinClrLst/>
+    <dgm:txFillClrLst/>
+    <dgm:txEffectClrLst/>
+  </dgm:styleLbl>
+  <dgm:styleLbl name="asst0">
+    <dgm:fillClrLst meth="repeat">
+      <a:schemeClr val="accent1"/>
+    </dgm:fillClrLst>
+    <dgm:linClrLst meth="repeat">
+      <a:schemeClr val="lt1"/>
+    </dgm:linClrLst>
+    <dgm:effectClrLst/>
+    <dgm:txLinClrLst/>
+    <dgm:txFillClrLst/>
+    <dgm:txEffectClrLst/>
+  </dgm:styleLbl>
+  <dgm:styleLbl name="asst1">
+    <dgm:fillClrLst meth="repeat">
+      <a:schemeClr val="accent1"/>
+    </dgm:fillClrLst>
+    <dgm:linClrLst meth="repeat">
+      <a:schemeClr val="lt1"/>
+    </dgm:linClrLst>
+    <dgm:effectClrLst/>
+    <dgm:txLinClrLst/>
+    <dgm:txFillClrLst/>
+    <dgm:txEffectClrLst/>
+  </dgm:styleLbl>
+  <dgm:styleLbl name="asst2">
+    <dgm:fillClrLst meth="repeat">
+      <a:schemeClr val="accent1"/>
+    </dgm:fillClrLst>
+    <dgm:linClrLst meth="repeat">
+      <a:schemeClr val="lt1"/>
+    </dgm:linClrLst>
+    <dgm:effectClrLst/>
+    <dgm:txLinClrLst/>
+    <dgm:txFillClrLst/>
+    <dgm:txEffectClrLst/>
+  </dgm:styleLbl>
+  <dgm:styleLbl name="asst3">
+    <dgm:fillClrLst meth="repeat">
+      <a:schemeClr val="accent1"/>
+    </dgm:fillClrLst>
+    <dgm:linClrLst meth="repeat">
+      <a:schemeClr val="lt1"/>
+    </dgm:linClrLst>
+    <dgm:effectClrLst/>
+    <dgm:txLinClrLst/>
+    <dgm:txFillClrLst/>
+    <dgm:txEffectClrLst/>
+  </dgm:styleLbl>
+  <dgm:styleLbl name="asst4">
+    <dgm:fillClrLst meth="repeat">
+      <a:schemeClr val="accent1"/>
+    </dgm:fillClrLst>
+    <dgm:linClrLst meth="repeat">
+      <a:schemeClr val="lt1"/>
+    </dgm:linClrLst>
+    <dgm:effectClrLst/>
+    <dgm:txLinClrLst/>
+    <dgm:txFillClrLst/>
+    <dgm:txEffectClrLst/>
+  </dgm:styleLbl>
+  <dgm:styleLbl name="bgAcc1">
+    <dgm:fillClrLst meth="repeat">
+      <a:schemeClr val="lt1">
+        <a:alpha val="90000"/>
+      </a:schemeClr>
+    </dgm:fillClrLst>
+    <dgm:linClrLst meth="repeat">
+      <a:schemeClr val="accent1"/>
+    </dgm:linClrLst>
+    <dgm:effectClrLst/>
+    <dgm:txLinClrLst/>
+    <dgm:txFillClrLst meth="repeat">
+      <a:schemeClr val="dk1"/>
+    </dgm:txFillClrLst>
+    <dgm:txEffectClrLst/>
+  </dgm:styleLbl>
   <dgm:styleLbl name="bgAccFollowNode1">
     <dgm:fillClrLst meth="repeat">
       <a:schemeClr val="accent1">
@@ -775,7 +1076,119 @@
     </dgm:txFillClrLst>
     <dgm:txEffectClrLst/>
   </dgm:styleLbl>
+  <dgm:styleLbl name="bgImgPlace1">
+    <dgm:fillClrLst meth="repeat">
+      <a:schemeClr val="accent1">
+        <a:tint val="50000"/>
+      </a:schemeClr>
+    </dgm:fillClrLst>
+    <dgm:linClrLst meth="repeat">
+      <a:schemeClr val="lt1"/>
+    </dgm:linClrLst>
+    <dgm:effectClrLst/>
+    <dgm:txLinClrLst/>
+    <dgm:txFillClrLst meth="repeat">
+      <a:schemeClr val="lt1"/>
+    </dgm:txFillClrLst>
+    <dgm:txEffectClrLst/>
+  </dgm:styleLbl>
+  <dgm:styleLbl name="bgShp">
+    <dgm:fillClrLst meth="repeat">
+      <a:schemeClr val="accent1">
+        <a:tint val="40000"/>
+      </a:schemeClr>
+    </dgm:fillClrLst>
+    <dgm:linClrLst meth="repeat">
+      <a:schemeClr val="accent1"/>
+    </dgm:linClrLst>
+    <dgm:effectClrLst/>
+    <dgm:txLinClrLst/>
+    <dgm:txFillClrLst meth="repeat">
+      <a:schemeClr val="dk1"/>
+    </dgm:txFillClrLst>
+    <dgm:txEffectClrLst/>
+  </dgm:styleLbl>
+  <dgm:styleLbl name="bgSibTrans2D1">
+    <dgm:fillClrLst meth="repeat">
+      <a:schemeClr val="accent1">
+        <a:tint val="60000"/>
+      </a:schemeClr>
+    </dgm:fillClrLst>
+    <dgm:linClrLst meth="repeat">
+      <a:schemeClr val="accent1">
+        <a:tint val="60000"/>
+      </a:schemeClr>
+    </dgm:linClrLst>
+    <dgm:effectClrLst/>
+    <dgm:txLinClrLst/>
+    <dgm:txFillClrLst/>
+    <dgm:txEffectClrLst/>
+  </dgm:styleLbl>
+  <dgm:styleLbl name="callout">
+    <dgm:fillClrLst meth="repeat">
+      <a:schemeClr val="accent1"/>
+    </dgm:fillClrLst>
+    <dgm:linClrLst meth="repeat">
+      <a:schemeClr val="accent1">
+        <a:tint val="50000"/>
+      </a:schemeClr>
+    </dgm:linClrLst>
+    <dgm:effectClrLst/>
+    <dgm:txLinClrLst/>
+    <dgm:txFillClrLst meth="repeat">
+      <a:schemeClr val="tx1"/>
+    </dgm:txFillClrLst>
+    <dgm:txEffectClrLst/>
+  </dgm:styleLbl>
+  <dgm:styleLbl name="conFgAcc1">
+    <dgm:fillClrLst meth="repeat">
+      <a:schemeClr val="lt1">
+        <a:alpha val="90000"/>
+      </a:schemeClr>
+    </dgm:fillClrLst>
+    <dgm:linClrLst meth="repeat">
+      <a:schemeClr val="accent1"/>
+    </dgm:linClrLst>
+    <dgm:effectClrLst/>
+    <dgm:txLinClrLst/>
+    <dgm:txFillClrLst meth="repeat">
+      <a:schemeClr val="dk1"/>
+    </dgm:txFillClrLst>
+    <dgm:txEffectClrLst/>
+  </dgm:styleLbl>
+  <dgm:styleLbl name="dkBgShp">
+    <dgm:fillClrLst meth="repeat">
+      <a:schemeClr val="accent1">
+        <a:shade val="80000"/>
+      </a:schemeClr>
+    </dgm:fillClrLst>
+    <dgm:linClrLst meth="repeat">
+      <a:schemeClr val="accent1"/>
+    </dgm:linClrLst>
+    <dgm:effectClrLst/>
+    <dgm:txLinClrLst/>
+    <dgm:txFillClrLst meth="repeat">
+      <a:schemeClr val="lt1"/>
+    </dgm:txFillClrLst>
+    <dgm:txEffectClrLst/>
+  </dgm:styleLbl>
   <dgm:styleLbl name="fgAcc0">
+    <dgm:fillClrLst meth="repeat">
+      <a:schemeClr val="lt1">
+        <a:alpha val="90000"/>
+      </a:schemeClr>
+    </dgm:fillClrLst>
+    <dgm:linClrLst meth="repeat">
+      <a:schemeClr val="accent1"/>
+    </dgm:linClrLst>
+    <dgm:effectClrLst/>
+    <dgm:txLinClrLst/>
+    <dgm:txFillClrLst meth="repeat">
+      <a:schemeClr val="dk1"/>
+    </dgm:txFillClrLst>
+    <dgm:txEffectClrLst/>
+  </dgm:styleLbl>
+  <dgm:styleLbl name="fgAcc1">
     <dgm:fillClrLst meth="repeat">
       <a:schemeClr val="lt1">
         <a:alpha val="90000"/>
@@ -839,14 +1252,18 @@
     </dgm:txFillClrLst>
     <dgm:txEffectClrLst/>
   </dgm:styleLbl>
-  <dgm:styleLbl name="bgShp">
+  <dgm:styleLbl name="fgAccFollowNode1">
     <dgm:fillClrLst meth="repeat">
       <a:schemeClr val="accent1">
+        <a:alpha val="90000"/>
         <a:tint val="40000"/>
       </a:schemeClr>
     </dgm:fillClrLst>
     <dgm:linClrLst meth="repeat">
-      <a:schemeClr val="accent1"/>
+      <a:schemeClr val="accent1">
+        <a:alpha val="90000"/>
+        <a:tint val="40000"/>
+      </a:schemeClr>
     </dgm:linClrLst>
     <dgm:effectClrLst/>
     <dgm:txLinClrLst/>
@@ -855,31 +1272,14 @@
     </dgm:txFillClrLst>
     <dgm:txEffectClrLst/>
   </dgm:styleLbl>
-  <dgm:styleLbl name="dkBgShp">
+  <dgm:styleLbl name="fgImgPlace1">
     <dgm:fillClrLst meth="repeat">
       <a:schemeClr val="accent1">
-        <a:shade val="80000"/>
+        <a:tint val="50000"/>
       </a:schemeClr>
     </dgm:fillClrLst>
     <dgm:linClrLst meth="repeat">
-      <a:schemeClr val="accent1"/>
-    </dgm:linClrLst>
-    <dgm:effectClrLst/>
-    <dgm:txLinClrLst/>
-    <dgm:txFillClrLst meth="repeat">
       <a:schemeClr val="lt1"/>
-    </dgm:txFillClrLst>
-    <dgm:txEffectClrLst/>
-  </dgm:styleLbl>
-  <dgm:styleLbl name="trBgShp">
-    <dgm:fillClrLst meth="repeat">
-      <a:schemeClr val="accent1">
-        <a:tint val="50000"/>
-        <a:alpha val="40000"/>
-      </a:schemeClr>
-    </dgm:fillClrLst>
-    <dgm:linClrLst meth="repeat">
-      <a:schemeClr val="accent1"/>
     </dgm:linClrLst>
     <dgm:effectClrLst/>
     <dgm:txLinClrLst/>
@@ -904,64 +1304,16 @@
     </dgm:txFillClrLst>
     <dgm:txEffectClrLst/>
   </dgm:styleLbl>
-  <dgm:styleLbl name="revTx">
+  <dgm:styleLbl name="fgSibTrans2D1">
     <dgm:fillClrLst meth="repeat">
-      <a:schemeClr val="lt1">
-        <a:alpha val="0"/>
+      <a:schemeClr val="accent1">
+        <a:tint val="60000"/>
       </a:schemeClr>
     </dgm:fillClrLst>
     <dgm:linClrLst meth="repeat">
-      <a:schemeClr val="dk1">
-        <a:alpha val="0"/>
+      <a:schemeClr val="accent1">
+        <a:tint val="60000"/>
       </a:schemeClr>
-    </dgm:linClrLst>
-    <dgm:effectClrLst/>
-    <dgm:txLinClrLst/>
-    <dgm:txFillClrLst meth="repeat">
-      <a:schemeClr val="tx1"/>
-    </dgm:txFillClrLst>
-    <dgm:txEffectClrLst/>
-  </dgm:styleLbl>
-</dgm:colorsDef>
-</file>
-
-<file path=ppt/diagrams/colors2.xml><?xml version="1.0" encoding="utf-8"?>
-<dgm:colorsDef xmlns:dgm="http://schemas.openxmlformats.org/drawingml/2006/diagram" xmlns:a="http://schemas.openxmlformats.org/drawingml/2006/main" uniqueId="urn:microsoft.com/office/officeart/2005/8/colors/accent1_2">
-  <dgm:title val=""/>
-  <dgm:desc val=""/>
-  <dgm:catLst>
-    <dgm:cat type="accent1" pri="11200"/>
-  </dgm:catLst>
-  <dgm:styleLbl name="node0">
-    <dgm:fillClrLst meth="repeat">
-      <a:schemeClr val="accent1"/>
-    </dgm:fillClrLst>
-    <dgm:linClrLst meth="repeat">
-      <a:schemeClr val="lt1"/>
-    </dgm:linClrLst>
-    <dgm:effectClrLst/>
-    <dgm:txLinClrLst/>
-    <dgm:txFillClrLst/>
-    <dgm:txEffectClrLst/>
-  </dgm:styleLbl>
-  <dgm:styleLbl name="alignNode1">
-    <dgm:fillClrLst meth="repeat">
-      <a:schemeClr val="accent1"/>
-    </dgm:fillClrLst>
-    <dgm:linClrLst meth="repeat">
-      <a:schemeClr val="accent1"/>
-    </dgm:linClrLst>
-    <dgm:effectClrLst/>
-    <dgm:txLinClrLst/>
-    <dgm:txFillClrLst/>
-    <dgm:txEffectClrLst/>
-  </dgm:styleLbl>
-  <dgm:styleLbl name="node1">
-    <dgm:fillClrLst meth="repeat">
-      <a:schemeClr val="accent1"/>
-    </dgm:fillClrLst>
-    <dgm:linClrLst meth="repeat">
-      <a:schemeClr val="lt1"/>
     </dgm:linClrLst>
     <dgm:effectClrLst/>
     <dgm:txLinClrLst/>
@@ -980,11 +1332,21 @@
     <dgm:txFillClrLst/>
     <dgm:txEffectClrLst/>
   </dgm:styleLbl>
-  <dgm:styleLbl name="vennNode1">
+  <dgm:styleLbl name="node0">
     <dgm:fillClrLst meth="repeat">
-      <a:schemeClr val="accent1">
-        <a:alpha val="50000"/>
-      </a:schemeClr>
+      <a:schemeClr val="accent1"/>
+    </dgm:fillClrLst>
+    <dgm:linClrLst meth="repeat">
+      <a:schemeClr val="lt1"/>
+    </dgm:linClrLst>
+    <dgm:effectClrLst/>
+    <dgm:txLinClrLst/>
+    <dgm:txFillClrLst/>
+    <dgm:txEffectClrLst/>
+  </dgm:styleLbl>
+  <dgm:styleLbl name="node1">
+    <dgm:fillClrLst meth="repeat">
+      <a:schemeClr val="accent1"/>
     </dgm:fillClrLst>
     <dgm:linClrLst meth="repeat">
       <a:schemeClr val="lt1"/>
@@ -1028,252 +1390,6 @@
     <dgm:effectClrLst/>
     <dgm:txLinClrLst/>
     <dgm:txFillClrLst/>
-    <dgm:txEffectClrLst/>
-  </dgm:styleLbl>
-  <dgm:styleLbl name="fgImgPlace1">
-    <dgm:fillClrLst meth="repeat">
-      <a:schemeClr val="accent1">
-        <a:tint val="50000"/>
-      </a:schemeClr>
-    </dgm:fillClrLst>
-    <dgm:linClrLst meth="repeat">
-      <a:schemeClr val="lt1"/>
-    </dgm:linClrLst>
-    <dgm:effectClrLst/>
-    <dgm:txLinClrLst/>
-    <dgm:txFillClrLst meth="repeat">
-      <a:schemeClr val="lt1"/>
-    </dgm:txFillClrLst>
-    <dgm:txEffectClrLst/>
-  </dgm:styleLbl>
-  <dgm:styleLbl name="alignImgPlace1">
-    <dgm:fillClrLst meth="repeat">
-      <a:schemeClr val="accent1">
-        <a:tint val="50000"/>
-      </a:schemeClr>
-    </dgm:fillClrLst>
-    <dgm:linClrLst meth="repeat">
-      <a:schemeClr val="lt1"/>
-    </dgm:linClrLst>
-    <dgm:effectClrLst/>
-    <dgm:txLinClrLst/>
-    <dgm:txFillClrLst meth="repeat">
-      <a:schemeClr val="lt1"/>
-    </dgm:txFillClrLst>
-    <dgm:txEffectClrLst/>
-  </dgm:styleLbl>
-  <dgm:styleLbl name="bgImgPlace1">
-    <dgm:fillClrLst meth="repeat">
-      <a:schemeClr val="accent1">
-        <a:tint val="50000"/>
-      </a:schemeClr>
-    </dgm:fillClrLst>
-    <dgm:linClrLst meth="repeat">
-      <a:schemeClr val="lt1"/>
-    </dgm:linClrLst>
-    <dgm:effectClrLst/>
-    <dgm:txLinClrLst/>
-    <dgm:txFillClrLst meth="repeat">
-      <a:schemeClr val="lt1"/>
-    </dgm:txFillClrLst>
-    <dgm:txEffectClrLst/>
-  </dgm:styleLbl>
-  <dgm:styleLbl name="sibTrans2D1">
-    <dgm:fillClrLst meth="repeat">
-      <a:schemeClr val="accent1">
-        <a:tint val="60000"/>
-      </a:schemeClr>
-    </dgm:fillClrLst>
-    <dgm:linClrLst meth="repeat">
-      <a:schemeClr val="accent1">
-        <a:tint val="60000"/>
-      </a:schemeClr>
-    </dgm:linClrLst>
-    <dgm:effectClrLst/>
-    <dgm:txLinClrLst/>
-    <dgm:txFillClrLst/>
-    <dgm:txEffectClrLst/>
-  </dgm:styleLbl>
-  <dgm:styleLbl name="fgSibTrans2D1">
-    <dgm:fillClrLst meth="repeat">
-      <a:schemeClr val="accent1">
-        <a:tint val="60000"/>
-      </a:schemeClr>
-    </dgm:fillClrLst>
-    <dgm:linClrLst meth="repeat">
-      <a:schemeClr val="accent1">
-        <a:tint val="60000"/>
-      </a:schemeClr>
-    </dgm:linClrLst>
-    <dgm:effectClrLst/>
-    <dgm:txLinClrLst/>
-    <dgm:txFillClrLst/>
-    <dgm:txEffectClrLst/>
-  </dgm:styleLbl>
-  <dgm:styleLbl name="bgSibTrans2D1">
-    <dgm:fillClrLst meth="repeat">
-      <a:schemeClr val="accent1">
-        <a:tint val="60000"/>
-      </a:schemeClr>
-    </dgm:fillClrLst>
-    <dgm:linClrLst meth="repeat">
-      <a:schemeClr val="accent1">
-        <a:tint val="60000"/>
-      </a:schemeClr>
-    </dgm:linClrLst>
-    <dgm:effectClrLst/>
-    <dgm:txLinClrLst/>
-    <dgm:txFillClrLst/>
-    <dgm:txEffectClrLst/>
-  </dgm:styleLbl>
-  <dgm:styleLbl name="sibTrans1D1">
-    <dgm:fillClrLst meth="repeat">
-      <a:schemeClr val="accent1"/>
-    </dgm:fillClrLst>
-    <dgm:linClrLst meth="repeat">
-      <a:schemeClr val="accent1"/>
-    </dgm:linClrLst>
-    <dgm:effectClrLst/>
-    <dgm:txLinClrLst/>
-    <dgm:txFillClrLst meth="repeat">
-      <a:schemeClr val="tx1"/>
-    </dgm:txFillClrLst>
-    <dgm:txEffectClrLst/>
-  </dgm:styleLbl>
-  <dgm:styleLbl name="callout">
-    <dgm:fillClrLst meth="repeat">
-      <a:schemeClr val="accent1"/>
-    </dgm:fillClrLst>
-    <dgm:linClrLst meth="repeat">
-      <a:schemeClr val="accent1">
-        <a:tint val="50000"/>
-      </a:schemeClr>
-    </dgm:linClrLst>
-    <dgm:effectClrLst/>
-    <dgm:txLinClrLst/>
-    <dgm:txFillClrLst meth="repeat">
-      <a:schemeClr val="tx1"/>
-    </dgm:txFillClrLst>
-    <dgm:txEffectClrLst/>
-  </dgm:styleLbl>
-  <dgm:styleLbl name="asst0">
-    <dgm:fillClrLst meth="repeat">
-      <a:schemeClr val="accent1"/>
-    </dgm:fillClrLst>
-    <dgm:linClrLst meth="repeat">
-      <a:schemeClr val="lt1"/>
-    </dgm:linClrLst>
-    <dgm:effectClrLst/>
-    <dgm:txLinClrLst/>
-    <dgm:txFillClrLst/>
-    <dgm:txEffectClrLst/>
-  </dgm:styleLbl>
-  <dgm:styleLbl name="asst1">
-    <dgm:fillClrLst meth="repeat">
-      <a:schemeClr val="accent1"/>
-    </dgm:fillClrLst>
-    <dgm:linClrLst meth="repeat">
-      <a:schemeClr val="lt1"/>
-    </dgm:linClrLst>
-    <dgm:effectClrLst/>
-    <dgm:txLinClrLst/>
-    <dgm:txFillClrLst/>
-    <dgm:txEffectClrLst/>
-  </dgm:styleLbl>
-  <dgm:styleLbl name="asst2">
-    <dgm:fillClrLst meth="repeat">
-      <a:schemeClr val="accent1"/>
-    </dgm:fillClrLst>
-    <dgm:linClrLst meth="repeat">
-      <a:schemeClr val="lt1"/>
-    </dgm:linClrLst>
-    <dgm:effectClrLst/>
-    <dgm:txLinClrLst/>
-    <dgm:txFillClrLst/>
-    <dgm:txEffectClrLst/>
-  </dgm:styleLbl>
-  <dgm:styleLbl name="asst3">
-    <dgm:fillClrLst meth="repeat">
-      <a:schemeClr val="accent1"/>
-    </dgm:fillClrLst>
-    <dgm:linClrLst meth="repeat">
-      <a:schemeClr val="lt1"/>
-    </dgm:linClrLst>
-    <dgm:effectClrLst/>
-    <dgm:txLinClrLst/>
-    <dgm:txFillClrLst/>
-    <dgm:txEffectClrLst/>
-  </dgm:styleLbl>
-  <dgm:styleLbl name="asst4">
-    <dgm:fillClrLst meth="repeat">
-      <a:schemeClr val="accent1"/>
-    </dgm:fillClrLst>
-    <dgm:linClrLst meth="repeat">
-      <a:schemeClr val="lt1"/>
-    </dgm:linClrLst>
-    <dgm:effectClrLst/>
-    <dgm:txLinClrLst/>
-    <dgm:txFillClrLst/>
-    <dgm:txEffectClrLst/>
-  </dgm:styleLbl>
-  <dgm:styleLbl name="parChTrans2D1">
-    <dgm:fillClrLst meth="repeat">
-      <a:schemeClr val="accent1">
-        <a:tint val="60000"/>
-      </a:schemeClr>
-    </dgm:fillClrLst>
-    <dgm:linClrLst meth="repeat">
-      <a:schemeClr val="accent1">
-        <a:tint val="60000"/>
-      </a:schemeClr>
-    </dgm:linClrLst>
-    <dgm:effectClrLst/>
-    <dgm:txLinClrLst/>
-    <dgm:txFillClrLst meth="repeat">
-      <a:schemeClr val="lt1"/>
-    </dgm:txFillClrLst>
-    <dgm:txEffectClrLst/>
-  </dgm:styleLbl>
-  <dgm:styleLbl name="parChTrans2D2">
-    <dgm:fillClrLst meth="repeat">
-      <a:schemeClr val="accent1"/>
-    </dgm:fillClrLst>
-    <dgm:linClrLst meth="repeat">
-      <a:schemeClr val="accent1"/>
-    </dgm:linClrLst>
-    <dgm:effectClrLst/>
-    <dgm:txLinClrLst/>
-    <dgm:txFillClrLst meth="repeat">
-      <a:schemeClr val="lt1"/>
-    </dgm:txFillClrLst>
-    <dgm:txEffectClrLst/>
-  </dgm:styleLbl>
-  <dgm:styleLbl name="parChTrans2D3">
-    <dgm:fillClrLst meth="repeat">
-      <a:schemeClr val="accent1"/>
-    </dgm:fillClrLst>
-    <dgm:linClrLst meth="repeat">
-      <a:schemeClr val="accent1"/>
-    </dgm:linClrLst>
-    <dgm:effectClrLst/>
-    <dgm:txLinClrLst/>
-    <dgm:txFillClrLst meth="repeat">
-      <a:schemeClr val="lt1"/>
-    </dgm:txFillClrLst>
-    <dgm:txEffectClrLst/>
-  </dgm:styleLbl>
-  <dgm:styleLbl name="parChTrans2D4">
-    <dgm:fillClrLst meth="repeat">
-      <a:schemeClr val="accent1"/>
-    </dgm:fillClrLst>
-    <dgm:linClrLst meth="repeat">
-      <a:schemeClr val="accent1"/>
-    </dgm:linClrLst>
-    <dgm:effectClrLst/>
-    <dgm:txLinClrLst/>
-    <dgm:txFillClrLst meth="repeat">
-      <a:schemeClr val="lt1"/>
-    </dgm:txFillClrLst>
     <dgm:txEffectClrLst/>
   </dgm:styleLbl>
   <dgm:styleLbl name="parChTrans1D1">
@@ -1340,11 +1456,27 @@
     </dgm:txFillClrLst>
     <dgm:txEffectClrLst/>
   </dgm:styleLbl>
-  <dgm:styleLbl name="fgAcc1">
+  <dgm:styleLbl name="parChTrans2D1">
     <dgm:fillClrLst meth="repeat">
-      <a:schemeClr val="lt1">
-        <a:alpha val="90000"/>
+      <a:schemeClr val="accent1">
+        <a:tint val="60000"/>
       </a:schemeClr>
+    </dgm:fillClrLst>
+    <dgm:linClrLst meth="repeat">
+      <a:schemeClr val="accent1">
+        <a:tint val="60000"/>
+      </a:schemeClr>
+    </dgm:linClrLst>
+    <dgm:effectClrLst/>
+    <dgm:txLinClrLst/>
+    <dgm:txFillClrLst meth="repeat">
+      <a:schemeClr val="lt1"/>
+    </dgm:txFillClrLst>
+    <dgm:txEffectClrLst/>
+  </dgm:styleLbl>
+  <dgm:styleLbl name="parChTrans2D2">
+    <dgm:fillClrLst meth="repeat">
+      <a:schemeClr val="accent1"/>
     </dgm:fillClrLst>
     <dgm:linClrLst meth="repeat">
       <a:schemeClr val="accent1"/>
@@ -1352,15 +1484,13 @@
     <dgm:effectClrLst/>
     <dgm:txLinClrLst/>
     <dgm:txFillClrLst meth="repeat">
-      <a:schemeClr val="dk1"/>
+      <a:schemeClr val="lt1"/>
     </dgm:txFillClrLst>
     <dgm:txEffectClrLst/>
   </dgm:styleLbl>
-  <dgm:styleLbl name="conFgAcc1">
+  <dgm:styleLbl name="parChTrans2D3">
     <dgm:fillClrLst meth="repeat">
-      <a:schemeClr val="lt1">
-        <a:alpha val="90000"/>
-      </a:schemeClr>
+      <a:schemeClr val="accent1"/>
     </dgm:fillClrLst>
     <dgm:linClrLst meth="repeat">
       <a:schemeClr val="accent1"/>
@@ -1368,15 +1498,13 @@
     <dgm:effectClrLst/>
     <dgm:txLinClrLst/>
     <dgm:txFillClrLst meth="repeat">
-      <a:schemeClr val="dk1"/>
+      <a:schemeClr val="lt1"/>
     </dgm:txFillClrLst>
     <dgm:txEffectClrLst/>
   </dgm:styleLbl>
-  <dgm:styleLbl name="alignAcc1">
+  <dgm:styleLbl name="parChTrans2D4">
     <dgm:fillClrLst meth="repeat">
-      <a:schemeClr val="lt1">
-        <a:alpha val="90000"/>
-      </a:schemeClr>
+      <a:schemeClr val="accent1"/>
     </dgm:fillClrLst>
     <dgm:linClrLst meth="repeat">
       <a:schemeClr val="accent1"/>
@@ -1384,15 +1512,31 @@
     <dgm:effectClrLst/>
     <dgm:txLinClrLst/>
     <dgm:txFillClrLst meth="repeat">
-      <a:schemeClr val="dk1"/>
+      <a:schemeClr val="lt1"/>
     </dgm:txFillClrLst>
     <dgm:txEffectClrLst/>
   </dgm:styleLbl>
-  <dgm:styleLbl name="trAlignAcc1">
+  <dgm:styleLbl name="revTx">
     <dgm:fillClrLst meth="repeat">
       <a:schemeClr val="lt1">
-        <a:alpha val="40000"/>
+        <a:alpha val="0"/>
       </a:schemeClr>
+    </dgm:fillClrLst>
+    <dgm:linClrLst meth="repeat">
+      <a:schemeClr val="dk1">
+        <a:alpha val="0"/>
+      </a:schemeClr>
+    </dgm:linClrLst>
+    <dgm:effectClrLst/>
+    <dgm:txLinClrLst/>
+    <dgm:txFillClrLst meth="repeat">
+      <a:schemeClr val="tx1"/>
+    </dgm:txFillClrLst>
+    <dgm:txEffectClrLst/>
+  </dgm:styleLbl>
+  <dgm:styleLbl name="sibTrans1D1">
+    <dgm:fillClrLst meth="repeat">
+      <a:schemeClr val="accent1"/>
     </dgm:fillClrLst>
     <dgm:linClrLst meth="repeat">
       <a:schemeClr val="accent1"/>
@@ -1400,38 +1544,24 @@
     <dgm:effectClrLst/>
     <dgm:txLinClrLst/>
     <dgm:txFillClrLst meth="repeat">
-      <a:schemeClr val="dk1"/>
+      <a:schemeClr val="tx1"/>
     </dgm:txFillClrLst>
     <dgm:txEffectClrLst/>
   </dgm:styleLbl>
-  <dgm:styleLbl name="bgAcc1">
+  <dgm:styleLbl name="sibTrans2D1">
     <dgm:fillClrLst meth="repeat">
-      <a:schemeClr val="lt1">
-        <a:alpha val="90000"/>
+      <a:schemeClr val="accent1">
+        <a:tint val="60000"/>
       </a:schemeClr>
     </dgm:fillClrLst>
     <dgm:linClrLst meth="repeat">
-      <a:schemeClr val="accent1"/>
+      <a:schemeClr val="accent1">
+        <a:tint val="60000"/>
+      </a:schemeClr>
     </dgm:linClrLst>
     <dgm:effectClrLst/>
     <dgm:txLinClrLst/>
-    <dgm:txFillClrLst meth="repeat">
-      <a:schemeClr val="dk1"/>
-    </dgm:txFillClrLst>
-    <dgm:txEffectClrLst/>
-  </dgm:styleLbl>
-  <dgm:styleLbl name="solidFgAcc1">
-    <dgm:fillClrLst meth="repeat">
-      <a:schemeClr val="lt1"/>
-    </dgm:fillClrLst>
-    <dgm:linClrLst meth="repeat">
-      <a:schemeClr val="accent1"/>
-    </dgm:linClrLst>
-    <dgm:effectClrLst/>
-    <dgm:txLinClrLst/>
-    <dgm:txFillClrLst meth="repeat">
-      <a:schemeClr val="dk1"/>
-    </dgm:txFillClrLst>
+    <dgm:txFillClrLst/>
     <dgm:txEffectClrLst/>
   </dgm:styleLbl>
   <dgm:styleLbl name="solidAlignAcc1">
@@ -1462,71 +1592,9 @@
     </dgm:txFillClrLst>
     <dgm:txEffectClrLst/>
   </dgm:styleLbl>
-  <dgm:styleLbl name="fgAccFollowNode1">
+  <dgm:styleLbl name="solidFgAcc1">
     <dgm:fillClrLst meth="repeat">
-      <a:schemeClr val="accent1">
-        <a:alpha val="90000"/>
-        <a:tint val="40000"/>
-      </a:schemeClr>
-    </dgm:fillClrLst>
-    <dgm:linClrLst meth="repeat">
-      <a:schemeClr val="accent1">
-        <a:alpha val="90000"/>
-        <a:tint val="40000"/>
-      </a:schemeClr>
-    </dgm:linClrLst>
-    <dgm:effectClrLst/>
-    <dgm:txLinClrLst/>
-    <dgm:txFillClrLst meth="repeat">
-      <a:schemeClr val="dk1"/>
-    </dgm:txFillClrLst>
-    <dgm:txEffectClrLst/>
-  </dgm:styleLbl>
-  <dgm:styleLbl name="alignAccFollowNode1">
-    <dgm:fillClrLst meth="repeat">
-      <a:schemeClr val="accent1">
-        <a:alpha val="90000"/>
-        <a:tint val="40000"/>
-      </a:schemeClr>
-    </dgm:fillClrLst>
-    <dgm:linClrLst meth="repeat">
-      <a:schemeClr val="accent1">
-        <a:alpha val="90000"/>
-        <a:tint val="40000"/>
-      </a:schemeClr>
-    </dgm:linClrLst>
-    <dgm:effectClrLst/>
-    <dgm:txLinClrLst/>
-    <dgm:txFillClrLst meth="repeat">
-      <a:schemeClr val="dk1"/>
-    </dgm:txFillClrLst>
-    <dgm:txEffectClrLst/>
-  </dgm:styleLbl>
-  <dgm:styleLbl name="bgAccFollowNode1">
-    <dgm:fillClrLst meth="repeat">
-      <a:schemeClr val="accent1">
-        <a:alpha val="90000"/>
-        <a:tint val="40000"/>
-      </a:schemeClr>
-    </dgm:fillClrLst>
-    <dgm:linClrLst meth="repeat">
-      <a:schemeClr val="accent1">
-        <a:alpha val="90000"/>
-        <a:tint val="40000"/>
-      </a:schemeClr>
-    </dgm:linClrLst>
-    <dgm:effectClrLst/>
-    <dgm:txLinClrLst/>
-    <dgm:txFillClrLst meth="repeat">
-      <a:schemeClr val="dk1"/>
-    </dgm:txFillClrLst>
-    <dgm:txEffectClrLst/>
-  </dgm:styleLbl>
-  <dgm:styleLbl name="fgAcc0">
-    <dgm:fillClrLst meth="repeat">
-      <a:schemeClr val="lt1">
-        <a:alpha val="90000"/>
-      </a:schemeClr>
+      <a:schemeClr val="lt1"/>
     </dgm:fillClrLst>
     <dgm:linClrLst meth="repeat">
       <a:schemeClr val="accent1"/>
@@ -1538,10 +1606,10 @@
     </dgm:txFillClrLst>
     <dgm:txEffectClrLst/>
   </dgm:styleLbl>
-  <dgm:styleLbl name="fgAcc2">
+  <dgm:styleLbl name="trAlignAcc1">
     <dgm:fillClrLst meth="repeat">
       <a:schemeClr val="lt1">
-        <a:alpha val="90000"/>
+        <a:alpha val="40000"/>
       </a:schemeClr>
     </dgm:fillClrLst>
     <dgm:linClrLst meth="repeat">
@@ -1551,70 +1619,6 @@
     <dgm:txLinClrLst/>
     <dgm:txFillClrLst meth="repeat">
       <a:schemeClr val="dk1"/>
-    </dgm:txFillClrLst>
-    <dgm:txEffectClrLst/>
-  </dgm:styleLbl>
-  <dgm:styleLbl name="fgAcc3">
-    <dgm:fillClrLst meth="repeat">
-      <a:schemeClr val="lt1">
-        <a:alpha val="90000"/>
-      </a:schemeClr>
-    </dgm:fillClrLst>
-    <dgm:linClrLst meth="repeat">
-      <a:schemeClr val="accent1"/>
-    </dgm:linClrLst>
-    <dgm:effectClrLst/>
-    <dgm:txLinClrLst/>
-    <dgm:txFillClrLst meth="repeat">
-      <a:schemeClr val="dk1"/>
-    </dgm:txFillClrLst>
-    <dgm:txEffectClrLst/>
-  </dgm:styleLbl>
-  <dgm:styleLbl name="fgAcc4">
-    <dgm:fillClrLst meth="repeat">
-      <a:schemeClr val="lt1">
-        <a:alpha val="90000"/>
-      </a:schemeClr>
-    </dgm:fillClrLst>
-    <dgm:linClrLst meth="repeat">
-      <a:schemeClr val="accent1"/>
-    </dgm:linClrLst>
-    <dgm:effectClrLst/>
-    <dgm:txLinClrLst/>
-    <dgm:txFillClrLst meth="repeat">
-      <a:schemeClr val="dk1"/>
-    </dgm:txFillClrLst>
-    <dgm:txEffectClrLst/>
-  </dgm:styleLbl>
-  <dgm:styleLbl name="bgShp">
-    <dgm:fillClrLst meth="repeat">
-      <a:schemeClr val="accent1">
-        <a:tint val="40000"/>
-      </a:schemeClr>
-    </dgm:fillClrLst>
-    <dgm:linClrLst meth="repeat">
-      <a:schemeClr val="accent1"/>
-    </dgm:linClrLst>
-    <dgm:effectClrLst/>
-    <dgm:txLinClrLst/>
-    <dgm:txFillClrLst meth="repeat">
-      <a:schemeClr val="dk1"/>
-    </dgm:txFillClrLst>
-    <dgm:txEffectClrLst/>
-  </dgm:styleLbl>
-  <dgm:styleLbl name="dkBgShp">
-    <dgm:fillClrLst meth="repeat">
-      <a:schemeClr val="accent1">
-        <a:shade val="80000"/>
-      </a:schemeClr>
-    </dgm:fillClrLst>
-    <dgm:linClrLst meth="repeat">
-      <a:schemeClr val="accent1"/>
-    </dgm:linClrLst>
-    <dgm:effectClrLst/>
-    <dgm:txLinClrLst/>
-    <dgm:txFillClrLst meth="repeat">
-      <a:schemeClr val="lt1"/>
     </dgm:txFillClrLst>
     <dgm:txEffectClrLst/>
   </dgm:styleLbl>
@@ -1635,10 +1639,10 @@
     </dgm:txFillClrLst>
     <dgm:txEffectClrLst/>
   </dgm:styleLbl>
-  <dgm:styleLbl name="fgShp">
+  <dgm:styleLbl name="vennNode1">
     <dgm:fillClrLst meth="repeat">
       <a:schemeClr val="accent1">
-        <a:tint val="60000"/>
+        <a:alpha val="50000"/>
       </a:schemeClr>
     </dgm:fillClrLst>
     <dgm:linClrLst meth="repeat">
@@ -1646,27 +1650,7 @@
     </dgm:linClrLst>
     <dgm:effectClrLst/>
     <dgm:txLinClrLst/>
-    <dgm:txFillClrLst meth="repeat">
-      <a:schemeClr val="dk1"/>
-    </dgm:txFillClrLst>
-    <dgm:txEffectClrLst/>
-  </dgm:styleLbl>
-  <dgm:styleLbl name="revTx">
-    <dgm:fillClrLst meth="repeat">
-      <a:schemeClr val="lt1">
-        <a:alpha val="0"/>
-      </a:schemeClr>
-    </dgm:fillClrLst>
-    <dgm:linClrLst meth="repeat">
-      <a:schemeClr val="dk1">
-        <a:alpha val="0"/>
-      </a:schemeClr>
-    </dgm:linClrLst>
-    <dgm:effectClrLst/>
-    <dgm:txLinClrLst/>
-    <dgm:txFillClrLst meth="repeat">
-      <a:schemeClr val="tx1"/>
-    </dgm:txFillClrLst>
+    <dgm:txFillClrLst/>
     <dgm:txEffectClrLst/>
   </dgm:styleLbl>
 </dgm:colorsDef>
@@ -1695,15 +1679,15 @@
         <a:p>
           <a:r>
             <a:rPr lang="zh-CN" altLang="en-US" sz="1800" dirty="0">
-              <a:latin typeface="微软雅黑" pitchFamily="34" charset="-122"/>
-              <a:ea typeface="微软雅黑" pitchFamily="34" charset="-122"/>
+              <a:latin typeface="微软雅黑" panose="020B0503020204020204" pitchFamily="34" charset="-122"/>
+              <a:ea typeface="微软雅黑" panose="020B0503020204020204" pitchFamily="34" charset="-122"/>
             </a:rPr>
             <a:t>项目管理</a:t>
           </a:r>
         </a:p>
       </dgm:t>
     </dgm:pt>
-    <dgm:pt modelId="{780109C1-9655-47E2-88C3-EAFCF26935DB}" type="parTrans" cxnId="{09047B45-EB83-4B38-B2C2-D582BBB7B5F5}">
+    <dgm:pt modelId="{780109C1-9655-47E2-88C3-EAFCF26935DB}" cxnId="{09047B45-EB83-4B38-B2C2-D582BBB7B5F5}" type="parTrans">
       <dgm:prSet/>
       <dgm:spPr/>
       <dgm:t>
@@ -1711,13 +1695,13 @@
         <a:lstStyle/>
         <a:p>
           <a:endParaRPr lang="zh-CN" altLang="en-US" sz="2800">
-            <a:latin typeface="微软雅黑" pitchFamily="34" charset="-122"/>
-            <a:ea typeface="微软雅黑" pitchFamily="34" charset="-122"/>
+            <a:latin typeface="微软雅黑" panose="020B0503020204020204" pitchFamily="34" charset="-122"/>
+            <a:ea typeface="微软雅黑" panose="020B0503020204020204" pitchFamily="34" charset="-122"/>
           </a:endParaRPr>
         </a:p>
       </dgm:t>
     </dgm:pt>
-    <dgm:pt modelId="{25A7B371-2967-431B-ABEA-D02DC93FE7D8}" type="sibTrans" cxnId="{09047B45-EB83-4B38-B2C2-D582BBB7B5F5}">
+    <dgm:pt modelId="{25A7B371-2967-431B-ABEA-D02DC93FE7D8}" cxnId="{09047B45-EB83-4B38-B2C2-D582BBB7B5F5}" type="sibTrans">
       <dgm:prSet/>
       <dgm:spPr/>
       <dgm:t>
@@ -1725,8 +1709,8 @@
         <a:lstStyle/>
         <a:p>
           <a:endParaRPr lang="zh-CN" altLang="en-US" sz="2800">
-            <a:latin typeface="微软雅黑" pitchFamily="34" charset="-122"/>
-            <a:ea typeface="微软雅黑" pitchFamily="34" charset="-122"/>
+            <a:latin typeface="微软雅黑" panose="020B0503020204020204" pitchFamily="34" charset="-122"/>
+            <a:ea typeface="微软雅黑" panose="020B0503020204020204" pitchFamily="34" charset="-122"/>
           </a:endParaRPr>
         </a:p>
       </dgm:t>
@@ -1740,15 +1724,15 @@
         <a:p>
           <a:r>
             <a:rPr lang="zh-CN" altLang="en-US" sz="1800" dirty="0">
-              <a:latin typeface="微软雅黑" pitchFamily="34" charset="-122"/>
-              <a:ea typeface="微软雅黑" pitchFamily="34" charset="-122"/>
+              <a:latin typeface="微软雅黑" panose="020B0503020204020204" pitchFamily="34" charset="-122"/>
+              <a:ea typeface="微软雅黑" panose="020B0503020204020204" pitchFamily="34" charset="-122"/>
             </a:rPr>
             <a:t>事</a:t>
           </a:r>
         </a:p>
       </dgm:t>
     </dgm:pt>
-    <dgm:pt modelId="{E5D17642-311E-4E48-8DEA-D0D8890B54EE}" type="parTrans" cxnId="{FAB3F2FB-F6D5-4C97-A559-9A4E5DC86A11}">
+    <dgm:pt modelId="{E5D17642-311E-4E48-8DEA-D0D8890B54EE}" cxnId="{FAB3F2FB-F6D5-4C97-A559-9A4E5DC86A11}" type="parTrans">
       <dgm:prSet/>
       <dgm:spPr/>
       <dgm:t>
@@ -1756,13 +1740,13 @@
         <a:lstStyle/>
         <a:p>
           <a:endParaRPr lang="zh-CN" altLang="en-US" sz="2800">
-            <a:latin typeface="微软雅黑" pitchFamily="34" charset="-122"/>
-            <a:ea typeface="微软雅黑" pitchFamily="34" charset="-122"/>
+            <a:latin typeface="微软雅黑" panose="020B0503020204020204" pitchFamily="34" charset="-122"/>
+            <a:ea typeface="微软雅黑" panose="020B0503020204020204" pitchFamily="34" charset="-122"/>
           </a:endParaRPr>
         </a:p>
       </dgm:t>
     </dgm:pt>
-    <dgm:pt modelId="{BB304DA2-FDD2-4AC3-9B7F-0E99D5E0A5B1}" type="sibTrans" cxnId="{FAB3F2FB-F6D5-4C97-A559-9A4E5DC86A11}">
+    <dgm:pt modelId="{BB304DA2-FDD2-4AC3-9B7F-0E99D5E0A5B1}" cxnId="{FAB3F2FB-F6D5-4C97-A559-9A4E5DC86A11}" type="sibTrans">
       <dgm:prSet/>
       <dgm:spPr/>
       <dgm:t>
@@ -1770,8 +1754,8 @@
         <a:lstStyle/>
         <a:p>
           <a:endParaRPr lang="zh-CN" altLang="en-US" sz="2800">
-            <a:latin typeface="微软雅黑" pitchFamily="34" charset="-122"/>
-            <a:ea typeface="微软雅黑" pitchFamily="34" charset="-122"/>
+            <a:latin typeface="微软雅黑" panose="020B0503020204020204" pitchFamily="34" charset="-122"/>
+            <a:ea typeface="微软雅黑" panose="020B0503020204020204" pitchFamily="34" charset="-122"/>
           </a:endParaRPr>
         </a:p>
       </dgm:t>
@@ -1785,15 +1769,15 @@
         <a:p>
           <a:r>
             <a:rPr lang="zh-CN" altLang="en-US" sz="1800" dirty="0">
-              <a:latin typeface="微软雅黑" pitchFamily="34" charset="-122"/>
-              <a:ea typeface="微软雅黑" pitchFamily="34" charset="-122"/>
+              <a:latin typeface="微软雅黑" panose="020B0503020204020204" pitchFamily="34" charset="-122"/>
+              <a:ea typeface="微软雅黑" panose="020B0503020204020204" pitchFamily="34" charset="-122"/>
             </a:rPr>
             <a:t>范围</a:t>
           </a:r>
         </a:p>
       </dgm:t>
     </dgm:pt>
-    <dgm:pt modelId="{10F5D31E-01D7-48D8-A17A-041F0FDE5A51}" type="parTrans" cxnId="{CDC70299-13DC-4242-BD10-3FE2159D639C}">
+    <dgm:pt modelId="{10F5D31E-01D7-48D8-A17A-041F0FDE5A51}" cxnId="{CDC70299-13DC-4242-BD10-3FE2159D639C}" type="parTrans">
       <dgm:prSet/>
       <dgm:spPr/>
       <dgm:t>
@@ -1801,13 +1785,13 @@
         <a:lstStyle/>
         <a:p>
           <a:endParaRPr lang="zh-CN" altLang="en-US" sz="2800">
-            <a:latin typeface="微软雅黑" pitchFamily="34" charset="-122"/>
-            <a:ea typeface="微软雅黑" pitchFamily="34" charset="-122"/>
+            <a:latin typeface="微软雅黑" panose="020B0503020204020204" pitchFamily="34" charset="-122"/>
+            <a:ea typeface="微软雅黑" panose="020B0503020204020204" pitchFamily="34" charset="-122"/>
           </a:endParaRPr>
         </a:p>
       </dgm:t>
     </dgm:pt>
-    <dgm:pt modelId="{9650F4D0-D729-49DA-856E-CABC5ECABC91}" type="sibTrans" cxnId="{CDC70299-13DC-4242-BD10-3FE2159D639C}">
+    <dgm:pt modelId="{9650F4D0-D729-49DA-856E-CABC5ECABC91}" cxnId="{CDC70299-13DC-4242-BD10-3FE2159D639C}" type="sibTrans">
       <dgm:prSet/>
       <dgm:spPr/>
       <dgm:t>
@@ -1815,8 +1799,8 @@
         <a:lstStyle/>
         <a:p>
           <a:endParaRPr lang="zh-CN" altLang="en-US" sz="2800">
-            <a:latin typeface="微软雅黑" pitchFamily="34" charset="-122"/>
-            <a:ea typeface="微软雅黑" pitchFamily="34" charset="-122"/>
+            <a:latin typeface="微软雅黑" panose="020B0503020204020204" pitchFamily="34" charset="-122"/>
+            <a:ea typeface="微软雅黑" panose="020B0503020204020204" pitchFamily="34" charset="-122"/>
           </a:endParaRPr>
         </a:p>
       </dgm:t>
@@ -1830,15 +1814,15 @@
         <a:p>
           <a:r>
             <a:rPr lang="zh-CN" altLang="en-US" sz="1800" dirty="0">
-              <a:latin typeface="微软雅黑" pitchFamily="34" charset="-122"/>
-              <a:ea typeface="微软雅黑" pitchFamily="34" charset="-122"/>
+              <a:latin typeface="微软雅黑" panose="020B0503020204020204" pitchFamily="34" charset="-122"/>
+              <a:ea typeface="微软雅黑" panose="020B0503020204020204" pitchFamily="34" charset="-122"/>
             </a:rPr>
             <a:t>时间</a:t>
           </a:r>
         </a:p>
       </dgm:t>
     </dgm:pt>
-    <dgm:pt modelId="{CC6703A3-6E18-4CFC-8EE5-235B7475FC24}" type="parTrans" cxnId="{B50250B4-0CBF-4078-A2DE-E79870F84E76}">
+    <dgm:pt modelId="{CC6703A3-6E18-4CFC-8EE5-235B7475FC24}" cxnId="{B50250B4-0CBF-4078-A2DE-E79870F84E76}" type="parTrans">
       <dgm:prSet/>
       <dgm:spPr/>
       <dgm:t>
@@ -1846,13 +1830,13 @@
         <a:lstStyle/>
         <a:p>
           <a:endParaRPr lang="zh-CN" altLang="en-US" sz="2800">
-            <a:latin typeface="微软雅黑" pitchFamily="34" charset="-122"/>
-            <a:ea typeface="微软雅黑" pitchFamily="34" charset="-122"/>
+            <a:latin typeface="微软雅黑" panose="020B0503020204020204" pitchFamily="34" charset="-122"/>
+            <a:ea typeface="微软雅黑" panose="020B0503020204020204" pitchFamily="34" charset="-122"/>
           </a:endParaRPr>
         </a:p>
       </dgm:t>
     </dgm:pt>
-    <dgm:pt modelId="{29ED61F3-2CE1-4C83-8EA0-C5701A73FAA7}" type="sibTrans" cxnId="{B50250B4-0CBF-4078-A2DE-E79870F84E76}">
+    <dgm:pt modelId="{29ED61F3-2CE1-4C83-8EA0-C5701A73FAA7}" cxnId="{B50250B4-0CBF-4078-A2DE-E79870F84E76}" type="sibTrans">
       <dgm:prSet/>
       <dgm:spPr/>
       <dgm:t>
@@ -1860,8 +1844,8 @@
         <a:lstStyle/>
         <a:p>
           <a:endParaRPr lang="zh-CN" altLang="en-US" sz="2800">
-            <a:latin typeface="微软雅黑" pitchFamily="34" charset="-122"/>
-            <a:ea typeface="微软雅黑" pitchFamily="34" charset="-122"/>
+            <a:latin typeface="微软雅黑" panose="020B0503020204020204" pitchFamily="34" charset="-122"/>
+            <a:ea typeface="微软雅黑" panose="020B0503020204020204" pitchFamily="34" charset="-122"/>
           </a:endParaRPr>
         </a:p>
       </dgm:t>
@@ -1875,15 +1859,15 @@
         <a:p>
           <a:r>
             <a:rPr lang="zh-CN" altLang="en-US" sz="1800" dirty="0">
-              <a:latin typeface="微软雅黑" pitchFamily="34" charset="-122"/>
-              <a:ea typeface="微软雅黑" pitchFamily="34" charset="-122"/>
+              <a:latin typeface="微软雅黑" panose="020B0503020204020204" pitchFamily="34" charset="-122"/>
+              <a:ea typeface="微软雅黑" panose="020B0503020204020204" pitchFamily="34" charset="-122"/>
             </a:rPr>
             <a:t>人</a:t>
           </a:r>
         </a:p>
       </dgm:t>
     </dgm:pt>
-    <dgm:pt modelId="{513DB6FD-C6AF-4569-976F-A254F44F1892}" type="parTrans" cxnId="{7FF62EE3-9AA1-4D3F-B751-E03B97D6EBBE}">
+    <dgm:pt modelId="{513DB6FD-C6AF-4569-976F-A254F44F1892}" cxnId="{7FF62EE3-9AA1-4D3F-B751-E03B97D6EBBE}" type="parTrans">
       <dgm:prSet/>
       <dgm:spPr/>
       <dgm:t>
@@ -1891,13 +1875,13 @@
         <a:lstStyle/>
         <a:p>
           <a:endParaRPr lang="zh-CN" altLang="en-US" sz="2800">
-            <a:latin typeface="微软雅黑" pitchFamily="34" charset="-122"/>
-            <a:ea typeface="微软雅黑" pitchFamily="34" charset="-122"/>
+            <a:latin typeface="微软雅黑" panose="020B0503020204020204" pitchFamily="34" charset="-122"/>
+            <a:ea typeface="微软雅黑" panose="020B0503020204020204" pitchFamily="34" charset="-122"/>
           </a:endParaRPr>
         </a:p>
       </dgm:t>
     </dgm:pt>
-    <dgm:pt modelId="{DCB10894-45A3-4B01-B290-17600C3EA423}" type="sibTrans" cxnId="{7FF62EE3-9AA1-4D3F-B751-E03B97D6EBBE}">
+    <dgm:pt modelId="{DCB10894-45A3-4B01-B290-17600C3EA423}" cxnId="{7FF62EE3-9AA1-4D3F-B751-E03B97D6EBBE}" type="sibTrans">
       <dgm:prSet/>
       <dgm:spPr/>
       <dgm:t>
@@ -1905,8 +1889,8 @@
         <a:lstStyle/>
         <a:p>
           <a:endParaRPr lang="zh-CN" altLang="en-US" sz="2800">
-            <a:latin typeface="微软雅黑" pitchFamily="34" charset="-122"/>
-            <a:ea typeface="微软雅黑" pitchFamily="34" charset="-122"/>
+            <a:latin typeface="微软雅黑" panose="020B0503020204020204" pitchFamily="34" charset="-122"/>
+            <a:ea typeface="微软雅黑" panose="020B0503020204020204" pitchFamily="34" charset="-122"/>
           </a:endParaRPr>
         </a:p>
       </dgm:t>
@@ -1920,15 +1904,15 @@
         <a:p>
           <a:r>
             <a:rPr lang="zh-CN" altLang="en-US" sz="1800" dirty="0">
-              <a:latin typeface="微软雅黑" pitchFamily="34" charset="-122"/>
-              <a:ea typeface="微软雅黑" pitchFamily="34" charset="-122"/>
+              <a:latin typeface="微软雅黑" panose="020B0503020204020204" pitchFamily="34" charset="-122"/>
+              <a:ea typeface="微软雅黑" panose="020B0503020204020204" pitchFamily="34" charset="-122"/>
             </a:rPr>
             <a:t>人力资源</a:t>
           </a:r>
         </a:p>
       </dgm:t>
     </dgm:pt>
-    <dgm:pt modelId="{55388E6F-6338-4CF4-87B0-851C4673823B}" type="parTrans" cxnId="{9E32DD99-262F-432C-BD2E-C85EC508EDFD}">
+    <dgm:pt modelId="{55388E6F-6338-4CF4-87B0-851C4673823B}" cxnId="{9E32DD99-262F-432C-BD2E-C85EC508EDFD}" type="parTrans">
       <dgm:prSet/>
       <dgm:spPr/>
       <dgm:t>
@@ -1936,13 +1920,13 @@
         <a:lstStyle/>
         <a:p>
           <a:endParaRPr lang="zh-CN" altLang="en-US" sz="2800">
-            <a:latin typeface="微软雅黑" pitchFamily="34" charset="-122"/>
-            <a:ea typeface="微软雅黑" pitchFamily="34" charset="-122"/>
+            <a:latin typeface="微软雅黑" panose="020B0503020204020204" pitchFamily="34" charset="-122"/>
+            <a:ea typeface="微软雅黑" panose="020B0503020204020204" pitchFamily="34" charset="-122"/>
           </a:endParaRPr>
         </a:p>
       </dgm:t>
     </dgm:pt>
-    <dgm:pt modelId="{11213025-812A-458F-8161-354A47AA333A}" type="sibTrans" cxnId="{9E32DD99-262F-432C-BD2E-C85EC508EDFD}">
+    <dgm:pt modelId="{11213025-812A-458F-8161-354A47AA333A}" cxnId="{9E32DD99-262F-432C-BD2E-C85EC508EDFD}" type="sibTrans">
       <dgm:prSet/>
       <dgm:spPr/>
       <dgm:t>
@@ -1950,8 +1934,8 @@
         <a:lstStyle/>
         <a:p>
           <a:endParaRPr lang="zh-CN" altLang="en-US" sz="2800">
-            <a:latin typeface="微软雅黑" pitchFamily="34" charset="-122"/>
-            <a:ea typeface="微软雅黑" pitchFamily="34" charset="-122"/>
+            <a:latin typeface="微软雅黑" panose="020B0503020204020204" pitchFamily="34" charset="-122"/>
+            <a:ea typeface="微软雅黑" panose="020B0503020204020204" pitchFamily="34" charset="-122"/>
           </a:endParaRPr>
         </a:p>
       </dgm:t>
@@ -1965,15 +1949,15 @@
         <a:p>
           <a:r>
             <a:rPr lang="zh-CN" altLang="en-US" sz="1800" dirty="0">
-              <a:latin typeface="微软雅黑" pitchFamily="34" charset="-122"/>
-              <a:ea typeface="微软雅黑" pitchFamily="34" charset="-122"/>
+              <a:latin typeface="微软雅黑" panose="020B0503020204020204" pitchFamily="34" charset="-122"/>
+              <a:ea typeface="微软雅黑" panose="020B0503020204020204" pitchFamily="34" charset="-122"/>
             </a:rPr>
             <a:t>成本</a:t>
           </a:r>
         </a:p>
       </dgm:t>
     </dgm:pt>
-    <dgm:pt modelId="{2033EEA5-8E1B-4AF2-8AC2-4C3A7D3D8D2B}" type="parTrans" cxnId="{D6DEDB76-78DB-4899-A5A0-15A51B0A1811}">
+    <dgm:pt modelId="{2033EEA5-8E1B-4AF2-8AC2-4C3A7D3D8D2B}" cxnId="{D6DEDB76-78DB-4899-A5A0-15A51B0A1811}" type="parTrans">
       <dgm:prSet/>
       <dgm:spPr/>
       <dgm:t>
@@ -1981,13 +1965,13 @@
         <a:lstStyle/>
         <a:p>
           <a:endParaRPr lang="zh-CN" altLang="en-US" sz="2800">
-            <a:latin typeface="微软雅黑" pitchFamily="34" charset="-122"/>
-            <a:ea typeface="微软雅黑" pitchFamily="34" charset="-122"/>
+            <a:latin typeface="微软雅黑" panose="020B0503020204020204" pitchFamily="34" charset="-122"/>
+            <a:ea typeface="微软雅黑" panose="020B0503020204020204" pitchFamily="34" charset="-122"/>
           </a:endParaRPr>
         </a:p>
       </dgm:t>
     </dgm:pt>
-    <dgm:pt modelId="{3F7D1C3C-8F07-48C9-ACCC-4DFB803E7B82}" type="sibTrans" cxnId="{D6DEDB76-78DB-4899-A5A0-15A51B0A1811}">
+    <dgm:pt modelId="{3F7D1C3C-8F07-48C9-ACCC-4DFB803E7B82}" cxnId="{D6DEDB76-78DB-4899-A5A0-15A51B0A1811}" type="sibTrans">
       <dgm:prSet/>
       <dgm:spPr/>
       <dgm:t>
@@ -1995,8 +1979,8 @@
         <a:lstStyle/>
         <a:p>
           <a:endParaRPr lang="zh-CN" altLang="en-US" sz="2800">
-            <a:latin typeface="微软雅黑" pitchFamily="34" charset="-122"/>
-            <a:ea typeface="微软雅黑" pitchFamily="34" charset="-122"/>
+            <a:latin typeface="微软雅黑" panose="020B0503020204020204" pitchFamily="34" charset="-122"/>
+            <a:ea typeface="微软雅黑" panose="020B0503020204020204" pitchFamily="34" charset="-122"/>
           </a:endParaRPr>
         </a:p>
       </dgm:t>
@@ -2010,15 +1994,15 @@
         <a:p>
           <a:r>
             <a:rPr lang="zh-CN" altLang="en-US" sz="1800" dirty="0">
-              <a:latin typeface="微软雅黑" pitchFamily="34" charset="-122"/>
-              <a:ea typeface="微软雅黑" pitchFamily="34" charset="-122"/>
+              <a:latin typeface="微软雅黑" panose="020B0503020204020204" pitchFamily="34" charset="-122"/>
+              <a:ea typeface="微软雅黑" panose="020B0503020204020204" pitchFamily="34" charset="-122"/>
             </a:rPr>
             <a:t>质量</a:t>
           </a:r>
         </a:p>
       </dgm:t>
     </dgm:pt>
-    <dgm:pt modelId="{EB1D478A-037E-41BB-B9EF-E06700D27A80}" type="parTrans" cxnId="{49C53F4D-67BF-4063-B274-89B2E5F4EFDD}">
+    <dgm:pt modelId="{EB1D478A-037E-41BB-B9EF-E06700D27A80}" cxnId="{49C53F4D-67BF-4063-B274-89B2E5F4EFDD}" type="parTrans">
       <dgm:prSet/>
       <dgm:spPr/>
       <dgm:t>
@@ -2026,13 +2010,13 @@
         <a:lstStyle/>
         <a:p>
           <a:endParaRPr lang="zh-CN" altLang="en-US" sz="2800">
-            <a:latin typeface="微软雅黑" pitchFamily="34" charset="-122"/>
-            <a:ea typeface="微软雅黑" pitchFamily="34" charset="-122"/>
+            <a:latin typeface="微软雅黑" panose="020B0503020204020204" pitchFamily="34" charset="-122"/>
+            <a:ea typeface="微软雅黑" panose="020B0503020204020204" pitchFamily="34" charset="-122"/>
           </a:endParaRPr>
         </a:p>
       </dgm:t>
     </dgm:pt>
-    <dgm:pt modelId="{7CEC71C0-C2B8-446E-9054-8E3CEFA2E526}" type="sibTrans" cxnId="{49C53F4D-67BF-4063-B274-89B2E5F4EFDD}">
+    <dgm:pt modelId="{7CEC71C0-C2B8-446E-9054-8E3CEFA2E526}" cxnId="{49C53F4D-67BF-4063-B274-89B2E5F4EFDD}" type="sibTrans">
       <dgm:prSet/>
       <dgm:spPr/>
       <dgm:t>
@@ -2040,8 +2024,8 @@
         <a:lstStyle/>
         <a:p>
           <a:endParaRPr lang="zh-CN" altLang="en-US" sz="2800">
-            <a:latin typeface="微软雅黑" pitchFamily="34" charset="-122"/>
-            <a:ea typeface="微软雅黑" pitchFamily="34" charset="-122"/>
+            <a:latin typeface="微软雅黑" panose="020B0503020204020204" pitchFamily="34" charset="-122"/>
+            <a:ea typeface="微软雅黑" panose="020B0503020204020204" pitchFamily="34" charset="-122"/>
           </a:endParaRPr>
         </a:p>
       </dgm:t>
@@ -2055,15 +2039,15 @@
         <a:p>
           <a:r>
             <a:rPr lang="zh-CN" altLang="en-US" sz="1800" dirty="0">
-              <a:latin typeface="微软雅黑" pitchFamily="34" charset="-122"/>
-              <a:ea typeface="微软雅黑" pitchFamily="34" charset="-122"/>
+              <a:latin typeface="微软雅黑" panose="020B0503020204020204" pitchFamily="34" charset="-122"/>
+              <a:ea typeface="微软雅黑" panose="020B0503020204020204" pitchFamily="34" charset="-122"/>
             </a:rPr>
             <a:t>风险</a:t>
           </a:r>
         </a:p>
       </dgm:t>
     </dgm:pt>
-    <dgm:pt modelId="{B963AF18-954A-4790-B081-22F850B4EF59}" type="parTrans" cxnId="{927BD30D-C068-434C-8445-9F9115C085E6}">
+    <dgm:pt modelId="{B963AF18-954A-4790-B081-22F850B4EF59}" cxnId="{927BD30D-C068-434C-8445-9F9115C085E6}" type="parTrans">
       <dgm:prSet/>
       <dgm:spPr/>
       <dgm:t>
@@ -2071,13 +2055,13 @@
         <a:lstStyle/>
         <a:p>
           <a:endParaRPr lang="zh-CN" altLang="en-US" sz="2800">
-            <a:latin typeface="微软雅黑" pitchFamily="34" charset="-122"/>
-            <a:ea typeface="微软雅黑" pitchFamily="34" charset="-122"/>
+            <a:latin typeface="微软雅黑" panose="020B0503020204020204" pitchFamily="34" charset="-122"/>
+            <a:ea typeface="微软雅黑" panose="020B0503020204020204" pitchFamily="34" charset="-122"/>
           </a:endParaRPr>
         </a:p>
       </dgm:t>
     </dgm:pt>
-    <dgm:pt modelId="{9AA1D75D-31A0-425F-A202-CECC03DAE80E}" type="sibTrans" cxnId="{927BD30D-C068-434C-8445-9F9115C085E6}">
+    <dgm:pt modelId="{9AA1D75D-31A0-425F-A202-CECC03DAE80E}" cxnId="{927BD30D-C068-434C-8445-9F9115C085E6}" type="sibTrans">
       <dgm:prSet/>
       <dgm:spPr/>
       <dgm:t>
@@ -2085,8 +2069,8 @@
         <a:lstStyle/>
         <a:p>
           <a:endParaRPr lang="zh-CN" altLang="en-US" sz="2800">
-            <a:latin typeface="微软雅黑" pitchFamily="34" charset="-122"/>
-            <a:ea typeface="微软雅黑" pitchFamily="34" charset="-122"/>
+            <a:latin typeface="微软雅黑" panose="020B0503020204020204" pitchFamily="34" charset="-122"/>
+            <a:ea typeface="微软雅黑" panose="020B0503020204020204" pitchFamily="34" charset="-122"/>
           </a:endParaRPr>
         </a:p>
       </dgm:t>
@@ -2100,15 +2084,15 @@
         <a:p>
           <a:r>
             <a:rPr lang="zh-CN" altLang="en-US" sz="1800" dirty="0">
-              <a:latin typeface="微软雅黑" pitchFamily="34" charset="-122"/>
-              <a:ea typeface="微软雅黑" pitchFamily="34" charset="-122"/>
+              <a:latin typeface="微软雅黑" panose="020B0503020204020204" pitchFamily="34" charset="-122"/>
+              <a:ea typeface="微软雅黑" panose="020B0503020204020204" pitchFamily="34" charset="-122"/>
             </a:rPr>
             <a:t>沟通</a:t>
           </a:r>
         </a:p>
       </dgm:t>
     </dgm:pt>
-    <dgm:pt modelId="{A910557D-39B8-4EBF-81FC-B81AE6ABAC4B}" type="parTrans" cxnId="{D7DDE220-7AB9-49D1-B21C-EA6F92BC8EB8}">
+    <dgm:pt modelId="{A910557D-39B8-4EBF-81FC-B81AE6ABAC4B}" cxnId="{D7DDE220-7AB9-49D1-B21C-EA6F92BC8EB8}" type="parTrans">
       <dgm:prSet/>
       <dgm:spPr/>
       <dgm:t>
@@ -2116,13 +2100,13 @@
         <a:lstStyle/>
         <a:p>
           <a:endParaRPr lang="zh-CN" altLang="en-US" sz="2800">
-            <a:latin typeface="微软雅黑" pitchFamily="34" charset="-122"/>
-            <a:ea typeface="微软雅黑" pitchFamily="34" charset="-122"/>
+            <a:latin typeface="微软雅黑" panose="020B0503020204020204" pitchFamily="34" charset="-122"/>
+            <a:ea typeface="微软雅黑" panose="020B0503020204020204" pitchFamily="34" charset="-122"/>
           </a:endParaRPr>
         </a:p>
       </dgm:t>
     </dgm:pt>
-    <dgm:pt modelId="{CA5350F7-4D32-4437-B95B-5CEFC201F08E}" type="sibTrans" cxnId="{D7DDE220-7AB9-49D1-B21C-EA6F92BC8EB8}">
+    <dgm:pt modelId="{CA5350F7-4D32-4437-B95B-5CEFC201F08E}" cxnId="{D7DDE220-7AB9-49D1-B21C-EA6F92BC8EB8}" type="sibTrans">
       <dgm:prSet/>
       <dgm:spPr/>
       <dgm:t>
@@ -2130,8 +2114,8 @@
         <a:lstStyle/>
         <a:p>
           <a:endParaRPr lang="zh-CN" altLang="en-US" sz="2800">
-            <a:latin typeface="微软雅黑" pitchFamily="34" charset="-122"/>
-            <a:ea typeface="微软雅黑" pitchFamily="34" charset="-122"/>
+            <a:latin typeface="微软雅黑" panose="020B0503020204020204" pitchFamily="34" charset="-122"/>
+            <a:ea typeface="微软雅黑" panose="020B0503020204020204" pitchFamily="34" charset="-122"/>
           </a:endParaRPr>
         </a:p>
       </dgm:t>
@@ -2145,15 +2129,15 @@
         <a:p>
           <a:r>
             <a:rPr lang="zh-CN" altLang="en-US" sz="1800" dirty="0">
-              <a:latin typeface="微软雅黑" pitchFamily="34" charset="-122"/>
-              <a:ea typeface="微软雅黑" pitchFamily="34" charset="-122"/>
+              <a:latin typeface="微软雅黑" panose="020B0503020204020204" pitchFamily="34" charset="-122"/>
+              <a:ea typeface="微软雅黑" panose="020B0503020204020204" pitchFamily="34" charset="-122"/>
             </a:rPr>
             <a:t>采购</a:t>
           </a:r>
         </a:p>
       </dgm:t>
     </dgm:pt>
-    <dgm:pt modelId="{6BBB0ADE-0271-4DEB-BA40-4CDD422D51FE}" type="parTrans" cxnId="{67D060C8-B4E9-48EA-9013-0AD8D704B634}">
+    <dgm:pt modelId="{6BBB0ADE-0271-4DEB-BA40-4CDD422D51FE}" cxnId="{67D060C8-B4E9-48EA-9013-0AD8D704B634}" type="parTrans">
       <dgm:prSet/>
       <dgm:spPr/>
       <dgm:t>
@@ -2161,13 +2145,13 @@
         <a:lstStyle/>
         <a:p>
           <a:endParaRPr lang="zh-CN" altLang="en-US" sz="2800">
-            <a:latin typeface="微软雅黑" pitchFamily="34" charset="-122"/>
-            <a:ea typeface="微软雅黑" pitchFamily="34" charset="-122"/>
+            <a:latin typeface="微软雅黑" panose="020B0503020204020204" pitchFamily="34" charset="-122"/>
+            <a:ea typeface="微软雅黑" panose="020B0503020204020204" pitchFamily="34" charset="-122"/>
           </a:endParaRPr>
         </a:p>
       </dgm:t>
     </dgm:pt>
-    <dgm:pt modelId="{7D06CDA7-DB4F-44CC-978A-D018E3336EDE}" type="sibTrans" cxnId="{67D060C8-B4E9-48EA-9013-0AD8D704B634}">
+    <dgm:pt modelId="{7D06CDA7-DB4F-44CC-978A-D018E3336EDE}" cxnId="{67D060C8-B4E9-48EA-9013-0AD8D704B634}" type="sibTrans">
       <dgm:prSet/>
       <dgm:spPr/>
       <dgm:t>
@@ -2175,8 +2159,8 @@
         <a:lstStyle/>
         <a:p>
           <a:endParaRPr lang="zh-CN" altLang="en-US" sz="2800">
-            <a:latin typeface="微软雅黑" pitchFamily="34" charset="-122"/>
-            <a:ea typeface="微软雅黑" pitchFamily="34" charset="-122"/>
+            <a:latin typeface="微软雅黑" panose="020B0503020204020204" pitchFamily="34" charset="-122"/>
+            <a:ea typeface="微软雅黑" panose="020B0503020204020204" pitchFamily="34" charset="-122"/>
           </a:endParaRPr>
         </a:p>
       </dgm:t>
@@ -2210,16 +2194,16 @@
                   <a:alphaOff val="0"/>
                 </a:srgbClr>
               </a:solidFill>
-              <a:latin typeface="微软雅黑" pitchFamily="34" charset="-122"/>
-              <a:ea typeface="微软雅黑" pitchFamily="34" charset="-122"/>
-              <a:cs typeface="Arial"/>
+              <a:latin typeface="微软雅黑" panose="020B0503020204020204" pitchFamily="34" charset="-122"/>
+              <a:ea typeface="微软雅黑" panose="020B0503020204020204" pitchFamily="34" charset="-122"/>
+              <a:cs typeface="Arial" panose="020B0604020202020204"/>
             </a:rPr>
             <a:t>干系人</a:t>
           </a:r>
         </a:p>
       </dgm:t>
     </dgm:pt>
-    <dgm:pt modelId="{83332816-3AEF-40C4-8DD3-C953BCC7595A}" type="parTrans" cxnId="{99F7F098-52EA-44C3-8F2E-AD75D5D60EC7}">
+    <dgm:pt modelId="{83332816-3AEF-40C4-8DD3-C953BCC7595A}" cxnId="{99F7F098-52EA-44C3-8F2E-AD75D5D60EC7}" type="parTrans">
       <dgm:prSet/>
       <dgm:spPr/>
       <dgm:t>
@@ -2230,7 +2214,7 @@
         </a:p>
       </dgm:t>
     </dgm:pt>
-    <dgm:pt modelId="{69D2346F-7D67-4A60-982B-77A03C97CEDA}" type="sibTrans" cxnId="{99F7F098-52EA-44C3-8F2E-AD75D5D60EC7}">
+    <dgm:pt modelId="{69D2346F-7D67-4A60-982B-77A03C97CEDA}" cxnId="{99F7F098-52EA-44C3-8F2E-AD75D5D60EC7}" type="sibTrans">
       <dgm:prSet/>
       <dgm:spPr/>
       <dgm:t>
@@ -2867,7 +2851,7 @@
   <dgm:whole/>
   <dgm:extLst>
     <a:ext uri="http://schemas.microsoft.com/office/drawing/2008/diagram">
-      <dsp:dataModelExt xmlns:dsp="http://schemas.microsoft.com/office/drawing/2008/diagram" relId="rId6" minVer="http://schemas.openxmlformats.org/drawingml/2006/diagram"/>
+      <dsp:dataModelExt xmlns:dsp="http://schemas.microsoft.com/office/drawing/2008/diagram" relId="rId5" minVer="http://schemas.openxmlformats.org/drawingml/2006/diagram"/>
     </a:ext>
   </dgm:extLst>
 </dgm:dataModel>
@@ -2896,15 +2880,15 @@
         <a:p>
           <a:r>
             <a:rPr lang="zh-CN" altLang="en-US" sz="1600" b="1">
-              <a:latin typeface="微软雅黑" pitchFamily="34" charset="-122"/>
-              <a:ea typeface="微软雅黑" pitchFamily="34" charset="-122"/>
+              <a:latin typeface="微软雅黑" panose="020B0503020204020204" pitchFamily="34" charset="-122"/>
+              <a:ea typeface="微软雅黑" panose="020B0503020204020204" pitchFamily="34" charset="-122"/>
             </a:rPr>
             <a:t>项目经理</a:t>
           </a:r>
         </a:p>
       </dgm:t>
     </dgm:pt>
-    <dgm:pt modelId="{A4B5147F-934F-46EB-8FE2-CC337D25D187}" type="parTrans" cxnId="{38A22FB3-9B84-4E39-A161-478D368E6AC1}">
+    <dgm:pt modelId="{A4B5147F-934F-46EB-8FE2-CC337D25D187}" cxnId="{38A22FB3-9B84-4E39-A161-478D368E6AC1}" type="parTrans">
       <dgm:prSet/>
       <dgm:spPr/>
       <dgm:t>
@@ -2912,13 +2896,13 @@
         <a:lstStyle/>
         <a:p>
           <a:endParaRPr lang="zh-CN" altLang="en-US" sz="1800" b="1">
-            <a:latin typeface="微软雅黑" pitchFamily="34" charset="-122"/>
-            <a:ea typeface="微软雅黑" pitchFamily="34" charset="-122"/>
+            <a:latin typeface="微软雅黑" panose="020B0503020204020204" pitchFamily="34" charset="-122"/>
+            <a:ea typeface="微软雅黑" panose="020B0503020204020204" pitchFamily="34" charset="-122"/>
           </a:endParaRPr>
         </a:p>
       </dgm:t>
     </dgm:pt>
-    <dgm:pt modelId="{548E77E6-4C86-483F-AF02-8BC0A7D6967B}" type="sibTrans" cxnId="{38A22FB3-9B84-4E39-A161-478D368E6AC1}">
+    <dgm:pt modelId="{548E77E6-4C86-483F-AF02-8BC0A7D6967B}" cxnId="{38A22FB3-9B84-4E39-A161-478D368E6AC1}" type="sibTrans">
       <dgm:prSet/>
       <dgm:spPr/>
       <dgm:t>
@@ -2926,8 +2910,8 @@
         <a:lstStyle/>
         <a:p>
           <a:endParaRPr lang="zh-CN" altLang="en-US" sz="1800" b="1">
-            <a:latin typeface="微软雅黑" pitchFamily="34" charset="-122"/>
-            <a:ea typeface="微软雅黑" pitchFamily="34" charset="-122"/>
+            <a:latin typeface="微软雅黑" panose="020B0503020204020204" pitchFamily="34" charset="-122"/>
+            <a:ea typeface="微软雅黑" panose="020B0503020204020204" pitchFamily="34" charset="-122"/>
           </a:endParaRPr>
         </a:p>
       </dgm:t>
@@ -2941,19 +2925,19 @@
         <a:p>
           <a:r>
             <a:rPr lang="zh-CN" altLang="en-US" sz="1600" b="1" dirty="0" smtClean="0">
-              <a:latin typeface="微软雅黑" pitchFamily="34" charset="-122"/>
-              <a:ea typeface="微软雅黑" pitchFamily="34" charset="-122"/>
+              <a:latin typeface="微软雅黑" panose="020B0503020204020204" pitchFamily="34" charset="-122"/>
+              <a:ea typeface="微软雅黑" panose="020B0503020204020204" pitchFamily="34" charset="-122"/>
             </a:rPr>
             <a:t>开发经理</a:t>
           </a:r>
           <a:endParaRPr lang="zh-CN" altLang="en-US" sz="1600" b="1" dirty="0">
-            <a:latin typeface="微软雅黑" pitchFamily="34" charset="-122"/>
-            <a:ea typeface="微软雅黑" pitchFamily="34" charset="-122"/>
+            <a:latin typeface="微软雅黑" panose="020B0503020204020204" pitchFamily="34" charset="-122"/>
+            <a:ea typeface="微软雅黑" panose="020B0503020204020204" pitchFamily="34" charset="-122"/>
           </a:endParaRPr>
         </a:p>
       </dgm:t>
     </dgm:pt>
-    <dgm:pt modelId="{2FBA3C53-2FC0-471F-8B21-9FAF5F466283}" type="parTrans" cxnId="{D2C1ACBA-D9D7-45F6-A2F5-18EB258237F0}">
+    <dgm:pt modelId="{2FBA3C53-2FC0-471F-8B21-9FAF5F466283}" cxnId="{D2C1ACBA-D9D7-45F6-A2F5-18EB258237F0}" type="parTrans">
       <dgm:prSet/>
       <dgm:spPr/>
       <dgm:t>
@@ -2961,13 +2945,13 @@
         <a:lstStyle/>
         <a:p>
           <a:endParaRPr lang="zh-CN" altLang="en-US" sz="1800" b="1">
-            <a:latin typeface="微软雅黑" pitchFamily="34" charset="-122"/>
-            <a:ea typeface="微软雅黑" pitchFamily="34" charset="-122"/>
+            <a:latin typeface="微软雅黑" panose="020B0503020204020204" pitchFamily="34" charset="-122"/>
+            <a:ea typeface="微软雅黑" panose="020B0503020204020204" pitchFamily="34" charset="-122"/>
           </a:endParaRPr>
         </a:p>
       </dgm:t>
     </dgm:pt>
-    <dgm:pt modelId="{7F96F8F6-3B63-43A5-931A-935D8A5E9E45}" type="sibTrans" cxnId="{D2C1ACBA-D9D7-45F6-A2F5-18EB258237F0}">
+    <dgm:pt modelId="{7F96F8F6-3B63-43A5-931A-935D8A5E9E45}" cxnId="{D2C1ACBA-D9D7-45F6-A2F5-18EB258237F0}" type="sibTrans">
       <dgm:prSet/>
       <dgm:spPr/>
       <dgm:t>
@@ -2975,8 +2959,8 @@
         <a:lstStyle/>
         <a:p>
           <a:endParaRPr lang="zh-CN" altLang="en-US" sz="1800" b="1">
-            <a:latin typeface="微软雅黑" pitchFamily="34" charset="-122"/>
-            <a:ea typeface="微软雅黑" pitchFamily="34" charset="-122"/>
+            <a:latin typeface="微软雅黑" panose="020B0503020204020204" pitchFamily="34" charset="-122"/>
+            <a:ea typeface="微软雅黑" panose="020B0503020204020204" pitchFamily="34" charset="-122"/>
           </a:endParaRPr>
         </a:p>
       </dgm:t>
@@ -2990,19 +2974,19 @@
         <a:p>
           <a:r>
             <a:rPr lang="zh-CN" altLang="en-US" sz="1600" b="1" dirty="0" smtClean="0">
-              <a:latin typeface="微软雅黑" pitchFamily="34" charset="-122"/>
-              <a:ea typeface="微软雅黑" pitchFamily="34" charset="-122"/>
+              <a:latin typeface="微软雅黑" panose="020B0503020204020204" pitchFamily="34" charset="-122"/>
+              <a:ea typeface="微软雅黑" panose="020B0503020204020204" pitchFamily="34" charset="-122"/>
             </a:rPr>
             <a:t>测试经理</a:t>
           </a:r>
           <a:endParaRPr lang="zh-CN" altLang="en-US" sz="1600" b="1" dirty="0">
-            <a:latin typeface="微软雅黑" pitchFamily="34" charset="-122"/>
-            <a:ea typeface="微软雅黑" pitchFamily="34" charset="-122"/>
+            <a:latin typeface="微软雅黑" panose="020B0503020204020204" pitchFamily="34" charset="-122"/>
+            <a:ea typeface="微软雅黑" panose="020B0503020204020204" pitchFamily="34" charset="-122"/>
           </a:endParaRPr>
         </a:p>
       </dgm:t>
     </dgm:pt>
-    <dgm:pt modelId="{5A545469-3D36-47E0-9F79-FD5A5D0B77E6}" type="parTrans" cxnId="{3350D71D-9070-49B0-863C-74E08A90A885}">
+    <dgm:pt modelId="{5A545469-3D36-47E0-9F79-FD5A5D0B77E6}" cxnId="{3350D71D-9070-49B0-863C-74E08A90A885}" type="parTrans">
       <dgm:prSet/>
       <dgm:spPr/>
       <dgm:t>
@@ -3010,13 +2994,13 @@
         <a:lstStyle/>
         <a:p>
           <a:endParaRPr lang="zh-CN" altLang="en-US" sz="1800" b="1">
-            <a:latin typeface="微软雅黑" pitchFamily="34" charset="-122"/>
-            <a:ea typeface="微软雅黑" pitchFamily="34" charset="-122"/>
+            <a:latin typeface="微软雅黑" panose="020B0503020204020204" pitchFamily="34" charset="-122"/>
+            <a:ea typeface="微软雅黑" panose="020B0503020204020204" pitchFamily="34" charset="-122"/>
           </a:endParaRPr>
         </a:p>
       </dgm:t>
     </dgm:pt>
-    <dgm:pt modelId="{A9AE2128-4A24-4511-907F-4FF0FF959886}" type="sibTrans" cxnId="{3350D71D-9070-49B0-863C-74E08A90A885}">
+    <dgm:pt modelId="{A9AE2128-4A24-4511-907F-4FF0FF959886}" cxnId="{3350D71D-9070-49B0-863C-74E08A90A885}" type="sibTrans">
       <dgm:prSet/>
       <dgm:spPr/>
       <dgm:t>
@@ -3024,8 +3008,8 @@
         <a:lstStyle/>
         <a:p>
           <a:endParaRPr lang="zh-CN" altLang="en-US" sz="1800" b="1">
-            <a:latin typeface="微软雅黑" pitchFamily="34" charset="-122"/>
-            <a:ea typeface="微软雅黑" pitchFamily="34" charset="-122"/>
+            <a:latin typeface="微软雅黑" panose="020B0503020204020204" pitchFamily="34" charset="-122"/>
+            <a:ea typeface="微软雅黑" panose="020B0503020204020204" pitchFamily="34" charset="-122"/>
           </a:endParaRPr>
         </a:p>
       </dgm:t>
@@ -3039,19 +3023,19 @@
         <a:p>
           <a:r>
             <a:rPr lang="zh-CN" altLang="en-US" sz="1600" b="1" dirty="0" smtClean="0">
-              <a:latin typeface="微软雅黑" pitchFamily="34" charset="-122"/>
-              <a:ea typeface="微软雅黑" pitchFamily="34" charset="-122"/>
+              <a:latin typeface="微软雅黑" panose="020B0503020204020204" pitchFamily="34" charset="-122"/>
+              <a:ea typeface="微软雅黑" panose="020B0503020204020204" pitchFamily="34" charset="-122"/>
             </a:rPr>
             <a:t>开发人员</a:t>
           </a:r>
           <a:endParaRPr lang="zh-CN" altLang="en-US" sz="1600" b="1" dirty="0">
-            <a:latin typeface="微软雅黑" pitchFamily="34" charset="-122"/>
-            <a:ea typeface="微软雅黑" pitchFamily="34" charset="-122"/>
+            <a:latin typeface="微软雅黑" panose="020B0503020204020204" pitchFamily="34" charset="-122"/>
+            <a:ea typeface="微软雅黑" panose="020B0503020204020204" pitchFamily="34" charset="-122"/>
           </a:endParaRPr>
         </a:p>
       </dgm:t>
     </dgm:pt>
-    <dgm:pt modelId="{91AAD6AC-73B8-41D4-A46E-5A96E3EC610F}" type="parTrans" cxnId="{CABD7577-23DA-48EC-B628-D6E053F4010C}">
+    <dgm:pt modelId="{91AAD6AC-73B8-41D4-A46E-5A96E3EC610F}" cxnId="{CABD7577-23DA-48EC-B628-D6E053F4010C}" type="parTrans">
       <dgm:prSet/>
       <dgm:spPr/>
       <dgm:t>
@@ -3059,13 +3043,13 @@
         <a:lstStyle/>
         <a:p>
           <a:endParaRPr lang="zh-CN" altLang="en-US" sz="1800" b="1">
-            <a:latin typeface="微软雅黑" pitchFamily="34" charset="-122"/>
-            <a:ea typeface="微软雅黑" pitchFamily="34" charset="-122"/>
+            <a:latin typeface="微软雅黑" panose="020B0503020204020204" pitchFamily="34" charset="-122"/>
+            <a:ea typeface="微软雅黑" panose="020B0503020204020204" pitchFamily="34" charset="-122"/>
           </a:endParaRPr>
         </a:p>
       </dgm:t>
     </dgm:pt>
-    <dgm:pt modelId="{CBAB7D1D-B88A-4C5D-9AB1-BA6C63971A07}" type="sibTrans" cxnId="{CABD7577-23DA-48EC-B628-D6E053F4010C}">
+    <dgm:pt modelId="{CBAB7D1D-B88A-4C5D-9AB1-BA6C63971A07}" cxnId="{CABD7577-23DA-48EC-B628-D6E053F4010C}" type="sibTrans">
       <dgm:prSet/>
       <dgm:spPr/>
       <dgm:t>
@@ -3073,8 +3057,8 @@
         <a:lstStyle/>
         <a:p>
           <a:endParaRPr lang="zh-CN" altLang="en-US" sz="1800" b="1">
-            <a:latin typeface="微软雅黑" pitchFamily="34" charset="-122"/>
-            <a:ea typeface="微软雅黑" pitchFamily="34" charset="-122"/>
+            <a:latin typeface="微软雅黑" panose="020B0503020204020204" pitchFamily="34" charset="-122"/>
+            <a:ea typeface="微软雅黑" panose="020B0503020204020204" pitchFamily="34" charset="-122"/>
           </a:endParaRPr>
         </a:p>
       </dgm:t>
@@ -3088,19 +3072,19 @@
         <a:p>
           <a:r>
             <a:rPr lang="zh-CN" altLang="en-US" sz="1600" b="1" dirty="0" smtClean="0">
-              <a:latin typeface="微软雅黑" pitchFamily="34" charset="-122"/>
-              <a:ea typeface="微软雅黑" pitchFamily="34" charset="-122"/>
+              <a:latin typeface="微软雅黑" panose="020B0503020204020204" pitchFamily="34" charset="-122"/>
+              <a:ea typeface="微软雅黑" panose="020B0503020204020204" pitchFamily="34" charset="-122"/>
             </a:rPr>
             <a:t>测试人员</a:t>
           </a:r>
           <a:endParaRPr lang="zh-CN" altLang="en-US" sz="1600" b="1" dirty="0">
-            <a:latin typeface="微软雅黑" pitchFamily="34" charset="-122"/>
-            <a:ea typeface="微软雅黑" pitchFamily="34" charset="-122"/>
+            <a:latin typeface="微软雅黑" panose="020B0503020204020204" pitchFamily="34" charset="-122"/>
+            <a:ea typeface="微软雅黑" panose="020B0503020204020204" pitchFamily="34" charset="-122"/>
           </a:endParaRPr>
         </a:p>
       </dgm:t>
     </dgm:pt>
-    <dgm:pt modelId="{66AE5E2D-B68F-46B3-959E-A27252DE11AA}" type="parTrans" cxnId="{2EFE5AD6-465B-4851-AD61-05F6632906A3}">
+    <dgm:pt modelId="{66AE5E2D-B68F-46B3-959E-A27252DE11AA}" cxnId="{2EFE5AD6-465B-4851-AD61-05F6632906A3}" type="parTrans">
       <dgm:prSet/>
       <dgm:spPr/>
       <dgm:t>
@@ -3108,13 +3092,13 @@
         <a:lstStyle/>
         <a:p>
           <a:endParaRPr lang="zh-CN" altLang="en-US" sz="1800" b="1">
-            <a:latin typeface="微软雅黑" pitchFamily="34" charset="-122"/>
-            <a:ea typeface="微软雅黑" pitchFamily="34" charset="-122"/>
+            <a:latin typeface="微软雅黑" panose="020B0503020204020204" pitchFamily="34" charset="-122"/>
+            <a:ea typeface="微软雅黑" panose="020B0503020204020204" pitchFamily="34" charset="-122"/>
           </a:endParaRPr>
         </a:p>
       </dgm:t>
     </dgm:pt>
-    <dgm:pt modelId="{6BB90BB3-197D-4D9F-BF47-C42B5E305BD5}" type="sibTrans" cxnId="{2EFE5AD6-465B-4851-AD61-05F6632906A3}">
+    <dgm:pt modelId="{6BB90BB3-197D-4D9F-BF47-C42B5E305BD5}" cxnId="{2EFE5AD6-465B-4851-AD61-05F6632906A3}" type="sibTrans">
       <dgm:prSet/>
       <dgm:spPr/>
       <dgm:t>
@@ -3122,8 +3106,8 @@
         <a:lstStyle/>
         <a:p>
           <a:endParaRPr lang="zh-CN" altLang="en-US" sz="1800" b="1">
-            <a:latin typeface="微软雅黑" pitchFamily="34" charset="-122"/>
-            <a:ea typeface="微软雅黑" pitchFamily="34" charset="-122"/>
+            <a:latin typeface="微软雅黑" panose="020B0503020204020204" pitchFamily="34" charset="-122"/>
+            <a:ea typeface="微软雅黑" panose="020B0503020204020204" pitchFamily="34" charset="-122"/>
           </a:endParaRPr>
         </a:p>
       </dgm:t>
@@ -3137,19 +3121,19 @@
         <a:p>
           <a:r>
             <a:rPr lang="zh-CN" altLang="en-US" sz="1600" b="1" dirty="0" smtClean="0">
-              <a:latin typeface="微软雅黑" pitchFamily="34" charset="-122"/>
-              <a:ea typeface="微软雅黑" pitchFamily="34" charset="-122"/>
+              <a:latin typeface="微软雅黑" panose="020B0503020204020204" pitchFamily="34" charset="-122"/>
+              <a:ea typeface="微软雅黑" panose="020B0503020204020204" pitchFamily="34" charset="-122"/>
             </a:rPr>
             <a:t>美工</a:t>
           </a:r>
           <a:endParaRPr lang="zh-CN" altLang="en-US" sz="1600" b="1" dirty="0">
-            <a:latin typeface="微软雅黑" pitchFamily="34" charset="-122"/>
-            <a:ea typeface="微软雅黑" pitchFamily="34" charset="-122"/>
+            <a:latin typeface="微软雅黑" panose="020B0503020204020204" pitchFamily="34" charset="-122"/>
+            <a:ea typeface="微软雅黑" panose="020B0503020204020204" pitchFamily="34" charset="-122"/>
           </a:endParaRPr>
         </a:p>
       </dgm:t>
     </dgm:pt>
-    <dgm:pt modelId="{4191B618-ED83-455C-9627-0F67489EBE04}" type="parTrans" cxnId="{B735D7A6-09A7-4286-AE7E-ECC62D6FF4A8}">
+    <dgm:pt modelId="{4191B618-ED83-455C-9627-0F67489EBE04}" cxnId="{B735D7A6-09A7-4286-AE7E-ECC62D6FF4A8}" type="parTrans">
       <dgm:prSet/>
       <dgm:spPr/>
       <dgm:t>
@@ -3157,13 +3141,13 @@
         <a:lstStyle/>
         <a:p>
           <a:endParaRPr lang="zh-CN" altLang="en-US" sz="1800" b="1">
-            <a:latin typeface="微软雅黑" pitchFamily="34" charset="-122"/>
-            <a:ea typeface="微软雅黑" pitchFamily="34" charset="-122"/>
+            <a:latin typeface="微软雅黑" panose="020B0503020204020204" pitchFamily="34" charset="-122"/>
+            <a:ea typeface="微软雅黑" panose="020B0503020204020204" pitchFamily="34" charset="-122"/>
           </a:endParaRPr>
         </a:p>
       </dgm:t>
     </dgm:pt>
-    <dgm:pt modelId="{E007846F-DEA2-4342-AEEB-BE815A561001}" type="sibTrans" cxnId="{B735D7A6-09A7-4286-AE7E-ECC62D6FF4A8}">
+    <dgm:pt modelId="{E007846F-DEA2-4342-AEEB-BE815A561001}" cxnId="{B735D7A6-09A7-4286-AE7E-ECC62D6FF4A8}" type="sibTrans">
       <dgm:prSet/>
       <dgm:spPr/>
       <dgm:t>
@@ -3171,8 +3155,8 @@
         <a:lstStyle/>
         <a:p>
           <a:endParaRPr lang="zh-CN" altLang="en-US" sz="1800" b="1">
-            <a:latin typeface="微软雅黑" pitchFamily="34" charset="-122"/>
-            <a:ea typeface="微软雅黑" pitchFamily="34" charset="-122"/>
+            <a:latin typeface="微软雅黑" panose="020B0503020204020204" pitchFamily="34" charset="-122"/>
+            <a:ea typeface="微软雅黑" panose="020B0503020204020204" pitchFamily="34" charset="-122"/>
           </a:endParaRPr>
         </a:p>
       </dgm:t>
@@ -3186,15 +3170,15 @@
         <a:p>
           <a:r>
             <a:rPr lang="zh-CN" altLang="en-US" sz="1600" b="1" dirty="0">
-              <a:latin typeface="微软雅黑" pitchFamily="34" charset="-122"/>
-              <a:ea typeface="微软雅黑" pitchFamily="34" charset="-122"/>
+              <a:latin typeface="微软雅黑" panose="020B0503020204020204" pitchFamily="34" charset="-122"/>
+              <a:ea typeface="微软雅黑" panose="020B0503020204020204" pitchFamily="34" charset="-122"/>
             </a:rPr>
             <a:t>设计师</a:t>
           </a:r>
         </a:p>
       </dgm:t>
     </dgm:pt>
-    <dgm:pt modelId="{D978002C-7FDF-4746-91E1-00AA1F8FBF08}" type="parTrans" cxnId="{01C75623-5599-487E-A3DA-C42CCB32FD65}">
+    <dgm:pt modelId="{D978002C-7FDF-4746-91E1-00AA1F8FBF08}" cxnId="{01C75623-5599-487E-A3DA-C42CCB32FD65}" type="parTrans">
       <dgm:prSet/>
       <dgm:spPr/>
       <dgm:t>
@@ -3202,13 +3186,13 @@
         <a:lstStyle/>
         <a:p>
           <a:endParaRPr lang="zh-CN" altLang="en-US" sz="1800" b="1">
-            <a:latin typeface="微软雅黑" pitchFamily="34" charset="-122"/>
-            <a:ea typeface="微软雅黑" pitchFamily="34" charset="-122"/>
+            <a:latin typeface="微软雅黑" panose="020B0503020204020204" pitchFamily="34" charset="-122"/>
+            <a:ea typeface="微软雅黑" panose="020B0503020204020204" pitchFamily="34" charset="-122"/>
           </a:endParaRPr>
         </a:p>
       </dgm:t>
     </dgm:pt>
-    <dgm:pt modelId="{655C45A8-2590-4BEB-B449-AF6C95EA07CF}" type="sibTrans" cxnId="{01C75623-5599-487E-A3DA-C42CCB32FD65}">
+    <dgm:pt modelId="{655C45A8-2590-4BEB-B449-AF6C95EA07CF}" cxnId="{01C75623-5599-487E-A3DA-C42CCB32FD65}" type="sibTrans">
       <dgm:prSet/>
       <dgm:spPr/>
       <dgm:t>
@@ -3216,8 +3200,8 @@
         <a:lstStyle/>
         <a:p>
           <a:endParaRPr lang="zh-CN" altLang="en-US" sz="1800" b="1">
-            <a:latin typeface="微软雅黑" pitchFamily="34" charset="-122"/>
-            <a:ea typeface="微软雅黑" pitchFamily="34" charset="-122"/>
+            <a:latin typeface="微软雅黑" panose="020B0503020204020204" pitchFamily="34" charset="-122"/>
+            <a:ea typeface="微软雅黑" panose="020B0503020204020204" pitchFamily="34" charset="-122"/>
           </a:endParaRPr>
         </a:p>
       </dgm:t>
@@ -3231,19 +3215,19 @@
         <a:p>
           <a:r>
             <a:rPr lang="zh-CN" altLang="en-US" sz="1600" b="1" dirty="0" smtClean="0">
-              <a:latin typeface="微软雅黑" pitchFamily="34" charset="-122"/>
-              <a:ea typeface="微软雅黑" pitchFamily="34" charset="-122"/>
+              <a:latin typeface="微软雅黑" panose="020B0503020204020204" pitchFamily="34" charset="-122"/>
+              <a:ea typeface="微软雅黑" panose="020B0503020204020204" pitchFamily="34" charset="-122"/>
             </a:rPr>
             <a:t>文档人员</a:t>
           </a:r>
           <a:endParaRPr lang="zh-CN" altLang="en-US" sz="1600" b="1" dirty="0">
-            <a:latin typeface="微软雅黑" pitchFamily="34" charset="-122"/>
-            <a:ea typeface="微软雅黑" pitchFamily="34" charset="-122"/>
+            <a:latin typeface="微软雅黑" panose="020B0503020204020204" pitchFamily="34" charset="-122"/>
+            <a:ea typeface="微软雅黑" panose="020B0503020204020204" pitchFamily="34" charset="-122"/>
           </a:endParaRPr>
         </a:p>
       </dgm:t>
     </dgm:pt>
-    <dgm:pt modelId="{75AEDEE9-92BE-421D-83F0-FEC20F3E025C}" type="parTrans" cxnId="{4F35CDB7-B898-46BC-B7B4-E7409FDAC906}">
+    <dgm:pt modelId="{75AEDEE9-92BE-421D-83F0-FEC20F3E025C}" cxnId="{4F35CDB7-B898-46BC-B7B4-E7409FDAC906}" type="parTrans">
       <dgm:prSet/>
       <dgm:spPr/>
       <dgm:t>
@@ -3251,13 +3235,13 @@
         <a:lstStyle/>
         <a:p>
           <a:endParaRPr lang="zh-CN" altLang="en-US" sz="1800" b="1">
-            <a:latin typeface="微软雅黑" pitchFamily="34" charset="-122"/>
-            <a:ea typeface="微软雅黑" pitchFamily="34" charset="-122"/>
+            <a:latin typeface="微软雅黑" panose="020B0503020204020204" pitchFamily="34" charset="-122"/>
+            <a:ea typeface="微软雅黑" panose="020B0503020204020204" pitchFamily="34" charset="-122"/>
           </a:endParaRPr>
         </a:p>
       </dgm:t>
     </dgm:pt>
-    <dgm:pt modelId="{F37C827E-12CC-4184-9FAA-11AB0FE2E363}" type="sibTrans" cxnId="{4F35CDB7-B898-46BC-B7B4-E7409FDAC906}">
+    <dgm:pt modelId="{F37C827E-12CC-4184-9FAA-11AB0FE2E363}" cxnId="{4F35CDB7-B898-46BC-B7B4-E7409FDAC906}" type="sibTrans">
       <dgm:prSet/>
       <dgm:spPr/>
       <dgm:t>
@@ -3265,8 +3249,8 @@
         <a:lstStyle/>
         <a:p>
           <a:endParaRPr lang="zh-CN" altLang="en-US" sz="1800" b="1">
-            <a:latin typeface="微软雅黑" pitchFamily="34" charset="-122"/>
-            <a:ea typeface="微软雅黑" pitchFamily="34" charset="-122"/>
+            <a:latin typeface="微软雅黑" panose="020B0503020204020204" pitchFamily="34" charset="-122"/>
+            <a:ea typeface="微软雅黑" panose="020B0503020204020204" pitchFamily="34" charset="-122"/>
           </a:endParaRPr>
         </a:p>
       </dgm:t>
@@ -3280,19 +3264,19 @@
         <a:p>
           <a:r>
             <a:rPr lang="zh-CN" altLang="en-US" sz="1600" b="1" dirty="0" smtClean="0">
-              <a:latin typeface="微软雅黑" pitchFamily="34" charset="-122"/>
-              <a:ea typeface="微软雅黑" pitchFamily="34" charset="-122"/>
+              <a:latin typeface="微软雅黑" panose="020B0503020204020204" pitchFamily="34" charset="-122"/>
+              <a:ea typeface="微软雅黑" panose="020B0503020204020204" pitchFamily="34" charset="-122"/>
             </a:rPr>
             <a:t>产品经理</a:t>
           </a:r>
           <a:endParaRPr lang="zh-CN" altLang="en-US" sz="1600" b="1" dirty="0">
-            <a:latin typeface="微软雅黑" pitchFamily="34" charset="-122"/>
-            <a:ea typeface="微软雅黑" pitchFamily="34" charset="-122"/>
+            <a:latin typeface="微软雅黑" panose="020B0503020204020204" pitchFamily="34" charset="-122"/>
+            <a:ea typeface="微软雅黑" panose="020B0503020204020204" pitchFamily="34" charset="-122"/>
           </a:endParaRPr>
         </a:p>
       </dgm:t>
     </dgm:pt>
-    <dgm:pt modelId="{89EFDBE3-9469-4A8A-BD0A-EAE6745C29EE}" type="parTrans" cxnId="{DB2E2B8C-5EE4-45D3-A89A-C59A619A4F9D}">
+    <dgm:pt modelId="{89EFDBE3-9469-4A8A-BD0A-EAE6745C29EE}" cxnId="{DB2E2B8C-5EE4-45D3-A89A-C59A619A4F9D}" type="parTrans">
       <dgm:prSet/>
       <dgm:spPr/>
       <dgm:t>
@@ -3300,13 +3284,13 @@
         <a:lstStyle/>
         <a:p>
           <a:endParaRPr lang="zh-CN" altLang="en-US" sz="1800" b="1">
-            <a:latin typeface="微软雅黑" pitchFamily="34" charset="-122"/>
-            <a:ea typeface="微软雅黑" pitchFamily="34" charset="-122"/>
+            <a:latin typeface="微软雅黑" panose="020B0503020204020204" pitchFamily="34" charset="-122"/>
+            <a:ea typeface="微软雅黑" panose="020B0503020204020204" pitchFamily="34" charset="-122"/>
           </a:endParaRPr>
         </a:p>
       </dgm:t>
     </dgm:pt>
-    <dgm:pt modelId="{43657E68-162E-4D61-90BD-FA0C152EBC5E}" type="sibTrans" cxnId="{DB2E2B8C-5EE4-45D3-A89A-C59A619A4F9D}">
+    <dgm:pt modelId="{43657E68-162E-4D61-90BD-FA0C152EBC5E}" cxnId="{DB2E2B8C-5EE4-45D3-A89A-C59A619A4F9D}" type="sibTrans">
       <dgm:prSet/>
       <dgm:spPr/>
       <dgm:t>
@@ -3314,8 +3298,8 @@
         <a:lstStyle/>
         <a:p>
           <a:endParaRPr lang="zh-CN" altLang="en-US" sz="1800" b="1">
-            <a:latin typeface="微软雅黑" pitchFamily="34" charset="-122"/>
-            <a:ea typeface="微软雅黑" pitchFamily="34" charset="-122"/>
+            <a:latin typeface="微软雅黑" panose="020B0503020204020204" pitchFamily="34" charset="-122"/>
+            <a:ea typeface="微软雅黑" panose="020B0503020204020204" pitchFamily="34" charset="-122"/>
           </a:endParaRPr>
         </a:p>
       </dgm:t>
@@ -3329,19 +3313,19 @@
         <a:p>
           <a:r>
             <a:rPr lang="zh-CN" altLang="en-US" sz="1600" b="1" dirty="0" smtClean="0">
-              <a:latin typeface="微软雅黑" pitchFamily="34" charset="-122"/>
-              <a:ea typeface="微软雅黑" pitchFamily="34" charset="-122"/>
+              <a:latin typeface="微软雅黑" panose="020B0503020204020204" pitchFamily="34" charset="-122"/>
+              <a:ea typeface="微软雅黑" panose="020B0503020204020204" pitchFamily="34" charset="-122"/>
             </a:rPr>
             <a:t>用户代表</a:t>
           </a:r>
           <a:endParaRPr lang="zh-CN" altLang="en-US" sz="1600" b="1" dirty="0">
-            <a:latin typeface="微软雅黑" pitchFamily="34" charset="-122"/>
-            <a:ea typeface="微软雅黑" pitchFamily="34" charset="-122"/>
+            <a:latin typeface="微软雅黑" panose="020B0503020204020204" pitchFamily="34" charset="-122"/>
+            <a:ea typeface="微软雅黑" panose="020B0503020204020204" pitchFamily="34" charset="-122"/>
           </a:endParaRPr>
         </a:p>
       </dgm:t>
     </dgm:pt>
-    <dgm:pt modelId="{ECC678CD-7026-4148-BFE4-9550E70CC3A6}" type="parTrans" cxnId="{6F9F5497-DADE-4B92-9835-4EC43CF324CD}">
+    <dgm:pt modelId="{ECC678CD-7026-4148-BFE4-9550E70CC3A6}" cxnId="{6F9F5497-DADE-4B92-9835-4EC43CF324CD}" type="parTrans">
       <dgm:prSet/>
       <dgm:spPr/>
       <dgm:t>
@@ -3349,13 +3333,13 @@
         <a:lstStyle/>
         <a:p>
           <a:endParaRPr lang="zh-CN" altLang="en-US" sz="1800" b="1">
-            <a:latin typeface="微软雅黑" pitchFamily="34" charset="-122"/>
-            <a:ea typeface="微软雅黑" pitchFamily="34" charset="-122"/>
+            <a:latin typeface="微软雅黑" panose="020B0503020204020204" pitchFamily="34" charset="-122"/>
+            <a:ea typeface="微软雅黑" panose="020B0503020204020204" pitchFamily="34" charset="-122"/>
           </a:endParaRPr>
         </a:p>
       </dgm:t>
     </dgm:pt>
-    <dgm:pt modelId="{289D2367-2CC3-4810-99E8-648A1C03F7E5}" type="sibTrans" cxnId="{6F9F5497-DADE-4B92-9835-4EC43CF324CD}">
+    <dgm:pt modelId="{289D2367-2CC3-4810-99E8-648A1C03F7E5}" cxnId="{6F9F5497-DADE-4B92-9835-4EC43CF324CD}" type="sibTrans">
       <dgm:prSet/>
       <dgm:spPr/>
       <dgm:t>
@@ -3363,8 +3347,8 @@
         <a:lstStyle/>
         <a:p>
           <a:endParaRPr lang="zh-CN" altLang="en-US" sz="1800" b="1">
-            <a:latin typeface="微软雅黑" pitchFamily="34" charset="-122"/>
-            <a:ea typeface="微软雅黑" pitchFamily="34" charset="-122"/>
+            <a:latin typeface="微软雅黑" panose="020B0503020204020204" pitchFamily="34" charset="-122"/>
+            <a:ea typeface="微软雅黑" panose="020B0503020204020204" pitchFamily="34" charset="-122"/>
           </a:endParaRPr>
         </a:p>
       </dgm:t>
@@ -3378,19 +3362,19 @@
         <a:p>
           <a:r>
             <a:rPr lang="zh-CN" altLang="en-US" sz="1600" b="1" dirty="0" smtClean="0">
-              <a:latin typeface="微软雅黑" pitchFamily="34" charset="-122"/>
-              <a:ea typeface="微软雅黑" pitchFamily="34" charset="-122"/>
+              <a:latin typeface="微软雅黑" panose="020B0503020204020204" pitchFamily="34" charset="-122"/>
+              <a:ea typeface="微软雅黑" panose="020B0503020204020204" pitchFamily="34" charset="-122"/>
             </a:rPr>
             <a:t>需求师</a:t>
           </a:r>
           <a:endParaRPr lang="zh-CN" altLang="en-US" sz="1600" b="1" dirty="0">
-            <a:latin typeface="微软雅黑" pitchFamily="34" charset="-122"/>
-            <a:ea typeface="微软雅黑" pitchFamily="34" charset="-122"/>
+            <a:latin typeface="微软雅黑" panose="020B0503020204020204" pitchFamily="34" charset="-122"/>
+            <a:ea typeface="微软雅黑" panose="020B0503020204020204" pitchFamily="34" charset="-122"/>
           </a:endParaRPr>
         </a:p>
       </dgm:t>
     </dgm:pt>
-    <dgm:pt modelId="{7E860349-B1F6-4B05-A76B-21A5D3416B52}" type="parTrans" cxnId="{A5007533-4C8F-422B-8FD4-CFF014E0CF5E}">
+    <dgm:pt modelId="{7E860349-B1F6-4B05-A76B-21A5D3416B52}" cxnId="{A5007533-4C8F-422B-8FD4-CFF014E0CF5E}" type="parTrans">
       <dgm:prSet/>
       <dgm:spPr/>
       <dgm:t>
@@ -3398,13 +3382,13 @@
         <a:lstStyle/>
         <a:p>
           <a:endParaRPr lang="zh-CN" altLang="en-US" sz="1800" b="1">
-            <a:latin typeface="微软雅黑" pitchFamily="34" charset="-122"/>
-            <a:ea typeface="微软雅黑" pitchFamily="34" charset="-122"/>
+            <a:latin typeface="微软雅黑" panose="020B0503020204020204" pitchFamily="34" charset="-122"/>
+            <a:ea typeface="微软雅黑" panose="020B0503020204020204" pitchFamily="34" charset="-122"/>
           </a:endParaRPr>
         </a:p>
       </dgm:t>
     </dgm:pt>
-    <dgm:pt modelId="{71C20106-6565-47E4-867D-C369894368E0}" type="sibTrans" cxnId="{A5007533-4C8F-422B-8FD4-CFF014E0CF5E}">
+    <dgm:pt modelId="{71C20106-6565-47E4-867D-C369894368E0}" cxnId="{A5007533-4C8F-422B-8FD4-CFF014E0CF5E}" type="sibTrans">
       <dgm:prSet/>
       <dgm:spPr/>
       <dgm:t>
@@ -3412,8 +3396,8 @@
         <a:lstStyle/>
         <a:p>
           <a:endParaRPr lang="zh-CN" altLang="en-US" sz="1800" b="1">
-            <a:latin typeface="微软雅黑" pitchFamily="34" charset="-122"/>
-            <a:ea typeface="微软雅黑" pitchFamily="34" charset="-122"/>
+            <a:latin typeface="微软雅黑" panose="020B0503020204020204" pitchFamily="34" charset="-122"/>
+            <a:ea typeface="微软雅黑" panose="020B0503020204020204" pitchFamily="34" charset="-122"/>
           </a:endParaRPr>
         </a:p>
       </dgm:t>
@@ -3993,7 +3977,7 @@
   <dgm:whole/>
   <dgm:extLst>
     <a:ext uri="http://schemas.microsoft.com/office/drawing/2008/diagram">
-      <dsp:dataModelExt xmlns:dsp="http://schemas.microsoft.com/office/drawing/2008/diagram" relId="rId6" minVer="http://schemas.openxmlformats.org/drawingml/2006/diagram"/>
+      <dsp:dataModelExt xmlns:dsp="http://schemas.microsoft.com/office/drawing/2008/diagram" relId="rId5" minVer="http://schemas.openxmlformats.org/drawingml/2006/diagram"/>
     </a:ext>
   </dgm:extLst>
 </dgm:dataModel>
@@ -8569,14 +8553,14 @@
               <dgm:forEach name="Name9" axis="self" ptType="parTrans" cnt="1">
                 <dgm:layoutNode name="Name10">
                   <dgm:alg type="conn">
+                    <dgm:param type="srcNode" val="background"/>
+                    <dgm:param type="dstNode" val="background2"/>
                     <dgm:param type="dim" val="1D"/>
                     <dgm:param type="endSty" val="noArr"/>
                     <dgm:param type="connRout" val="bend"/>
-                    <dgm:param type="bendPt" val="end"/>
                     <dgm:param type="begPts" val="bCtr"/>
                     <dgm:param type="endPts" val="tCtr"/>
-                    <dgm:param type="srcNode" val="background"/>
-                    <dgm:param type="dstNode" val="background2"/>
+                    <dgm:param type="bendPt" val="end"/>
                   </dgm:alg>
                   <dgm:shape xmlns:r="http://schemas.openxmlformats.org/officeDocument/2006/relationships" type="conn" r:blip="" zOrderOff="-999">
                     <dgm:adjLst/>
@@ -8673,14 +8657,14 @@
                       <dgm:forEach name="Name16" axis="self" ptType="parTrans" cnt="1">
                         <dgm:layoutNode name="Name17">
                           <dgm:alg type="conn">
+                            <dgm:param type="srcNode" val="background2"/>
+                            <dgm:param type="dstNode" val="background3"/>
                             <dgm:param type="dim" val="1D"/>
                             <dgm:param type="endSty" val="noArr"/>
                             <dgm:param type="connRout" val="bend"/>
-                            <dgm:param type="bendPt" val="end"/>
                             <dgm:param type="begPts" val="bCtr"/>
                             <dgm:param type="endPts" val="tCtr"/>
-                            <dgm:param type="srcNode" val="background2"/>
-                            <dgm:param type="dstNode" val="background3"/>
+                            <dgm:param type="bendPt" val="end"/>
                           </dgm:alg>
                           <dgm:shape xmlns:r="http://schemas.openxmlformats.org/officeDocument/2006/relationships" type="conn" r:blip="" zOrderOff="-999">
                             <dgm:adjLst/>
@@ -8779,26 +8763,26 @@
                                   <dgm:choose name="Name24">
                                     <dgm:if name="Name25" axis="self" func="depth" op="lte" val="4">
                                       <dgm:alg type="conn">
+                                        <dgm:param type="srcNode" val="background3"/>
+                                        <dgm:param type="dstNode" val="background4"/>
                                         <dgm:param type="dim" val="1D"/>
                                         <dgm:param type="endSty" val="noArr"/>
                                         <dgm:param type="connRout" val="bend"/>
-                                        <dgm:param type="bendPt" val="end"/>
                                         <dgm:param type="begPts" val="bCtr"/>
                                         <dgm:param type="endPts" val="tCtr"/>
-                                        <dgm:param type="srcNode" val="background3"/>
-                                        <dgm:param type="dstNode" val="background4"/>
+                                        <dgm:param type="bendPt" val="end"/>
                                       </dgm:alg>
                                     </dgm:if>
                                     <dgm:else name="Name26">
                                       <dgm:alg type="conn">
+                                        <dgm:param type="srcNode" val="background4"/>
+                                        <dgm:param type="dstNode" val="background4"/>
                                         <dgm:param type="dim" val="1D"/>
                                         <dgm:param type="endSty" val="noArr"/>
                                         <dgm:param type="connRout" val="bend"/>
-                                        <dgm:param type="bendPt" val="end"/>
                                         <dgm:param type="begPts" val="bCtr"/>
                                         <dgm:param type="endPts" val="tCtr"/>
-                                        <dgm:param type="srcNode" val="background4"/>
-                                        <dgm:param type="dstNode" val="background4"/>
+                                        <dgm:param type="bendPt" val="end"/>
                                       </dgm:alg>
                                     </dgm:else>
                                   </dgm:choose>
@@ -9132,14 +9116,14 @@
               <dgm:forEach name="Name9" axis="self" ptType="parTrans" cnt="1">
                 <dgm:layoutNode name="Name10">
                   <dgm:alg type="conn">
+                    <dgm:param type="srcNode" val="background"/>
+                    <dgm:param type="dstNode" val="background2"/>
                     <dgm:param type="dim" val="1D"/>
                     <dgm:param type="endSty" val="noArr"/>
                     <dgm:param type="connRout" val="bend"/>
-                    <dgm:param type="bendPt" val="end"/>
                     <dgm:param type="begPts" val="bCtr"/>
                     <dgm:param type="endPts" val="tCtr"/>
-                    <dgm:param type="srcNode" val="background"/>
-                    <dgm:param type="dstNode" val="background2"/>
+                    <dgm:param type="bendPt" val="end"/>
                   </dgm:alg>
                   <dgm:shape xmlns:r="http://schemas.openxmlformats.org/officeDocument/2006/relationships" type="conn" r:blip="" zOrderOff="-999">
                     <dgm:adjLst/>
@@ -9236,14 +9220,14 @@
                       <dgm:forEach name="Name16" axis="self" ptType="parTrans" cnt="1">
                         <dgm:layoutNode name="Name17">
                           <dgm:alg type="conn">
+                            <dgm:param type="srcNode" val="background2"/>
+                            <dgm:param type="dstNode" val="background3"/>
                             <dgm:param type="dim" val="1D"/>
                             <dgm:param type="endSty" val="noArr"/>
                             <dgm:param type="connRout" val="bend"/>
-                            <dgm:param type="bendPt" val="end"/>
                             <dgm:param type="begPts" val="bCtr"/>
                             <dgm:param type="endPts" val="tCtr"/>
-                            <dgm:param type="srcNode" val="background2"/>
-                            <dgm:param type="dstNode" val="background3"/>
+                            <dgm:param type="bendPt" val="end"/>
                           </dgm:alg>
                           <dgm:shape xmlns:r="http://schemas.openxmlformats.org/officeDocument/2006/relationships" type="conn" r:blip="" zOrderOff="-999">
                             <dgm:adjLst/>
@@ -9342,26 +9326,26 @@
                                   <dgm:choose name="Name24">
                                     <dgm:if name="Name25" axis="self" func="depth" op="lte" val="4">
                                       <dgm:alg type="conn">
+                                        <dgm:param type="srcNode" val="background3"/>
+                                        <dgm:param type="dstNode" val="background4"/>
                                         <dgm:param type="dim" val="1D"/>
                                         <dgm:param type="endSty" val="noArr"/>
                                         <dgm:param type="connRout" val="bend"/>
-                                        <dgm:param type="bendPt" val="end"/>
                                         <dgm:param type="begPts" val="bCtr"/>
                                         <dgm:param type="endPts" val="tCtr"/>
-                                        <dgm:param type="srcNode" val="background3"/>
-                                        <dgm:param type="dstNode" val="background4"/>
+                                        <dgm:param type="bendPt" val="end"/>
                                       </dgm:alg>
                                     </dgm:if>
                                     <dgm:else name="Name26">
                                       <dgm:alg type="conn">
+                                        <dgm:param type="srcNode" val="background4"/>
+                                        <dgm:param type="dstNode" val="background4"/>
                                         <dgm:param type="dim" val="1D"/>
                                         <dgm:param type="endSty" val="noArr"/>
                                         <dgm:param type="connRout" val="bend"/>
-                                        <dgm:param type="bendPt" val="end"/>
                                         <dgm:param type="begPts" val="bCtr"/>
                                         <dgm:param type="endPts" val="tCtr"/>
-                                        <dgm:param type="srcNode" val="background4"/>
-                                        <dgm:param type="dstNode" val="background4"/>
+                                        <dgm:param type="bendPt" val="end"/>
                                       </dgm:alg>
                                     </dgm:else>
                                   </dgm:choose>
@@ -9488,15 +9472,503 @@
     <a:camera prst="orthographicFront"/>
     <a:lightRig rig="threePt" dir="t"/>
   </dgm:scene3d>
-  <dgm:styleLbl name="node0">
+  <dgm:styleLbl name="alignAcc1">
     <dgm:scene3d>
       <a:camera prst="orthographicFront"/>
       <a:lightRig rig="threePt" dir="t"/>
     </dgm:scene3d>
-    <dgm:sp3d/>
     <dgm:txPr/>
     <dgm:style>
       <a:lnRef idx="2">
+        <a:scrgbClr r="0" g="0" b="0"/>
+      </a:lnRef>
+      <a:fillRef idx="1">
+        <a:scrgbClr r="0" g="0" b="0"/>
+      </a:fillRef>
+      <a:effectRef idx="0">
+        <a:scrgbClr r="0" g="0" b="0"/>
+      </a:effectRef>
+      <a:fontRef idx="minor"/>
+    </dgm:style>
+  </dgm:styleLbl>
+  <dgm:styleLbl name="alignAccFollowNode1">
+    <dgm:scene3d>
+      <a:camera prst="orthographicFront"/>
+      <a:lightRig rig="threePt" dir="t"/>
+    </dgm:scene3d>
+    <dgm:txPr/>
+    <dgm:style>
+      <a:lnRef idx="2">
+        <a:scrgbClr r="0" g="0" b="0"/>
+      </a:lnRef>
+      <a:fillRef idx="1">
+        <a:scrgbClr r="0" g="0" b="0"/>
+      </a:fillRef>
+      <a:effectRef idx="0">
+        <a:scrgbClr r="0" g="0" b="0"/>
+      </a:effectRef>
+      <a:fontRef idx="minor"/>
+    </dgm:style>
+  </dgm:styleLbl>
+  <dgm:styleLbl name="alignImgPlace1">
+    <dgm:scene3d>
+      <a:camera prst="orthographicFront"/>
+      <a:lightRig rig="threePt" dir="t"/>
+    </dgm:scene3d>
+    <dgm:txPr/>
+    <dgm:style>
+      <a:lnRef idx="2">
+        <a:scrgbClr r="0" g="0" b="0"/>
+      </a:lnRef>
+      <a:fillRef idx="1">
+        <a:scrgbClr r="0" g="0" b="0"/>
+      </a:fillRef>
+      <a:effectRef idx="0">
+        <a:scrgbClr r="0" g="0" b="0"/>
+      </a:effectRef>
+      <a:fontRef idx="minor"/>
+    </dgm:style>
+  </dgm:styleLbl>
+  <dgm:styleLbl name="alignNode1">
+    <dgm:scene3d>
+      <a:camera prst="orthographicFront"/>
+      <a:lightRig rig="threePt" dir="t"/>
+    </dgm:scene3d>
+    <dgm:txPr/>
+    <dgm:style>
+      <a:lnRef idx="2">
+        <a:scrgbClr r="0" g="0" b="0"/>
+      </a:lnRef>
+      <a:fillRef idx="1">
+        <a:scrgbClr r="0" g="0" b="0"/>
+      </a:fillRef>
+      <a:effectRef idx="0">
+        <a:scrgbClr r="0" g="0" b="0"/>
+      </a:effectRef>
+      <a:fontRef idx="minor">
+        <a:schemeClr val="lt1"/>
+      </a:fontRef>
+    </dgm:style>
+  </dgm:styleLbl>
+  <dgm:styleLbl name="asst0">
+    <dgm:scene3d>
+      <a:camera prst="orthographicFront"/>
+      <a:lightRig rig="threePt" dir="t"/>
+    </dgm:scene3d>
+    <dgm:txPr/>
+    <dgm:style>
+      <a:lnRef idx="2">
+        <a:scrgbClr r="0" g="0" b="0"/>
+      </a:lnRef>
+      <a:fillRef idx="1">
+        <a:scrgbClr r="0" g="0" b="0"/>
+      </a:fillRef>
+      <a:effectRef idx="0">
+        <a:scrgbClr r="0" g="0" b="0"/>
+      </a:effectRef>
+      <a:fontRef idx="minor">
+        <a:schemeClr val="lt1"/>
+      </a:fontRef>
+    </dgm:style>
+  </dgm:styleLbl>
+  <dgm:styleLbl name="asst1">
+    <dgm:scene3d>
+      <a:camera prst="orthographicFront"/>
+      <a:lightRig rig="threePt" dir="t"/>
+    </dgm:scene3d>
+    <dgm:txPr/>
+    <dgm:style>
+      <a:lnRef idx="2">
+        <a:scrgbClr r="0" g="0" b="0"/>
+      </a:lnRef>
+      <a:fillRef idx="1">
+        <a:scrgbClr r="0" g="0" b="0"/>
+      </a:fillRef>
+      <a:effectRef idx="0">
+        <a:scrgbClr r="0" g="0" b="0"/>
+      </a:effectRef>
+      <a:fontRef idx="minor">
+        <a:schemeClr val="lt1"/>
+      </a:fontRef>
+    </dgm:style>
+  </dgm:styleLbl>
+  <dgm:styleLbl name="asst2">
+    <dgm:scene3d>
+      <a:camera prst="orthographicFront"/>
+      <a:lightRig rig="threePt" dir="t"/>
+    </dgm:scene3d>
+    <dgm:txPr/>
+    <dgm:style>
+      <a:lnRef idx="2">
+        <a:scrgbClr r="0" g="0" b="0"/>
+      </a:lnRef>
+      <a:fillRef idx="1">
+        <a:scrgbClr r="0" g="0" b="0"/>
+      </a:fillRef>
+      <a:effectRef idx="0">
+        <a:scrgbClr r="0" g="0" b="0"/>
+      </a:effectRef>
+      <a:fontRef idx="minor">
+        <a:schemeClr val="lt1"/>
+      </a:fontRef>
+    </dgm:style>
+  </dgm:styleLbl>
+  <dgm:styleLbl name="asst3">
+    <dgm:scene3d>
+      <a:camera prst="orthographicFront"/>
+      <a:lightRig rig="threePt" dir="t"/>
+    </dgm:scene3d>
+    <dgm:txPr/>
+    <dgm:style>
+      <a:lnRef idx="2">
+        <a:scrgbClr r="0" g="0" b="0"/>
+      </a:lnRef>
+      <a:fillRef idx="1">
+        <a:scrgbClr r="0" g="0" b="0"/>
+      </a:fillRef>
+      <a:effectRef idx="0">
+        <a:scrgbClr r="0" g="0" b="0"/>
+      </a:effectRef>
+      <a:fontRef idx="minor">
+        <a:schemeClr val="lt1"/>
+      </a:fontRef>
+    </dgm:style>
+  </dgm:styleLbl>
+  <dgm:styleLbl name="asst4">
+    <dgm:scene3d>
+      <a:camera prst="orthographicFront"/>
+      <a:lightRig rig="threePt" dir="t"/>
+    </dgm:scene3d>
+    <dgm:txPr/>
+    <dgm:style>
+      <a:lnRef idx="2">
+        <a:scrgbClr r="0" g="0" b="0"/>
+      </a:lnRef>
+      <a:fillRef idx="1">
+        <a:scrgbClr r="0" g="0" b="0"/>
+      </a:fillRef>
+      <a:effectRef idx="0">
+        <a:scrgbClr r="0" g="0" b="0"/>
+      </a:effectRef>
+      <a:fontRef idx="minor">
+        <a:schemeClr val="lt1"/>
+      </a:fontRef>
+    </dgm:style>
+  </dgm:styleLbl>
+  <dgm:styleLbl name="bgAcc1">
+    <dgm:scene3d>
+      <a:camera prst="orthographicFront"/>
+      <a:lightRig rig="threePt" dir="t"/>
+    </dgm:scene3d>
+    <dgm:txPr/>
+    <dgm:style>
+      <a:lnRef idx="2">
+        <a:scrgbClr r="0" g="0" b="0"/>
+      </a:lnRef>
+      <a:fillRef idx="1">
+        <a:scrgbClr r="0" g="0" b="0"/>
+      </a:fillRef>
+      <a:effectRef idx="0">
+        <a:scrgbClr r="0" g="0" b="0"/>
+      </a:effectRef>
+      <a:fontRef idx="minor"/>
+    </dgm:style>
+  </dgm:styleLbl>
+  <dgm:styleLbl name="bgAccFollowNode1">
+    <dgm:scene3d>
+      <a:camera prst="orthographicFront"/>
+      <a:lightRig rig="threePt" dir="t"/>
+    </dgm:scene3d>
+    <dgm:txPr/>
+    <dgm:style>
+      <a:lnRef idx="2">
+        <a:scrgbClr r="0" g="0" b="0"/>
+      </a:lnRef>
+      <a:fillRef idx="1">
+        <a:scrgbClr r="0" g="0" b="0"/>
+      </a:fillRef>
+      <a:effectRef idx="0">
+        <a:scrgbClr r="0" g="0" b="0"/>
+      </a:effectRef>
+      <a:fontRef idx="minor"/>
+    </dgm:style>
+  </dgm:styleLbl>
+  <dgm:styleLbl name="bgImgPlace1">
+    <dgm:scene3d>
+      <a:camera prst="orthographicFront"/>
+      <a:lightRig rig="threePt" dir="t"/>
+    </dgm:scene3d>
+    <dgm:txPr/>
+    <dgm:style>
+      <a:lnRef idx="2">
+        <a:scrgbClr r="0" g="0" b="0"/>
+      </a:lnRef>
+      <a:fillRef idx="1">
+        <a:scrgbClr r="0" g="0" b="0"/>
+      </a:fillRef>
+      <a:effectRef idx="0">
+        <a:scrgbClr r="0" g="0" b="0"/>
+      </a:effectRef>
+      <a:fontRef idx="minor"/>
+    </dgm:style>
+  </dgm:styleLbl>
+  <dgm:styleLbl name="bgShp">
+    <dgm:scene3d>
+      <a:camera prst="orthographicFront"/>
+      <a:lightRig rig="threePt" dir="t"/>
+    </dgm:scene3d>
+    <dgm:txPr/>
+    <dgm:style>
+      <a:lnRef idx="0">
+        <a:scrgbClr r="0" g="0" b="0"/>
+      </a:lnRef>
+      <a:fillRef idx="1">
+        <a:scrgbClr r="0" g="0" b="0"/>
+      </a:fillRef>
+      <a:effectRef idx="0">
+        <a:scrgbClr r="0" g="0" b="0"/>
+      </a:effectRef>
+      <a:fontRef idx="minor"/>
+    </dgm:style>
+  </dgm:styleLbl>
+  <dgm:styleLbl name="bgSibTrans2D1">
+    <dgm:scene3d>
+      <a:camera prst="orthographicFront"/>
+      <a:lightRig rig="threePt" dir="t"/>
+    </dgm:scene3d>
+    <dgm:txPr/>
+    <dgm:style>
+      <a:lnRef idx="0">
+        <a:scrgbClr r="0" g="0" b="0"/>
+      </a:lnRef>
+      <a:fillRef idx="1">
+        <a:scrgbClr r="0" g="0" b="0"/>
+      </a:fillRef>
+      <a:effectRef idx="0">
+        <a:scrgbClr r="0" g="0" b="0"/>
+      </a:effectRef>
+      <a:fontRef idx="minor">
+        <a:schemeClr val="lt1"/>
+      </a:fontRef>
+    </dgm:style>
+  </dgm:styleLbl>
+  <dgm:styleLbl name="callout">
+    <dgm:scene3d>
+      <a:camera prst="orthographicFront"/>
+      <a:lightRig rig="threePt" dir="t"/>
+    </dgm:scene3d>
+    <dgm:txPr/>
+    <dgm:style>
+      <a:lnRef idx="2">
+        <a:scrgbClr r="0" g="0" b="0"/>
+      </a:lnRef>
+      <a:fillRef idx="1">
+        <a:scrgbClr r="0" g="0" b="0"/>
+      </a:fillRef>
+      <a:effectRef idx="0">
+        <a:scrgbClr r="0" g="0" b="0"/>
+      </a:effectRef>
+      <a:fontRef idx="minor"/>
+    </dgm:style>
+  </dgm:styleLbl>
+  <dgm:styleLbl name="conFgAcc1">
+    <dgm:scene3d>
+      <a:camera prst="orthographicFront"/>
+      <a:lightRig rig="threePt" dir="t"/>
+    </dgm:scene3d>
+    <dgm:txPr/>
+    <dgm:style>
+      <a:lnRef idx="2">
+        <a:scrgbClr r="0" g="0" b="0"/>
+      </a:lnRef>
+      <a:fillRef idx="1">
+        <a:scrgbClr r="0" g="0" b="0"/>
+      </a:fillRef>
+      <a:effectRef idx="0">
+        <a:scrgbClr r="0" g="0" b="0"/>
+      </a:effectRef>
+      <a:fontRef idx="minor"/>
+    </dgm:style>
+  </dgm:styleLbl>
+  <dgm:styleLbl name="dkBgShp">
+    <dgm:scene3d>
+      <a:camera prst="orthographicFront"/>
+      <a:lightRig rig="threePt" dir="t"/>
+    </dgm:scene3d>
+    <dgm:txPr/>
+    <dgm:style>
+      <a:lnRef idx="0">
+        <a:scrgbClr r="0" g="0" b="0"/>
+      </a:lnRef>
+      <a:fillRef idx="1">
+        <a:scrgbClr r="0" g="0" b="0"/>
+      </a:fillRef>
+      <a:effectRef idx="0">
+        <a:scrgbClr r="0" g="0" b="0"/>
+      </a:effectRef>
+      <a:fontRef idx="minor"/>
+    </dgm:style>
+  </dgm:styleLbl>
+  <dgm:styleLbl name="fgAcc0">
+    <dgm:scene3d>
+      <a:camera prst="orthographicFront"/>
+      <a:lightRig rig="threePt" dir="t"/>
+    </dgm:scene3d>
+    <dgm:txPr/>
+    <dgm:style>
+      <a:lnRef idx="2">
+        <a:scrgbClr r="0" g="0" b="0"/>
+      </a:lnRef>
+      <a:fillRef idx="1">
+        <a:scrgbClr r="0" g="0" b="0"/>
+      </a:fillRef>
+      <a:effectRef idx="0">
+        <a:scrgbClr r="0" g="0" b="0"/>
+      </a:effectRef>
+      <a:fontRef idx="minor"/>
+    </dgm:style>
+  </dgm:styleLbl>
+  <dgm:styleLbl name="fgAcc1">
+    <dgm:scene3d>
+      <a:camera prst="orthographicFront"/>
+      <a:lightRig rig="threePt" dir="t"/>
+    </dgm:scene3d>
+    <dgm:txPr/>
+    <dgm:style>
+      <a:lnRef idx="2">
+        <a:scrgbClr r="0" g="0" b="0"/>
+      </a:lnRef>
+      <a:fillRef idx="1">
+        <a:scrgbClr r="0" g="0" b="0"/>
+      </a:fillRef>
+      <a:effectRef idx="0">
+        <a:scrgbClr r="0" g="0" b="0"/>
+      </a:effectRef>
+      <a:fontRef idx="minor"/>
+    </dgm:style>
+  </dgm:styleLbl>
+  <dgm:styleLbl name="fgAcc2">
+    <dgm:scene3d>
+      <a:camera prst="orthographicFront"/>
+      <a:lightRig rig="threePt" dir="t"/>
+    </dgm:scene3d>
+    <dgm:txPr/>
+    <dgm:style>
+      <a:lnRef idx="2">
+        <a:scrgbClr r="0" g="0" b="0"/>
+      </a:lnRef>
+      <a:fillRef idx="1">
+        <a:scrgbClr r="0" g="0" b="0"/>
+      </a:fillRef>
+      <a:effectRef idx="0">
+        <a:scrgbClr r="0" g="0" b="0"/>
+      </a:effectRef>
+      <a:fontRef idx="minor"/>
+    </dgm:style>
+  </dgm:styleLbl>
+  <dgm:styleLbl name="fgAcc3">
+    <dgm:scene3d>
+      <a:camera prst="orthographicFront"/>
+      <a:lightRig rig="threePt" dir="t"/>
+    </dgm:scene3d>
+    <dgm:txPr/>
+    <dgm:style>
+      <a:lnRef idx="2">
+        <a:scrgbClr r="0" g="0" b="0"/>
+      </a:lnRef>
+      <a:fillRef idx="1">
+        <a:scrgbClr r="0" g="0" b="0"/>
+      </a:fillRef>
+      <a:effectRef idx="0">
+        <a:scrgbClr r="0" g="0" b="0"/>
+      </a:effectRef>
+      <a:fontRef idx="minor"/>
+    </dgm:style>
+  </dgm:styleLbl>
+  <dgm:styleLbl name="fgAcc4">
+    <dgm:scene3d>
+      <a:camera prst="orthographicFront"/>
+      <a:lightRig rig="threePt" dir="t"/>
+    </dgm:scene3d>
+    <dgm:txPr/>
+    <dgm:style>
+      <a:lnRef idx="2">
+        <a:scrgbClr r="0" g="0" b="0"/>
+      </a:lnRef>
+      <a:fillRef idx="1">
+        <a:scrgbClr r="0" g="0" b="0"/>
+      </a:fillRef>
+      <a:effectRef idx="0">
+        <a:scrgbClr r="0" g="0" b="0"/>
+      </a:effectRef>
+      <a:fontRef idx="minor"/>
+    </dgm:style>
+  </dgm:styleLbl>
+  <dgm:styleLbl name="fgAccFollowNode1">
+    <dgm:scene3d>
+      <a:camera prst="orthographicFront"/>
+      <a:lightRig rig="threePt" dir="t"/>
+    </dgm:scene3d>
+    <dgm:txPr/>
+    <dgm:style>
+      <a:lnRef idx="2">
+        <a:scrgbClr r="0" g="0" b="0"/>
+      </a:lnRef>
+      <a:fillRef idx="1">
+        <a:scrgbClr r="0" g="0" b="0"/>
+      </a:fillRef>
+      <a:effectRef idx="0">
+        <a:scrgbClr r="0" g="0" b="0"/>
+      </a:effectRef>
+      <a:fontRef idx="minor"/>
+    </dgm:style>
+  </dgm:styleLbl>
+  <dgm:styleLbl name="fgImgPlace1">
+    <dgm:scene3d>
+      <a:camera prst="orthographicFront"/>
+      <a:lightRig rig="threePt" dir="t"/>
+    </dgm:scene3d>
+    <dgm:txPr/>
+    <dgm:style>
+      <a:lnRef idx="2">
+        <a:scrgbClr r="0" g="0" b="0"/>
+      </a:lnRef>
+      <a:fillRef idx="1">
+        <a:scrgbClr r="0" g="0" b="0"/>
+      </a:fillRef>
+      <a:effectRef idx="0">
+        <a:scrgbClr r="0" g="0" b="0"/>
+      </a:effectRef>
+      <a:fontRef idx="minor"/>
+    </dgm:style>
+  </dgm:styleLbl>
+  <dgm:styleLbl name="fgShp">
+    <dgm:scene3d>
+      <a:camera prst="orthographicFront"/>
+      <a:lightRig rig="threePt" dir="t"/>
+    </dgm:scene3d>
+    <dgm:txPr/>
+    <dgm:style>
+      <a:lnRef idx="2">
+        <a:scrgbClr r="0" g="0" b="0"/>
+      </a:lnRef>
+      <a:fillRef idx="1">
+        <a:scrgbClr r="0" g="0" b="0"/>
+      </a:fillRef>
+      <a:effectRef idx="0">
+        <a:scrgbClr r="0" g="0" b="0"/>
+      </a:effectRef>
+      <a:fontRef idx="minor"/>
+    </dgm:style>
+  </dgm:styleLbl>
+  <dgm:styleLbl name="fgSibTrans2D1">
+    <dgm:scene3d>
+      <a:camera prst="orthographicFront"/>
+      <a:lightRig rig="threePt" dir="t"/>
+    </dgm:scene3d>
+    <dgm:txPr/>
+    <dgm:style>
+      <a:lnRef idx="0">
         <a:scrgbClr r="0" g="0" b="0"/>
       </a:lnRef>
       <a:fillRef idx="1">
@@ -9515,7 +9987,6 @@
       <a:camera prst="orthographicFront"/>
       <a:lightRig rig="threePt" dir="t"/>
     </dgm:scene3d>
-    <dgm:sp3d/>
     <dgm:txPr/>
     <dgm:style>
       <a:lnRef idx="2">
@@ -9532,34 +10003,11 @@
       </a:fontRef>
     </dgm:style>
   </dgm:styleLbl>
-  <dgm:styleLbl name="vennNode1">
+  <dgm:styleLbl name="node0">
     <dgm:scene3d>
       <a:camera prst="orthographicFront"/>
       <a:lightRig rig="threePt" dir="t"/>
     </dgm:scene3d>
-    <dgm:sp3d/>
-    <dgm:txPr/>
-    <dgm:style>
-      <a:lnRef idx="2">
-        <a:scrgbClr r="0" g="0" b="0"/>
-      </a:lnRef>
-      <a:fillRef idx="1">
-        <a:scrgbClr r="0" g="0" b="0"/>
-      </a:fillRef>
-      <a:effectRef idx="0">
-        <a:scrgbClr r="0" g="0" b="0"/>
-      </a:effectRef>
-      <a:fontRef idx="minor">
-        <a:schemeClr val="tx1"/>
-      </a:fontRef>
-    </dgm:style>
-  </dgm:styleLbl>
-  <dgm:styleLbl name="alignNode1">
-    <dgm:scene3d>
-      <a:camera prst="orthographicFront"/>
-      <a:lightRig rig="threePt" dir="t"/>
-    </dgm:scene3d>
-    <dgm:sp3d/>
     <dgm:txPr/>
     <dgm:style>
       <a:lnRef idx="2">
@@ -9581,7 +10029,6 @@
       <a:camera prst="orthographicFront"/>
       <a:lightRig rig="threePt" dir="t"/>
     </dgm:scene3d>
-    <dgm:sp3d/>
     <dgm:txPr/>
     <dgm:style>
       <a:lnRef idx="2">
@@ -9603,7 +10050,6 @@
       <a:camera prst="orthographicFront"/>
       <a:lightRig rig="threePt" dir="t"/>
     </dgm:scene3d>
-    <dgm:sp3d/>
     <dgm:txPr/>
     <dgm:style>
       <a:lnRef idx="2">
@@ -9625,7 +10071,6 @@
       <a:camera prst="orthographicFront"/>
       <a:lightRig rig="threePt" dir="t"/>
     </dgm:scene3d>
-    <dgm:sp3d/>
     <dgm:txPr/>
     <dgm:style>
       <a:lnRef idx="2">
@@ -9647,7 +10092,6 @@
       <a:camera prst="orthographicFront"/>
       <a:lightRig rig="threePt" dir="t"/>
     </dgm:scene3d>
-    <dgm:sp3d/>
     <dgm:txPr/>
     <dgm:style>
       <a:lnRef idx="2">
@@ -9664,18 +10108,17 @@
       </a:fontRef>
     </dgm:style>
   </dgm:styleLbl>
-  <dgm:styleLbl name="fgImgPlace1">
+  <dgm:styleLbl name="parChTrans1D1">
     <dgm:scene3d>
       <a:camera prst="orthographicFront"/>
       <a:lightRig rig="threePt" dir="t"/>
     </dgm:scene3d>
-    <dgm:sp3d/>
     <dgm:txPr/>
     <dgm:style>
       <a:lnRef idx="2">
         <a:scrgbClr r="0" g="0" b="0"/>
       </a:lnRef>
-      <a:fillRef idx="1">
+      <a:fillRef idx="0">
         <a:scrgbClr r="0" g="0" b="0"/>
       </a:fillRef>
       <a:effectRef idx="0">
@@ -9684,18 +10127,17 @@
       <a:fontRef idx="minor"/>
     </dgm:style>
   </dgm:styleLbl>
-  <dgm:styleLbl name="alignImgPlace1">
+  <dgm:styleLbl name="parChTrans1D2">
     <dgm:scene3d>
       <a:camera prst="orthographicFront"/>
       <a:lightRig rig="threePt" dir="t"/>
     </dgm:scene3d>
-    <dgm:sp3d/>
     <dgm:txPr/>
     <dgm:style>
       <a:lnRef idx="2">
         <a:scrgbClr r="0" g="0" b="0"/>
       </a:lnRef>
-      <a:fillRef idx="1">
+      <a:fillRef idx="0">
         <a:scrgbClr r="0" g="0" b="0"/>
       </a:fillRef>
       <a:effectRef idx="0">
@@ -9704,18 +10146,17 @@
       <a:fontRef idx="minor"/>
     </dgm:style>
   </dgm:styleLbl>
-  <dgm:styleLbl name="bgImgPlace1">
+  <dgm:styleLbl name="parChTrans1D3">
     <dgm:scene3d>
       <a:camera prst="orthographicFront"/>
       <a:lightRig rig="threePt" dir="t"/>
     </dgm:scene3d>
-    <dgm:sp3d/>
     <dgm:txPr/>
     <dgm:style>
       <a:lnRef idx="2">
         <a:scrgbClr r="0" g="0" b="0"/>
       </a:lnRef>
-      <a:fillRef idx="1">
+      <a:fillRef idx="0">
         <a:scrgbClr r="0" g="0" b="0"/>
       </a:fillRef>
       <a:effectRef idx="0">
@@ -9724,220 +10165,23 @@
       <a:fontRef idx="minor"/>
     </dgm:style>
   </dgm:styleLbl>
-  <dgm:styleLbl name="sibTrans2D1">
+  <dgm:styleLbl name="parChTrans1D4">
     <dgm:scene3d>
       <a:camera prst="orthographicFront"/>
       <a:lightRig rig="threePt" dir="t"/>
     </dgm:scene3d>
-    <dgm:sp3d/>
-    <dgm:txPr/>
-    <dgm:style>
-      <a:lnRef idx="0">
-        <a:scrgbClr r="0" g="0" b="0"/>
-      </a:lnRef>
-      <a:fillRef idx="1">
-        <a:scrgbClr r="0" g="0" b="0"/>
-      </a:fillRef>
-      <a:effectRef idx="0">
-        <a:scrgbClr r="0" g="0" b="0"/>
-      </a:effectRef>
-      <a:fontRef idx="minor">
-        <a:schemeClr val="lt1"/>
-      </a:fontRef>
-    </dgm:style>
-  </dgm:styleLbl>
-  <dgm:styleLbl name="fgSibTrans2D1">
-    <dgm:scene3d>
-      <a:camera prst="orthographicFront"/>
-      <a:lightRig rig="threePt" dir="t"/>
-    </dgm:scene3d>
-    <dgm:sp3d/>
-    <dgm:txPr/>
-    <dgm:style>
-      <a:lnRef idx="0">
-        <a:scrgbClr r="0" g="0" b="0"/>
-      </a:lnRef>
-      <a:fillRef idx="1">
-        <a:scrgbClr r="0" g="0" b="0"/>
-      </a:fillRef>
-      <a:effectRef idx="0">
-        <a:scrgbClr r="0" g="0" b="0"/>
-      </a:effectRef>
-      <a:fontRef idx="minor">
-        <a:schemeClr val="lt1"/>
-      </a:fontRef>
-    </dgm:style>
-  </dgm:styleLbl>
-  <dgm:styleLbl name="bgSibTrans2D1">
-    <dgm:scene3d>
-      <a:camera prst="orthographicFront"/>
-      <a:lightRig rig="threePt" dir="t"/>
-    </dgm:scene3d>
-    <dgm:sp3d/>
-    <dgm:txPr/>
-    <dgm:style>
-      <a:lnRef idx="0">
-        <a:scrgbClr r="0" g="0" b="0"/>
-      </a:lnRef>
-      <a:fillRef idx="1">
-        <a:scrgbClr r="0" g="0" b="0"/>
-      </a:fillRef>
-      <a:effectRef idx="0">
-        <a:scrgbClr r="0" g="0" b="0"/>
-      </a:effectRef>
-      <a:fontRef idx="minor">
-        <a:schemeClr val="lt1"/>
-      </a:fontRef>
-    </dgm:style>
-  </dgm:styleLbl>
-  <dgm:styleLbl name="sibTrans1D1">
-    <dgm:scene3d>
-      <a:camera prst="orthographicFront"/>
-      <a:lightRig rig="threePt" dir="t"/>
-    </dgm:scene3d>
-    <dgm:sp3d/>
-    <dgm:txPr/>
-    <dgm:style>
-      <a:lnRef idx="1">
-        <a:scrgbClr r="0" g="0" b="0"/>
-      </a:lnRef>
-      <a:fillRef idx="0">
-        <a:scrgbClr r="0" g="0" b="0"/>
-      </a:fillRef>
-      <a:effectRef idx="0">
-        <a:scrgbClr r="0" g="0" b="0"/>
-      </a:effectRef>
-      <a:fontRef idx="minor"/>
-    </dgm:style>
-  </dgm:styleLbl>
-  <dgm:styleLbl name="callout">
-    <dgm:scene3d>
-      <a:camera prst="orthographicFront"/>
-      <a:lightRig rig="threePt" dir="t"/>
-    </dgm:scene3d>
-    <dgm:sp3d/>
     <dgm:txPr/>
     <dgm:style>
       <a:lnRef idx="2">
         <a:scrgbClr r="0" g="0" b="0"/>
       </a:lnRef>
-      <a:fillRef idx="1">
+      <a:fillRef idx="0">
         <a:scrgbClr r="0" g="0" b="0"/>
       </a:fillRef>
       <a:effectRef idx="0">
         <a:scrgbClr r="0" g="0" b="0"/>
       </a:effectRef>
       <a:fontRef idx="minor"/>
-    </dgm:style>
-  </dgm:styleLbl>
-  <dgm:styleLbl name="asst0">
-    <dgm:scene3d>
-      <a:camera prst="orthographicFront"/>
-      <a:lightRig rig="threePt" dir="t"/>
-    </dgm:scene3d>
-    <dgm:sp3d/>
-    <dgm:txPr/>
-    <dgm:style>
-      <a:lnRef idx="2">
-        <a:scrgbClr r="0" g="0" b="0"/>
-      </a:lnRef>
-      <a:fillRef idx="1">
-        <a:scrgbClr r="0" g="0" b="0"/>
-      </a:fillRef>
-      <a:effectRef idx="0">
-        <a:scrgbClr r="0" g="0" b="0"/>
-      </a:effectRef>
-      <a:fontRef idx="minor">
-        <a:schemeClr val="lt1"/>
-      </a:fontRef>
-    </dgm:style>
-  </dgm:styleLbl>
-  <dgm:styleLbl name="asst1">
-    <dgm:scene3d>
-      <a:camera prst="orthographicFront"/>
-      <a:lightRig rig="threePt" dir="t"/>
-    </dgm:scene3d>
-    <dgm:sp3d/>
-    <dgm:txPr/>
-    <dgm:style>
-      <a:lnRef idx="2">
-        <a:scrgbClr r="0" g="0" b="0"/>
-      </a:lnRef>
-      <a:fillRef idx="1">
-        <a:scrgbClr r="0" g="0" b="0"/>
-      </a:fillRef>
-      <a:effectRef idx="0">
-        <a:scrgbClr r="0" g="0" b="0"/>
-      </a:effectRef>
-      <a:fontRef idx="minor">
-        <a:schemeClr val="lt1"/>
-      </a:fontRef>
-    </dgm:style>
-  </dgm:styleLbl>
-  <dgm:styleLbl name="asst2">
-    <dgm:scene3d>
-      <a:camera prst="orthographicFront"/>
-      <a:lightRig rig="threePt" dir="t"/>
-    </dgm:scene3d>
-    <dgm:sp3d/>
-    <dgm:txPr/>
-    <dgm:style>
-      <a:lnRef idx="2">
-        <a:scrgbClr r="0" g="0" b="0"/>
-      </a:lnRef>
-      <a:fillRef idx="1">
-        <a:scrgbClr r="0" g="0" b="0"/>
-      </a:fillRef>
-      <a:effectRef idx="0">
-        <a:scrgbClr r="0" g="0" b="0"/>
-      </a:effectRef>
-      <a:fontRef idx="minor">
-        <a:schemeClr val="lt1"/>
-      </a:fontRef>
-    </dgm:style>
-  </dgm:styleLbl>
-  <dgm:styleLbl name="asst3">
-    <dgm:scene3d>
-      <a:camera prst="orthographicFront"/>
-      <a:lightRig rig="threePt" dir="t"/>
-    </dgm:scene3d>
-    <dgm:sp3d/>
-    <dgm:txPr/>
-    <dgm:style>
-      <a:lnRef idx="2">
-        <a:scrgbClr r="0" g="0" b="0"/>
-      </a:lnRef>
-      <a:fillRef idx="1">
-        <a:scrgbClr r="0" g="0" b="0"/>
-      </a:fillRef>
-      <a:effectRef idx="0">
-        <a:scrgbClr r="0" g="0" b="0"/>
-      </a:effectRef>
-      <a:fontRef idx="minor">
-        <a:schemeClr val="lt1"/>
-      </a:fontRef>
-    </dgm:style>
-  </dgm:styleLbl>
-  <dgm:styleLbl name="asst4">
-    <dgm:scene3d>
-      <a:camera prst="orthographicFront"/>
-      <a:lightRig rig="threePt" dir="t"/>
-    </dgm:scene3d>
-    <dgm:sp3d/>
-    <dgm:txPr/>
-    <dgm:style>
-      <a:lnRef idx="2">
-        <a:scrgbClr r="0" g="0" b="0"/>
-      </a:lnRef>
-      <a:fillRef idx="1">
-        <a:scrgbClr r="0" g="0" b="0"/>
-      </a:fillRef>
-      <a:effectRef idx="0">
-        <a:scrgbClr r="0" g="0" b="0"/>
-      </a:effectRef>
-      <a:fontRef idx="minor">
-        <a:schemeClr val="lt1"/>
-      </a:fontRef>
     </dgm:style>
   </dgm:styleLbl>
   <dgm:styleLbl name="parChTrans2D1">
@@ -9945,7 +10189,6 @@
       <a:camera prst="orthographicFront"/>
       <a:lightRig rig="threePt" dir="t"/>
     </dgm:scene3d>
-    <dgm:sp3d/>
     <dgm:txPr/>
     <dgm:style>
       <a:lnRef idx="2">
@@ -9967,7 +10210,6 @@
       <a:camera prst="orthographicFront"/>
       <a:lightRig rig="threePt" dir="t"/>
     </dgm:scene3d>
-    <dgm:sp3d/>
     <dgm:txPr/>
     <dgm:style>
       <a:lnRef idx="2">
@@ -9989,7 +10231,6 @@
       <a:camera prst="orthographicFront"/>
       <a:lightRig rig="threePt" dir="t"/>
     </dgm:scene3d>
-    <dgm:sp3d/>
     <dgm:txPr/>
     <dgm:style>
       <a:lnRef idx="2">
@@ -10011,7 +10252,6 @@
       <a:camera prst="orthographicFront"/>
       <a:lightRig rig="threePt" dir="t"/>
     </dgm:scene3d>
-    <dgm:sp3d/>
     <dgm:txPr/>
     <dgm:style>
       <a:lnRef idx="2">
@@ -10028,15 +10268,14 @@
       </a:fontRef>
     </dgm:style>
   </dgm:styleLbl>
-  <dgm:styleLbl name="parChTrans1D1">
+  <dgm:styleLbl name="revTx">
     <dgm:scene3d>
       <a:camera prst="orthographicFront"/>
       <a:lightRig rig="threePt" dir="t"/>
     </dgm:scene3d>
-    <dgm:sp3d/>
     <dgm:txPr/>
     <dgm:style>
-      <a:lnRef idx="2">
+      <a:lnRef idx="0">
         <a:scrgbClr r="0" g="0" b="0"/>
       </a:lnRef>
       <a:fillRef idx="0">
@@ -10048,15 +10287,14 @@
       <a:fontRef idx="minor"/>
     </dgm:style>
   </dgm:styleLbl>
-  <dgm:styleLbl name="parChTrans1D2">
+  <dgm:styleLbl name="sibTrans1D1">
     <dgm:scene3d>
       <a:camera prst="orthographicFront"/>
       <a:lightRig rig="threePt" dir="t"/>
     </dgm:scene3d>
-    <dgm:sp3d/>
     <dgm:txPr/>
     <dgm:style>
-      <a:lnRef idx="2">
+      <a:lnRef idx="1">
         <a:scrgbClr r="0" g="0" b="0"/>
       </a:lnRef>
       <a:fillRef idx="0">
@@ -10068,18 +10306,38 @@
       <a:fontRef idx="minor"/>
     </dgm:style>
   </dgm:styleLbl>
-  <dgm:styleLbl name="parChTrans1D3">
+  <dgm:styleLbl name="sibTrans2D1">
     <dgm:scene3d>
       <a:camera prst="orthographicFront"/>
       <a:lightRig rig="threePt" dir="t"/>
     </dgm:scene3d>
-    <dgm:sp3d/>
+    <dgm:txPr/>
+    <dgm:style>
+      <a:lnRef idx="0">
+        <a:scrgbClr r="0" g="0" b="0"/>
+      </a:lnRef>
+      <a:fillRef idx="1">
+        <a:scrgbClr r="0" g="0" b="0"/>
+      </a:fillRef>
+      <a:effectRef idx="0">
+        <a:scrgbClr r="0" g="0" b="0"/>
+      </a:effectRef>
+      <a:fontRef idx="minor">
+        <a:schemeClr val="lt1"/>
+      </a:fontRef>
+    </dgm:style>
+  </dgm:styleLbl>
+  <dgm:styleLbl name="solidAlignAcc1">
+    <dgm:scene3d>
+      <a:camera prst="orthographicFront"/>
+      <a:lightRig rig="threePt" dir="t"/>
+    </dgm:scene3d>
     <dgm:txPr/>
     <dgm:style>
       <a:lnRef idx="2">
         <a:scrgbClr r="0" g="0" b="0"/>
       </a:lnRef>
-      <a:fillRef idx="0">
+      <a:fillRef idx="1">
         <a:scrgbClr r="0" g="0" b="0"/>
       </a:fillRef>
       <a:effectRef idx="0">
@@ -10088,18 +10346,17 @@
       <a:fontRef idx="minor"/>
     </dgm:style>
   </dgm:styleLbl>
-  <dgm:styleLbl name="parChTrans1D4">
+  <dgm:styleLbl name="solidBgAcc1">
     <dgm:scene3d>
       <a:camera prst="orthographicFront"/>
       <a:lightRig rig="threePt" dir="t"/>
     </dgm:scene3d>
-    <dgm:sp3d/>
     <dgm:txPr/>
     <dgm:style>
       <a:lnRef idx="2">
         <a:scrgbClr r="0" g="0" b="0"/>
       </a:lnRef>
-      <a:fillRef idx="0">
+      <a:fillRef idx="1">
         <a:scrgbClr r="0" g="0" b="0"/>
       </a:fillRef>
       <a:effectRef idx="0">
@@ -10108,52 +10365,11 @@
       <a:fontRef idx="minor"/>
     </dgm:style>
   </dgm:styleLbl>
-  <dgm:styleLbl name="fgAcc1">
+  <dgm:styleLbl name="solidFgAcc1">
     <dgm:scene3d>
       <a:camera prst="orthographicFront"/>
       <a:lightRig rig="threePt" dir="t"/>
     </dgm:scene3d>
-    <dgm:sp3d/>
-    <dgm:txPr/>
-    <dgm:style>
-      <a:lnRef idx="2">
-        <a:scrgbClr r="0" g="0" b="0"/>
-      </a:lnRef>
-      <a:fillRef idx="1">
-        <a:scrgbClr r="0" g="0" b="0"/>
-      </a:fillRef>
-      <a:effectRef idx="0">
-        <a:scrgbClr r="0" g="0" b="0"/>
-      </a:effectRef>
-      <a:fontRef idx="minor"/>
-    </dgm:style>
-  </dgm:styleLbl>
-  <dgm:styleLbl name="conFgAcc1">
-    <dgm:scene3d>
-      <a:camera prst="orthographicFront"/>
-      <a:lightRig rig="threePt" dir="t"/>
-    </dgm:scene3d>
-    <dgm:sp3d/>
-    <dgm:txPr/>
-    <dgm:style>
-      <a:lnRef idx="2">
-        <a:scrgbClr r="0" g="0" b="0"/>
-      </a:lnRef>
-      <a:fillRef idx="1">
-        <a:scrgbClr r="0" g="0" b="0"/>
-      </a:fillRef>
-      <a:effectRef idx="0">
-        <a:scrgbClr r="0" g="0" b="0"/>
-      </a:effectRef>
-      <a:fontRef idx="minor"/>
-    </dgm:style>
-  </dgm:styleLbl>
-  <dgm:styleLbl name="alignAcc1">
-    <dgm:scene3d>
-      <a:camera prst="orthographicFront"/>
-      <a:lightRig rig="threePt" dir="t"/>
-    </dgm:scene3d>
-    <dgm:sp3d/>
     <dgm:txPr/>
     <dgm:style>
       <a:lnRef idx="2">
@@ -10173,270 +10389,9 @@
       <a:camera prst="orthographicFront"/>
       <a:lightRig rig="threePt" dir="t"/>
     </dgm:scene3d>
-    <dgm:sp3d/>
     <dgm:txPr/>
     <dgm:style>
       <a:lnRef idx="1">
-        <a:scrgbClr r="0" g="0" b="0"/>
-      </a:lnRef>
-      <a:fillRef idx="1">
-        <a:scrgbClr r="0" g="0" b="0"/>
-      </a:fillRef>
-      <a:effectRef idx="0">
-        <a:scrgbClr r="0" g="0" b="0"/>
-      </a:effectRef>
-      <a:fontRef idx="minor"/>
-    </dgm:style>
-  </dgm:styleLbl>
-  <dgm:styleLbl name="bgAcc1">
-    <dgm:scene3d>
-      <a:camera prst="orthographicFront"/>
-      <a:lightRig rig="threePt" dir="t"/>
-    </dgm:scene3d>
-    <dgm:sp3d/>
-    <dgm:txPr/>
-    <dgm:style>
-      <a:lnRef idx="2">
-        <a:scrgbClr r="0" g="0" b="0"/>
-      </a:lnRef>
-      <a:fillRef idx="1">
-        <a:scrgbClr r="0" g="0" b="0"/>
-      </a:fillRef>
-      <a:effectRef idx="0">
-        <a:scrgbClr r="0" g="0" b="0"/>
-      </a:effectRef>
-      <a:fontRef idx="minor"/>
-    </dgm:style>
-  </dgm:styleLbl>
-  <dgm:styleLbl name="solidFgAcc1">
-    <dgm:scene3d>
-      <a:camera prst="orthographicFront"/>
-      <a:lightRig rig="threePt" dir="t"/>
-    </dgm:scene3d>
-    <dgm:sp3d/>
-    <dgm:txPr/>
-    <dgm:style>
-      <a:lnRef idx="2">
-        <a:scrgbClr r="0" g="0" b="0"/>
-      </a:lnRef>
-      <a:fillRef idx="1">
-        <a:scrgbClr r="0" g="0" b="0"/>
-      </a:fillRef>
-      <a:effectRef idx="0">
-        <a:scrgbClr r="0" g="0" b="0"/>
-      </a:effectRef>
-      <a:fontRef idx="minor"/>
-    </dgm:style>
-  </dgm:styleLbl>
-  <dgm:styleLbl name="solidAlignAcc1">
-    <dgm:scene3d>
-      <a:camera prst="orthographicFront"/>
-      <a:lightRig rig="threePt" dir="t"/>
-    </dgm:scene3d>
-    <dgm:sp3d/>
-    <dgm:txPr/>
-    <dgm:style>
-      <a:lnRef idx="2">
-        <a:scrgbClr r="0" g="0" b="0"/>
-      </a:lnRef>
-      <a:fillRef idx="1">
-        <a:scrgbClr r="0" g="0" b="0"/>
-      </a:fillRef>
-      <a:effectRef idx="0">
-        <a:scrgbClr r="0" g="0" b="0"/>
-      </a:effectRef>
-      <a:fontRef idx="minor"/>
-    </dgm:style>
-  </dgm:styleLbl>
-  <dgm:styleLbl name="solidBgAcc1">
-    <dgm:scene3d>
-      <a:camera prst="orthographicFront"/>
-      <a:lightRig rig="threePt" dir="t"/>
-    </dgm:scene3d>
-    <dgm:sp3d/>
-    <dgm:txPr/>
-    <dgm:style>
-      <a:lnRef idx="2">
-        <a:scrgbClr r="0" g="0" b="0"/>
-      </a:lnRef>
-      <a:fillRef idx="1">
-        <a:scrgbClr r="0" g="0" b="0"/>
-      </a:fillRef>
-      <a:effectRef idx="0">
-        <a:scrgbClr r="0" g="0" b="0"/>
-      </a:effectRef>
-      <a:fontRef idx="minor"/>
-    </dgm:style>
-  </dgm:styleLbl>
-  <dgm:styleLbl name="fgAccFollowNode1">
-    <dgm:scene3d>
-      <a:camera prst="orthographicFront"/>
-      <a:lightRig rig="threePt" dir="t"/>
-    </dgm:scene3d>
-    <dgm:sp3d/>
-    <dgm:txPr/>
-    <dgm:style>
-      <a:lnRef idx="2">
-        <a:scrgbClr r="0" g="0" b="0"/>
-      </a:lnRef>
-      <a:fillRef idx="1">
-        <a:scrgbClr r="0" g="0" b="0"/>
-      </a:fillRef>
-      <a:effectRef idx="0">
-        <a:scrgbClr r="0" g="0" b="0"/>
-      </a:effectRef>
-      <a:fontRef idx="minor"/>
-    </dgm:style>
-  </dgm:styleLbl>
-  <dgm:styleLbl name="alignAccFollowNode1">
-    <dgm:scene3d>
-      <a:camera prst="orthographicFront"/>
-      <a:lightRig rig="threePt" dir="t"/>
-    </dgm:scene3d>
-    <dgm:sp3d/>
-    <dgm:txPr/>
-    <dgm:style>
-      <a:lnRef idx="2">
-        <a:scrgbClr r="0" g="0" b="0"/>
-      </a:lnRef>
-      <a:fillRef idx="1">
-        <a:scrgbClr r="0" g="0" b="0"/>
-      </a:fillRef>
-      <a:effectRef idx="0">
-        <a:scrgbClr r="0" g="0" b="0"/>
-      </a:effectRef>
-      <a:fontRef idx="minor"/>
-    </dgm:style>
-  </dgm:styleLbl>
-  <dgm:styleLbl name="bgAccFollowNode1">
-    <dgm:scene3d>
-      <a:camera prst="orthographicFront"/>
-      <a:lightRig rig="threePt" dir="t"/>
-    </dgm:scene3d>
-    <dgm:sp3d/>
-    <dgm:txPr/>
-    <dgm:style>
-      <a:lnRef idx="2">
-        <a:scrgbClr r="0" g="0" b="0"/>
-      </a:lnRef>
-      <a:fillRef idx="1">
-        <a:scrgbClr r="0" g="0" b="0"/>
-      </a:fillRef>
-      <a:effectRef idx="0">
-        <a:scrgbClr r="0" g="0" b="0"/>
-      </a:effectRef>
-      <a:fontRef idx="minor"/>
-    </dgm:style>
-  </dgm:styleLbl>
-  <dgm:styleLbl name="fgAcc0">
-    <dgm:scene3d>
-      <a:camera prst="orthographicFront"/>
-      <a:lightRig rig="threePt" dir="t"/>
-    </dgm:scene3d>
-    <dgm:sp3d/>
-    <dgm:txPr/>
-    <dgm:style>
-      <a:lnRef idx="2">
-        <a:scrgbClr r="0" g="0" b="0"/>
-      </a:lnRef>
-      <a:fillRef idx="1">
-        <a:scrgbClr r="0" g="0" b="0"/>
-      </a:fillRef>
-      <a:effectRef idx="0">
-        <a:scrgbClr r="0" g="0" b="0"/>
-      </a:effectRef>
-      <a:fontRef idx="minor"/>
-    </dgm:style>
-  </dgm:styleLbl>
-  <dgm:styleLbl name="fgAcc2">
-    <dgm:scene3d>
-      <a:camera prst="orthographicFront"/>
-      <a:lightRig rig="threePt" dir="t"/>
-    </dgm:scene3d>
-    <dgm:sp3d/>
-    <dgm:txPr/>
-    <dgm:style>
-      <a:lnRef idx="2">
-        <a:scrgbClr r="0" g="0" b="0"/>
-      </a:lnRef>
-      <a:fillRef idx="1">
-        <a:scrgbClr r="0" g="0" b="0"/>
-      </a:fillRef>
-      <a:effectRef idx="0">
-        <a:scrgbClr r="0" g="0" b="0"/>
-      </a:effectRef>
-      <a:fontRef idx="minor"/>
-    </dgm:style>
-  </dgm:styleLbl>
-  <dgm:styleLbl name="fgAcc3">
-    <dgm:scene3d>
-      <a:camera prst="orthographicFront"/>
-      <a:lightRig rig="threePt" dir="t"/>
-    </dgm:scene3d>
-    <dgm:sp3d/>
-    <dgm:txPr/>
-    <dgm:style>
-      <a:lnRef idx="2">
-        <a:scrgbClr r="0" g="0" b="0"/>
-      </a:lnRef>
-      <a:fillRef idx="1">
-        <a:scrgbClr r="0" g="0" b="0"/>
-      </a:fillRef>
-      <a:effectRef idx="0">
-        <a:scrgbClr r="0" g="0" b="0"/>
-      </a:effectRef>
-      <a:fontRef idx="minor"/>
-    </dgm:style>
-  </dgm:styleLbl>
-  <dgm:styleLbl name="fgAcc4">
-    <dgm:scene3d>
-      <a:camera prst="orthographicFront"/>
-      <a:lightRig rig="threePt" dir="t"/>
-    </dgm:scene3d>
-    <dgm:sp3d/>
-    <dgm:txPr/>
-    <dgm:style>
-      <a:lnRef idx="2">
-        <a:scrgbClr r="0" g="0" b="0"/>
-      </a:lnRef>
-      <a:fillRef idx="1">
-        <a:scrgbClr r="0" g="0" b="0"/>
-      </a:fillRef>
-      <a:effectRef idx="0">
-        <a:scrgbClr r="0" g="0" b="0"/>
-      </a:effectRef>
-      <a:fontRef idx="minor"/>
-    </dgm:style>
-  </dgm:styleLbl>
-  <dgm:styleLbl name="bgShp">
-    <dgm:scene3d>
-      <a:camera prst="orthographicFront"/>
-      <a:lightRig rig="threePt" dir="t"/>
-    </dgm:scene3d>
-    <dgm:sp3d/>
-    <dgm:txPr/>
-    <dgm:style>
-      <a:lnRef idx="0">
-        <a:scrgbClr r="0" g="0" b="0"/>
-      </a:lnRef>
-      <a:fillRef idx="1">
-        <a:scrgbClr r="0" g="0" b="0"/>
-      </a:fillRef>
-      <a:effectRef idx="0">
-        <a:scrgbClr r="0" g="0" b="0"/>
-      </a:effectRef>
-      <a:fontRef idx="minor"/>
-    </dgm:style>
-  </dgm:styleLbl>
-  <dgm:styleLbl name="dkBgShp">
-    <dgm:scene3d>
-      <a:camera prst="orthographicFront"/>
-      <a:lightRig rig="threePt" dir="t"/>
-    </dgm:scene3d>
-    <dgm:sp3d/>
-    <dgm:txPr/>
-    <dgm:style>
-      <a:lnRef idx="0">
         <a:scrgbClr r="0" g="0" b="0"/>
       </a:lnRef>
       <a:fillRef idx="1">
@@ -10453,7 +10408,6 @@
       <a:camera prst="orthographicFront"/>
       <a:lightRig rig="threePt" dir="t"/>
     </dgm:scene3d>
-    <dgm:sp3d/>
     <dgm:txPr/>
     <dgm:style>
       <a:lnRef idx="0">
@@ -10468,12 +10422,11 @@
       <a:fontRef idx="minor"/>
     </dgm:style>
   </dgm:styleLbl>
-  <dgm:styleLbl name="fgShp">
+  <dgm:styleLbl name="vennNode1">
     <dgm:scene3d>
       <a:camera prst="orthographicFront"/>
       <a:lightRig rig="threePt" dir="t"/>
     </dgm:scene3d>
-    <dgm:sp3d/>
     <dgm:txPr/>
     <dgm:style>
       <a:lnRef idx="2">
@@ -10485,27 +10438,9 @@
       <a:effectRef idx="0">
         <a:scrgbClr r="0" g="0" b="0"/>
       </a:effectRef>
-      <a:fontRef idx="minor"/>
-    </dgm:style>
-  </dgm:styleLbl>
-  <dgm:styleLbl name="revTx">
-    <dgm:scene3d>
-      <a:camera prst="orthographicFront"/>
-      <a:lightRig rig="threePt" dir="t"/>
-    </dgm:scene3d>
-    <dgm:sp3d/>
-    <dgm:txPr/>
-    <dgm:style>
-      <a:lnRef idx="0">
-        <a:scrgbClr r="0" g="0" b="0"/>
-      </a:lnRef>
-      <a:fillRef idx="0">
-        <a:scrgbClr r="0" g="0" b="0"/>
-      </a:fillRef>
-      <a:effectRef idx="0">
-        <a:scrgbClr r="0" g="0" b="0"/>
-      </a:effectRef>
-      <a:fontRef idx="minor"/>
+      <a:fontRef idx="minor">
+        <a:schemeClr val="tx1"/>
+      </a:fontRef>
     </dgm:style>
   </dgm:styleLbl>
 </dgm:styleDef>
@@ -10522,15 +10457,503 @@
     <a:camera prst="orthographicFront"/>
     <a:lightRig rig="threePt" dir="t"/>
   </dgm:scene3d>
-  <dgm:styleLbl name="node0">
+  <dgm:styleLbl name="alignAcc1">
     <dgm:scene3d>
       <a:camera prst="orthographicFront"/>
       <a:lightRig rig="threePt" dir="t"/>
     </dgm:scene3d>
-    <dgm:sp3d/>
     <dgm:txPr/>
     <dgm:style>
       <a:lnRef idx="2">
+        <a:scrgbClr r="0" g="0" b="0"/>
+      </a:lnRef>
+      <a:fillRef idx="1">
+        <a:scrgbClr r="0" g="0" b="0"/>
+      </a:fillRef>
+      <a:effectRef idx="0">
+        <a:scrgbClr r="0" g="0" b="0"/>
+      </a:effectRef>
+      <a:fontRef idx="minor"/>
+    </dgm:style>
+  </dgm:styleLbl>
+  <dgm:styleLbl name="alignAccFollowNode1">
+    <dgm:scene3d>
+      <a:camera prst="orthographicFront"/>
+      <a:lightRig rig="threePt" dir="t"/>
+    </dgm:scene3d>
+    <dgm:txPr/>
+    <dgm:style>
+      <a:lnRef idx="2">
+        <a:scrgbClr r="0" g="0" b="0"/>
+      </a:lnRef>
+      <a:fillRef idx="1">
+        <a:scrgbClr r="0" g="0" b="0"/>
+      </a:fillRef>
+      <a:effectRef idx="0">
+        <a:scrgbClr r="0" g="0" b="0"/>
+      </a:effectRef>
+      <a:fontRef idx="minor"/>
+    </dgm:style>
+  </dgm:styleLbl>
+  <dgm:styleLbl name="alignImgPlace1">
+    <dgm:scene3d>
+      <a:camera prst="orthographicFront"/>
+      <a:lightRig rig="threePt" dir="t"/>
+    </dgm:scene3d>
+    <dgm:txPr/>
+    <dgm:style>
+      <a:lnRef idx="2">
+        <a:scrgbClr r="0" g="0" b="0"/>
+      </a:lnRef>
+      <a:fillRef idx="1">
+        <a:scrgbClr r="0" g="0" b="0"/>
+      </a:fillRef>
+      <a:effectRef idx="0">
+        <a:scrgbClr r="0" g="0" b="0"/>
+      </a:effectRef>
+      <a:fontRef idx="minor"/>
+    </dgm:style>
+  </dgm:styleLbl>
+  <dgm:styleLbl name="alignNode1">
+    <dgm:scene3d>
+      <a:camera prst="orthographicFront"/>
+      <a:lightRig rig="threePt" dir="t"/>
+    </dgm:scene3d>
+    <dgm:txPr/>
+    <dgm:style>
+      <a:lnRef idx="2">
+        <a:scrgbClr r="0" g="0" b="0"/>
+      </a:lnRef>
+      <a:fillRef idx="1">
+        <a:scrgbClr r="0" g="0" b="0"/>
+      </a:fillRef>
+      <a:effectRef idx="0">
+        <a:scrgbClr r="0" g="0" b="0"/>
+      </a:effectRef>
+      <a:fontRef idx="minor">
+        <a:schemeClr val="lt1"/>
+      </a:fontRef>
+    </dgm:style>
+  </dgm:styleLbl>
+  <dgm:styleLbl name="asst0">
+    <dgm:scene3d>
+      <a:camera prst="orthographicFront"/>
+      <a:lightRig rig="threePt" dir="t"/>
+    </dgm:scene3d>
+    <dgm:txPr/>
+    <dgm:style>
+      <a:lnRef idx="2">
+        <a:scrgbClr r="0" g="0" b="0"/>
+      </a:lnRef>
+      <a:fillRef idx="1">
+        <a:scrgbClr r="0" g="0" b="0"/>
+      </a:fillRef>
+      <a:effectRef idx="0">
+        <a:scrgbClr r="0" g="0" b="0"/>
+      </a:effectRef>
+      <a:fontRef idx="minor">
+        <a:schemeClr val="lt1"/>
+      </a:fontRef>
+    </dgm:style>
+  </dgm:styleLbl>
+  <dgm:styleLbl name="asst1">
+    <dgm:scene3d>
+      <a:camera prst="orthographicFront"/>
+      <a:lightRig rig="threePt" dir="t"/>
+    </dgm:scene3d>
+    <dgm:txPr/>
+    <dgm:style>
+      <a:lnRef idx="2">
+        <a:scrgbClr r="0" g="0" b="0"/>
+      </a:lnRef>
+      <a:fillRef idx="1">
+        <a:scrgbClr r="0" g="0" b="0"/>
+      </a:fillRef>
+      <a:effectRef idx="0">
+        <a:scrgbClr r="0" g="0" b="0"/>
+      </a:effectRef>
+      <a:fontRef idx="minor">
+        <a:schemeClr val="lt1"/>
+      </a:fontRef>
+    </dgm:style>
+  </dgm:styleLbl>
+  <dgm:styleLbl name="asst2">
+    <dgm:scene3d>
+      <a:camera prst="orthographicFront"/>
+      <a:lightRig rig="threePt" dir="t"/>
+    </dgm:scene3d>
+    <dgm:txPr/>
+    <dgm:style>
+      <a:lnRef idx="2">
+        <a:scrgbClr r="0" g="0" b="0"/>
+      </a:lnRef>
+      <a:fillRef idx="1">
+        <a:scrgbClr r="0" g="0" b="0"/>
+      </a:fillRef>
+      <a:effectRef idx="0">
+        <a:scrgbClr r="0" g="0" b="0"/>
+      </a:effectRef>
+      <a:fontRef idx="minor">
+        <a:schemeClr val="lt1"/>
+      </a:fontRef>
+    </dgm:style>
+  </dgm:styleLbl>
+  <dgm:styleLbl name="asst3">
+    <dgm:scene3d>
+      <a:camera prst="orthographicFront"/>
+      <a:lightRig rig="threePt" dir="t"/>
+    </dgm:scene3d>
+    <dgm:txPr/>
+    <dgm:style>
+      <a:lnRef idx="2">
+        <a:scrgbClr r="0" g="0" b="0"/>
+      </a:lnRef>
+      <a:fillRef idx="1">
+        <a:scrgbClr r="0" g="0" b="0"/>
+      </a:fillRef>
+      <a:effectRef idx="0">
+        <a:scrgbClr r="0" g="0" b="0"/>
+      </a:effectRef>
+      <a:fontRef idx="minor">
+        <a:schemeClr val="lt1"/>
+      </a:fontRef>
+    </dgm:style>
+  </dgm:styleLbl>
+  <dgm:styleLbl name="asst4">
+    <dgm:scene3d>
+      <a:camera prst="orthographicFront"/>
+      <a:lightRig rig="threePt" dir="t"/>
+    </dgm:scene3d>
+    <dgm:txPr/>
+    <dgm:style>
+      <a:lnRef idx="2">
+        <a:scrgbClr r="0" g="0" b="0"/>
+      </a:lnRef>
+      <a:fillRef idx="1">
+        <a:scrgbClr r="0" g="0" b="0"/>
+      </a:fillRef>
+      <a:effectRef idx="0">
+        <a:scrgbClr r="0" g="0" b="0"/>
+      </a:effectRef>
+      <a:fontRef idx="minor">
+        <a:schemeClr val="lt1"/>
+      </a:fontRef>
+    </dgm:style>
+  </dgm:styleLbl>
+  <dgm:styleLbl name="bgAcc1">
+    <dgm:scene3d>
+      <a:camera prst="orthographicFront"/>
+      <a:lightRig rig="threePt" dir="t"/>
+    </dgm:scene3d>
+    <dgm:txPr/>
+    <dgm:style>
+      <a:lnRef idx="2">
+        <a:scrgbClr r="0" g="0" b="0"/>
+      </a:lnRef>
+      <a:fillRef idx="1">
+        <a:scrgbClr r="0" g="0" b="0"/>
+      </a:fillRef>
+      <a:effectRef idx="0">
+        <a:scrgbClr r="0" g="0" b="0"/>
+      </a:effectRef>
+      <a:fontRef idx="minor"/>
+    </dgm:style>
+  </dgm:styleLbl>
+  <dgm:styleLbl name="bgAccFollowNode1">
+    <dgm:scene3d>
+      <a:camera prst="orthographicFront"/>
+      <a:lightRig rig="threePt" dir="t"/>
+    </dgm:scene3d>
+    <dgm:txPr/>
+    <dgm:style>
+      <a:lnRef idx="2">
+        <a:scrgbClr r="0" g="0" b="0"/>
+      </a:lnRef>
+      <a:fillRef idx="1">
+        <a:scrgbClr r="0" g="0" b="0"/>
+      </a:fillRef>
+      <a:effectRef idx="0">
+        <a:scrgbClr r="0" g="0" b="0"/>
+      </a:effectRef>
+      <a:fontRef idx="minor"/>
+    </dgm:style>
+  </dgm:styleLbl>
+  <dgm:styleLbl name="bgImgPlace1">
+    <dgm:scene3d>
+      <a:camera prst="orthographicFront"/>
+      <a:lightRig rig="threePt" dir="t"/>
+    </dgm:scene3d>
+    <dgm:txPr/>
+    <dgm:style>
+      <a:lnRef idx="2">
+        <a:scrgbClr r="0" g="0" b="0"/>
+      </a:lnRef>
+      <a:fillRef idx="1">
+        <a:scrgbClr r="0" g="0" b="0"/>
+      </a:fillRef>
+      <a:effectRef idx="0">
+        <a:scrgbClr r="0" g="0" b="0"/>
+      </a:effectRef>
+      <a:fontRef idx="minor"/>
+    </dgm:style>
+  </dgm:styleLbl>
+  <dgm:styleLbl name="bgShp">
+    <dgm:scene3d>
+      <a:camera prst="orthographicFront"/>
+      <a:lightRig rig="threePt" dir="t"/>
+    </dgm:scene3d>
+    <dgm:txPr/>
+    <dgm:style>
+      <a:lnRef idx="0">
+        <a:scrgbClr r="0" g="0" b="0"/>
+      </a:lnRef>
+      <a:fillRef idx="1">
+        <a:scrgbClr r="0" g="0" b="0"/>
+      </a:fillRef>
+      <a:effectRef idx="0">
+        <a:scrgbClr r="0" g="0" b="0"/>
+      </a:effectRef>
+      <a:fontRef idx="minor"/>
+    </dgm:style>
+  </dgm:styleLbl>
+  <dgm:styleLbl name="bgSibTrans2D1">
+    <dgm:scene3d>
+      <a:camera prst="orthographicFront"/>
+      <a:lightRig rig="threePt" dir="t"/>
+    </dgm:scene3d>
+    <dgm:txPr/>
+    <dgm:style>
+      <a:lnRef idx="0">
+        <a:scrgbClr r="0" g="0" b="0"/>
+      </a:lnRef>
+      <a:fillRef idx="1">
+        <a:scrgbClr r="0" g="0" b="0"/>
+      </a:fillRef>
+      <a:effectRef idx="0">
+        <a:scrgbClr r="0" g="0" b="0"/>
+      </a:effectRef>
+      <a:fontRef idx="minor">
+        <a:schemeClr val="lt1"/>
+      </a:fontRef>
+    </dgm:style>
+  </dgm:styleLbl>
+  <dgm:styleLbl name="callout">
+    <dgm:scene3d>
+      <a:camera prst="orthographicFront"/>
+      <a:lightRig rig="threePt" dir="t"/>
+    </dgm:scene3d>
+    <dgm:txPr/>
+    <dgm:style>
+      <a:lnRef idx="2">
+        <a:scrgbClr r="0" g="0" b="0"/>
+      </a:lnRef>
+      <a:fillRef idx="1">
+        <a:scrgbClr r="0" g="0" b="0"/>
+      </a:fillRef>
+      <a:effectRef idx="0">
+        <a:scrgbClr r="0" g="0" b="0"/>
+      </a:effectRef>
+      <a:fontRef idx="minor"/>
+    </dgm:style>
+  </dgm:styleLbl>
+  <dgm:styleLbl name="conFgAcc1">
+    <dgm:scene3d>
+      <a:camera prst="orthographicFront"/>
+      <a:lightRig rig="threePt" dir="t"/>
+    </dgm:scene3d>
+    <dgm:txPr/>
+    <dgm:style>
+      <a:lnRef idx="2">
+        <a:scrgbClr r="0" g="0" b="0"/>
+      </a:lnRef>
+      <a:fillRef idx="1">
+        <a:scrgbClr r="0" g="0" b="0"/>
+      </a:fillRef>
+      <a:effectRef idx="0">
+        <a:scrgbClr r="0" g="0" b="0"/>
+      </a:effectRef>
+      <a:fontRef idx="minor"/>
+    </dgm:style>
+  </dgm:styleLbl>
+  <dgm:styleLbl name="dkBgShp">
+    <dgm:scene3d>
+      <a:camera prst="orthographicFront"/>
+      <a:lightRig rig="threePt" dir="t"/>
+    </dgm:scene3d>
+    <dgm:txPr/>
+    <dgm:style>
+      <a:lnRef idx="0">
+        <a:scrgbClr r="0" g="0" b="0"/>
+      </a:lnRef>
+      <a:fillRef idx="1">
+        <a:scrgbClr r="0" g="0" b="0"/>
+      </a:fillRef>
+      <a:effectRef idx="0">
+        <a:scrgbClr r="0" g="0" b="0"/>
+      </a:effectRef>
+      <a:fontRef idx="minor"/>
+    </dgm:style>
+  </dgm:styleLbl>
+  <dgm:styleLbl name="fgAcc0">
+    <dgm:scene3d>
+      <a:camera prst="orthographicFront"/>
+      <a:lightRig rig="threePt" dir="t"/>
+    </dgm:scene3d>
+    <dgm:txPr/>
+    <dgm:style>
+      <a:lnRef idx="2">
+        <a:scrgbClr r="0" g="0" b="0"/>
+      </a:lnRef>
+      <a:fillRef idx="1">
+        <a:scrgbClr r="0" g="0" b="0"/>
+      </a:fillRef>
+      <a:effectRef idx="0">
+        <a:scrgbClr r="0" g="0" b="0"/>
+      </a:effectRef>
+      <a:fontRef idx="minor"/>
+    </dgm:style>
+  </dgm:styleLbl>
+  <dgm:styleLbl name="fgAcc1">
+    <dgm:scene3d>
+      <a:camera prst="orthographicFront"/>
+      <a:lightRig rig="threePt" dir="t"/>
+    </dgm:scene3d>
+    <dgm:txPr/>
+    <dgm:style>
+      <a:lnRef idx="2">
+        <a:scrgbClr r="0" g="0" b="0"/>
+      </a:lnRef>
+      <a:fillRef idx="1">
+        <a:scrgbClr r="0" g="0" b="0"/>
+      </a:fillRef>
+      <a:effectRef idx="0">
+        <a:scrgbClr r="0" g="0" b="0"/>
+      </a:effectRef>
+      <a:fontRef idx="minor"/>
+    </dgm:style>
+  </dgm:styleLbl>
+  <dgm:styleLbl name="fgAcc2">
+    <dgm:scene3d>
+      <a:camera prst="orthographicFront"/>
+      <a:lightRig rig="threePt" dir="t"/>
+    </dgm:scene3d>
+    <dgm:txPr/>
+    <dgm:style>
+      <a:lnRef idx="2">
+        <a:scrgbClr r="0" g="0" b="0"/>
+      </a:lnRef>
+      <a:fillRef idx="1">
+        <a:scrgbClr r="0" g="0" b="0"/>
+      </a:fillRef>
+      <a:effectRef idx="0">
+        <a:scrgbClr r="0" g="0" b="0"/>
+      </a:effectRef>
+      <a:fontRef idx="minor"/>
+    </dgm:style>
+  </dgm:styleLbl>
+  <dgm:styleLbl name="fgAcc3">
+    <dgm:scene3d>
+      <a:camera prst="orthographicFront"/>
+      <a:lightRig rig="threePt" dir="t"/>
+    </dgm:scene3d>
+    <dgm:txPr/>
+    <dgm:style>
+      <a:lnRef idx="2">
+        <a:scrgbClr r="0" g="0" b="0"/>
+      </a:lnRef>
+      <a:fillRef idx="1">
+        <a:scrgbClr r="0" g="0" b="0"/>
+      </a:fillRef>
+      <a:effectRef idx="0">
+        <a:scrgbClr r="0" g="0" b="0"/>
+      </a:effectRef>
+      <a:fontRef idx="minor"/>
+    </dgm:style>
+  </dgm:styleLbl>
+  <dgm:styleLbl name="fgAcc4">
+    <dgm:scene3d>
+      <a:camera prst="orthographicFront"/>
+      <a:lightRig rig="threePt" dir="t"/>
+    </dgm:scene3d>
+    <dgm:txPr/>
+    <dgm:style>
+      <a:lnRef idx="2">
+        <a:scrgbClr r="0" g="0" b="0"/>
+      </a:lnRef>
+      <a:fillRef idx="1">
+        <a:scrgbClr r="0" g="0" b="0"/>
+      </a:fillRef>
+      <a:effectRef idx="0">
+        <a:scrgbClr r="0" g="0" b="0"/>
+      </a:effectRef>
+      <a:fontRef idx="minor"/>
+    </dgm:style>
+  </dgm:styleLbl>
+  <dgm:styleLbl name="fgAccFollowNode1">
+    <dgm:scene3d>
+      <a:camera prst="orthographicFront"/>
+      <a:lightRig rig="threePt" dir="t"/>
+    </dgm:scene3d>
+    <dgm:txPr/>
+    <dgm:style>
+      <a:lnRef idx="2">
+        <a:scrgbClr r="0" g="0" b="0"/>
+      </a:lnRef>
+      <a:fillRef idx="1">
+        <a:scrgbClr r="0" g="0" b="0"/>
+      </a:fillRef>
+      <a:effectRef idx="0">
+        <a:scrgbClr r="0" g="0" b="0"/>
+      </a:effectRef>
+      <a:fontRef idx="minor"/>
+    </dgm:style>
+  </dgm:styleLbl>
+  <dgm:styleLbl name="fgImgPlace1">
+    <dgm:scene3d>
+      <a:camera prst="orthographicFront"/>
+      <a:lightRig rig="threePt" dir="t"/>
+    </dgm:scene3d>
+    <dgm:txPr/>
+    <dgm:style>
+      <a:lnRef idx="2">
+        <a:scrgbClr r="0" g="0" b="0"/>
+      </a:lnRef>
+      <a:fillRef idx="1">
+        <a:scrgbClr r="0" g="0" b="0"/>
+      </a:fillRef>
+      <a:effectRef idx="0">
+        <a:scrgbClr r="0" g="0" b="0"/>
+      </a:effectRef>
+      <a:fontRef idx="minor"/>
+    </dgm:style>
+  </dgm:styleLbl>
+  <dgm:styleLbl name="fgShp">
+    <dgm:scene3d>
+      <a:camera prst="orthographicFront"/>
+      <a:lightRig rig="threePt" dir="t"/>
+    </dgm:scene3d>
+    <dgm:txPr/>
+    <dgm:style>
+      <a:lnRef idx="2">
+        <a:scrgbClr r="0" g="0" b="0"/>
+      </a:lnRef>
+      <a:fillRef idx="1">
+        <a:scrgbClr r="0" g="0" b="0"/>
+      </a:fillRef>
+      <a:effectRef idx="0">
+        <a:scrgbClr r="0" g="0" b="0"/>
+      </a:effectRef>
+      <a:fontRef idx="minor"/>
+    </dgm:style>
+  </dgm:styleLbl>
+  <dgm:styleLbl name="fgSibTrans2D1">
+    <dgm:scene3d>
+      <a:camera prst="orthographicFront"/>
+      <a:lightRig rig="threePt" dir="t"/>
+    </dgm:scene3d>
+    <dgm:txPr/>
+    <dgm:style>
+      <a:lnRef idx="0">
         <a:scrgbClr r="0" g="0" b="0"/>
       </a:lnRef>
       <a:fillRef idx="1">
@@ -10549,7 +10972,6 @@
       <a:camera prst="orthographicFront"/>
       <a:lightRig rig="threePt" dir="t"/>
     </dgm:scene3d>
-    <dgm:sp3d/>
     <dgm:txPr/>
     <dgm:style>
       <a:lnRef idx="2">
@@ -10566,34 +10988,11 @@
       </a:fontRef>
     </dgm:style>
   </dgm:styleLbl>
-  <dgm:styleLbl name="vennNode1">
+  <dgm:styleLbl name="node0">
     <dgm:scene3d>
       <a:camera prst="orthographicFront"/>
       <a:lightRig rig="threePt" dir="t"/>
     </dgm:scene3d>
-    <dgm:sp3d/>
-    <dgm:txPr/>
-    <dgm:style>
-      <a:lnRef idx="2">
-        <a:scrgbClr r="0" g="0" b="0"/>
-      </a:lnRef>
-      <a:fillRef idx="1">
-        <a:scrgbClr r="0" g="0" b="0"/>
-      </a:fillRef>
-      <a:effectRef idx="0">
-        <a:scrgbClr r="0" g="0" b="0"/>
-      </a:effectRef>
-      <a:fontRef idx="minor">
-        <a:schemeClr val="tx1"/>
-      </a:fontRef>
-    </dgm:style>
-  </dgm:styleLbl>
-  <dgm:styleLbl name="alignNode1">
-    <dgm:scene3d>
-      <a:camera prst="orthographicFront"/>
-      <a:lightRig rig="threePt" dir="t"/>
-    </dgm:scene3d>
-    <dgm:sp3d/>
     <dgm:txPr/>
     <dgm:style>
       <a:lnRef idx="2">
@@ -10615,7 +11014,6 @@
       <a:camera prst="orthographicFront"/>
       <a:lightRig rig="threePt" dir="t"/>
     </dgm:scene3d>
-    <dgm:sp3d/>
     <dgm:txPr/>
     <dgm:style>
       <a:lnRef idx="2">
@@ -10637,7 +11035,6 @@
       <a:camera prst="orthographicFront"/>
       <a:lightRig rig="threePt" dir="t"/>
     </dgm:scene3d>
-    <dgm:sp3d/>
     <dgm:txPr/>
     <dgm:style>
       <a:lnRef idx="2">
@@ -10659,7 +11056,6 @@
       <a:camera prst="orthographicFront"/>
       <a:lightRig rig="threePt" dir="t"/>
     </dgm:scene3d>
-    <dgm:sp3d/>
     <dgm:txPr/>
     <dgm:style>
       <a:lnRef idx="2">
@@ -10681,7 +11077,6 @@
       <a:camera prst="orthographicFront"/>
       <a:lightRig rig="threePt" dir="t"/>
     </dgm:scene3d>
-    <dgm:sp3d/>
     <dgm:txPr/>
     <dgm:style>
       <a:lnRef idx="2">
@@ -10698,18 +11093,17 @@
       </a:fontRef>
     </dgm:style>
   </dgm:styleLbl>
-  <dgm:styleLbl name="fgImgPlace1">
+  <dgm:styleLbl name="parChTrans1D1">
     <dgm:scene3d>
       <a:camera prst="orthographicFront"/>
       <a:lightRig rig="threePt" dir="t"/>
     </dgm:scene3d>
-    <dgm:sp3d/>
     <dgm:txPr/>
     <dgm:style>
       <a:lnRef idx="2">
         <a:scrgbClr r="0" g="0" b="0"/>
       </a:lnRef>
-      <a:fillRef idx="1">
+      <a:fillRef idx="0">
         <a:scrgbClr r="0" g="0" b="0"/>
       </a:fillRef>
       <a:effectRef idx="0">
@@ -10718,18 +11112,17 @@
       <a:fontRef idx="minor"/>
     </dgm:style>
   </dgm:styleLbl>
-  <dgm:styleLbl name="alignImgPlace1">
+  <dgm:styleLbl name="parChTrans1D2">
     <dgm:scene3d>
       <a:camera prst="orthographicFront"/>
       <a:lightRig rig="threePt" dir="t"/>
     </dgm:scene3d>
-    <dgm:sp3d/>
     <dgm:txPr/>
     <dgm:style>
       <a:lnRef idx="2">
         <a:scrgbClr r="0" g="0" b="0"/>
       </a:lnRef>
-      <a:fillRef idx="1">
+      <a:fillRef idx="0">
         <a:scrgbClr r="0" g="0" b="0"/>
       </a:fillRef>
       <a:effectRef idx="0">
@@ -10738,18 +11131,17 @@
       <a:fontRef idx="minor"/>
     </dgm:style>
   </dgm:styleLbl>
-  <dgm:styleLbl name="bgImgPlace1">
+  <dgm:styleLbl name="parChTrans1D3">
     <dgm:scene3d>
       <a:camera prst="orthographicFront"/>
       <a:lightRig rig="threePt" dir="t"/>
     </dgm:scene3d>
-    <dgm:sp3d/>
     <dgm:txPr/>
     <dgm:style>
       <a:lnRef idx="2">
         <a:scrgbClr r="0" g="0" b="0"/>
       </a:lnRef>
-      <a:fillRef idx="1">
+      <a:fillRef idx="0">
         <a:scrgbClr r="0" g="0" b="0"/>
       </a:fillRef>
       <a:effectRef idx="0">
@@ -10758,220 +11150,23 @@
       <a:fontRef idx="minor"/>
     </dgm:style>
   </dgm:styleLbl>
-  <dgm:styleLbl name="sibTrans2D1">
+  <dgm:styleLbl name="parChTrans1D4">
     <dgm:scene3d>
       <a:camera prst="orthographicFront"/>
       <a:lightRig rig="threePt" dir="t"/>
     </dgm:scene3d>
-    <dgm:sp3d/>
-    <dgm:txPr/>
-    <dgm:style>
-      <a:lnRef idx="0">
-        <a:scrgbClr r="0" g="0" b="0"/>
-      </a:lnRef>
-      <a:fillRef idx="1">
-        <a:scrgbClr r="0" g="0" b="0"/>
-      </a:fillRef>
-      <a:effectRef idx="0">
-        <a:scrgbClr r="0" g="0" b="0"/>
-      </a:effectRef>
-      <a:fontRef idx="minor">
-        <a:schemeClr val="lt1"/>
-      </a:fontRef>
-    </dgm:style>
-  </dgm:styleLbl>
-  <dgm:styleLbl name="fgSibTrans2D1">
-    <dgm:scene3d>
-      <a:camera prst="orthographicFront"/>
-      <a:lightRig rig="threePt" dir="t"/>
-    </dgm:scene3d>
-    <dgm:sp3d/>
-    <dgm:txPr/>
-    <dgm:style>
-      <a:lnRef idx="0">
-        <a:scrgbClr r="0" g="0" b="0"/>
-      </a:lnRef>
-      <a:fillRef idx="1">
-        <a:scrgbClr r="0" g="0" b="0"/>
-      </a:fillRef>
-      <a:effectRef idx="0">
-        <a:scrgbClr r="0" g="0" b="0"/>
-      </a:effectRef>
-      <a:fontRef idx="minor">
-        <a:schemeClr val="lt1"/>
-      </a:fontRef>
-    </dgm:style>
-  </dgm:styleLbl>
-  <dgm:styleLbl name="bgSibTrans2D1">
-    <dgm:scene3d>
-      <a:camera prst="orthographicFront"/>
-      <a:lightRig rig="threePt" dir="t"/>
-    </dgm:scene3d>
-    <dgm:sp3d/>
-    <dgm:txPr/>
-    <dgm:style>
-      <a:lnRef idx="0">
-        <a:scrgbClr r="0" g="0" b="0"/>
-      </a:lnRef>
-      <a:fillRef idx="1">
-        <a:scrgbClr r="0" g="0" b="0"/>
-      </a:fillRef>
-      <a:effectRef idx="0">
-        <a:scrgbClr r="0" g="0" b="0"/>
-      </a:effectRef>
-      <a:fontRef idx="minor">
-        <a:schemeClr val="lt1"/>
-      </a:fontRef>
-    </dgm:style>
-  </dgm:styleLbl>
-  <dgm:styleLbl name="sibTrans1D1">
-    <dgm:scene3d>
-      <a:camera prst="orthographicFront"/>
-      <a:lightRig rig="threePt" dir="t"/>
-    </dgm:scene3d>
-    <dgm:sp3d/>
-    <dgm:txPr/>
-    <dgm:style>
-      <a:lnRef idx="1">
-        <a:scrgbClr r="0" g="0" b="0"/>
-      </a:lnRef>
-      <a:fillRef idx="0">
-        <a:scrgbClr r="0" g="0" b="0"/>
-      </a:fillRef>
-      <a:effectRef idx="0">
-        <a:scrgbClr r="0" g="0" b="0"/>
-      </a:effectRef>
-      <a:fontRef idx="minor"/>
-    </dgm:style>
-  </dgm:styleLbl>
-  <dgm:styleLbl name="callout">
-    <dgm:scene3d>
-      <a:camera prst="orthographicFront"/>
-      <a:lightRig rig="threePt" dir="t"/>
-    </dgm:scene3d>
-    <dgm:sp3d/>
     <dgm:txPr/>
     <dgm:style>
       <a:lnRef idx="2">
         <a:scrgbClr r="0" g="0" b="0"/>
       </a:lnRef>
-      <a:fillRef idx="1">
+      <a:fillRef idx="0">
         <a:scrgbClr r="0" g="0" b="0"/>
       </a:fillRef>
       <a:effectRef idx="0">
         <a:scrgbClr r="0" g="0" b="0"/>
       </a:effectRef>
       <a:fontRef idx="minor"/>
-    </dgm:style>
-  </dgm:styleLbl>
-  <dgm:styleLbl name="asst0">
-    <dgm:scene3d>
-      <a:camera prst="orthographicFront"/>
-      <a:lightRig rig="threePt" dir="t"/>
-    </dgm:scene3d>
-    <dgm:sp3d/>
-    <dgm:txPr/>
-    <dgm:style>
-      <a:lnRef idx="2">
-        <a:scrgbClr r="0" g="0" b="0"/>
-      </a:lnRef>
-      <a:fillRef idx="1">
-        <a:scrgbClr r="0" g="0" b="0"/>
-      </a:fillRef>
-      <a:effectRef idx="0">
-        <a:scrgbClr r="0" g="0" b="0"/>
-      </a:effectRef>
-      <a:fontRef idx="minor">
-        <a:schemeClr val="lt1"/>
-      </a:fontRef>
-    </dgm:style>
-  </dgm:styleLbl>
-  <dgm:styleLbl name="asst1">
-    <dgm:scene3d>
-      <a:camera prst="orthographicFront"/>
-      <a:lightRig rig="threePt" dir="t"/>
-    </dgm:scene3d>
-    <dgm:sp3d/>
-    <dgm:txPr/>
-    <dgm:style>
-      <a:lnRef idx="2">
-        <a:scrgbClr r="0" g="0" b="0"/>
-      </a:lnRef>
-      <a:fillRef idx="1">
-        <a:scrgbClr r="0" g="0" b="0"/>
-      </a:fillRef>
-      <a:effectRef idx="0">
-        <a:scrgbClr r="0" g="0" b="0"/>
-      </a:effectRef>
-      <a:fontRef idx="minor">
-        <a:schemeClr val="lt1"/>
-      </a:fontRef>
-    </dgm:style>
-  </dgm:styleLbl>
-  <dgm:styleLbl name="asst2">
-    <dgm:scene3d>
-      <a:camera prst="orthographicFront"/>
-      <a:lightRig rig="threePt" dir="t"/>
-    </dgm:scene3d>
-    <dgm:sp3d/>
-    <dgm:txPr/>
-    <dgm:style>
-      <a:lnRef idx="2">
-        <a:scrgbClr r="0" g="0" b="0"/>
-      </a:lnRef>
-      <a:fillRef idx="1">
-        <a:scrgbClr r="0" g="0" b="0"/>
-      </a:fillRef>
-      <a:effectRef idx="0">
-        <a:scrgbClr r="0" g="0" b="0"/>
-      </a:effectRef>
-      <a:fontRef idx="minor">
-        <a:schemeClr val="lt1"/>
-      </a:fontRef>
-    </dgm:style>
-  </dgm:styleLbl>
-  <dgm:styleLbl name="asst3">
-    <dgm:scene3d>
-      <a:camera prst="orthographicFront"/>
-      <a:lightRig rig="threePt" dir="t"/>
-    </dgm:scene3d>
-    <dgm:sp3d/>
-    <dgm:txPr/>
-    <dgm:style>
-      <a:lnRef idx="2">
-        <a:scrgbClr r="0" g="0" b="0"/>
-      </a:lnRef>
-      <a:fillRef idx="1">
-        <a:scrgbClr r="0" g="0" b="0"/>
-      </a:fillRef>
-      <a:effectRef idx="0">
-        <a:scrgbClr r="0" g="0" b="0"/>
-      </a:effectRef>
-      <a:fontRef idx="minor">
-        <a:schemeClr val="lt1"/>
-      </a:fontRef>
-    </dgm:style>
-  </dgm:styleLbl>
-  <dgm:styleLbl name="asst4">
-    <dgm:scene3d>
-      <a:camera prst="orthographicFront"/>
-      <a:lightRig rig="threePt" dir="t"/>
-    </dgm:scene3d>
-    <dgm:sp3d/>
-    <dgm:txPr/>
-    <dgm:style>
-      <a:lnRef idx="2">
-        <a:scrgbClr r="0" g="0" b="0"/>
-      </a:lnRef>
-      <a:fillRef idx="1">
-        <a:scrgbClr r="0" g="0" b="0"/>
-      </a:fillRef>
-      <a:effectRef idx="0">
-        <a:scrgbClr r="0" g="0" b="0"/>
-      </a:effectRef>
-      <a:fontRef idx="minor">
-        <a:schemeClr val="lt1"/>
-      </a:fontRef>
     </dgm:style>
   </dgm:styleLbl>
   <dgm:styleLbl name="parChTrans2D1">
@@ -10979,7 +11174,6 @@
       <a:camera prst="orthographicFront"/>
       <a:lightRig rig="threePt" dir="t"/>
     </dgm:scene3d>
-    <dgm:sp3d/>
     <dgm:txPr/>
     <dgm:style>
       <a:lnRef idx="2">
@@ -11001,7 +11195,6 @@
       <a:camera prst="orthographicFront"/>
       <a:lightRig rig="threePt" dir="t"/>
     </dgm:scene3d>
-    <dgm:sp3d/>
     <dgm:txPr/>
     <dgm:style>
       <a:lnRef idx="2">
@@ -11023,7 +11216,6 @@
       <a:camera prst="orthographicFront"/>
       <a:lightRig rig="threePt" dir="t"/>
     </dgm:scene3d>
-    <dgm:sp3d/>
     <dgm:txPr/>
     <dgm:style>
       <a:lnRef idx="2">
@@ -11045,7 +11237,6 @@
       <a:camera prst="orthographicFront"/>
       <a:lightRig rig="threePt" dir="t"/>
     </dgm:scene3d>
-    <dgm:sp3d/>
     <dgm:txPr/>
     <dgm:style>
       <a:lnRef idx="2">
@@ -11062,15 +11253,14 @@
       </a:fontRef>
     </dgm:style>
   </dgm:styleLbl>
-  <dgm:styleLbl name="parChTrans1D1">
+  <dgm:styleLbl name="revTx">
     <dgm:scene3d>
       <a:camera prst="orthographicFront"/>
       <a:lightRig rig="threePt" dir="t"/>
     </dgm:scene3d>
-    <dgm:sp3d/>
     <dgm:txPr/>
     <dgm:style>
-      <a:lnRef idx="2">
+      <a:lnRef idx="0">
         <a:scrgbClr r="0" g="0" b="0"/>
       </a:lnRef>
       <a:fillRef idx="0">
@@ -11082,15 +11272,14 @@
       <a:fontRef idx="minor"/>
     </dgm:style>
   </dgm:styleLbl>
-  <dgm:styleLbl name="parChTrans1D2">
+  <dgm:styleLbl name="sibTrans1D1">
     <dgm:scene3d>
       <a:camera prst="orthographicFront"/>
       <a:lightRig rig="threePt" dir="t"/>
     </dgm:scene3d>
-    <dgm:sp3d/>
     <dgm:txPr/>
     <dgm:style>
-      <a:lnRef idx="2">
+      <a:lnRef idx="1">
         <a:scrgbClr r="0" g="0" b="0"/>
       </a:lnRef>
       <a:fillRef idx="0">
@@ -11102,18 +11291,38 @@
       <a:fontRef idx="minor"/>
     </dgm:style>
   </dgm:styleLbl>
-  <dgm:styleLbl name="parChTrans1D3">
+  <dgm:styleLbl name="sibTrans2D1">
     <dgm:scene3d>
       <a:camera prst="orthographicFront"/>
       <a:lightRig rig="threePt" dir="t"/>
     </dgm:scene3d>
-    <dgm:sp3d/>
+    <dgm:txPr/>
+    <dgm:style>
+      <a:lnRef idx="0">
+        <a:scrgbClr r="0" g="0" b="0"/>
+      </a:lnRef>
+      <a:fillRef idx="1">
+        <a:scrgbClr r="0" g="0" b="0"/>
+      </a:fillRef>
+      <a:effectRef idx="0">
+        <a:scrgbClr r="0" g="0" b="0"/>
+      </a:effectRef>
+      <a:fontRef idx="minor">
+        <a:schemeClr val="lt1"/>
+      </a:fontRef>
+    </dgm:style>
+  </dgm:styleLbl>
+  <dgm:styleLbl name="solidAlignAcc1">
+    <dgm:scene3d>
+      <a:camera prst="orthographicFront"/>
+      <a:lightRig rig="threePt" dir="t"/>
+    </dgm:scene3d>
     <dgm:txPr/>
     <dgm:style>
       <a:lnRef idx="2">
         <a:scrgbClr r="0" g="0" b="0"/>
       </a:lnRef>
-      <a:fillRef idx="0">
+      <a:fillRef idx="1">
         <a:scrgbClr r="0" g="0" b="0"/>
       </a:fillRef>
       <a:effectRef idx="0">
@@ -11122,18 +11331,17 @@
       <a:fontRef idx="minor"/>
     </dgm:style>
   </dgm:styleLbl>
-  <dgm:styleLbl name="parChTrans1D4">
+  <dgm:styleLbl name="solidBgAcc1">
     <dgm:scene3d>
       <a:camera prst="orthographicFront"/>
       <a:lightRig rig="threePt" dir="t"/>
     </dgm:scene3d>
-    <dgm:sp3d/>
     <dgm:txPr/>
     <dgm:style>
       <a:lnRef idx="2">
         <a:scrgbClr r="0" g="0" b="0"/>
       </a:lnRef>
-      <a:fillRef idx="0">
+      <a:fillRef idx="1">
         <a:scrgbClr r="0" g="0" b="0"/>
       </a:fillRef>
       <a:effectRef idx="0">
@@ -11142,52 +11350,11 @@
       <a:fontRef idx="minor"/>
     </dgm:style>
   </dgm:styleLbl>
-  <dgm:styleLbl name="fgAcc1">
+  <dgm:styleLbl name="solidFgAcc1">
     <dgm:scene3d>
       <a:camera prst="orthographicFront"/>
       <a:lightRig rig="threePt" dir="t"/>
     </dgm:scene3d>
-    <dgm:sp3d/>
-    <dgm:txPr/>
-    <dgm:style>
-      <a:lnRef idx="2">
-        <a:scrgbClr r="0" g="0" b="0"/>
-      </a:lnRef>
-      <a:fillRef idx="1">
-        <a:scrgbClr r="0" g="0" b="0"/>
-      </a:fillRef>
-      <a:effectRef idx="0">
-        <a:scrgbClr r="0" g="0" b="0"/>
-      </a:effectRef>
-      <a:fontRef idx="minor"/>
-    </dgm:style>
-  </dgm:styleLbl>
-  <dgm:styleLbl name="conFgAcc1">
-    <dgm:scene3d>
-      <a:camera prst="orthographicFront"/>
-      <a:lightRig rig="threePt" dir="t"/>
-    </dgm:scene3d>
-    <dgm:sp3d/>
-    <dgm:txPr/>
-    <dgm:style>
-      <a:lnRef idx="2">
-        <a:scrgbClr r="0" g="0" b="0"/>
-      </a:lnRef>
-      <a:fillRef idx="1">
-        <a:scrgbClr r="0" g="0" b="0"/>
-      </a:fillRef>
-      <a:effectRef idx="0">
-        <a:scrgbClr r="0" g="0" b="0"/>
-      </a:effectRef>
-      <a:fontRef idx="minor"/>
-    </dgm:style>
-  </dgm:styleLbl>
-  <dgm:styleLbl name="alignAcc1">
-    <dgm:scene3d>
-      <a:camera prst="orthographicFront"/>
-      <a:lightRig rig="threePt" dir="t"/>
-    </dgm:scene3d>
-    <dgm:sp3d/>
     <dgm:txPr/>
     <dgm:style>
       <a:lnRef idx="2">
@@ -11207,270 +11374,9 @@
       <a:camera prst="orthographicFront"/>
       <a:lightRig rig="threePt" dir="t"/>
     </dgm:scene3d>
-    <dgm:sp3d/>
     <dgm:txPr/>
     <dgm:style>
       <a:lnRef idx="1">
-        <a:scrgbClr r="0" g="0" b="0"/>
-      </a:lnRef>
-      <a:fillRef idx="1">
-        <a:scrgbClr r="0" g="0" b="0"/>
-      </a:fillRef>
-      <a:effectRef idx="0">
-        <a:scrgbClr r="0" g="0" b="0"/>
-      </a:effectRef>
-      <a:fontRef idx="minor"/>
-    </dgm:style>
-  </dgm:styleLbl>
-  <dgm:styleLbl name="bgAcc1">
-    <dgm:scene3d>
-      <a:camera prst="orthographicFront"/>
-      <a:lightRig rig="threePt" dir="t"/>
-    </dgm:scene3d>
-    <dgm:sp3d/>
-    <dgm:txPr/>
-    <dgm:style>
-      <a:lnRef idx="2">
-        <a:scrgbClr r="0" g="0" b="0"/>
-      </a:lnRef>
-      <a:fillRef idx="1">
-        <a:scrgbClr r="0" g="0" b="0"/>
-      </a:fillRef>
-      <a:effectRef idx="0">
-        <a:scrgbClr r="0" g="0" b="0"/>
-      </a:effectRef>
-      <a:fontRef idx="minor"/>
-    </dgm:style>
-  </dgm:styleLbl>
-  <dgm:styleLbl name="solidFgAcc1">
-    <dgm:scene3d>
-      <a:camera prst="orthographicFront"/>
-      <a:lightRig rig="threePt" dir="t"/>
-    </dgm:scene3d>
-    <dgm:sp3d/>
-    <dgm:txPr/>
-    <dgm:style>
-      <a:lnRef idx="2">
-        <a:scrgbClr r="0" g="0" b="0"/>
-      </a:lnRef>
-      <a:fillRef idx="1">
-        <a:scrgbClr r="0" g="0" b="0"/>
-      </a:fillRef>
-      <a:effectRef idx="0">
-        <a:scrgbClr r="0" g="0" b="0"/>
-      </a:effectRef>
-      <a:fontRef idx="minor"/>
-    </dgm:style>
-  </dgm:styleLbl>
-  <dgm:styleLbl name="solidAlignAcc1">
-    <dgm:scene3d>
-      <a:camera prst="orthographicFront"/>
-      <a:lightRig rig="threePt" dir="t"/>
-    </dgm:scene3d>
-    <dgm:sp3d/>
-    <dgm:txPr/>
-    <dgm:style>
-      <a:lnRef idx="2">
-        <a:scrgbClr r="0" g="0" b="0"/>
-      </a:lnRef>
-      <a:fillRef idx="1">
-        <a:scrgbClr r="0" g="0" b="0"/>
-      </a:fillRef>
-      <a:effectRef idx="0">
-        <a:scrgbClr r="0" g="0" b="0"/>
-      </a:effectRef>
-      <a:fontRef idx="minor"/>
-    </dgm:style>
-  </dgm:styleLbl>
-  <dgm:styleLbl name="solidBgAcc1">
-    <dgm:scene3d>
-      <a:camera prst="orthographicFront"/>
-      <a:lightRig rig="threePt" dir="t"/>
-    </dgm:scene3d>
-    <dgm:sp3d/>
-    <dgm:txPr/>
-    <dgm:style>
-      <a:lnRef idx="2">
-        <a:scrgbClr r="0" g="0" b="0"/>
-      </a:lnRef>
-      <a:fillRef idx="1">
-        <a:scrgbClr r="0" g="0" b="0"/>
-      </a:fillRef>
-      <a:effectRef idx="0">
-        <a:scrgbClr r="0" g="0" b="0"/>
-      </a:effectRef>
-      <a:fontRef idx="minor"/>
-    </dgm:style>
-  </dgm:styleLbl>
-  <dgm:styleLbl name="fgAccFollowNode1">
-    <dgm:scene3d>
-      <a:camera prst="orthographicFront"/>
-      <a:lightRig rig="threePt" dir="t"/>
-    </dgm:scene3d>
-    <dgm:sp3d/>
-    <dgm:txPr/>
-    <dgm:style>
-      <a:lnRef idx="2">
-        <a:scrgbClr r="0" g="0" b="0"/>
-      </a:lnRef>
-      <a:fillRef idx="1">
-        <a:scrgbClr r="0" g="0" b="0"/>
-      </a:fillRef>
-      <a:effectRef idx="0">
-        <a:scrgbClr r="0" g="0" b="0"/>
-      </a:effectRef>
-      <a:fontRef idx="minor"/>
-    </dgm:style>
-  </dgm:styleLbl>
-  <dgm:styleLbl name="alignAccFollowNode1">
-    <dgm:scene3d>
-      <a:camera prst="orthographicFront"/>
-      <a:lightRig rig="threePt" dir="t"/>
-    </dgm:scene3d>
-    <dgm:sp3d/>
-    <dgm:txPr/>
-    <dgm:style>
-      <a:lnRef idx="2">
-        <a:scrgbClr r="0" g="0" b="0"/>
-      </a:lnRef>
-      <a:fillRef idx="1">
-        <a:scrgbClr r="0" g="0" b="0"/>
-      </a:fillRef>
-      <a:effectRef idx="0">
-        <a:scrgbClr r="0" g="0" b="0"/>
-      </a:effectRef>
-      <a:fontRef idx="minor"/>
-    </dgm:style>
-  </dgm:styleLbl>
-  <dgm:styleLbl name="bgAccFollowNode1">
-    <dgm:scene3d>
-      <a:camera prst="orthographicFront"/>
-      <a:lightRig rig="threePt" dir="t"/>
-    </dgm:scene3d>
-    <dgm:sp3d/>
-    <dgm:txPr/>
-    <dgm:style>
-      <a:lnRef idx="2">
-        <a:scrgbClr r="0" g="0" b="0"/>
-      </a:lnRef>
-      <a:fillRef idx="1">
-        <a:scrgbClr r="0" g="0" b="0"/>
-      </a:fillRef>
-      <a:effectRef idx="0">
-        <a:scrgbClr r="0" g="0" b="0"/>
-      </a:effectRef>
-      <a:fontRef idx="minor"/>
-    </dgm:style>
-  </dgm:styleLbl>
-  <dgm:styleLbl name="fgAcc0">
-    <dgm:scene3d>
-      <a:camera prst="orthographicFront"/>
-      <a:lightRig rig="threePt" dir="t"/>
-    </dgm:scene3d>
-    <dgm:sp3d/>
-    <dgm:txPr/>
-    <dgm:style>
-      <a:lnRef idx="2">
-        <a:scrgbClr r="0" g="0" b="0"/>
-      </a:lnRef>
-      <a:fillRef idx="1">
-        <a:scrgbClr r="0" g="0" b="0"/>
-      </a:fillRef>
-      <a:effectRef idx="0">
-        <a:scrgbClr r="0" g="0" b="0"/>
-      </a:effectRef>
-      <a:fontRef idx="minor"/>
-    </dgm:style>
-  </dgm:styleLbl>
-  <dgm:styleLbl name="fgAcc2">
-    <dgm:scene3d>
-      <a:camera prst="orthographicFront"/>
-      <a:lightRig rig="threePt" dir="t"/>
-    </dgm:scene3d>
-    <dgm:sp3d/>
-    <dgm:txPr/>
-    <dgm:style>
-      <a:lnRef idx="2">
-        <a:scrgbClr r="0" g="0" b="0"/>
-      </a:lnRef>
-      <a:fillRef idx="1">
-        <a:scrgbClr r="0" g="0" b="0"/>
-      </a:fillRef>
-      <a:effectRef idx="0">
-        <a:scrgbClr r="0" g="0" b="0"/>
-      </a:effectRef>
-      <a:fontRef idx="minor"/>
-    </dgm:style>
-  </dgm:styleLbl>
-  <dgm:styleLbl name="fgAcc3">
-    <dgm:scene3d>
-      <a:camera prst="orthographicFront"/>
-      <a:lightRig rig="threePt" dir="t"/>
-    </dgm:scene3d>
-    <dgm:sp3d/>
-    <dgm:txPr/>
-    <dgm:style>
-      <a:lnRef idx="2">
-        <a:scrgbClr r="0" g="0" b="0"/>
-      </a:lnRef>
-      <a:fillRef idx="1">
-        <a:scrgbClr r="0" g="0" b="0"/>
-      </a:fillRef>
-      <a:effectRef idx="0">
-        <a:scrgbClr r="0" g="0" b="0"/>
-      </a:effectRef>
-      <a:fontRef idx="minor"/>
-    </dgm:style>
-  </dgm:styleLbl>
-  <dgm:styleLbl name="fgAcc4">
-    <dgm:scene3d>
-      <a:camera prst="orthographicFront"/>
-      <a:lightRig rig="threePt" dir="t"/>
-    </dgm:scene3d>
-    <dgm:sp3d/>
-    <dgm:txPr/>
-    <dgm:style>
-      <a:lnRef idx="2">
-        <a:scrgbClr r="0" g="0" b="0"/>
-      </a:lnRef>
-      <a:fillRef idx="1">
-        <a:scrgbClr r="0" g="0" b="0"/>
-      </a:fillRef>
-      <a:effectRef idx="0">
-        <a:scrgbClr r="0" g="0" b="0"/>
-      </a:effectRef>
-      <a:fontRef idx="minor"/>
-    </dgm:style>
-  </dgm:styleLbl>
-  <dgm:styleLbl name="bgShp">
-    <dgm:scene3d>
-      <a:camera prst="orthographicFront"/>
-      <a:lightRig rig="threePt" dir="t"/>
-    </dgm:scene3d>
-    <dgm:sp3d/>
-    <dgm:txPr/>
-    <dgm:style>
-      <a:lnRef idx="0">
-        <a:scrgbClr r="0" g="0" b="0"/>
-      </a:lnRef>
-      <a:fillRef idx="1">
-        <a:scrgbClr r="0" g="0" b="0"/>
-      </a:fillRef>
-      <a:effectRef idx="0">
-        <a:scrgbClr r="0" g="0" b="0"/>
-      </a:effectRef>
-      <a:fontRef idx="minor"/>
-    </dgm:style>
-  </dgm:styleLbl>
-  <dgm:styleLbl name="dkBgShp">
-    <dgm:scene3d>
-      <a:camera prst="orthographicFront"/>
-      <a:lightRig rig="threePt" dir="t"/>
-    </dgm:scene3d>
-    <dgm:sp3d/>
-    <dgm:txPr/>
-    <dgm:style>
-      <a:lnRef idx="0">
         <a:scrgbClr r="0" g="0" b="0"/>
       </a:lnRef>
       <a:fillRef idx="1">
@@ -11487,7 +11393,6 @@
       <a:camera prst="orthographicFront"/>
       <a:lightRig rig="threePt" dir="t"/>
     </dgm:scene3d>
-    <dgm:sp3d/>
     <dgm:txPr/>
     <dgm:style>
       <a:lnRef idx="0">
@@ -11502,12 +11407,11 @@
       <a:fontRef idx="minor"/>
     </dgm:style>
   </dgm:styleLbl>
-  <dgm:styleLbl name="fgShp">
+  <dgm:styleLbl name="vennNode1">
     <dgm:scene3d>
       <a:camera prst="orthographicFront"/>
       <a:lightRig rig="threePt" dir="t"/>
     </dgm:scene3d>
-    <dgm:sp3d/>
     <dgm:txPr/>
     <dgm:style>
       <a:lnRef idx="2">
@@ -11519,27 +11423,9 @@
       <a:effectRef idx="0">
         <a:scrgbClr r="0" g="0" b="0"/>
       </a:effectRef>
-      <a:fontRef idx="minor"/>
-    </dgm:style>
-  </dgm:styleLbl>
-  <dgm:styleLbl name="revTx">
-    <dgm:scene3d>
-      <a:camera prst="orthographicFront"/>
-      <a:lightRig rig="threePt" dir="t"/>
-    </dgm:scene3d>
-    <dgm:sp3d/>
-    <dgm:txPr/>
-    <dgm:style>
-      <a:lnRef idx="0">
-        <a:scrgbClr r="0" g="0" b="0"/>
-      </a:lnRef>
-      <a:fillRef idx="0">
-        <a:scrgbClr r="0" g="0" b="0"/>
-      </a:fillRef>
-      <a:effectRef idx="0">
-        <a:scrgbClr r="0" g="0" b="0"/>
-      </a:effectRef>
-      <a:fontRef idx="minor"/>
+      <a:fontRef idx="minor">
+        <a:schemeClr val="tx1"/>
+      </a:fontRef>
     </dgm:style>
   </dgm:styleLbl>
 </dgm:styleDef>
@@ -11592,21 +11478,15 @@
           <a:ln w="9525">
             <a:noFill/>
             <a:miter lim="800000"/>
-            <a:headEnd/>
-            <a:tailEnd/>
           </a:ln>
           <a:effectLst/>
         </p:spPr>
         <p:txBody>
-          <a:bodyPr vert="horz" wrap="square" lIns="91440" tIns="45720" rIns="91440" bIns="45720" numCol="1" anchor="t" anchorCtr="0" compatLnSpc="1">
-            <a:prstTxWarp prst="textNoShape">
-              <a:avLst/>
-            </a:prstTxWarp>
-          </a:bodyPr>
+          <a:bodyPr vert="horz" wrap="square" lIns="91440" tIns="45720" rIns="91440" bIns="45720" numCol="1" anchor="t" anchorCtr="0" compatLnSpc="1"/>
           <a:lstStyle>
             <a:lvl1pPr>
               <a:defRPr sz="1200">
-                <a:latin typeface="Arial" charset="0"/>
+                <a:latin typeface="Arial" panose="020B0604020202020204" pitchFamily="34" charset="0"/>
                 <a:cs typeface="+mn-cs"/>
               </a:defRPr>
             </a:lvl1pPr>
@@ -11641,21 +11521,15 @@
           <a:ln w="9525">
             <a:noFill/>
             <a:miter lim="800000"/>
-            <a:headEnd/>
-            <a:tailEnd/>
           </a:ln>
           <a:effectLst/>
         </p:spPr>
         <p:txBody>
-          <a:bodyPr vert="horz" wrap="square" lIns="91440" tIns="45720" rIns="91440" bIns="45720" numCol="1" anchor="t" anchorCtr="0" compatLnSpc="1">
-            <a:prstTxWarp prst="textNoShape">
-              <a:avLst/>
-            </a:prstTxWarp>
-          </a:bodyPr>
+          <a:bodyPr vert="horz" wrap="square" lIns="91440" tIns="45720" rIns="91440" bIns="45720" numCol="1" anchor="t" anchorCtr="0" compatLnSpc="1"/>
           <a:lstStyle>
             <a:lvl1pPr algn="r">
               <a:defRPr sz="1200">
-                <a:latin typeface="Arial" charset="0"/>
+                <a:latin typeface="Arial" panose="020B0604020202020204" pitchFamily="34" charset="0"/>
                 <a:cs typeface="+mn-cs"/>
               </a:defRPr>
             </a:lvl1pPr>
@@ -11690,21 +11564,15 @@
           <a:ln w="9525">
             <a:noFill/>
             <a:miter lim="800000"/>
-            <a:headEnd/>
-            <a:tailEnd/>
           </a:ln>
           <a:effectLst/>
         </p:spPr>
         <p:txBody>
-          <a:bodyPr vert="horz" wrap="square" lIns="91440" tIns="45720" rIns="91440" bIns="45720" numCol="1" anchor="b" anchorCtr="0" compatLnSpc="1">
-            <a:prstTxWarp prst="textNoShape">
-              <a:avLst/>
-            </a:prstTxWarp>
-          </a:bodyPr>
+          <a:bodyPr vert="horz" wrap="square" lIns="91440" tIns="45720" rIns="91440" bIns="45720" numCol="1" anchor="b" anchorCtr="0" compatLnSpc="1"/>
           <a:lstStyle>
             <a:lvl1pPr>
               <a:defRPr sz="1200">
-                <a:latin typeface="Arial" charset="0"/>
+                <a:latin typeface="Arial" panose="020B0604020202020204" pitchFamily="34" charset="0"/>
                 <a:cs typeface="+mn-cs"/>
               </a:defRPr>
             </a:lvl1pPr>
@@ -11739,21 +11607,15 @@
           <a:ln w="9525">
             <a:noFill/>
             <a:miter lim="800000"/>
-            <a:headEnd/>
-            <a:tailEnd/>
           </a:ln>
           <a:effectLst/>
         </p:spPr>
         <p:txBody>
-          <a:bodyPr vert="horz" wrap="square" lIns="91440" tIns="45720" rIns="91440" bIns="45720" numCol="1" anchor="b" anchorCtr="0" compatLnSpc="1">
-            <a:prstTxWarp prst="textNoShape">
-              <a:avLst/>
-            </a:prstTxWarp>
-          </a:bodyPr>
+          <a:bodyPr vert="horz" wrap="square" lIns="91440" tIns="45720" rIns="91440" bIns="45720" numCol="1" anchor="b" anchorCtr="0" compatLnSpc="1"/>
           <a:lstStyle>
             <a:lvl1pPr algn="r">
               <a:defRPr sz="1200">
-                <a:latin typeface="Arial" charset="0"/>
+                <a:latin typeface="Arial" panose="020B0604020202020204" pitchFamily="34" charset="0"/>
                 <a:cs typeface="+mn-cs"/>
               </a:defRPr>
             </a:lvl1pPr>
@@ -11764,21 +11626,12 @@
             </a:pPr>
             <a:fld id="{EA86A4B5-776F-49C1-8046-01AC5D0258F9}" type="slidenum">
               <a:rPr lang="en-US" altLang="zh-CN"/>
-              <a:pPr>
-                <a:defRPr/>
-              </a:pPr>
-              <a:t>‹#›</a:t>
             </a:fld>
             <a:endParaRPr lang="en-US" altLang="zh-CN"/>
           </a:p>
         </p:txBody>
       </p:sp>
     </p:spTree>
-    <p:extLst>
-      <p:ext uri="{BB962C8B-B14F-4D97-AF65-F5344CB8AC3E}">
-        <p14:creationId xmlns:p14="http://schemas.microsoft.com/office/powerpoint/2010/main" val="1248590551"/>
-      </p:ext>
-    </p:extLst>
   </p:cSld>
   <p:clrMap bg1="lt1" tx1="dk1" bg2="lt2" tx2="dk2" accent1="accent1" accent2="accent2" accent3="accent3" accent4="accent4" accent5="accent5" accent6="accent6" hlink="hlink" folHlink="folHlink"/>
 </p:handoutMaster>
@@ -11831,22 +11684,16 @@
           <a:ln w="9525">
             <a:noFill/>
             <a:miter lim="800000"/>
-            <a:headEnd/>
-            <a:tailEnd/>
           </a:ln>
           <a:effectLst/>
         </p:spPr>
         <p:txBody>
-          <a:bodyPr vert="horz" wrap="square" lIns="91440" tIns="45720" rIns="91440" bIns="45720" numCol="1" anchor="t" anchorCtr="0" compatLnSpc="1">
-            <a:prstTxWarp prst="textNoShape">
-              <a:avLst/>
-            </a:prstTxWarp>
-          </a:bodyPr>
+          <a:bodyPr vert="horz" wrap="square" lIns="91440" tIns="45720" rIns="91440" bIns="45720" numCol="1" anchor="t" anchorCtr="0" compatLnSpc="1"/>
           <a:lstStyle>
             <a:lvl1pPr>
               <a:defRPr sz="1200" smtClean="0">
-                <a:latin typeface="Arial" pitchFamily="34" charset="0"/>
-                <a:cs typeface="Arial" pitchFamily="34" charset="0"/>
+                <a:latin typeface="Arial" panose="020B0604020202020204" pitchFamily="34" charset="0"/>
+                <a:cs typeface="Arial" panose="020B0604020202020204" pitchFamily="34" charset="0"/>
               </a:defRPr>
             </a:lvl1pPr>
           </a:lstStyle>
@@ -11880,22 +11727,16 @@
           <a:ln w="9525">
             <a:noFill/>
             <a:miter lim="800000"/>
-            <a:headEnd/>
-            <a:tailEnd/>
           </a:ln>
           <a:effectLst/>
         </p:spPr>
         <p:txBody>
-          <a:bodyPr vert="horz" wrap="square" lIns="91440" tIns="45720" rIns="91440" bIns="45720" numCol="1" anchor="t" anchorCtr="0" compatLnSpc="1">
-            <a:prstTxWarp prst="textNoShape">
-              <a:avLst/>
-            </a:prstTxWarp>
-          </a:bodyPr>
+          <a:bodyPr vert="horz" wrap="square" lIns="91440" tIns="45720" rIns="91440" bIns="45720" numCol="1" anchor="t" anchorCtr="0" compatLnSpc="1"/>
           <a:lstStyle>
             <a:lvl1pPr algn="r">
               <a:defRPr sz="1200" smtClean="0">
-                <a:latin typeface="Arial" pitchFamily="34" charset="0"/>
-                <a:cs typeface="Arial" pitchFamily="34" charset="0"/>
+                <a:latin typeface="Arial" panose="020B0604020202020204" pitchFamily="34" charset="0"/>
+                <a:cs typeface="Arial" panose="020B0604020202020204" pitchFamily="34" charset="0"/>
               </a:defRPr>
             </a:lvl1pPr>
           </a:lstStyle>
@@ -11919,8 +11760,8 @@
         </p:nvSpPr>
         <p:spPr bwMode="auto">
           <a:xfrm>
-            <a:off x="1143000" y="685800"/>
-            <a:ext cx="4572000" cy="3429000"/>
+            <a:off x="381000" y="685800"/>
+            <a:ext cx="6096000" cy="3429000"/>
           </a:xfrm>
           <a:prstGeom prst="rect">
             <a:avLst/>
@@ -11931,8 +11772,6 @@
               <a:srgbClr val="000000"/>
             </a:solidFill>
             <a:miter lim="800000"/>
-            <a:headEnd/>
-            <a:tailEnd/>
           </a:ln>
         </p:spPr>
       </p:sp>
@@ -11958,17 +11797,11 @@
           <a:ln w="9525">
             <a:noFill/>
             <a:miter lim="800000"/>
-            <a:headEnd/>
-            <a:tailEnd/>
           </a:ln>
           <a:effectLst/>
         </p:spPr>
         <p:txBody>
-          <a:bodyPr vert="horz" wrap="square" lIns="91440" tIns="45720" rIns="91440" bIns="45720" numCol="1" anchor="t" anchorCtr="0" compatLnSpc="1">
-            <a:prstTxWarp prst="textNoShape">
-              <a:avLst/>
-            </a:prstTxWarp>
-          </a:bodyPr>
+          <a:bodyPr vert="horz" wrap="square" lIns="91440" tIns="45720" rIns="91440" bIns="45720" numCol="1" anchor="t" anchorCtr="0" compatLnSpc="1"/>
           <a:lstStyle/>
           <a:p>
             <a:pPr lvl="0"/>
@@ -11976,6 +11809,7 @@
               <a:rPr lang="de-DE" noProof="0" smtClean="0"/>
               <a:t>Textmasterformate durch Klicken bearbeiten</a:t>
             </a:r>
+            <a:endParaRPr lang="de-DE" noProof="0" smtClean="0"/>
           </a:p>
           <a:p>
             <a:pPr lvl="1"/>
@@ -11983,6 +11817,7 @@
               <a:rPr lang="de-DE" noProof="0" smtClean="0"/>
               <a:t>Zweite Ebene</a:t>
             </a:r>
+            <a:endParaRPr lang="de-DE" noProof="0" smtClean="0"/>
           </a:p>
           <a:p>
             <a:pPr lvl="2"/>
@@ -11990,6 +11825,7 @@
               <a:rPr lang="de-DE" noProof="0" smtClean="0"/>
               <a:t>Dritte Ebene</a:t>
             </a:r>
+            <a:endParaRPr lang="de-DE" noProof="0" smtClean="0"/>
           </a:p>
           <a:p>
             <a:pPr lvl="3"/>
@@ -11997,6 +11833,7 @@
               <a:rPr lang="de-DE" noProof="0" smtClean="0"/>
               <a:t>Vierte Ebene</a:t>
             </a:r>
+            <a:endParaRPr lang="de-DE" noProof="0" smtClean="0"/>
           </a:p>
           <a:p>
             <a:pPr lvl="4"/>
@@ -12004,6 +11841,7 @@
               <a:rPr lang="de-DE" noProof="0" smtClean="0"/>
               <a:t>Fünfte Ebene</a:t>
             </a:r>
+            <a:endParaRPr lang="de-DE" noProof="0" smtClean="0"/>
           </a:p>
         </p:txBody>
       </p:sp>
@@ -12029,22 +11867,16 @@
           <a:ln w="9525">
             <a:noFill/>
             <a:miter lim="800000"/>
-            <a:headEnd/>
-            <a:tailEnd/>
           </a:ln>
           <a:effectLst/>
         </p:spPr>
         <p:txBody>
-          <a:bodyPr vert="horz" wrap="square" lIns="91440" tIns="45720" rIns="91440" bIns="45720" numCol="1" anchor="b" anchorCtr="0" compatLnSpc="1">
-            <a:prstTxWarp prst="textNoShape">
-              <a:avLst/>
-            </a:prstTxWarp>
-          </a:bodyPr>
+          <a:bodyPr vert="horz" wrap="square" lIns="91440" tIns="45720" rIns="91440" bIns="45720" numCol="1" anchor="b" anchorCtr="0" compatLnSpc="1"/>
           <a:lstStyle>
             <a:lvl1pPr>
               <a:defRPr sz="1200" smtClean="0">
-                <a:latin typeface="Arial" pitchFamily="34" charset="0"/>
-                <a:cs typeface="Arial" pitchFamily="34" charset="0"/>
+                <a:latin typeface="Arial" panose="020B0604020202020204" pitchFamily="34" charset="0"/>
+                <a:cs typeface="Arial" panose="020B0604020202020204" pitchFamily="34" charset="0"/>
               </a:defRPr>
             </a:lvl1pPr>
           </a:lstStyle>
@@ -12078,22 +11910,16 @@
           <a:ln w="9525">
             <a:noFill/>
             <a:miter lim="800000"/>
-            <a:headEnd/>
-            <a:tailEnd/>
           </a:ln>
           <a:effectLst/>
         </p:spPr>
         <p:txBody>
-          <a:bodyPr vert="horz" wrap="square" lIns="91440" tIns="45720" rIns="91440" bIns="45720" numCol="1" anchor="b" anchorCtr="0" compatLnSpc="1">
-            <a:prstTxWarp prst="textNoShape">
-              <a:avLst/>
-            </a:prstTxWarp>
-          </a:bodyPr>
+          <a:bodyPr vert="horz" wrap="square" lIns="91440" tIns="45720" rIns="91440" bIns="45720" numCol="1" anchor="b" anchorCtr="0" compatLnSpc="1"/>
           <a:lstStyle>
             <a:lvl1pPr algn="r">
               <a:defRPr sz="1200" smtClean="0">
-                <a:latin typeface="Arial" pitchFamily="34" charset="0"/>
-                <a:cs typeface="Arial" pitchFamily="34" charset="0"/>
+                <a:latin typeface="Arial" panose="020B0604020202020204" pitchFamily="34" charset="0"/>
+                <a:cs typeface="Arial" panose="020B0604020202020204" pitchFamily="34" charset="0"/>
               </a:defRPr>
             </a:lvl1pPr>
           </a:lstStyle>
@@ -12103,21 +11929,12 @@
             </a:pPr>
             <a:fld id="{AD744E2D-6CE4-438C-B9A0-AF7F3BF83E59}" type="slidenum">
               <a:rPr lang="de-DE" altLang="zh-CN"/>
-              <a:pPr>
-                <a:defRPr/>
-              </a:pPr>
-              <a:t>‹#›</a:t>
             </a:fld>
             <a:endParaRPr lang="de-DE" altLang="zh-CN"/>
           </a:p>
         </p:txBody>
       </p:sp>
     </p:spTree>
-    <p:extLst>
-      <p:ext uri="{BB962C8B-B14F-4D97-AF65-F5344CB8AC3E}">
-        <p14:creationId xmlns:p14="http://schemas.microsoft.com/office/powerpoint/2010/main" val="2489988134"/>
-      </p:ext>
-    </p:extLst>
   </p:cSld>
   <p:clrMap bg1="lt1" tx1="dk1" bg2="lt2" tx2="dk2" accent1="accent1" accent2="accent2" accent3="accent3" accent4="accent4" accent5="accent5" accent6="accent6" hlink="hlink" folHlink="folHlink"/>
   <p:notesStyle>
@@ -12132,7 +11949,7 @@
         <a:solidFill>
           <a:schemeClr val="tx1"/>
         </a:solidFill>
-        <a:latin typeface="Arial" charset="0"/>
+        <a:latin typeface="Arial" panose="020B0604020202020204" pitchFamily="34" charset="0"/>
         <a:ea typeface="+mn-ea"/>
         <a:cs typeface="+mn-cs"/>
       </a:defRPr>
@@ -12148,7 +11965,7 @@
         <a:solidFill>
           <a:schemeClr val="tx1"/>
         </a:solidFill>
-        <a:latin typeface="Arial" charset="0"/>
+        <a:latin typeface="Arial" panose="020B0604020202020204" pitchFamily="34" charset="0"/>
         <a:ea typeface="+mn-ea"/>
         <a:cs typeface="+mn-cs"/>
       </a:defRPr>
@@ -12164,7 +11981,7 @@
         <a:solidFill>
           <a:schemeClr val="tx1"/>
         </a:solidFill>
-        <a:latin typeface="Arial" charset="0"/>
+        <a:latin typeface="Arial" panose="020B0604020202020204" pitchFamily="34" charset="0"/>
         <a:ea typeface="+mn-ea"/>
         <a:cs typeface="+mn-cs"/>
       </a:defRPr>
@@ -12180,7 +11997,7 @@
         <a:solidFill>
           <a:schemeClr val="tx1"/>
         </a:solidFill>
-        <a:latin typeface="Arial" charset="0"/>
+        <a:latin typeface="Arial" panose="020B0604020202020204" pitchFamily="34" charset="0"/>
         <a:ea typeface="+mn-ea"/>
         <a:cs typeface="+mn-cs"/>
       </a:defRPr>
@@ -12196,7 +12013,7 @@
         <a:solidFill>
           <a:schemeClr val="tx1"/>
         </a:solidFill>
-        <a:latin typeface="Arial" charset="0"/>
+        <a:latin typeface="Arial" panose="020B0604020202020204" pitchFamily="34" charset="0"/>
         <a:ea typeface="+mn-ea"/>
         <a:cs typeface="+mn-cs"/>
       </a:defRPr>
@@ -12319,21 +12136,12 @@
             </a:pPr>
             <a:fld id="{2D70A793-C072-4DB4-AAF5-69ED796BA566}" type="slidenum">
               <a:rPr lang="en-US" altLang="zh-CN" smtClean="0"/>
-              <a:pPr>
-                <a:defRPr/>
-              </a:pPr>
-              <a:t>5</a:t>
             </a:fld>
             <a:endParaRPr lang="en-US" altLang="zh-CN" dirty="0"/>
           </a:p>
         </p:txBody>
       </p:sp>
     </p:spTree>
-    <p:extLst>
-      <p:ext uri="{BB962C8B-B14F-4D97-AF65-F5344CB8AC3E}">
-        <p14:creationId xmlns:p14="http://schemas.microsoft.com/office/powerpoint/2010/main" val="3357472286"/>
-      </p:ext>
-    </p:extLst>
   </p:cSld>
   <p:clrMapOvr>
     <a:masterClrMapping/>
@@ -12413,21 +12221,12 @@
             </a:pPr>
             <a:fld id="{AD744E2D-6CE4-438C-B9A0-AF7F3BF83E59}" type="slidenum">
               <a:rPr lang="de-DE" altLang="zh-CN" smtClean="0"/>
-              <a:pPr>
-                <a:defRPr/>
-              </a:pPr>
-              <a:t>13</a:t>
             </a:fld>
             <a:endParaRPr lang="de-DE" altLang="zh-CN"/>
           </a:p>
         </p:txBody>
       </p:sp>
     </p:spTree>
-    <p:extLst>
-      <p:ext uri="{BB962C8B-B14F-4D97-AF65-F5344CB8AC3E}">
-        <p14:creationId xmlns:p14="http://schemas.microsoft.com/office/powerpoint/2010/main" val="2609340240"/>
-      </p:ext>
-    </p:extLst>
   </p:cSld>
   <p:clrMapOvr>
     <a:masterClrMapping/>
@@ -12436,7 +12235,7 @@
 </file>
 
 <file path=ppt/slideLayouts/slideLayout1.xml><?xml version="1.0" encoding="utf-8"?>
-<p:sldLayout xmlns:a="http://schemas.openxmlformats.org/drawingml/2006/main" xmlns:r="http://schemas.openxmlformats.org/officeDocument/2006/relationships" xmlns:p="http://schemas.openxmlformats.org/presentationml/2006/main" showMasterSp="0" type="title" preserve="1">
+<p:sldLayout xmlns:a="http://schemas.openxmlformats.org/drawingml/2006/main" xmlns:r="http://schemas.openxmlformats.org/officeDocument/2006/relationships" xmlns:p="http://schemas.openxmlformats.org/presentationml/2006/main" type="title" preserve="1" showMasterSp="0">
   <p:cSld name="标题幻灯片">
     <p:bg>
       <p:bgPr>
@@ -12482,8 +12281,8 @@
         </p:nvSpPr>
         <p:spPr>
           <a:xfrm>
-            <a:off x="863600" y="4271963"/>
-            <a:ext cx="7485063" cy="1081087"/>
+            <a:off x="1151467" y="4271963"/>
+            <a:ext cx="9980084" cy="1081087"/>
           </a:xfrm>
         </p:spPr>
         <p:txBody>
@@ -12505,6 +12304,7 @@
               <a:rPr lang="de-DE" dirty="0"/>
               <a:t>Titelmasterformat durch Klicken bearbeiten</a:t>
             </a:r>
+            <a:endParaRPr lang="de-DE" dirty="0"/>
           </a:p>
         </p:txBody>
       </p:sp>
@@ -12520,15 +12320,15 @@
         </p:nvSpPr>
         <p:spPr bwMode="gray">
           <a:xfrm>
-            <a:off x="863600" y="5284788"/>
-            <a:ext cx="7510463" cy="800100"/>
+            <a:off x="1151467" y="5284788"/>
+            <a:ext cx="10013951" cy="800100"/>
           </a:xfrm>
         </p:spPr>
         <p:txBody>
           <a:bodyPr tIns="45720" bIns="45720"/>
           <a:lstStyle>
             <a:lvl1pPr marL="0" indent="0">
-              <a:buFont typeface="Wingdings" charset="2"/>
+              <a:buFont typeface="Wingdings" panose="05000000000000000000" pitchFamily="2" charset="2"/>
               <a:buNone/>
               <a:defRPr sz="2400"/>
             </a:lvl1pPr>
@@ -12538,6 +12338,7 @@
               <a:rPr lang="de-DE" dirty="0"/>
               <a:t>Formatvorlage des Untertitelmasters durch Klicken bearbeiten</a:t>
             </a:r>
+            <a:endParaRPr lang="de-DE" dirty="0"/>
           </a:p>
         </p:txBody>
       </p:sp>
@@ -12553,8 +12354,8 @@
         </p:nvSpPr>
         <p:spPr>
           <a:xfrm>
-            <a:off x="3124200" y="6245225"/>
-            <a:ext cx="2895600" cy="476250"/>
+            <a:off x="4165600" y="6245225"/>
+            <a:ext cx="3860800" cy="476250"/>
           </a:xfrm>
         </p:spPr>
         <p:txBody>
@@ -12598,8 +12399,8 @@
         </p:blipFill>
         <p:spPr>
           <a:xfrm>
-            <a:off x="5462081" y="6269850"/>
-            <a:ext cx="3653413" cy="563436"/>
+            <a:off x="7282775" y="6269850"/>
+            <a:ext cx="4871217" cy="563436"/>
           </a:xfrm>
           <a:prstGeom prst="rect">
             <a:avLst/>
@@ -12674,6 +12475,7 @@
               <a:rPr lang="zh-CN" altLang="en-US" smtClean="0"/>
               <a:t>单击此处编辑母版文本样式</a:t>
             </a:r>
+            <a:endParaRPr lang="zh-CN" altLang="en-US" smtClean="0"/>
           </a:p>
           <a:p>
             <a:pPr lvl="1"/>
@@ -12681,6 +12483,7 @@
               <a:rPr lang="zh-CN" altLang="en-US" smtClean="0"/>
               <a:t>第二级</a:t>
             </a:r>
+            <a:endParaRPr lang="zh-CN" altLang="en-US" smtClean="0"/>
           </a:p>
           <a:p>
             <a:pPr lvl="2"/>
@@ -12688,6 +12491,7 @@
               <a:rPr lang="zh-CN" altLang="en-US" smtClean="0"/>
               <a:t>第三级</a:t>
             </a:r>
+            <a:endParaRPr lang="zh-CN" altLang="en-US" smtClean="0"/>
           </a:p>
           <a:p>
             <a:pPr lvl="3"/>
@@ -12695,6 +12499,7 @@
               <a:rPr lang="zh-CN" altLang="en-US" smtClean="0"/>
               <a:t>第四级</a:t>
             </a:r>
+            <a:endParaRPr lang="zh-CN" altLang="en-US" smtClean="0"/>
           </a:p>
           <a:p>
             <a:pPr lvl="4"/>
@@ -12716,9 +12521,7 @@
             <p:ph type="ftr" sz="quarter" idx="10"/>
           </p:nvPr>
         </p:nvSpPr>
-        <p:spPr>
-          <a:ln/>
-        </p:spPr>
+        <p:spPr/>
         <p:txBody>
           <a:bodyPr/>
           <a:lstStyle>
@@ -12771,8 +12574,8 @@
         </p:nvSpPr>
         <p:spPr>
           <a:xfrm>
-            <a:off x="6689725" y="252413"/>
-            <a:ext cx="2130425" cy="5549900"/>
+            <a:off x="8919633" y="252413"/>
+            <a:ext cx="2840567" cy="5549900"/>
           </a:xfrm>
         </p:spPr>
         <p:txBody>
@@ -12799,8 +12602,8 @@
         </p:nvSpPr>
         <p:spPr>
           <a:xfrm>
-            <a:off x="295275" y="252413"/>
-            <a:ext cx="6242050" cy="5549900"/>
+            <a:off x="393700" y="252413"/>
+            <a:ext cx="8322733" cy="5549900"/>
           </a:xfrm>
         </p:spPr>
         <p:txBody>
@@ -12812,6 +12615,7 @@
               <a:rPr lang="zh-CN" altLang="en-US" smtClean="0"/>
               <a:t>单击此处编辑母版文本样式</a:t>
             </a:r>
+            <a:endParaRPr lang="zh-CN" altLang="en-US" smtClean="0"/>
           </a:p>
           <a:p>
             <a:pPr lvl="1"/>
@@ -12819,6 +12623,7 @@
               <a:rPr lang="zh-CN" altLang="en-US" smtClean="0"/>
               <a:t>第二级</a:t>
             </a:r>
+            <a:endParaRPr lang="zh-CN" altLang="en-US" smtClean="0"/>
           </a:p>
           <a:p>
             <a:pPr lvl="2"/>
@@ -12826,6 +12631,7 @@
               <a:rPr lang="zh-CN" altLang="en-US" smtClean="0"/>
               <a:t>第三级</a:t>
             </a:r>
+            <a:endParaRPr lang="zh-CN" altLang="en-US" smtClean="0"/>
           </a:p>
           <a:p>
             <a:pPr lvl="3"/>
@@ -12833,6 +12639,7 @@
               <a:rPr lang="zh-CN" altLang="en-US" smtClean="0"/>
               <a:t>第四级</a:t>
             </a:r>
+            <a:endParaRPr lang="zh-CN" altLang="en-US" smtClean="0"/>
           </a:p>
           <a:p>
             <a:pPr lvl="4"/>
@@ -12854,9 +12661,7 @@
             <p:ph type="ftr" sz="quarter" idx="10"/>
           </p:nvPr>
         </p:nvSpPr>
-        <p:spPr>
-          <a:ln/>
-        </p:spPr>
+        <p:spPr/>
         <p:txBody>
           <a:bodyPr/>
           <a:lstStyle>
@@ -12940,6 +12745,7 @@
               <a:rPr lang="zh-CN" altLang="en-US" smtClean="0"/>
               <a:t>单击此处编辑母版文本样式</a:t>
             </a:r>
+            <a:endParaRPr lang="zh-CN" altLang="en-US" smtClean="0"/>
           </a:p>
           <a:p>
             <a:pPr lvl="1"/>
@@ -12947,6 +12753,7 @@
               <a:rPr lang="zh-CN" altLang="en-US" smtClean="0"/>
               <a:t>第二级</a:t>
             </a:r>
+            <a:endParaRPr lang="zh-CN" altLang="en-US" smtClean="0"/>
           </a:p>
           <a:p>
             <a:pPr lvl="2"/>
@@ -12954,6 +12761,7 @@
               <a:rPr lang="zh-CN" altLang="en-US" smtClean="0"/>
               <a:t>第三级</a:t>
             </a:r>
+            <a:endParaRPr lang="zh-CN" altLang="en-US" smtClean="0"/>
           </a:p>
           <a:p>
             <a:pPr lvl="3"/>
@@ -12961,6 +12769,7 @@
               <a:rPr lang="zh-CN" altLang="en-US" smtClean="0"/>
               <a:t>第四级</a:t>
             </a:r>
+            <a:endParaRPr lang="zh-CN" altLang="en-US" smtClean="0"/>
           </a:p>
           <a:p>
             <a:pPr lvl="4"/>
@@ -12982,9 +12791,7 @@
             <p:ph type="ftr" sz="quarter" idx="10"/>
           </p:nvPr>
         </p:nvSpPr>
-        <p:spPr>
-          <a:ln/>
-        </p:spPr>
+        <p:spPr/>
         <p:txBody>
           <a:bodyPr/>
           <a:lstStyle>
@@ -13037,8 +12844,8 @@
         </p:nvSpPr>
         <p:spPr>
           <a:xfrm>
-            <a:off x="722313" y="4406900"/>
-            <a:ext cx="7772400" cy="1362075"/>
+            <a:off x="963084" y="4406900"/>
+            <a:ext cx="10363200" cy="1362075"/>
           </a:xfrm>
         </p:spPr>
         <p:txBody>
@@ -13069,8 +12876,8 @@
         </p:nvSpPr>
         <p:spPr>
           <a:xfrm>
-            <a:off x="722313" y="2906713"/>
-            <a:ext cx="7772400" cy="1500187"/>
+            <a:off x="963084" y="2906713"/>
+            <a:ext cx="10363200" cy="1500187"/>
           </a:xfrm>
         </p:spPr>
         <p:txBody>
@@ -13119,6 +12926,7 @@
               <a:rPr lang="zh-CN" altLang="en-US" smtClean="0"/>
               <a:t>单击此处编辑母版文本样式</a:t>
             </a:r>
+            <a:endParaRPr lang="zh-CN" altLang="en-US" smtClean="0"/>
           </a:p>
         </p:txBody>
       </p:sp>
@@ -13132,9 +12940,7 @@
             <p:ph type="ftr" sz="quarter" idx="10"/>
           </p:nvPr>
         </p:nvSpPr>
-        <p:spPr>
-          <a:ln/>
-        </p:spPr>
+        <p:spPr/>
         <p:txBody>
           <a:bodyPr/>
           <a:lstStyle>
@@ -13210,8 +13016,8 @@
         </p:nvSpPr>
         <p:spPr>
           <a:xfrm>
-            <a:off x="295275" y="1489075"/>
-            <a:ext cx="4186238" cy="4313238"/>
+            <a:off x="393700" y="1489075"/>
+            <a:ext cx="5581651" cy="4313238"/>
           </a:xfrm>
         </p:spPr>
         <p:txBody>
@@ -13251,6 +13057,7 @@
               <a:rPr lang="zh-CN" altLang="en-US" smtClean="0"/>
               <a:t>单击此处编辑母版文本样式</a:t>
             </a:r>
+            <a:endParaRPr lang="zh-CN" altLang="en-US" smtClean="0"/>
           </a:p>
           <a:p>
             <a:pPr lvl="1"/>
@@ -13258,6 +13065,7 @@
               <a:rPr lang="zh-CN" altLang="en-US" smtClean="0"/>
               <a:t>第二级</a:t>
             </a:r>
+            <a:endParaRPr lang="zh-CN" altLang="en-US" smtClean="0"/>
           </a:p>
           <a:p>
             <a:pPr lvl="2"/>
@@ -13265,6 +13073,7 @@
               <a:rPr lang="zh-CN" altLang="en-US" smtClean="0"/>
               <a:t>第三级</a:t>
             </a:r>
+            <a:endParaRPr lang="zh-CN" altLang="en-US" smtClean="0"/>
           </a:p>
           <a:p>
             <a:pPr lvl="3"/>
@@ -13272,6 +13081,7 @@
               <a:rPr lang="zh-CN" altLang="en-US" smtClean="0"/>
               <a:t>第四级</a:t>
             </a:r>
+            <a:endParaRPr lang="zh-CN" altLang="en-US" smtClean="0"/>
           </a:p>
           <a:p>
             <a:pPr lvl="4"/>
@@ -13295,8 +13105,8 @@
         </p:nvSpPr>
         <p:spPr>
           <a:xfrm>
-            <a:off x="4633913" y="1489075"/>
-            <a:ext cx="4186237" cy="4313238"/>
+            <a:off x="6178551" y="1489075"/>
+            <a:ext cx="5581649" cy="4313238"/>
           </a:xfrm>
         </p:spPr>
         <p:txBody>
@@ -13336,6 +13146,7 @@
               <a:rPr lang="zh-CN" altLang="en-US" smtClean="0"/>
               <a:t>单击此处编辑母版文本样式</a:t>
             </a:r>
+            <a:endParaRPr lang="zh-CN" altLang="en-US" smtClean="0"/>
           </a:p>
           <a:p>
             <a:pPr lvl="1"/>
@@ -13343,6 +13154,7 @@
               <a:rPr lang="zh-CN" altLang="en-US" smtClean="0"/>
               <a:t>第二级</a:t>
             </a:r>
+            <a:endParaRPr lang="zh-CN" altLang="en-US" smtClean="0"/>
           </a:p>
           <a:p>
             <a:pPr lvl="2"/>
@@ -13350,6 +13162,7 @@
               <a:rPr lang="zh-CN" altLang="en-US" smtClean="0"/>
               <a:t>第三级</a:t>
             </a:r>
+            <a:endParaRPr lang="zh-CN" altLang="en-US" smtClean="0"/>
           </a:p>
           <a:p>
             <a:pPr lvl="3"/>
@@ -13357,6 +13170,7 @@
               <a:rPr lang="zh-CN" altLang="en-US" smtClean="0"/>
               <a:t>第四级</a:t>
             </a:r>
+            <a:endParaRPr lang="zh-CN" altLang="en-US" smtClean="0"/>
           </a:p>
           <a:p>
             <a:pPr lvl="4"/>
@@ -13378,9 +13192,7 @@
             <p:ph type="ftr" sz="quarter" idx="10"/>
           </p:nvPr>
         </p:nvSpPr>
-        <p:spPr>
-          <a:ln/>
-        </p:spPr>
+        <p:spPr/>
         <p:txBody>
           <a:bodyPr/>
           <a:lstStyle>
@@ -13433,8 +13245,8 @@
         </p:nvSpPr>
         <p:spPr>
           <a:xfrm>
-            <a:off x="457200" y="274638"/>
-            <a:ext cx="8229600" cy="1143000"/>
+            <a:off x="609600" y="274638"/>
+            <a:ext cx="10972800" cy="1143000"/>
           </a:xfrm>
         </p:spPr>
         <p:txBody>
@@ -13465,8 +13277,8 @@
         </p:nvSpPr>
         <p:spPr>
           <a:xfrm>
-            <a:off x="457200" y="1535113"/>
-            <a:ext cx="4040188" cy="639762"/>
+            <a:off x="609600" y="1535113"/>
+            <a:ext cx="5386917" cy="639762"/>
           </a:xfrm>
         </p:spPr>
         <p:txBody>
@@ -13515,6 +13327,7 @@
               <a:rPr lang="zh-CN" altLang="en-US" smtClean="0"/>
               <a:t>单击此处编辑母版文本样式</a:t>
             </a:r>
+            <a:endParaRPr lang="zh-CN" altLang="en-US" smtClean="0"/>
           </a:p>
         </p:txBody>
       </p:sp>
@@ -13530,8 +13343,8 @@
         </p:nvSpPr>
         <p:spPr>
           <a:xfrm>
-            <a:off x="457200" y="2174875"/>
-            <a:ext cx="4040188" cy="3951288"/>
+            <a:off x="609600" y="2174875"/>
+            <a:ext cx="5386917" cy="3951288"/>
           </a:xfrm>
         </p:spPr>
         <p:txBody>
@@ -13571,6 +13384,7 @@
               <a:rPr lang="zh-CN" altLang="en-US" smtClean="0"/>
               <a:t>单击此处编辑母版文本样式</a:t>
             </a:r>
+            <a:endParaRPr lang="zh-CN" altLang="en-US" smtClean="0"/>
           </a:p>
           <a:p>
             <a:pPr lvl="1"/>
@@ -13578,6 +13392,7 @@
               <a:rPr lang="zh-CN" altLang="en-US" smtClean="0"/>
               <a:t>第二级</a:t>
             </a:r>
+            <a:endParaRPr lang="zh-CN" altLang="en-US" smtClean="0"/>
           </a:p>
           <a:p>
             <a:pPr lvl="2"/>
@@ -13585,6 +13400,7 @@
               <a:rPr lang="zh-CN" altLang="en-US" smtClean="0"/>
               <a:t>第三级</a:t>
             </a:r>
+            <a:endParaRPr lang="zh-CN" altLang="en-US" smtClean="0"/>
           </a:p>
           <a:p>
             <a:pPr lvl="3"/>
@@ -13592,6 +13408,7 @@
               <a:rPr lang="zh-CN" altLang="en-US" smtClean="0"/>
               <a:t>第四级</a:t>
             </a:r>
+            <a:endParaRPr lang="zh-CN" altLang="en-US" smtClean="0"/>
           </a:p>
           <a:p>
             <a:pPr lvl="4"/>
@@ -13615,8 +13432,8 @@
         </p:nvSpPr>
         <p:spPr>
           <a:xfrm>
-            <a:off x="4645025" y="1535113"/>
-            <a:ext cx="4041775" cy="639762"/>
+            <a:off x="6193367" y="1535113"/>
+            <a:ext cx="5389033" cy="639762"/>
           </a:xfrm>
         </p:spPr>
         <p:txBody>
@@ -13665,6 +13482,7 @@
               <a:rPr lang="zh-CN" altLang="en-US" smtClean="0"/>
               <a:t>单击此处编辑母版文本样式</a:t>
             </a:r>
+            <a:endParaRPr lang="zh-CN" altLang="en-US" smtClean="0"/>
           </a:p>
         </p:txBody>
       </p:sp>
@@ -13680,8 +13498,8 @@
         </p:nvSpPr>
         <p:spPr>
           <a:xfrm>
-            <a:off x="4645025" y="2174875"/>
-            <a:ext cx="4041775" cy="3951288"/>
+            <a:off x="6193367" y="2174875"/>
+            <a:ext cx="5389033" cy="3951288"/>
           </a:xfrm>
         </p:spPr>
         <p:txBody>
@@ -13721,6 +13539,7 @@
               <a:rPr lang="zh-CN" altLang="en-US" smtClean="0"/>
               <a:t>单击此处编辑母版文本样式</a:t>
             </a:r>
+            <a:endParaRPr lang="zh-CN" altLang="en-US" smtClean="0"/>
           </a:p>
           <a:p>
             <a:pPr lvl="1"/>
@@ -13728,6 +13547,7 @@
               <a:rPr lang="zh-CN" altLang="en-US" smtClean="0"/>
               <a:t>第二级</a:t>
             </a:r>
+            <a:endParaRPr lang="zh-CN" altLang="en-US" smtClean="0"/>
           </a:p>
           <a:p>
             <a:pPr lvl="2"/>
@@ -13735,6 +13555,7 @@
               <a:rPr lang="zh-CN" altLang="en-US" smtClean="0"/>
               <a:t>第三级</a:t>
             </a:r>
+            <a:endParaRPr lang="zh-CN" altLang="en-US" smtClean="0"/>
           </a:p>
           <a:p>
             <a:pPr lvl="3"/>
@@ -13742,6 +13563,7 @@
               <a:rPr lang="zh-CN" altLang="en-US" smtClean="0"/>
               <a:t>第四级</a:t>
             </a:r>
+            <a:endParaRPr lang="zh-CN" altLang="en-US" smtClean="0"/>
           </a:p>
           <a:p>
             <a:pPr lvl="4"/>
@@ -13763,9 +13585,7 @@
             <p:ph type="ftr" sz="quarter" idx="10"/>
           </p:nvPr>
         </p:nvSpPr>
-        <p:spPr>
-          <a:ln/>
-        </p:spPr>
+        <p:spPr/>
         <p:txBody>
           <a:bodyPr/>
           <a:lstStyle>
@@ -13839,9 +13659,7 @@
             <p:ph type="ftr" sz="quarter" idx="10"/>
           </p:nvPr>
         </p:nvSpPr>
-        <p:spPr>
-          <a:ln/>
-        </p:spPr>
+        <p:spPr/>
         <p:txBody>
           <a:bodyPr/>
           <a:lstStyle>
@@ -13892,9 +13710,7 @@
             <p:ph type="ftr" sz="quarter" idx="10"/>
           </p:nvPr>
         </p:nvSpPr>
-        <p:spPr>
-          <a:ln/>
-        </p:spPr>
+        <p:spPr/>
         <p:txBody>
           <a:bodyPr/>
           <a:lstStyle>
@@ -13947,8 +13763,8 @@
         </p:nvSpPr>
         <p:spPr>
           <a:xfrm>
-            <a:off x="457200" y="273050"/>
-            <a:ext cx="3008313" cy="1162050"/>
+            <a:off x="609600" y="273050"/>
+            <a:ext cx="4011084" cy="1162050"/>
           </a:xfrm>
         </p:spPr>
         <p:txBody>
@@ -13979,8 +13795,8 @@
         </p:nvSpPr>
         <p:spPr>
           <a:xfrm>
-            <a:off x="3575050" y="273050"/>
-            <a:ext cx="5111750" cy="5853113"/>
+            <a:off x="4766733" y="273050"/>
+            <a:ext cx="6815667" cy="5853113"/>
           </a:xfrm>
         </p:spPr>
         <p:txBody>
@@ -14020,6 +13836,7 @@
               <a:rPr lang="zh-CN" altLang="en-US" smtClean="0"/>
               <a:t>单击此处编辑母版文本样式</a:t>
             </a:r>
+            <a:endParaRPr lang="zh-CN" altLang="en-US" smtClean="0"/>
           </a:p>
           <a:p>
             <a:pPr lvl="1"/>
@@ -14027,6 +13844,7 @@
               <a:rPr lang="zh-CN" altLang="en-US" smtClean="0"/>
               <a:t>第二级</a:t>
             </a:r>
+            <a:endParaRPr lang="zh-CN" altLang="en-US" smtClean="0"/>
           </a:p>
           <a:p>
             <a:pPr lvl="2"/>
@@ -14034,6 +13852,7 @@
               <a:rPr lang="zh-CN" altLang="en-US" smtClean="0"/>
               <a:t>第三级</a:t>
             </a:r>
+            <a:endParaRPr lang="zh-CN" altLang="en-US" smtClean="0"/>
           </a:p>
           <a:p>
             <a:pPr lvl="3"/>
@@ -14041,6 +13860,7 @@
               <a:rPr lang="zh-CN" altLang="en-US" smtClean="0"/>
               <a:t>第四级</a:t>
             </a:r>
+            <a:endParaRPr lang="zh-CN" altLang="en-US" smtClean="0"/>
           </a:p>
           <a:p>
             <a:pPr lvl="4"/>
@@ -14064,8 +13884,8 @@
         </p:nvSpPr>
         <p:spPr>
           <a:xfrm>
-            <a:off x="457200" y="1435100"/>
-            <a:ext cx="3008313" cy="4691063"/>
+            <a:off x="609600" y="1435100"/>
+            <a:ext cx="4011084" cy="4691063"/>
           </a:xfrm>
         </p:spPr>
         <p:txBody>
@@ -14114,6 +13934,7 @@
               <a:rPr lang="zh-CN" altLang="en-US" smtClean="0"/>
               <a:t>单击此处编辑母版文本样式</a:t>
             </a:r>
+            <a:endParaRPr lang="zh-CN" altLang="en-US" smtClean="0"/>
           </a:p>
         </p:txBody>
       </p:sp>
@@ -14127,9 +13948,7 @@
             <p:ph type="ftr" sz="quarter" idx="10"/>
           </p:nvPr>
         </p:nvSpPr>
-        <p:spPr>
-          <a:ln/>
-        </p:spPr>
+        <p:spPr/>
         <p:txBody>
           <a:bodyPr/>
           <a:lstStyle>
@@ -14182,8 +14001,8 @@
         </p:nvSpPr>
         <p:spPr>
           <a:xfrm>
-            <a:off x="1792288" y="4800600"/>
-            <a:ext cx="5486400" cy="566738"/>
+            <a:off x="2389717" y="4800600"/>
+            <a:ext cx="7315200" cy="566738"/>
           </a:xfrm>
         </p:spPr>
         <p:txBody>
@@ -14214,8 +14033,8 @@
         </p:nvSpPr>
         <p:spPr>
           <a:xfrm>
-            <a:off x="1792288" y="612775"/>
-            <a:ext cx="5486400" cy="4114800"/>
+            <a:off x="2389717" y="612775"/>
+            <a:ext cx="7315200" cy="4114800"/>
           </a:xfrm>
         </p:spPr>
         <p:txBody>
@@ -14276,8 +14095,8 @@
         </p:nvSpPr>
         <p:spPr>
           <a:xfrm>
-            <a:off x="1792288" y="5367338"/>
-            <a:ext cx="5486400" cy="804862"/>
+            <a:off x="2389717" y="5367338"/>
+            <a:ext cx="7315200" cy="804862"/>
           </a:xfrm>
         </p:spPr>
         <p:txBody>
@@ -14326,6 +14145,7 @@
               <a:rPr lang="zh-CN" altLang="en-US" smtClean="0"/>
               <a:t>单击此处编辑母版文本样式</a:t>
             </a:r>
+            <a:endParaRPr lang="zh-CN" altLang="en-US" smtClean="0"/>
           </a:p>
         </p:txBody>
       </p:sp>
@@ -14339,9 +14159,7 @@
             <p:ph type="ftr" sz="quarter" idx="10"/>
           </p:nvPr>
         </p:nvSpPr>
-        <p:spPr>
-          <a:ln/>
-        </p:spPr>
+        <p:spPr/>
         <p:txBody>
           <a:bodyPr/>
           <a:lstStyle>
@@ -14371,7 +14189,7 @@
     <p:bg>
       <p:bgPr>
         <a:blipFill dpi="0" rotWithShape="0">
-          <a:blip r:embed="rId13">
+          <a:blip r:embed="rId12">
             <a:extLst>
               <a:ext uri="{28A0092B-C50C-407E-A947-70E740481C1C}">
                 <a14:useLocalDpi xmlns:a14="http://schemas.microsoft.com/office/drawing/2010/main" val="0"/>
@@ -14412,8 +14230,8 @@
         </p:nvSpPr>
         <p:spPr bwMode="auto">
           <a:xfrm>
-            <a:off x="295275" y="1489075"/>
-            <a:ext cx="8524875" cy="4313238"/>
+            <a:off x="393700" y="1489075"/>
+            <a:ext cx="11366500" cy="4313238"/>
           </a:xfrm>
           <a:prstGeom prst="rect">
             <a:avLst/>
@@ -14422,16 +14240,10 @@
           <a:ln w="9525">
             <a:noFill/>
             <a:miter lim="800000"/>
-            <a:headEnd/>
-            <a:tailEnd/>
           </a:ln>
         </p:spPr>
         <p:txBody>
-          <a:bodyPr vert="horz" wrap="square" lIns="0" tIns="0" rIns="0" bIns="0" numCol="1" anchor="t" anchorCtr="0" compatLnSpc="1">
-            <a:prstTxWarp prst="textNoShape">
-              <a:avLst/>
-            </a:prstTxWarp>
-          </a:bodyPr>
+          <a:bodyPr vert="horz" wrap="square" lIns="0" tIns="0" rIns="0" bIns="0" numCol="1" anchor="t" anchorCtr="0" compatLnSpc="1"/>
           <a:lstStyle/>
           <a:p>
             <a:pPr lvl="0"/>
@@ -14439,6 +14251,7 @@
               <a:rPr lang="de-DE" altLang="zh-CN" dirty="0" smtClean="0"/>
               <a:t>Textmasterformate durch Klicken bearbeiten</a:t>
             </a:r>
+            <a:endParaRPr lang="de-DE" altLang="zh-CN" dirty="0" smtClean="0"/>
           </a:p>
           <a:p>
             <a:pPr lvl="1"/>
@@ -14446,6 +14259,7 @@
               <a:rPr lang="de-DE" altLang="zh-CN" dirty="0" smtClean="0"/>
               <a:t>Zweite Ebene</a:t>
             </a:r>
+            <a:endParaRPr lang="de-DE" altLang="zh-CN" dirty="0" smtClean="0"/>
           </a:p>
           <a:p>
             <a:pPr lvl="2"/>
@@ -14453,6 +14267,7 @@
               <a:rPr lang="de-DE" altLang="zh-CN" dirty="0" smtClean="0"/>
               <a:t>Dritte Ebene</a:t>
             </a:r>
+            <a:endParaRPr lang="de-DE" altLang="zh-CN" dirty="0" smtClean="0"/>
           </a:p>
           <a:p>
             <a:pPr lvl="3"/>
@@ -14460,6 +14275,7 @@
               <a:rPr lang="de-DE" altLang="zh-CN" dirty="0" smtClean="0"/>
               <a:t>Vierte Ebene</a:t>
             </a:r>
+            <a:endParaRPr lang="de-DE" altLang="zh-CN" dirty="0" smtClean="0"/>
           </a:p>
           <a:p>
             <a:pPr lvl="4"/>
@@ -14467,6 +14283,7 @@
               <a:rPr lang="de-DE" altLang="zh-CN" dirty="0" smtClean="0"/>
               <a:t>Fünfte Ebene</a:t>
             </a:r>
+            <a:endParaRPr lang="de-DE" altLang="zh-CN" dirty="0" smtClean="0"/>
           </a:p>
         </p:txBody>
       </p:sp>
@@ -14482,8 +14299,8 @@
         </p:nvSpPr>
         <p:spPr bwMode="gray">
           <a:xfrm>
-            <a:off x="3124200" y="6365875"/>
-            <a:ext cx="2895600" cy="247650"/>
+            <a:off x="4165600" y="6365875"/>
+            <a:ext cx="3860800" cy="247650"/>
           </a:xfrm>
           <a:prstGeom prst="rect">
             <a:avLst/>
@@ -14492,23 +14309,17 @@
           <a:ln w="9525">
             <a:noFill/>
             <a:miter lim="800000"/>
-            <a:headEnd/>
-            <a:tailEnd/>
           </a:ln>
         </p:spPr>
         <p:txBody>
-          <a:bodyPr vert="horz" wrap="square" lIns="91440" tIns="45720" rIns="91440" bIns="45720" numCol="1" anchor="t" anchorCtr="0" compatLnSpc="1">
-            <a:prstTxWarp prst="textNoShape">
-              <a:avLst/>
-            </a:prstTxWarp>
-          </a:bodyPr>
+          <a:bodyPr vert="horz" wrap="square" lIns="91440" tIns="45720" rIns="91440" bIns="45720" numCol="1" anchor="t" anchorCtr="0" compatLnSpc="1"/>
           <a:lstStyle>
             <a:lvl1pPr algn="ctr">
               <a:defRPr sz="1000" noProof="1">
                 <a:solidFill>
                   <a:schemeClr val="bg1"/>
                 </a:solidFill>
-                <a:latin typeface="Arial" charset="0"/>
+                <a:latin typeface="Arial" panose="020B0604020202020204" pitchFamily="34" charset="0"/>
                 <a:cs typeface="+mn-cs"/>
               </a:defRPr>
             </a:lvl1pPr>
@@ -14533,8 +14344,8 @@
         </p:nvSpPr>
         <p:spPr bwMode="gray">
           <a:xfrm>
-            <a:off x="300038" y="252413"/>
-            <a:ext cx="8520112" cy="647700"/>
+            <a:off x="400051" y="252413"/>
+            <a:ext cx="11360149" cy="647700"/>
           </a:xfrm>
           <a:prstGeom prst="rect">
             <a:avLst/>
@@ -14543,16 +14354,10 @@
           <a:ln w="9525">
             <a:noFill/>
             <a:miter lim="800000"/>
-            <a:headEnd/>
-            <a:tailEnd/>
           </a:ln>
         </p:spPr>
         <p:txBody>
-          <a:bodyPr vert="horz" wrap="square" lIns="0" tIns="45720" rIns="0" bIns="45720" numCol="1" anchor="t" anchorCtr="0" compatLnSpc="1">
-            <a:prstTxWarp prst="textNoShape">
-              <a:avLst/>
-            </a:prstTxWarp>
-          </a:bodyPr>
+          <a:bodyPr vert="horz" wrap="square" lIns="0" tIns="45720" rIns="0" bIns="45720" numCol="1" anchor="t" anchorCtr="0" compatLnSpc="1"/>
           <a:lstStyle/>
           <a:p>
             <a:pPr lvl="0"/>
@@ -14560,6 +14365,7 @@
               <a:rPr lang="de-DE" altLang="zh-CN" smtClean="0"/>
               <a:t>Klicken Sie, um das Titelformat zu bearbeiten</a:t>
             </a:r>
+            <a:endParaRPr lang="de-DE" altLang="zh-CN" smtClean="0"/>
           </a:p>
         </p:txBody>
       </p:sp>
@@ -14573,8 +14379,8 @@
         </p:nvSpPr>
         <p:spPr bwMode="gray">
           <a:xfrm>
-            <a:off x="219075" y="6365875"/>
-            <a:ext cx="1343025" cy="247650"/>
+            <a:off x="292100" y="6365875"/>
+            <a:ext cx="1790700" cy="247650"/>
           </a:xfrm>
           <a:prstGeom prst="rect">
             <a:avLst/>
@@ -14583,8 +14389,6 @@
           <a:ln w="9525">
             <a:noFill/>
             <a:miter lim="800000"/>
-            <a:headEnd/>
-            <a:tailEnd/>
           </a:ln>
         </p:spPr>
         <p:txBody>
@@ -14596,44 +14400,40 @@
             </a:pPr>
             <a:r>
               <a:rPr lang="de-DE" altLang="zh-CN" sz="1000">
-                <a:latin typeface="Arial" pitchFamily="34" charset="0"/>
-                <a:ea typeface="宋体" pitchFamily="2" charset="-122"/>
-                <a:cs typeface="Arial" pitchFamily="34" charset="0"/>
+                <a:latin typeface="Arial" panose="020B0604020202020204" pitchFamily="34" charset="0"/>
+                <a:ea typeface="宋体" panose="02010600030101010101" pitchFamily="2" charset="-122"/>
+                <a:cs typeface="Arial" panose="020B0604020202020204" pitchFamily="34" charset="0"/>
               </a:rPr>
               <a:t>Page </a:t>
             </a:r>
             <a:r>
               <a:rPr lang="de-DE" altLang="zh-CN" sz="1000">
-                <a:latin typeface="Arial" pitchFamily="34" charset="0"/>
-                <a:ea typeface="宋体" pitchFamily="2" charset="-122"/>
-                <a:cs typeface="Arial" pitchFamily="34" charset="0"/>
-                <a:sym typeface="Wingdings" pitchFamily="2" charset="2"/>
+                <a:latin typeface="Arial" panose="020B0604020202020204" pitchFamily="34" charset="0"/>
+                <a:ea typeface="宋体" panose="02010600030101010101" pitchFamily="2" charset="-122"/>
+                <a:cs typeface="Arial" panose="020B0604020202020204" pitchFamily="34" charset="0"/>
+                <a:sym typeface="Wingdings" panose="05000000000000000000" pitchFamily="2" charset="2"/>
               </a:rPr>
               <a:t></a:t>
             </a:r>
             <a:r>
               <a:rPr lang="de-DE" altLang="zh-CN" sz="1000">
-                <a:latin typeface="Arial" pitchFamily="34" charset="0"/>
-                <a:ea typeface="宋体" pitchFamily="2" charset="-122"/>
-                <a:cs typeface="Arial" pitchFamily="34" charset="0"/>
+                <a:latin typeface="Arial" panose="020B0604020202020204" pitchFamily="34" charset="0"/>
+                <a:ea typeface="宋体" panose="02010600030101010101" pitchFamily="2" charset="-122"/>
+                <a:cs typeface="Arial" panose="020B0604020202020204" pitchFamily="34" charset="0"/>
               </a:rPr>
               <a:t> </a:t>
             </a:r>
             <a:fld id="{32D91C8F-FAEA-4B44-9189-5505FEED48C3}" type="slidenum">
               <a:rPr lang="de-DE" altLang="zh-CN" sz="1000">
-                <a:latin typeface="Arial" pitchFamily="34" charset="0"/>
-                <a:ea typeface="宋体" pitchFamily="2" charset="-122"/>
-                <a:cs typeface="Arial" pitchFamily="34" charset="0"/>
+                <a:latin typeface="Arial" panose="020B0604020202020204" pitchFamily="34" charset="0"/>
+                <a:ea typeface="宋体" panose="02010600030101010101" pitchFamily="2" charset="-122"/>
+                <a:cs typeface="Arial" panose="020B0604020202020204" pitchFamily="34" charset="0"/>
               </a:rPr>
-              <a:pPr>
-                <a:defRPr/>
-              </a:pPr>
-              <a:t>‹#›</a:t>
             </a:fld>
             <a:endParaRPr lang="de-DE" altLang="zh-CN" sz="1000">
-              <a:latin typeface="Arial" pitchFamily="34" charset="0"/>
-              <a:ea typeface="宋体" pitchFamily="2" charset="-122"/>
-              <a:cs typeface="Arial" pitchFamily="34" charset="0"/>
+              <a:latin typeface="Arial" panose="020B0604020202020204" pitchFamily="34" charset="0"/>
+              <a:ea typeface="宋体" panose="02010600030101010101" pitchFamily="2" charset="-122"/>
+              <a:cs typeface="Arial" panose="020B0604020202020204" pitchFamily="34" charset="0"/>
             </a:endParaRPr>
           </a:p>
         </p:txBody>
@@ -14647,7 +14447,7 @@
           <p:nvPr/>
         </p:nvPicPr>
         <p:blipFill>
-          <a:blip r:embed="rId14" cstate="print">
+          <a:blip r:embed="rId13" cstate="print">
             <a:extLst>
               <a:ext uri="{28A0092B-C50C-407E-A947-70E740481C1C}">
                 <a14:useLocalDpi xmlns:a14="http://schemas.microsoft.com/office/drawing/2010/main" val="0"/>
@@ -14660,8 +14460,8 @@
         </p:blipFill>
         <p:spPr>
           <a:xfrm>
-            <a:off x="6627100" y="6443496"/>
-            <a:ext cx="2224653" cy="343090"/>
+            <a:off x="8836133" y="6443496"/>
+            <a:ext cx="2966204" cy="343090"/>
           </a:xfrm>
           <a:prstGeom prst="rect">
             <a:avLst/>
@@ -14672,17 +14472,17 @@
   </p:cSld>
   <p:clrMap bg1="lt1" tx1="dk1" bg2="lt2" tx2="dk2" accent1="accent1" accent2="accent2" accent3="accent3" accent4="accent4" accent5="accent5" accent6="accent6" hlink="hlink" folHlink="folHlink"/>
   <p:sldLayoutIdLst>
-    <p:sldLayoutId id="2147483687" r:id="rId1"/>
-    <p:sldLayoutId id="2147483677" r:id="rId2"/>
-    <p:sldLayoutId id="2147483678" r:id="rId3"/>
-    <p:sldLayoutId id="2147483679" r:id="rId4"/>
-    <p:sldLayoutId id="2147483680" r:id="rId5"/>
-    <p:sldLayoutId id="2147483681" r:id="rId6"/>
-    <p:sldLayoutId id="2147483682" r:id="rId7"/>
-    <p:sldLayoutId id="2147483683" r:id="rId8"/>
-    <p:sldLayoutId id="2147483684" r:id="rId9"/>
-    <p:sldLayoutId id="2147483685" r:id="rId10"/>
-    <p:sldLayoutId id="2147483686" r:id="rId11"/>
+    <p:sldLayoutId id="2147483649" r:id="rId1"/>
+    <p:sldLayoutId id="2147483650" r:id="rId2"/>
+    <p:sldLayoutId id="2147483651" r:id="rId3"/>
+    <p:sldLayoutId id="2147483652" r:id="rId4"/>
+    <p:sldLayoutId id="2147483653" r:id="rId5"/>
+    <p:sldLayoutId id="2147483654" r:id="rId6"/>
+    <p:sldLayoutId id="2147483655" r:id="rId7"/>
+    <p:sldLayoutId id="2147483656" r:id="rId8"/>
+    <p:sldLayoutId id="2147483657" r:id="rId9"/>
+    <p:sldLayoutId id="2147483658" r:id="rId10"/>
+    <p:sldLayoutId id="2147483659" r:id="rId11"/>
   </p:sldLayoutIdLst>
   <p:txStyles>
     <p:titleStyle>
@@ -14700,8 +14500,8 @@
           <a:solidFill>
             <a:schemeClr val="bg1"/>
           </a:solidFill>
-          <a:latin typeface="微软雅黑" pitchFamily="34" charset="-122"/>
-          <a:ea typeface="微软雅黑" pitchFamily="34" charset="-122"/>
+          <a:latin typeface="微软雅黑" panose="020B0503020204020204" pitchFamily="34" charset="-122"/>
+          <a:ea typeface="微软雅黑" panose="020B0503020204020204" pitchFamily="34" charset="-122"/>
           <a:cs typeface="+mj-cs"/>
         </a:defRPr>
       </a:lvl1pPr>
@@ -14719,8 +14519,8 @@
           <a:solidFill>
             <a:schemeClr val="bg1"/>
           </a:solidFill>
-          <a:latin typeface="Arial" charset="0"/>
-          <a:cs typeface="Arial" charset="0"/>
+          <a:latin typeface="Arial" panose="020B0604020202020204" pitchFamily="34" charset="0"/>
+          <a:cs typeface="Arial" panose="020B0604020202020204" pitchFamily="34" charset="0"/>
         </a:defRPr>
       </a:lvl2pPr>
       <a:lvl3pPr algn="l" rtl="0" eaLnBrk="0" fontAlgn="base" hangingPunct="0">
@@ -14737,8 +14537,8 @@
           <a:solidFill>
             <a:schemeClr val="bg1"/>
           </a:solidFill>
-          <a:latin typeface="Arial" charset="0"/>
-          <a:cs typeface="Arial" charset="0"/>
+          <a:latin typeface="Arial" panose="020B0604020202020204" pitchFamily="34" charset="0"/>
+          <a:cs typeface="Arial" panose="020B0604020202020204" pitchFamily="34" charset="0"/>
         </a:defRPr>
       </a:lvl3pPr>
       <a:lvl4pPr algn="l" rtl="0" eaLnBrk="0" fontAlgn="base" hangingPunct="0">
@@ -14755,8 +14555,8 @@
           <a:solidFill>
             <a:schemeClr val="bg1"/>
           </a:solidFill>
-          <a:latin typeface="Arial" charset="0"/>
-          <a:cs typeface="Arial" charset="0"/>
+          <a:latin typeface="Arial" panose="020B0604020202020204" pitchFamily="34" charset="0"/>
+          <a:cs typeface="Arial" panose="020B0604020202020204" pitchFamily="34" charset="0"/>
         </a:defRPr>
       </a:lvl4pPr>
       <a:lvl5pPr algn="l" rtl="0" eaLnBrk="0" fontAlgn="base" hangingPunct="0">
@@ -14773,8 +14573,8 @@
           <a:solidFill>
             <a:schemeClr val="bg1"/>
           </a:solidFill>
-          <a:latin typeface="Arial" charset="0"/>
-          <a:cs typeface="Arial" charset="0"/>
+          <a:latin typeface="Arial" panose="020B0604020202020204" pitchFamily="34" charset="0"/>
+          <a:cs typeface="Arial" panose="020B0604020202020204" pitchFamily="34" charset="0"/>
         </a:defRPr>
       </a:lvl5pPr>
       <a:lvl6pPr marL="457200" algn="l" rtl="0" fontAlgn="base">
@@ -14791,8 +14591,8 @@
           <a:solidFill>
             <a:schemeClr val="bg1"/>
           </a:solidFill>
-          <a:latin typeface="Arial" charset="0"/>
-          <a:cs typeface="Arial" charset="0"/>
+          <a:latin typeface="Arial" panose="020B0604020202020204" pitchFamily="34" charset="0"/>
+          <a:cs typeface="Arial" panose="020B0604020202020204" pitchFamily="34" charset="0"/>
         </a:defRPr>
       </a:lvl6pPr>
       <a:lvl7pPr marL="914400" algn="l" rtl="0" fontAlgn="base">
@@ -14809,8 +14609,8 @@
           <a:solidFill>
             <a:schemeClr val="bg1"/>
           </a:solidFill>
-          <a:latin typeface="Arial" charset="0"/>
-          <a:cs typeface="Arial" charset="0"/>
+          <a:latin typeface="Arial" panose="020B0604020202020204" pitchFamily="34" charset="0"/>
+          <a:cs typeface="Arial" panose="020B0604020202020204" pitchFamily="34" charset="0"/>
         </a:defRPr>
       </a:lvl7pPr>
       <a:lvl8pPr marL="1371600" algn="l" rtl="0" fontAlgn="base">
@@ -14827,8 +14627,8 @@
           <a:solidFill>
             <a:schemeClr val="bg1"/>
           </a:solidFill>
-          <a:latin typeface="Arial" charset="0"/>
-          <a:cs typeface="Arial" charset="0"/>
+          <a:latin typeface="Arial" panose="020B0604020202020204" pitchFamily="34" charset="0"/>
+          <a:cs typeface="Arial" panose="020B0604020202020204" pitchFamily="34" charset="0"/>
         </a:defRPr>
       </a:lvl8pPr>
       <a:lvl9pPr marL="1828800" algn="l" rtl="0" fontAlgn="base">
@@ -14845,8 +14645,8 @@
           <a:solidFill>
             <a:schemeClr val="bg1"/>
           </a:solidFill>
-          <a:latin typeface="Arial" charset="0"/>
-          <a:cs typeface="Arial" charset="0"/>
+          <a:latin typeface="Arial" panose="020B0604020202020204" pitchFamily="34" charset="0"/>
+          <a:cs typeface="Arial" panose="020B0604020202020204" pitchFamily="34" charset="0"/>
         </a:defRPr>
       </a:lvl9pPr>
     </p:titleStyle>
@@ -14858,18 +14658,18 @@
         <a:spcAft>
           <a:spcPct val="40000"/>
         </a:spcAft>
-        <a:buFont typeface="Wingdings" pitchFamily="2" charset="2"/>
+        <a:buFont typeface="Wingdings" panose="05000000000000000000" pitchFamily="2" charset="2"/>
         <a:buChar char="§"/>
         <a:defRPr sz="2000">
           <a:solidFill>
             <a:schemeClr val="tx1"/>
           </a:solidFill>
-          <a:latin typeface="微软雅黑" pitchFamily="34" charset="-122"/>
-          <a:ea typeface="微软雅黑" pitchFamily="34" charset="-122"/>
+          <a:latin typeface="微软雅黑" panose="020B0503020204020204" pitchFamily="34" charset="-122"/>
+          <a:ea typeface="微软雅黑" panose="020B0503020204020204" pitchFamily="34" charset="-122"/>
           <a:cs typeface="+mn-cs"/>
         </a:defRPr>
       </a:lvl1pPr>
-      <a:lvl2pPr marL="444500" indent="-261938" algn="l" rtl="0" eaLnBrk="0" fontAlgn="base" hangingPunct="0">
+      <a:lvl2pPr marL="444500" indent="-262255" algn="l" rtl="0" eaLnBrk="0" fontAlgn="base" hangingPunct="0">
         <a:spcBef>
           <a:spcPct val="0"/>
         </a:spcBef>
@@ -14881,12 +14681,12 @@
           <a:solidFill>
             <a:schemeClr val="tx1"/>
           </a:solidFill>
-          <a:latin typeface="微软雅黑" pitchFamily="34" charset="-122"/>
-          <a:ea typeface="微软雅黑" pitchFamily="34" charset="-122"/>
+          <a:latin typeface="微软雅黑" panose="020B0503020204020204" pitchFamily="34" charset="-122"/>
+          <a:ea typeface="微软雅黑" panose="020B0503020204020204" pitchFamily="34" charset="-122"/>
           <a:cs typeface="+mn-cs"/>
         </a:defRPr>
       </a:lvl2pPr>
-      <a:lvl3pPr marL="720725" indent="-274638" algn="l" rtl="0" eaLnBrk="0" fontAlgn="base" hangingPunct="0">
+      <a:lvl3pPr marL="720725" indent="-274955" algn="l" rtl="0" eaLnBrk="0" fontAlgn="base" hangingPunct="0">
         <a:spcBef>
           <a:spcPct val="0"/>
         </a:spcBef>
@@ -14898,12 +14698,12 @@
           <a:solidFill>
             <a:schemeClr val="tx1"/>
           </a:solidFill>
-          <a:latin typeface="微软雅黑" pitchFamily="34" charset="-122"/>
-          <a:ea typeface="微软雅黑" pitchFamily="34" charset="-122"/>
+          <a:latin typeface="微软雅黑" panose="020B0503020204020204" pitchFamily="34" charset="-122"/>
+          <a:ea typeface="微软雅黑" panose="020B0503020204020204" pitchFamily="34" charset="-122"/>
           <a:cs typeface="+mn-cs"/>
         </a:defRPr>
       </a:lvl3pPr>
-      <a:lvl4pPr marL="987425" indent="-265113" algn="l" rtl="0" eaLnBrk="0" fontAlgn="base" hangingPunct="0">
+      <a:lvl4pPr marL="987425" indent="-265430" algn="l" rtl="0" eaLnBrk="0" fontAlgn="base" hangingPunct="0">
         <a:spcBef>
           <a:spcPct val="0"/>
         </a:spcBef>
@@ -14915,12 +14715,12 @@
           <a:solidFill>
             <a:schemeClr val="tx1"/>
           </a:solidFill>
-          <a:latin typeface="微软雅黑" pitchFamily="34" charset="-122"/>
-          <a:ea typeface="微软雅黑" pitchFamily="34" charset="-122"/>
+          <a:latin typeface="微软雅黑" panose="020B0503020204020204" pitchFamily="34" charset="-122"/>
+          <a:ea typeface="微软雅黑" panose="020B0503020204020204" pitchFamily="34" charset="-122"/>
           <a:cs typeface="+mn-cs"/>
         </a:defRPr>
       </a:lvl4pPr>
-      <a:lvl5pPr marL="1254125" indent="-265113" algn="l" rtl="0" eaLnBrk="0" fontAlgn="base" hangingPunct="0">
+      <a:lvl5pPr marL="1254125" indent="-265430" algn="l" rtl="0" eaLnBrk="0" fontAlgn="base" hangingPunct="0">
         <a:spcBef>
           <a:spcPct val="0"/>
         </a:spcBef>
@@ -14932,12 +14732,12 @@
           <a:solidFill>
             <a:schemeClr val="tx1"/>
           </a:solidFill>
-          <a:latin typeface="微软雅黑" pitchFamily="34" charset="-122"/>
-          <a:ea typeface="微软雅黑" pitchFamily="34" charset="-122"/>
+          <a:latin typeface="微软雅黑" panose="020B0503020204020204" pitchFamily="34" charset="-122"/>
+          <a:ea typeface="微软雅黑" panose="020B0503020204020204" pitchFamily="34" charset="-122"/>
           <a:cs typeface="+mn-cs"/>
         </a:defRPr>
       </a:lvl5pPr>
-      <a:lvl6pPr marL="1711325" indent="-265113" algn="l" rtl="0" fontAlgn="base">
+      <a:lvl6pPr marL="1711325" indent="-265430" algn="l" rtl="0" fontAlgn="base">
         <a:spcBef>
           <a:spcPct val="0"/>
         </a:spcBef>
@@ -14953,7 +14753,7 @@
           <a:cs typeface="+mn-cs"/>
         </a:defRPr>
       </a:lvl6pPr>
-      <a:lvl7pPr marL="2168525" indent="-265113" algn="l" rtl="0" fontAlgn="base">
+      <a:lvl7pPr marL="2168525" indent="-265430" algn="l" rtl="0" fontAlgn="base">
         <a:spcBef>
           <a:spcPct val="0"/>
         </a:spcBef>
@@ -14969,7 +14769,7 @@
           <a:cs typeface="+mn-cs"/>
         </a:defRPr>
       </a:lvl7pPr>
-      <a:lvl8pPr marL="2625725" indent="-265113" algn="l" rtl="0" fontAlgn="base">
+      <a:lvl8pPr marL="2625725" indent="-265430" algn="l" rtl="0" fontAlgn="base">
         <a:spcBef>
           <a:spcPct val="0"/>
         </a:spcBef>
@@ -14985,7 +14785,7 @@
           <a:cs typeface="+mn-cs"/>
         </a:defRPr>
       </a:lvl8pPr>
-      <a:lvl9pPr marL="3082925" indent="-265113" algn="l" rtl="0" fontAlgn="base">
+      <a:lvl9pPr marL="3082925" indent="-265430" algn="l" rtl="0" fontAlgn="base">
         <a:spcBef>
           <a:spcPct val="0"/>
         </a:spcBef>
@@ -15130,7 +14930,7 @@
         </p:nvSpPr>
         <p:spPr>
           <a:xfrm>
-            <a:off x="2971800" y="3352800"/>
+            <a:off x="4495800" y="3352800"/>
             <a:ext cx="6029356" cy="609600"/>
           </a:xfrm>
         </p:spPr>
@@ -15142,7 +14942,21 @@
               <a:rPr lang="zh-CN" altLang="en-US" sz="2800" dirty="0" smtClean="0"/>
               <a:t>第三章 项目规划</a:t>
             </a:r>
-            <a:endParaRPr lang="en-US" altLang="zh-CN" sz="2800" dirty="0"/>
+            <a:r>
+              <a:rPr lang="en-US" altLang="zh-CN" sz="2800" dirty="0" smtClean="0">
+                <a:sym typeface="+mn-ea"/>
+              </a:rPr>
+              <a:t>——</a:t>
+            </a:r>
+            <a:r>
+              <a:rPr lang="zh-CN" altLang="en-US" sz="2800" dirty="0" smtClean="0">
+                <a:sym typeface="+mn-ea"/>
+              </a:rPr>
+              <a:t>人力资源</a:t>
+            </a:r>
+            <a:endParaRPr lang="zh-CN" altLang="en-US" sz="2800" dirty="0" smtClean="0">
+              <a:sym typeface="+mn-ea"/>
+            </a:endParaRPr>
           </a:p>
         </p:txBody>
       </p:sp>
@@ -15158,8 +14972,8 @@
         </p:nvSpPr>
         <p:spPr>
           <a:xfrm>
-            <a:off x="373743" y="214314"/>
-            <a:ext cx="4648200" cy="533400"/>
+            <a:off x="11430" y="214630"/>
+            <a:ext cx="6534785" cy="533400"/>
           </a:xfrm>
         </p:spPr>
         <p:txBody>
@@ -15191,6 +15005,9 @@
         </p:txBody>
       </p:sp>
     </p:spTree>
+    <p:custDataLst>
+      <p:tags r:id="rId1"/>
+    </p:custDataLst>
   </p:cSld>
   <p:clrMapOvr>
     <a:masterClrMapping/>
@@ -16425,6 +16242,7 @@
               <a:rPr lang="zh-CN" altLang="en-US" sz="2400" dirty="0"/>
               <a:t>角色名可作为“组”的标识</a:t>
             </a:r>
+            <a:endParaRPr lang="zh-CN" altLang="en-US" sz="2400" dirty="0"/>
           </a:p>
           <a:p>
             <a:pPr>
@@ -16437,11 +16255,6 @@
         </p:txBody>
       </p:sp>
     </p:spTree>
-    <p:extLst>
-      <p:ext uri="{BB962C8B-B14F-4D97-AF65-F5344CB8AC3E}">
-        <p14:creationId xmlns:p14="http://schemas.microsoft.com/office/powerpoint/2010/main" val="2097627591"/>
-      </p:ext>
-    </p:extLst>
   </p:cSld>
   <p:clrMapOvr>
     <a:masterClrMapping/>
@@ -16675,7 +16488,7 @@
           </p:nvPr>
         </p:nvPicPr>
         <p:blipFill>
-          <a:blip r:embed="rId2">
+          <a:blip r:embed="rId1">
             <a:extLst>
               <a:ext uri="{28A0092B-C50C-407E-A947-70E740481C1C}">
                 <a14:useLocalDpi xmlns:a14="http://schemas.microsoft.com/office/drawing/2010/main" val="0"/>
@@ -16689,7 +16502,7 @@
         </p:blipFill>
         <p:spPr bwMode="auto">
           <a:xfrm>
-            <a:off x="152400" y="1600200"/>
+            <a:off x="1676400" y="1600200"/>
             <a:ext cx="5445102" cy="4495800"/>
           </a:xfrm>
           <a:prstGeom prst="rect">
@@ -16706,8 +16519,8 @@
         </p:nvSpPr>
         <p:spPr>
           <a:xfrm>
-            <a:off x="5573792" y="4945559"/>
-            <a:ext cx="3262432" cy="707886"/>
+            <a:off x="7097792" y="4945559"/>
+            <a:ext cx="3230880" cy="706755"/>
           </a:xfrm>
           <a:prstGeom prst="rect">
             <a:avLst/>
@@ -16722,34 +16535,27 @@
           <a:p>
             <a:r>
               <a:rPr lang="zh-CN" altLang="en-US" dirty="0" smtClean="0">
-                <a:latin typeface="微软雅黑" pitchFamily="34" charset="-122"/>
-                <a:ea typeface="微软雅黑" pitchFamily="34" charset="-122"/>
+                <a:latin typeface="微软雅黑" panose="020B0503020204020204" pitchFamily="34" charset="-122"/>
+                <a:ea typeface="微软雅黑" panose="020B0503020204020204" pitchFamily="34" charset="-122"/>
               </a:rPr>
               <a:t>最基本的衣、食、住、行等</a:t>
             </a:r>
-            <a:r>
-              <a:rPr lang="en-US" altLang="zh-CN" dirty="0" smtClean="0">
-                <a:latin typeface="微软雅黑" pitchFamily="34" charset="-122"/>
-                <a:ea typeface="微软雅黑" pitchFamily="34" charset="-122"/>
-              </a:rPr>
-              <a:t/>
-            </a:r>
             <a:br>
               <a:rPr lang="en-US" altLang="zh-CN" dirty="0" smtClean="0">
-                <a:latin typeface="微软雅黑" pitchFamily="34" charset="-122"/>
-                <a:ea typeface="微软雅黑" pitchFamily="34" charset="-122"/>
+                <a:latin typeface="微软雅黑" panose="020B0503020204020204" pitchFamily="34" charset="-122"/>
+                <a:ea typeface="微软雅黑" panose="020B0503020204020204" pitchFamily="34" charset="-122"/>
               </a:rPr>
             </a:br>
             <a:r>
               <a:rPr lang="zh-CN" altLang="en-US" dirty="0" smtClean="0">
-                <a:latin typeface="微软雅黑" pitchFamily="34" charset="-122"/>
-                <a:ea typeface="微软雅黑" pitchFamily="34" charset="-122"/>
+                <a:latin typeface="微软雅黑" panose="020B0503020204020204" pitchFamily="34" charset="-122"/>
+                <a:ea typeface="微软雅黑" panose="020B0503020204020204" pitchFamily="34" charset="-122"/>
               </a:rPr>
               <a:t>生存条件</a:t>
             </a:r>
             <a:endParaRPr lang="zh-CN" altLang="en-US" dirty="0">
-              <a:latin typeface="微软雅黑" pitchFamily="34" charset="-122"/>
-              <a:ea typeface="微软雅黑" pitchFamily="34" charset="-122"/>
+              <a:latin typeface="微软雅黑" panose="020B0503020204020204" pitchFamily="34" charset="-122"/>
+              <a:ea typeface="微软雅黑" panose="020B0503020204020204" pitchFamily="34" charset="-122"/>
             </a:endParaRPr>
           </a:p>
         </p:txBody>
@@ -16762,8 +16568,8 @@
         </p:nvSpPr>
         <p:spPr>
           <a:xfrm>
-            <a:off x="5486400" y="3886200"/>
-            <a:ext cx="3262432" cy="707886"/>
+            <a:off x="7010400" y="4003040"/>
+            <a:ext cx="3230880" cy="706755"/>
           </a:xfrm>
           <a:prstGeom prst="rect">
             <a:avLst/>
@@ -16778,34 +16584,27 @@
           <a:p>
             <a:r>
               <a:rPr lang="zh-CN" altLang="en-US" dirty="0" smtClean="0">
-                <a:latin typeface="微软雅黑" pitchFamily="34" charset="-122"/>
-                <a:ea typeface="微软雅黑" pitchFamily="34" charset="-122"/>
+                <a:latin typeface="微软雅黑" panose="020B0503020204020204" pitchFamily="34" charset="-122"/>
+                <a:ea typeface="微软雅黑" panose="020B0503020204020204" pitchFamily="34" charset="-122"/>
               </a:rPr>
               <a:t>稳定的职业、经济、健康等</a:t>
             </a:r>
-            <a:r>
-              <a:rPr lang="en-US" altLang="zh-CN" dirty="0" smtClean="0">
-                <a:latin typeface="微软雅黑" pitchFamily="34" charset="-122"/>
-                <a:ea typeface="微软雅黑" pitchFamily="34" charset="-122"/>
-              </a:rPr>
-              <a:t/>
-            </a:r>
             <a:br>
               <a:rPr lang="en-US" altLang="zh-CN" dirty="0" smtClean="0">
-                <a:latin typeface="微软雅黑" pitchFamily="34" charset="-122"/>
-                <a:ea typeface="微软雅黑" pitchFamily="34" charset="-122"/>
+                <a:latin typeface="微软雅黑" panose="020B0503020204020204" pitchFamily="34" charset="-122"/>
+                <a:ea typeface="微软雅黑" panose="020B0503020204020204" pitchFamily="34" charset="-122"/>
               </a:rPr>
             </a:br>
             <a:r>
               <a:rPr lang="zh-CN" altLang="en-US" dirty="0" smtClean="0">
-                <a:latin typeface="微软雅黑" pitchFamily="34" charset="-122"/>
-                <a:ea typeface="微软雅黑" pitchFamily="34" charset="-122"/>
+                <a:latin typeface="微软雅黑" panose="020B0503020204020204" pitchFamily="34" charset="-122"/>
+                <a:ea typeface="微软雅黑" panose="020B0503020204020204" pitchFamily="34" charset="-122"/>
               </a:rPr>
               <a:t>保障条件</a:t>
             </a:r>
             <a:endParaRPr lang="zh-CN" altLang="en-US" dirty="0">
-              <a:latin typeface="微软雅黑" pitchFamily="34" charset="-122"/>
-              <a:ea typeface="微软雅黑" pitchFamily="34" charset="-122"/>
+              <a:latin typeface="微软雅黑" panose="020B0503020204020204" pitchFamily="34" charset="-122"/>
+              <a:ea typeface="微软雅黑" panose="020B0503020204020204" pitchFamily="34" charset="-122"/>
             </a:endParaRPr>
           </a:p>
         </p:txBody>
@@ -16818,8 +16617,8 @@
         </p:nvSpPr>
         <p:spPr>
           <a:xfrm>
-            <a:off x="5497592" y="3276600"/>
-            <a:ext cx="3262432" cy="400110"/>
+            <a:off x="7021592" y="3335020"/>
+            <a:ext cx="3230880" cy="398780"/>
           </a:xfrm>
           <a:prstGeom prst="rect">
             <a:avLst/>
@@ -16834,14 +16633,14 @@
           <a:p>
             <a:r>
               <a:rPr lang="zh-CN" altLang="en-US" dirty="0" smtClean="0">
-                <a:latin typeface="微软雅黑" pitchFamily="34" charset="-122"/>
-                <a:ea typeface="微软雅黑" pitchFamily="34" charset="-122"/>
+                <a:latin typeface="微软雅黑" panose="020B0503020204020204" pitchFamily="34" charset="-122"/>
+                <a:ea typeface="微软雅黑" panose="020B0503020204020204" pitchFamily="34" charset="-122"/>
               </a:rPr>
               <a:t>人际关系、基本社会活动等</a:t>
             </a:r>
             <a:endParaRPr lang="zh-CN" altLang="en-US" dirty="0">
-              <a:latin typeface="微软雅黑" pitchFamily="34" charset="-122"/>
-              <a:ea typeface="微软雅黑" pitchFamily="34" charset="-122"/>
+              <a:latin typeface="微软雅黑" panose="020B0503020204020204" pitchFamily="34" charset="-122"/>
+              <a:ea typeface="微软雅黑" panose="020B0503020204020204" pitchFamily="34" charset="-122"/>
             </a:endParaRPr>
           </a:p>
         </p:txBody>
@@ -16854,8 +16653,8 @@
         </p:nvSpPr>
         <p:spPr>
           <a:xfrm>
-            <a:off x="5486400" y="2540913"/>
-            <a:ext cx="1980029" cy="400110"/>
+            <a:off x="7010400" y="2526308"/>
+            <a:ext cx="1960880" cy="398780"/>
           </a:xfrm>
           <a:prstGeom prst="rect">
             <a:avLst/>
@@ -16870,14 +16669,14 @@
           <a:p>
             <a:r>
               <a:rPr lang="zh-CN" altLang="en-US" dirty="0" smtClean="0">
-                <a:latin typeface="微软雅黑" pitchFamily="34" charset="-122"/>
-                <a:ea typeface="微软雅黑" pitchFamily="34" charset="-122"/>
+                <a:latin typeface="微软雅黑" panose="020B0503020204020204" pitchFamily="34" charset="-122"/>
+                <a:ea typeface="微软雅黑" panose="020B0503020204020204" pitchFamily="34" charset="-122"/>
               </a:rPr>
               <a:t>信心、被尊重等</a:t>
             </a:r>
             <a:endParaRPr lang="zh-CN" altLang="en-US" dirty="0">
-              <a:latin typeface="微软雅黑" pitchFamily="34" charset="-122"/>
-              <a:ea typeface="微软雅黑" pitchFamily="34" charset="-122"/>
+              <a:latin typeface="微软雅黑" panose="020B0503020204020204" pitchFamily="34" charset="-122"/>
+              <a:ea typeface="微软雅黑" panose="020B0503020204020204" pitchFamily="34" charset="-122"/>
             </a:endParaRPr>
           </a:p>
         </p:txBody>
@@ -16890,8 +16689,8 @@
         </p:nvSpPr>
         <p:spPr>
           <a:xfrm>
-            <a:off x="5334000" y="1905000"/>
-            <a:ext cx="3518912" cy="400110"/>
+            <a:off x="7018655" y="1831975"/>
+            <a:ext cx="3484880" cy="398780"/>
           </a:xfrm>
           <a:prstGeom prst="rect">
             <a:avLst/>
@@ -16906,14 +16705,14 @@
           <a:p>
             <a:r>
               <a:rPr lang="zh-CN" altLang="en-US" dirty="0" smtClean="0">
-                <a:latin typeface="微软雅黑" pitchFamily="34" charset="-122"/>
-                <a:ea typeface="微软雅黑" pitchFamily="34" charset="-122"/>
+                <a:latin typeface="微软雅黑" panose="020B0503020204020204" pitchFamily="34" charset="-122"/>
+                <a:ea typeface="微软雅黑" panose="020B0503020204020204" pitchFamily="34" charset="-122"/>
               </a:rPr>
               <a:t>创造力、自觉性、公众价值等</a:t>
             </a:r>
             <a:endParaRPr lang="zh-CN" altLang="en-US" dirty="0">
-              <a:latin typeface="微软雅黑" pitchFamily="34" charset="-122"/>
-              <a:ea typeface="微软雅黑" pitchFamily="34" charset="-122"/>
+              <a:latin typeface="微软雅黑" panose="020B0503020204020204" pitchFamily="34" charset="-122"/>
+              <a:ea typeface="微软雅黑" panose="020B0503020204020204" pitchFamily="34" charset="-122"/>
             </a:endParaRPr>
           </a:p>
         </p:txBody>
@@ -17478,8 +17277,8 @@
         </p:nvSpPr>
         <p:spPr>
           <a:xfrm>
-            <a:off x="381000" y="1371600"/>
-            <a:ext cx="8305800" cy="1219200"/>
+            <a:off x="400050" y="1371600"/>
+            <a:ext cx="9810750" cy="1219200"/>
           </a:xfrm>
         </p:spPr>
         <p:txBody>
@@ -17536,7 +17335,7 @@
           <p:nvPr/>
         </p:nvGraphicFramePr>
         <p:xfrm>
-          <a:off x="838200" y="2514600"/>
+          <a:off x="2362200" y="2602230"/>
           <a:ext cx="7467600" cy="3230880"/>
         </p:xfrm>
         <a:graphic>
@@ -17546,20 +17345,8 @@
                 <a:tableStyleId>{5940675A-B579-460E-94D1-54222C63F5DA}</a:tableStyleId>
               </a:tblPr>
               <a:tblGrid>
-                <a:gridCol w="3733800">
-                  <a:extLst>
-                    <a:ext uri="{9D8B030D-6E8A-4147-A177-3AD203B41FA5}">
-                      <a16:colId xmlns:a16="http://schemas.microsoft.com/office/drawing/2014/main" val="20000"/>
-                    </a:ext>
-                  </a:extLst>
-                </a:gridCol>
-                <a:gridCol w="3733800">
-                  <a:extLst>
-                    <a:ext uri="{9D8B030D-6E8A-4147-A177-3AD203B41FA5}">
-                      <a16:colId xmlns:a16="http://schemas.microsoft.com/office/drawing/2014/main" val="20001"/>
-                    </a:ext>
-                  </a:extLst>
-                </a:gridCol>
+                <a:gridCol w="3733800"/>
+                <a:gridCol w="3733800"/>
               </a:tblGrid>
               <a:tr h="370840">
                 <a:tc>
@@ -17592,11 +17379,6 @@
                   </a:txBody>
                   <a:tcPr/>
                 </a:tc>
-                <a:extLst>
-                  <a:ext uri="{0D108BD9-81ED-4DB2-BD59-A6C34878D82A}">
-                    <a16:rowId xmlns:a16="http://schemas.microsoft.com/office/drawing/2014/main" val="10000"/>
-                  </a:ext>
-                </a:extLst>
               </a:tr>
               <a:tr h="370840">
                 <a:tc>
@@ -17608,7 +17390,7 @@
                         <a:lnSpc>
                           <a:spcPct val="150000"/>
                         </a:lnSpc>
-                        <a:buFont typeface="Arial" pitchFamily="34" charset="0"/>
+                        <a:buFont typeface="Arial" panose="020B0604020202020204" pitchFamily="34" charset="0"/>
                         <a:buChar char="•"/>
                       </a:pPr>
                       <a:r>
@@ -17622,7 +17404,7 @@
                         <a:lnSpc>
                           <a:spcPct val="150000"/>
                         </a:lnSpc>
-                        <a:buFont typeface="Arial" pitchFamily="34" charset="0"/>
+                        <a:buFont typeface="Arial" panose="020B0604020202020204" pitchFamily="34" charset="0"/>
                         <a:buChar char="•"/>
                       </a:pPr>
                       <a:r>
@@ -17636,7 +17418,7 @@
                         <a:lnSpc>
                           <a:spcPct val="150000"/>
                         </a:lnSpc>
-                        <a:buFont typeface="Arial" pitchFamily="34" charset="0"/>
+                        <a:buFont typeface="Arial" panose="020B0604020202020204" pitchFamily="34" charset="0"/>
                         <a:buChar char="•"/>
                       </a:pPr>
                       <a:r>
@@ -17650,7 +17432,7 @@
                         <a:lnSpc>
                           <a:spcPct val="150000"/>
                         </a:lnSpc>
-                        <a:buFont typeface="Arial" pitchFamily="34" charset="0"/>
+                        <a:buFont typeface="Arial" panose="020B0604020202020204" pitchFamily="34" charset="0"/>
                         <a:buChar char="•"/>
                       </a:pPr>
                       <a:r>
@@ -17664,7 +17446,7 @@
                         <a:lnSpc>
                           <a:spcPct val="150000"/>
                         </a:lnSpc>
-                        <a:buFont typeface="Arial" pitchFamily="34" charset="0"/>
+                        <a:buFont typeface="Arial" panose="020B0604020202020204" pitchFamily="34" charset="0"/>
                         <a:buChar char="•"/>
                       </a:pPr>
                       <a:r>
@@ -17678,7 +17460,7 @@
                         <a:lnSpc>
                           <a:spcPct val="150000"/>
                         </a:lnSpc>
-                        <a:buFont typeface="Arial" pitchFamily="34" charset="0"/>
+                        <a:buFont typeface="Arial" panose="020B0604020202020204" pitchFamily="34" charset="0"/>
                         <a:buChar char="•"/>
                       </a:pPr>
                       <a:r>
@@ -17699,7 +17481,7 @@
                         <a:lnSpc>
                           <a:spcPct val="150000"/>
                         </a:lnSpc>
-                        <a:buFont typeface="Arial" pitchFamily="34" charset="0"/>
+                        <a:buFont typeface="Arial" panose="020B0604020202020204" pitchFamily="34" charset="0"/>
                         <a:buChar char="•"/>
                       </a:pPr>
                       <a:r>
@@ -17713,7 +17495,7 @@
                         <a:lnSpc>
                           <a:spcPct val="150000"/>
                         </a:lnSpc>
-                        <a:buFont typeface="Arial" pitchFamily="34" charset="0"/>
+                        <a:buFont typeface="Arial" panose="020B0604020202020204" pitchFamily="34" charset="0"/>
                         <a:buChar char="•"/>
                       </a:pPr>
                       <a:r>
@@ -17727,7 +17509,7 @@
                         <a:lnSpc>
                           <a:spcPct val="150000"/>
                         </a:lnSpc>
-                        <a:buFont typeface="Arial" pitchFamily="34" charset="0"/>
+                        <a:buFont typeface="Arial" panose="020B0604020202020204" pitchFamily="34" charset="0"/>
                         <a:buChar char="•"/>
                       </a:pPr>
                       <a:r>
@@ -17741,7 +17523,7 @@
                         <a:lnSpc>
                           <a:spcPct val="150000"/>
                         </a:lnSpc>
-                        <a:buFont typeface="Arial" pitchFamily="34" charset="0"/>
+                        <a:buFont typeface="Arial" panose="020B0604020202020204" pitchFamily="34" charset="0"/>
                         <a:buChar char="•"/>
                       </a:pPr>
                       <a:r>
@@ -17755,7 +17537,7 @@
                         <a:lnSpc>
                           <a:spcPct val="150000"/>
                         </a:lnSpc>
-                        <a:buFont typeface="Arial" pitchFamily="34" charset="0"/>
+                        <a:buFont typeface="Arial" panose="020B0604020202020204" pitchFamily="34" charset="0"/>
                         <a:buChar char="•"/>
                       </a:pPr>
                       <a:r>
@@ -17769,7 +17551,7 @@
                         <a:lnSpc>
                           <a:spcPct val="150000"/>
                         </a:lnSpc>
-                        <a:buFont typeface="Arial" pitchFamily="34" charset="0"/>
+                        <a:buFont typeface="Arial" panose="020B0604020202020204" pitchFamily="34" charset="0"/>
                         <a:buChar char="•"/>
                       </a:pPr>
                       <a:r>
@@ -17781,11 +17563,6 @@
                   </a:txBody>
                   <a:tcPr/>
                 </a:tc>
-                <a:extLst>
-                  <a:ext uri="{0D108BD9-81ED-4DB2-BD59-A6C34878D82A}">
-                    <a16:rowId xmlns:a16="http://schemas.microsoft.com/office/drawing/2014/main" val="10001"/>
-                  </a:ext>
-                </a:extLst>
               </a:tr>
             </a:tbl>
           </a:graphicData>
@@ -17873,7 +17650,7 @@
           </p:nvPr>
         </p:nvGraphicFramePr>
         <p:xfrm>
-          <a:off x="381000" y="1371600"/>
+          <a:off x="1905000" y="1371600"/>
           <a:ext cx="8305800" cy="3840480"/>
         </p:xfrm>
         <a:graphic>
@@ -17883,20 +17660,8 @@
                 <a:tableStyleId>{5940675A-B579-460E-94D1-54222C63F5DA}</a:tableStyleId>
               </a:tblPr>
               <a:tblGrid>
-                <a:gridCol w="4152900">
-                  <a:extLst>
-                    <a:ext uri="{9D8B030D-6E8A-4147-A177-3AD203B41FA5}">
-                      <a16:colId xmlns:a16="http://schemas.microsoft.com/office/drawing/2014/main" val="20000"/>
-                    </a:ext>
-                  </a:extLst>
-                </a:gridCol>
-                <a:gridCol w="4152900">
-                  <a:extLst>
-                    <a:ext uri="{9D8B030D-6E8A-4147-A177-3AD203B41FA5}">
-                      <a16:colId xmlns:a16="http://schemas.microsoft.com/office/drawing/2014/main" val="20001"/>
-                    </a:ext>
-                  </a:extLst>
-                </a:gridCol>
+                <a:gridCol w="4152900"/>
+                <a:gridCol w="4152900"/>
               </a:tblGrid>
               <a:tr h="370840">
                 <a:tc>
@@ -17945,11 +17710,6 @@
                   </a:txBody>
                   <a:tcPr/>
                 </a:tc>
-                <a:extLst>
-                  <a:ext uri="{0D108BD9-81ED-4DB2-BD59-A6C34878D82A}">
-                    <a16:rowId xmlns:a16="http://schemas.microsoft.com/office/drawing/2014/main" val="10000"/>
-                  </a:ext>
-                </a:extLst>
               </a:tr>
               <a:tr h="370840">
                 <a:tc>
@@ -17961,7 +17721,7 @@
                         <a:lnSpc>
                           <a:spcPct val="150000"/>
                         </a:lnSpc>
-                        <a:buFont typeface="Arial" pitchFamily="34" charset="0"/>
+                        <a:buFont typeface="Arial" panose="020B0604020202020204" pitchFamily="34" charset="0"/>
                         <a:buChar char="•"/>
                       </a:pPr>
                       <a:r>
@@ -17975,7 +17735,7 @@
                         <a:lnSpc>
                           <a:spcPct val="150000"/>
                         </a:lnSpc>
-                        <a:buFont typeface="Arial" pitchFamily="34" charset="0"/>
+                        <a:buFont typeface="Arial" panose="020B0604020202020204" pitchFamily="34" charset="0"/>
                         <a:buChar char="•"/>
                       </a:pPr>
                       <a:r>
@@ -17989,7 +17749,7 @@
                         <a:lnSpc>
                           <a:spcPct val="150000"/>
                         </a:lnSpc>
-                        <a:buFont typeface="Arial" pitchFamily="34" charset="0"/>
+                        <a:buFont typeface="Arial" panose="020B0604020202020204" pitchFamily="34" charset="0"/>
                         <a:buChar char="•"/>
                       </a:pPr>
                       <a:r>
@@ -18010,7 +17770,7 @@
                         <a:lnSpc>
                           <a:spcPct val="150000"/>
                         </a:lnSpc>
-                        <a:buFont typeface="Arial" pitchFamily="34" charset="0"/>
+                        <a:buFont typeface="Arial" panose="020B0604020202020204" pitchFamily="34" charset="0"/>
                         <a:buChar char="•"/>
                       </a:pPr>
                       <a:r>
@@ -18024,7 +17784,7 @@
                         <a:lnSpc>
                           <a:spcPct val="150000"/>
                         </a:lnSpc>
-                        <a:buFont typeface="Arial" pitchFamily="34" charset="0"/>
+                        <a:buFont typeface="Arial" panose="020B0604020202020204" pitchFamily="34" charset="0"/>
                         <a:buChar char="•"/>
                       </a:pPr>
                       <a:r>
@@ -18038,7 +17798,7 @@
                         <a:lnSpc>
                           <a:spcPct val="150000"/>
                         </a:lnSpc>
-                        <a:buFont typeface="Arial" pitchFamily="34" charset="0"/>
+                        <a:buFont typeface="Arial" panose="020B0604020202020204" pitchFamily="34" charset="0"/>
                         <a:buChar char="•"/>
                       </a:pPr>
                       <a:r>
@@ -18050,11 +17810,6 @@
                   </a:txBody>
                   <a:tcPr/>
                 </a:tc>
-                <a:extLst>
-                  <a:ext uri="{0D108BD9-81ED-4DB2-BD59-A6C34878D82A}">
-                    <a16:rowId xmlns:a16="http://schemas.microsoft.com/office/drawing/2014/main" val="10001"/>
-                  </a:ext>
-                </a:extLst>
               </a:tr>
             </a:tbl>
           </a:graphicData>
@@ -18094,7 +17849,7 @@
         </p:nvSpPr>
         <p:spPr bwMode="auto">
           <a:xfrm>
-            <a:off x="2612571" y="5535386"/>
+            <a:off x="4136571" y="5535386"/>
             <a:ext cx="4065814" cy="1028700"/>
           </a:xfrm>
           <a:prstGeom prst="wedgeEllipseCallout">
@@ -18116,11 +17871,7 @@
           <a:effectLst/>
         </p:spPr>
         <p:txBody>
-          <a:bodyPr vert="horz" wrap="none" lIns="90000" tIns="46800" rIns="90000" bIns="46800" numCol="1" rtlCol="0" anchor="ctr" anchorCtr="0" compatLnSpc="1">
-            <a:prstTxWarp prst="textNoShape">
-              <a:avLst/>
-            </a:prstTxWarp>
-          </a:bodyPr>
+          <a:bodyPr vert="horz" wrap="none" lIns="90000" tIns="46800" rIns="90000" bIns="46800" numCol="1" rtlCol="0" anchor="ctr" anchorCtr="0" compatLnSpc="1"/>
           <a:lstStyle/>
           <a:p>
             <a:pPr marL="0" marR="0" indent="0" algn="l" defTabSz="914400" rtl="0" eaLnBrk="1" fontAlgn="base" latinLnBrk="0" hangingPunct="1">
@@ -18137,7 +17888,6 @@
               <a:buSzTx/>
               <a:buFontTx/>
               <a:buNone/>
-              <a:tabLst/>
             </a:pPr>
             <a:r>
               <a:rPr kumimoji="0" lang="zh-CN" altLang="en-US" sz="2400" b="1" i="0" u="none" strike="noStrike" cap="none" normalizeH="0" baseline="0" dirty="0" smtClean="0">
@@ -18148,11 +17898,22 @@
                   <a:srgbClr val="FF0000"/>
                 </a:solidFill>
                 <a:effectLst/>
-                <a:latin typeface="微软雅黑" pitchFamily="34" charset="-122"/>
-                <a:ea typeface="微软雅黑" pitchFamily="34" charset="-122"/>
+                <a:latin typeface="微软雅黑" panose="020B0503020204020204" pitchFamily="34" charset="-122"/>
+                <a:ea typeface="微软雅黑" panose="020B0503020204020204" pitchFamily="34" charset="-122"/>
               </a:rPr>
               <a:t>适用于智慧型团队管理</a:t>
             </a:r>
+            <a:endParaRPr kumimoji="0" lang="zh-CN" altLang="en-US" sz="2400" b="1" i="0" u="none" strike="noStrike" cap="none" normalizeH="0" baseline="0" dirty="0" smtClean="0">
+              <a:ln>
+                <a:noFill/>
+              </a:ln>
+              <a:solidFill>
+                <a:srgbClr val="FF0000"/>
+              </a:solidFill>
+              <a:effectLst/>
+              <a:latin typeface="微软雅黑" panose="020B0503020204020204" pitchFamily="34" charset="-122"/>
+              <a:ea typeface="微软雅黑" panose="020B0503020204020204" pitchFamily="34" charset="-122"/>
+            </a:endParaRPr>
           </a:p>
         </p:txBody>
       </p:sp>
@@ -18244,7 +18005,7 @@
       </p:par>
     </p:tnLst>
     <p:bldLst>
-      <p:bldP spid="7" grpId="0" animBg="1"/>
+      <p:bldP spid="7" grpId="0" bldLvl="0" animBg="1"/>
     </p:bldLst>
   </p:timing>
 </p:sld>
@@ -18302,8 +18063,8 @@
         </p:nvSpPr>
         <p:spPr>
           <a:xfrm>
-            <a:off x="295276" y="1489075"/>
-            <a:ext cx="4505324" cy="4313238"/>
+            <a:off x="551180" y="1489075"/>
+            <a:ext cx="5773420" cy="4313555"/>
           </a:xfrm>
         </p:spPr>
         <p:txBody>
@@ -18360,8 +18121,8 @@
         </p:nvSpPr>
         <p:spPr>
           <a:xfrm>
-            <a:off x="4970577" y="4927117"/>
-            <a:ext cx="4078361" cy="584775"/>
+            <a:off x="6494577" y="4470552"/>
+            <a:ext cx="4039870" cy="583565"/>
           </a:xfrm>
           <a:prstGeom prst="rect">
             <a:avLst/>
@@ -18414,7 +18175,7 @@
           <p:nvPr/>
         </p:nvPicPr>
         <p:blipFill>
-          <a:blip r:embed="rId2">
+          <a:blip r:embed="rId1">
             <a:extLst>
               <a:ext uri="{28A0092B-C50C-407E-A947-70E740481C1C}">
                 <a14:useLocalDpi xmlns:a14="http://schemas.microsoft.com/office/drawing/2010/main" val="0"/>
@@ -18428,7 +18189,7 @@
         </p:blipFill>
         <p:spPr bwMode="auto">
           <a:xfrm>
-            <a:off x="5002893" y="2079171"/>
+            <a:off x="6609443" y="1489256"/>
             <a:ext cx="3810000" cy="2695575"/>
           </a:xfrm>
           <a:prstGeom prst="rect">
@@ -18576,7 +18337,7 @@
                 <a:solidFill>
                   <a:srgbClr val="FF0000"/>
                 </a:solidFill>
-                <a:sym typeface="Wingdings" pitchFamily="2" charset="2"/>
+                <a:sym typeface="Wingdings" panose="05000000000000000000" pitchFamily="2" charset="2"/>
               </a:rPr>
               <a:t>。</a:t>
             </a:r>
@@ -18588,6 +18349,11 @@
               </a:rPr>
               <a:t>成果保留，后续的所有练习依此扩展</a:t>
             </a:r>
+            <a:endParaRPr lang="zh-CN" altLang="en-US" sz="2400" b="1" dirty="0">
+              <a:solidFill>
+                <a:srgbClr val="FF0000"/>
+              </a:solidFill>
+            </a:endParaRPr>
           </a:p>
           <a:p>
             <a:endParaRPr lang="zh-CN" altLang="en-US" sz="2200" dirty="0"/>
@@ -18595,11 +18361,6 @@
         </p:txBody>
       </p:sp>
     </p:spTree>
-    <p:extLst>
-      <p:ext uri="{BB962C8B-B14F-4D97-AF65-F5344CB8AC3E}">
-        <p14:creationId xmlns:p14="http://schemas.microsoft.com/office/powerpoint/2010/main" val="3246909474"/>
-      </p:ext>
-    </p:extLst>
   </p:cSld>
   <p:clrMapOvr>
     <a:masterClrMapping/>
@@ -18678,11 +18439,6 @@
         </p:txBody>
       </p:sp>
     </p:spTree>
-    <p:extLst>
-      <p:ext uri="{BB962C8B-B14F-4D97-AF65-F5344CB8AC3E}">
-        <p14:creationId xmlns:p14="http://schemas.microsoft.com/office/powerpoint/2010/main" val="2303794848"/>
-      </p:ext>
-    </p:extLst>
   </p:cSld>
   <p:clrMapOvr>
     <a:masterClrMapping/>
@@ -18724,7 +18480,7 @@
         </p:nvSpPr>
         <p:spPr bwMode="gray">
           <a:xfrm>
-            <a:off x="3124200" y="3352800"/>
+            <a:off x="4648200" y="3352800"/>
             <a:ext cx="4419600" cy="609600"/>
           </a:xfrm>
           <a:prstGeom prst="rect">
@@ -18749,8 +18505,6 @@
                     <a:schemeClr val="bg1"/>
                   </a:solidFill>
                   <a:round/>
-                  <a:headEnd/>
-                  <a:tailEnd/>
                 </a:ln>
                 <a:gradFill rotWithShape="1">
                   <a:gsLst>
@@ -18770,8 +18524,8 @@
                     </a:srgbClr>
                   </a:outerShdw>
                 </a:effectLst>
-                <a:latin typeface="Arial"/>
-                <a:cs typeface="Arial"/>
+                <a:latin typeface="Arial" panose="020B0604020202020204"/>
+                <a:cs typeface="Arial" panose="020B0604020202020204"/>
               </a:rPr>
               <a:t>Thank You !</a:t>
             </a:r>
@@ -18781,8 +18535,6 @@
                   <a:schemeClr val="bg1"/>
                 </a:solidFill>
                 <a:round/>
-                <a:headEnd/>
-                <a:tailEnd/>
               </a:ln>
               <a:gradFill rotWithShape="1">
                 <a:gsLst>
@@ -18802,8 +18554,8 @@
                   </a:srgbClr>
                 </a:outerShdw>
               </a:effectLst>
-              <a:latin typeface="Arial"/>
-              <a:cs typeface="Arial"/>
+              <a:latin typeface="Arial" panose="020B0604020202020204"/>
+              <a:cs typeface="Arial" panose="020B0604020202020204"/>
             </a:endParaRPr>
           </a:p>
         </p:txBody>
@@ -18837,7 +18589,7 @@
                             </p:stCondLst>
                             <p:childTnLst>
                               <p:par>
-                                <p:cTn id="5" presetID="53" presetClass="entr" presetSubtype="0" fill="hold" grpId="0" nodeType="afterEffect">
+                                <p:cTn id="5" presetID="53" presetClass="entr" presetSubtype="16" fill="hold" grpId="0" nodeType="afterEffect">
                                   <p:stCondLst>
                                     <p:cond delay="0"/>
                                   </p:stCondLst>
@@ -18977,7 +18729,7 @@
           <p:nvPr/>
         </p:nvPicPr>
         <p:blipFill>
-          <a:blip r:embed="rId2">
+          <a:blip r:embed="rId1">
             <a:extLst>
               <a:ext uri="{28A0092B-C50C-407E-A947-70E740481C1C}">
                 <a14:useLocalDpi xmlns:a14="http://schemas.microsoft.com/office/drawing/2010/main" val="0"/>
@@ -18991,7 +18743,7 @@
         </p:blipFill>
         <p:spPr bwMode="auto">
           <a:xfrm>
-            <a:off x="366349" y="1758818"/>
+            <a:off x="1890349" y="1758818"/>
             <a:ext cx="8382727" cy="3773751"/>
           </a:xfrm>
           <a:prstGeom prst="rect">
@@ -19043,7 +18795,7 @@
         </p:nvSpPr>
         <p:spPr>
           <a:xfrm>
-            <a:off x="3734733" y="3184070"/>
+            <a:off x="5258733" y="3184070"/>
             <a:ext cx="1526751" cy="1028701"/>
           </a:xfrm>
           <a:prstGeom prst="roundRect">
@@ -19132,48 +18884,35 @@
               <a:rPr lang="zh-CN" altLang="en-US" dirty="0"/>
               <a:t>参考项目管理的十大知识领域完成规划</a:t>
             </a:r>
+            <a:endParaRPr lang="zh-CN" altLang="en-US" dirty="0"/>
           </a:p>
         </p:txBody>
       </p:sp>
       <p:graphicFrame>
         <p:nvGraphicFramePr>
-          <p:cNvPr id="7" name="图示 6">
-            <a:extLst>
-              <a:ext uri="{FF2B5EF4-FFF2-40B4-BE49-F238E27FC236}">
-                <a16:creationId xmlns:a16="http://schemas.microsoft.com/office/drawing/2014/main" id="{D6F16BCF-91EF-44F0-9191-FD57AAE0AB21}"/>
-              </a:ext>
-            </a:extLst>
-          </p:cNvPr>
+          <p:cNvPr id="7" name="图示 6"/>
           <p:cNvGraphicFramePr/>
-          <p:nvPr>
-            <p:extLst/>
-          </p:nvPr>
+          <p:nvPr/>
         </p:nvGraphicFramePr>
         <p:xfrm>
-          <a:off x="0" y="2049517"/>
+          <a:off x="1524000" y="1567552"/>
           <a:ext cx="9143999" cy="3247427"/>
         </p:xfrm>
         <a:graphic>
           <a:graphicData uri="http://schemas.openxmlformats.org/drawingml/2006/diagram">
-            <dgm:relIds xmlns:dgm="http://schemas.openxmlformats.org/drawingml/2006/diagram" xmlns:r="http://schemas.openxmlformats.org/officeDocument/2006/relationships" r:dm="rId2" r:lo="rId3" r:qs="rId4" r:cs="rId5"/>
+            <dgm:relIds xmlns:dgm="http://schemas.openxmlformats.org/drawingml/2006/diagram" xmlns:r="http://schemas.openxmlformats.org/officeDocument/2006/relationships" r:dm="rId1" r:lo="rId2" r:qs="rId3" r:cs="rId4"/>
           </a:graphicData>
         </a:graphic>
       </p:graphicFrame>
       <p:grpSp>
         <p:nvGrpSpPr>
-          <p:cNvPr id="8" name="组合 7">
-            <a:extLst>
-              <a:ext uri="{FF2B5EF4-FFF2-40B4-BE49-F238E27FC236}">
-                <a16:creationId xmlns:a16="http://schemas.microsoft.com/office/drawing/2014/main" id="{F7840E8C-E501-4710-992D-D7514538D51E}"/>
-              </a:ext>
-            </a:extLst>
-          </p:cNvPr>
+          <p:cNvPr id="8" name="组合 7"/>
           <p:cNvGrpSpPr/>
           <p:nvPr/>
         </p:nvGrpSpPr>
         <p:grpSpPr>
           <a:xfrm>
-            <a:off x="1032385" y="5046227"/>
+            <a:off x="2556385" y="4564262"/>
             <a:ext cx="7046268" cy="1302961"/>
             <a:chOff x="1032385" y="5046227"/>
             <a:chExt cx="7046268" cy="1302961"/>
@@ -19181,13 +18920,7 @@
         </p:grpSpPr>
         <p:sp>
           <p:nvSpPr>
-            <p:cNvPr id="9" name="右大括号 8">
-              <a:extLst>
-                <a:ext uri="{FF2B5EF4-FFF2-40B4-BE49-F238E27FC236}">
-                  <a16:creationId xmlns:a16="http://schemas.microsoft.com/office/drawing/2014/main" id="{CD818985-E7A2-4D2A-825B-3515AEABEDA9}"/>
-                </a:ext>
-              </a:extLst>
-            </p:cNvPr>
+            <p:cNvPr id="9" name="右大括号 8"/>
             <p:cNvSpPr/>
             <p:nvPr/>
           </p:nvSpPr>
@@ -19230,13 +18963,7 @@
         </p:sp>
         <p:sp>
           <p:nvSpPr>
-            <p:cNvPr id="10" name="圆角矩形 4">
-              <a:extLst>
-                <a:ext uri="{FF2B5EF4-FFF2-40B4-BE49-F238E27FC236}">
-                  <a16:creationId xmlns:a16="http://schemas.microsoft.com/office/drawing/2014/main" id="{B288E10D-EC6A-4B01-8EA4-947307D7ED27}"/>
-                </a:ext>
-              </a:extLst>
-            </p:cNvPr>
+            <p:cNvPr id="10" name="圆角矩形 4"/>
             <p:cNvSpPr/>
             <p:nvPr/>
           </p:nvSpPr>
@@ -19268,11 +18995,7 @@
             </a:fontRef>
           </p:style>
           <p:txBody>
-            <a:bodyPr vert="horz" wrap="none" lIns="90000" tIns="46800" rIns="90000" bIns="46800" numCol="1" rtlCol="0" anchor="ctr" anchorCtr="0" compatLnSpc="1">
-              <a:prstTxWarp prst="textNoShape">
-                <a:avLst/>
-              </a:prstTxWarp>
-            </a:bodyPr>
+            <a:bodyPr vert="horz" wrap="none" lIns="90000" tIns="46800" rIns="90000" bIns="46800" numCol="1" rtlCol="0" anchor="ctr" anchorCtr="0" compatLnSpc="1"/>
             <a:lstStyle/>
             <a:p>
               <a:pPr marL="0" marR="0" indent="0" algn="ctr" defTabSz="914400" rtl="0" eaLnBrk="1" fontAlgn="base" latinLnBrk="0" hangingPunct="1">
@@ -19289,7 +19012,6 @@
                 <a:buSzTx/>
                 <a:buFontTx/>
                 <a:buNone/>
-                <a:tabLst/>
               </a:pPr>
               <a:r>
                 <a:rPr kumimoji="0" lang="zh-CN" altLang="en-US" sz="2000" b="0" i="0" u="none" strike="noStrike" cap="none" normalizeH="0" baseline="0" dirty="0">
@@ -19300,21 +19022,27 @@
                     <a:schemeClr val="tx1"/>
                   </a:solidFill>
                   <a:effectLst/>
-                  <a:latin typeface="微软雅黑" pitchFamily="34" charset="-122"/>
-                  <a:ea typeface="微软雅黑" pitchFamily="34" charset="-122"/>
+                  <a:latin typeface="微软雅黑" panose="020B0503020204020204" pitchFamily="34" charset="-122"/>
+                  <a:ea typeface="微软雅黑" panose="020B0503020204020204" pitchFamily="34" charset="-122"/>
                 </a:rPr>
                 <a:t>整合</a:t>
               </a:r>
+              <a:endParaRPr kumimoji="0" lang="zh-CN" altLang="en-US" sz="2000" b="0" i="0" u="none" strike="noStrike" cap="none" normalizeH="0" baseline="0" dirty="0">
+                <a:ln>
+                  <a:noFill/>
+                </a:ln>
+                <a:solidFill>
+                  <a:schemeClr val="tx1"/>
+                </a:solidFill>
+                <a:effectLst/>
+                <a:latin typeface="微软雅黑" panose="020B0503020204020204" pitchFamily="34" charset="-122"/>
+                <a:ea typeface="微软雅黑" panose="020B0503020204020204" pitchFamily="34" charset="-122"/>
+              </a:endParaRPr>
             </a:p>
           </p:txBody>
         </p:sp>
       </p:grpSp>
     </p:spTree>
-    <p:extLst>
-      <p:ext uri="{BB962C8B-B14F-4D97-AF65-F5344CB8AC3E}">
-        <p14:creationId xmlns:p14="http://schemas.microsoft.com/office/powerpoint/2010/main" val="2884978348"/>
-      </p:ext>
-    </p:extLst>
   </p:cSld>
   <p:clrMapOvr>
     <a:masterClrMapping/>
@@ -19573,7 +19301,7 @@
           <a:p>
             <a:r>
               <a:rPr lang="zh-CN" altLang="en-US" dirty="0" smtClean="0"/>
-              <a:t>九大知识领域在规划阶段的规律和关联性</a:t>
+              <a:t>十大知识领域在规划阶段的规律和关联性</a:t>
             </a:r>
             <a:endParaRPr lang="zh-CN" altLang="en-US" dirty="0"/>
           </a:p>
@@ -19587,7 +19315,7 @@
         </p:nvSpPr>
         <p:spPr>
           <a:xfrm>
-            <a:off x="152399" y="3581400"/>
+            <a:off x="1676399" y="3581400"/>
             <a:ext cx="1348155" cy="609600"/>
           </a:xfrm>
           <a:prstGeom prst="rect">
@@ -19621,28 +19349,18 @@
                 <a:solidFill>
                   <a:schemeClr val="tx1"/>
                 </a:solidFill>
-                <a:latin typeface="微软雅黑" pitchFamily="34" charset="-122"/>
-                <a:ea typeface="微软雅黑" pitchFamily="34" charset="-122"/>
+                <a:latin typeface="微软雅黑" panose="020B0503020204020204" pitchFamily="34" charset="-122"/>
+                <a:ea typeface="微软雅黑" panose="020B0503020204020204" pitchFamily="34" charset="-122"/>
               </a:rPr>
               <a:t>做什么</a:t>
-            </a:r>
-            <a:r>
-              <a:rPr lang="en-US" altLang="zh-CN" sz="1800" b="1" dirty="0">
-                <a:solidFill>
-                  <a:schemeClr val="tx1"/>
-                </a:solidFill>
-                <a:latin typeface="微软雅黑" pitchFamily="34" charset="-122"/>
-                <a:ea typeface="微软雅黑" pitchFamily="34" charset="-122"/>
-              </a:rPr>
-              <a:t/>
             </a:r>
             <a:br>
               <a:rPr lang="en-US" altLang="zh-CN" sz="1800" b="1" dirty="0">
                 <a:solidFill>
                   <a:schemeClr val="tx1"/>
                 </a:solidFill>
-                <a:latin typeface="微软雅黑" pitchFamily="34" charset="-122"/>
-                <a:ea typeface="微软雅黑" pitchFamily="34" charset="-122"/>
+                <a:latin typeface="微软雅黑" panose="020B0503020204020204" pitchFamily="34" charset="-122"/>
+                <a:ea typeface="微软雅黑" panose="020B0503020204020204" pitchFamily="34" charset="-122"/>
               </a:rPr>
             </a:br>
             <a:r>
@@ -19650,11 +19368,18 @@
                 <a:solidFill>
                   <a:schemeClr val="tx1"/>
                 </a:solidFill>
-                <a:latin typeface="微软雅黑" pitchFamily="34" charset="-122"/>
-                <a:ea typeface="微软雅黑" pitchFamily="34" charset="-122"/>
+                <a:latin typeface="微软雅黑" panose="020B0503020204020204" pitchFamily="34" charset="-122"/>
+                <a:ea typeface="微软雅黑" panose="020B0503020204020204" pitchFamily="34" charset="-122"/>
               </a:rPr>
               <a:t>（范围管理）</a:t>
             </a:r>
+            <a:endParaRPr lang="zh-CN" altLang="en-US" sz="1800" b="1" dirty="0">
+              <a:solidFill>
+                <a:schemeClr val="tx1"/>
+              </a:solidFill>
+              <a:latin typeface="微软雅黑" panose="020B0503020204020204" pitchFamily="34" charset="-122"/>
+              <a:ea typeface="微软雅黑" panose="020B0503020204020204" pitchFamily="34" charset="-122"/>
+            </a:endParaRPr>
           </a:p>
         </p:txBody>
       </p:sp>
@@ -19666,7 +19391,7 @@
         </p:nvSpPr>
         <p:spPr>
           <a:xfrm>
-            <a:off x="1981200" y="2590800"/>
+            <a:off x="3505200" y="2590800"/>
             <a:ext cx="1600201" cy="609600"/>
           </a:xfrm>
           <a:prstGeom prst="rect">
@@ -19700,28 +19425,18 @@
                 <a:solidFill>
                   <a:schemeClr val="tx1"/>
                 </a:solidFill>
-                <a:latin typeface="微软雅黑" pitchFamily="34" charset="-122"/>
-                <a:ea typeface="微软雅黑" pitchFamily="34" charset="-122"/>
+                <a:latin typeface="微软雅黑" panose="020B0503020204020204" pitchFamily="34" charset="-122"/>
+                <a:ea typeface="微软雅黑" panose="020B0503020204020204" pitchFamily="34" charset="-122"/>
               </a:rPr>
               <a:t>什么时候做？</a:t>
-            </a:r>
-            <a:r>
-              <a:rPr lang="en-US" altLang="zh-CN" sz="1800" b="1" dirty="0">
-                <a:solidFill>
-                  <a:schemeClr val="tx1"/>
-                </a:solidFill>
-                <a:latin typeface="微软雅黑" pitchFamily="34" charset="-122"/>
-                <a:ea typeface="微软雅黑" pitchFamily="34" charset="-122"/>
-              </a:rPr>
-              <a:t/>
             </a:r>
             <a:br>
               <a:rPr lang="en-US" altLang="zh-CN" sz="1800" b="1" dirty="0">
                 <a:solidFill>
                   <a:schemeClr val="tx1"/>
                 </a:solidFill>
-                <a:latin typeface="微软雅黑" pitchFamily="34" charset="-122"/>
-                <a:ea typeface="微软雅黑" pitchFamily="34" charset="-122"/>
+                <a:latin typeface="微软雅黑" panose="020B0503020204020204" pitchFamily="34" charset="-122"/>
+                <a:ea typeface="微软雅黑" panose="020B0503020204020204" pitchFamily="34" charset="-122"/>
               </a:rPr>
             </a:br>
             <a:r>
@@ -19729,11 +19444,18 @@
                 <a:solidFill>
                   <a:schemeClr val="tx1"/>
                 </a:solidFill>
-                <a:latin typeface="微软雅黑" pitchFamily="34" charset="-122"/>
-                <a:ea typeface="微软雅黑" pitchFamily="34" charset="-122"/>
+                <a:latin typeface="微软雅黑" panose="020B0503020204020204" pitchFamily="34" charset="-122"/>
+                <a:ea typeface="微软雅黑" panose="020B0503020204020204" pitchFamily="34" charset="-122"/>
               </a:rPr>
               <a:t>（时间管理）</a:t>
             </a:r>
+            <a:endParaRPr lang="zh-CN" altLang="en-US" sz="1800" b="1" dirty="0">
+              <a:solidFill>
+                <a:schemeClr val="tx1"/>
+              </a:solidFill>
+              <a:latin typeface="微软雅黑" panose="020B0503020204020204" pitchFamily="34" charset="-122"/>
+              <a:ea typeface="微软雅黑" panose="020B0503020204020204" pitchFamily="34" charset="-122"/>
+            </a:endParaRPr>
           </a:p>
         </p:txBody>
       </p:sp>
@@ -19745,7 +19467,7 @@
         </p:nvSpPr>
         <p:spPr>
           <a:xfrm>
-            <a:off x="1981200" y="3581399"/>
+            <a:off x="3505200" y="3581399"/>
             <a:ext cx="1600201" cy="609600"/>
           </a:xfrm>
           <a:prstGeom prst="rect">
@@ -19779,28 +19501,18 @@
                 <a:solidFill>
                   <a:schemeClr val="tx1"/>
                 </a:solidFill>
-                <a:latin typeface="微软雅黑" pitchFamily="34" charset="-122"/>
-                <a:ea typeface="微软雅黑" pitchFamily="34" charset="-122"/>
+                <a:latin typeface="微软雅黑" panose="020B0503020204020204" pitchFamily="34" charset="-122"/>
+                <a:ea typeface="微软雅黑" panose="020B0503020204020204" pitchFamily="34" charset="-122"/>
               </a:rPr>
               <a:t>以什么代价做？</a:t>
-            </a:r>
-            <a:r>
-              <a:rPr lang="en-US" altLang="zh-CN" sz="1800" b="1" dirty="0" smtClean="0">
-                <a:solidFill>
-                  <a:schemeClr val="tx1"/>
-                </a:solidFill>
-                <a:latin typeface="微软雅黑" pitchFamily="34" charset="-122"/>
-                <a:ea typeface="微软雅黑" pitchFamily="34" charset="-122"/>
-              </a:rPr>
-              <a:t/>
             </a:r>
             <a:br>
               <a:rPr lang="en-US" altLang="zh-CN" sz="1800" b="1" dirty="0" smtClean="0">
                 <a:solidFill>
                   <a:schemeClr val="tx1"/>
                 </a:solidFill>
-                <a:latin typeface="微软雅黑" pitchFamily="34" charset="-122"/>
-                <a:ea typeface="微软雅黑" pitchFamily="34" charset="-122"/>
+                <a:latin typeface="微软雅黑" panose="020B0503020204020204" pitchFamily="34" charset="-122"/>
+                <a:ea typeface="微软雅黑" panose="020B0503020204020204" pitchFamily="34" charset="-122"/>
               </a:rPr>
             </a:br>
             <a:r>
@@ -19808,8 +19520,8 @@
                 <a:solidFill>
                   <a:schemeClr val="tx1"/>
                 </a:solidFill>
-                <a:latin typeface="微软雅黑" pitchFamily="34" charset="-122"/>
-                <a:ea typeface="微软雅黑" pitchFamily="34" charset="-122"/>
+                <a:latin typeface="微软雅黑" panose="020B0503020204020204" pitchFamily="34" charset="-122"/>
+                <a:ea typeface="微软雅黑" panose="020B0503020204020204" pitchFamily="34" charset="-122"/>
               </a:rPr>
               <a:t>（成本管理）</a:t>
             </a:r>
@@ -19817,8 +19529,8 @@
               <a:solidFill>
                 <a:schemeClr val="tx1"/>
               </a:solidFill>
-              <a:latin typeface="微软雅黑" pitchFamily="34" charset="-122"/>
-              <a:ea typeface="微软雅黑" pitchFamily="34" charset="-122"/>
+              <a:latin typeface="微软雅黑" panose="020B0503020204020204" pitchFamily="34" charset="-122"/>
+              <a:ea typeface="微软雅黑" panose="020B0503020204020204" pitchFamily="34" charset="-122"/>
             </a:endParaRPr>
           </a:p>
         </p:txBody>
@@ -19831,7 +19543,7 @@
         </p:nvSpPr>
         <p:spPr>
           <a:xfrm>
-            <a:off x="1981200" y="4495800"/>
+            <a:off x="3505200" y="4495800"/>
             <a:ext cx="1676401" cy="609600"/>
           </a:xfrm>
           <a:prstGeom prst="rect">
@@ -19865,28 +19577,18 @@
                 <a:solidFill>
                   <a:schemeClr val="tx1"/>
                 </a:solidFill>
-                <a:latin typeface="微软雅黑" pitchFamily="34" charset="-122"/>
-                <a:ea typeface="微软雅黑" pitchFamily="34" charset="-122"/>
+                <a:latin typeface="微软雅黑" panose="020B0503020204020204" pitchFamily="34" charset="-122"/>
+                <a:ea typeface="微软雅黑" panose="020B0503020204020204" pitchFamily="34" charset="-122"/>
               </a:rPr>
               <a:t>按什么要求做？</a:t>
-            </a:r>
-            <a:r>
-              <a:rPr lang="en-US" altLang="zh-CN" sz="1800" b="1" dirty="0">
-                <a:solidFill>
-                  <a:schemeClr val="tx1"/>
-                </a:solidFill>
-                <a:latin typeface="微软雅黑" pitchFamily="34" charset="-122"/>
-                <a:ea typeface="微软雅黑" pitchFamily="34" charset="-122"/>
-              </a:rPr>
-              <a:t/>
             </a:r>
             <a:br>
               <a:rPr lang="en-US" altLang="zh-CN" sz="1800" b="1" dirty="0">
                 <a:solidFill>
                   <a:schemeClr val="tx1"/>
                 </a:solidFill>
-                <a:latin typeface="微软雅黑" pitchFamily="34" charset="-122"/>
-                <a:ea typeface="微软雅黑" pitchFamily="34" charset="-122"/>
+                <a:latin typeface="微软雅黑" panose="020B0503020204020204" pitchFamily="34" charset="-122"/>
+                <a:ea typeface="微软雅黑" panose="020B0503020204020204" pitchFamily="34" charset="-122"/>
               </a:rPr>
             </a:br>
             <a:r>
@@ -19894,11 +19596,18 @@
                 <a:solidFill>
                   <a:schemeClr val="tx1"/>
                 </a:solidFill>
-                <a:latin typeface="微软雅黑" pitchFamily="34" charset="-122"/>
-                <a:ea typeface="微软雅黑" pitchFamily="34" charset="-122"/>
+                <a:latin typeface="微软雅黑" panose="020B0503020204020204" pitchFamily="34" charset="-122"/>
+                <a:ea typeface="微软雅黑" panose="020B0503020204020204" pitchFamily="34" charset="-122"/>
               </a:rPr>
               <a:t>（质量管理）</a:t>
             </a:r>
+            <a:endParaRPr lang="zh-CN" altLang="en-US" sz="1800" b="1" dirty="0">
+              <a:solidFill>
+                <a:schemeClr val="tx1"/>
+              </a:solidFill>
+              <a:latin typeface="微软雅黑" panose="020B0503020204020204" pitchFamily="34" charset="-122"/>
+              <a:ea typeface="微软雅黑" panose="020B0503020204020204" pitchFamily="34" charset="-122"/>
+            </a:endParaRPr>
           </a:p>
         </p:txBody>
       </p:sp>
@@ -19910,7 +19619,7 @@
         </p:nvSpPr>
         <p:spPr>
           <a:xfrm>
-            <a:off x="4108939" y="2438401"/>
+            <a:off x="5632939" y="2438401"/>
             <a:ext cx="996461" cy="2895599"/>
           </a:xfrm>
           <a:prstGeom prst="flowChartDecision">
@@ -19944,28 +19653,18 @@
                 <a:solidFill>
                   <a:srgbClr val="FF0000"/>
                 </a:solidFill>
-                <a:latin typeface="微软雅黑" pitchFamily="34" charset="-122"/>
-                <a:ea typeface="微软雅黑" pitchFamily="34" charset="-122"/>
+                <a:latin typeface="微软雅黑" panose="020B0503020204020204" pitchFamily="34" charset="-122"/>
+                <a:ea typeface="微软雅黑" panose="020B0503020204020204" pitchFamily="34" charset="-122"/>
               </a:rPr>
               <a:t>需要什么</a:t>
-            </a:r>
-            <a:r>
-              <a:rPr lang="en-US" altLang="zh-CN" sz="1800" b="1" dirty="0">
-                <a:solidFill>
-                  <a:srgbClr val="FF0000"/>
-                </a:solidFill>
-                <a:latin typeface="微软雅黑" pitchFamily="34" charset="-122"/>
-                <a:ea typeface="微软雅黑" pitchFamily="34" charset="-122"/>
-              </a:rPr>
-              <a:t/>
             </a:r>
             <a:br>
               <a:rPr lang="en-US" altLang="zh-CN" sz="1800" b="1" dirty="0">
                 <a:solidFill>
                   <a:srgbClr val="FF0000"/>
                 </a:solidFill>
-                <a:latin typeface="微软雅黑" pitchFamily="34" charset="-122"/>
-                <a:ea typeface="微软雅黑" pitchFamily="34" charset="-122"/>
+                <a:latin typeface="微软雅黑" panose="020B0503020204020204" pitchFamily="34" charset="-122"/>
+                <a:ea typeface="微软雅黑" panose="020B0503020204020204" pitchFamily="34" charset="-122"/>
               </a:rPr>
             </a:br>
             <a:r>
@@ -19973,11 +19672,18 @@
                 <a:solidFill>
                   <a:srgbClr val="FF0000"/>
                 </a:solidFill>
-                <a:latin typeface="微软雅黑" pitchFamily="34" charset="-122"/>
-                <a:ea typeface="微软雅黑" pitchFamily="34" charset="-122"/>
+                <a:latin typeface="微软雅黑" panose="020B0503020204020204" pitchFamily="34" charset="-122"/>
+                <a:ea typeface="微软雅黑" panose="020B0503020204020204" pitchFamily="34" charset="-122"/>
               </a:rPr>
               <a:t>人力资源</a:t>
             </a:r>
+            <a:endParaRPr lang="zh-CN" altLang="en-US" sz="1800" b="1" dirty="0">
+              <a:solidFill>
+                <a:srgbClr val="FF0000"/>
+              </a:solidFill>
+              <a:latin typeface="微软雅黑" panose="020B0503020204020204" pitchFamily="34" charset="-122"/>
+              <a:ea typeface="微软雅黑" panose="020B0503020204020204" pitchFamily="34" charset="-122"/>
+            </a:endParaRPr>
           </a:p>
         </p:txBody>
       </p:sp>
@@ -19989,7 +19695,7 @@
         </p:nvSpPr>
         <p:spPr>
           <a:xfrm>
-            <a:off x="5638799" y="2590799"/>
+            <a:off x="7162799" y="2590799"/>
             <a:ext cx="1676401" cy="609601"/>
           </a:xfrm>
           <a:prstGeom prst="rect">
@@ -20023,28 +19729,18 @@
                 <a:solidFill>
                   <a:schemeClr val="tx1"/>
                 </a:solidFill>
-                <a:latin typeface="微软雅黑" pitchFamily="34" charset="-122"/>
-                <a:ea typeface="微软雅黑" pitchFamily="34" charset="-122"/>
+                <a:latin typeface="微软雅黑" panose="020B0503020204020204" pitchFamily="34" charset="-122"/>
+                <a:ea typeface="微软雅黑" panose="020B0503020204020204" pitchFamily="34" charset="-122"/>
               </a:rPr>
               <a:t>内部</a:t>
-            </a:r>
-            <a:r>
-              <a:rPr lang="en-US" altLang="zh-CN" sz="1800" b="1" dirty="0">
-                <a:solidFill>
-                  <a:schemeClr val="tx1"/>
-                </a:solidFill>
-                <a:latin typeface="微软雅黑" pitchFamily="34" charset="-122"/>
-                <a:ea typeface="微软雅黑" pitchFamily="34" charset="-122"/>
-              </a:rPr>
-              <a:t/>
             </a:r>
             <a:br>
               <a:rPr lang="en-US" altLang="zh-CN" sz="1800" b="1" dirty="0">
                 <a:solidFill>
                   <a:schemeClr val="tx1"/>
                 </a:solidFill>
-                <a:latin typeface="微软雅黑" pitchFamily="34" charset="-122"/>
-                <a:ea typeface="微软雅黑" pitchFamily="34" charset="-122"/>
+                <a:latin typeface="微软雅黑" panose="020B0503020204020204" pitchFamily="34" charset="-122"/>
+                <a:ea typeface="微软雅黑" panose="020B0503020204020204" pitchFamily="34" charset="-122"/>
               </a:rPr>
             </a:br>
             <a:r>
@@ -20052,8 +19748,8 @@
                 <a:solidFill>
                   <a:schemeClr val="tx1"/>
                 </a:solidFill>
-                <a:latin typeface="微软雅黑" pitchFamily="34" charset="-122"/>
-                <a:ea typeface="微软雅黑" pitchFamily="34" charset="-122"/>
+                <a:latin typeface="微软雅黑" panose="020B0503020204020204" pitchFamily="34" charset="-122"/>
+                <a:ea typeface="微软雅黑" panose="020B0503020204020204" pitchFamily="34" charset="-122"/>
               </a:rPr>
               <a:t>(</a:t>
             </a:r>
@@ -20062,8 +19758,8 @@
                 <a:solidFill>
                   <a:schemeClr val="tx1"/>
                 </a:solidFill>
-                <a:latin typeface="微软雅黑" pitchFamily="34" charset="-122"/>
-                <a:ea typeface="微软雅黑" pitchFamily="34" charset="-122"/>
+                <a:latin typeface="微软雅黑" panose="020B0503020204020204" pitchFamily="34" charset="-122"/>
+                <a:ea typeface="微软雅黑" panose="020B0503020204020204" pitchFamily="34" charset="-122"/>
               </a:rPr>
               <a:t>人力资源管理</a:t>
             </a:r>
@@ -20072,8 +19768,8 @@
                 <a:solidFill>
                   <a:schemeClr val="tx1"/>
                 </a:solidFill>
-                <a:latin typeface="微软雅黑" pitchFamily="34" charset="-122"/>
-                <a:ea typeface="微软雅黑" pitchFamily="34" charset="-122"/>
+                <a:latin typeface="微软雅黑" panose="020B0503020204020204" pitchFamily="34" charset="-122"/>
+                <a:ea typeface="微软雅黑" panose="020B0503020204020204" pitchFamily="34" charset="-122"/>
               </a:rPr>
               <a:t>)</a:t>
             </a:r>
@@ -20081,8 +19777,8 @@
               <a:solidFill>
                 <a:schemeClr val="tx1"/>
               </a:solidFill>
-              <a:latin typeface="微软雅黑" pitchFamily="34" charset="-122"/>
-              <a:ea typeface="微软雅黑" pitchFamily="34" charset="-122"/>
+              <a:latin typeface="微软雅黑" panose="020B0503020204020204" pitchFamily="34" charset="-122"/>
+              <a:ea typeface="微软雅黑" panose="020B0503020204020204" pitchFamily="34" charset="-122"/>
             </a:endParaRPr>
           </a:p>
         </p:txBody>
@@ -20095,7 +19791,7 @@
         </p:nvSpPr>
         <p:spPr>
           <a:xfrm>
-            <a:off x="5638799" y="4495800"/>
+            <a:off x="7162799" y="4495800"/>
             <a:ext cx="1676401" cy="609601"/>
           </a:xfrm>
           <a:prstGeom prst="rect">
@@ -20129,28 +19825,18 @@
                 <a:solidFill>
                   <a:schemeClr val="tx1"/>
                 </a:solidFill>
-                <a:latin typeface="微软雅黑" pitchFamily="34" charset="-122"/>
-                <a:ea typeface="微软雅黑" pitchFamily="34" charset="-122"/>
+                <a:latin typeface="微软雅黑" panose="020B0503020204020204" pitchFamily="34" charset="-122"/>
+                <a:ea typeface="微软雅黑" panose="020B0503020204020204" pitchFamily="34" charset="-122"/>
               </a:rPr>
               <a:t>外部</a:t>
-            </a:r>
-            <a:r>
-              <a:rPr lang="en-US" altLang="zh-CN" sz="1800" b="1" dirty="0">
-                <a:solidFill>
-                  <a:schemeClr val="tx1"/>
-                </a:solidFill>
-                <a:latin typeface="微软雅黑" pitchFamily="34" charset="-122"/>
-                <a:ea typeface="微软雅黑" pitchFamily="34" charset="-122"/>
-              </a:rPr>
-              <a:t/>
             </a:r>
             <a:br>
               <a:rPr lang="en-US" altLang="zh-CN" sz="1800" b="1" dirty="0">
                 <a:solidFill>
                   <a:schemeClr val="tx1"/>
                 </a:solidFill>
-                <a:latin typeface="微软雅黑" pitchFamily="34" charset="-122"/>
-                <a:ea typeface="微软雅黑" pitchFamily="34" charset="-122"/>
+                <a:latin typeface="微软雅黑" panose="020B0503020204020204" pitchFamily="34" charset="-122"/>
+                <a:ea typeface="微软雅黑" panose="020B0503020204020204" pitchFamily="34" charset="-122"/>
               </a:rPr>
             </a:br>
             <a:r>
@@ -20158,8 +19844,8 @@
                 <a:solidFill>
                   <a:schemeClr val="tx1"/>
                 </a:solidFill>
-                <a:latin typeface="微软雅黑" pitchFamily="34" charset="-122"/>
-                <a:ea typeface="微软雅黑" pitchFamily="34" charset="-122"/>
+                <a:latin typeface="微软雅黑" panose="020B0503020204020204" pitchFamily="34" charset="-122"/>
+                <a:ea typeface="微软雅黑" panose="020B0503020204020204" pitchFamily="34" charset="-122"/>
               </a:rPr>
               <a:t>(</a:t>
             </a:r>
@@ -20168,8 +19854,8 @@
                 <a:solidFill>
                   <a:schemeClr val="tx1"/>
                 </a:solidFill>
-                <a:latin typeface="微软雅黑" pitchFamily="34" charset="-122"/>
-                <a:ea typeface="微软雅黑" pitchFamily="34" charset="-122"/>
+                <a:latin typeface="微软雅黑" panose="020B0503020204020204" pitchFamily="34" charset="-122"/>
+                <a:ea typeface="微软雅黑" panose="020B0503020204020204" pitchFamily="34" charset="-122"/>
               </a:rPr>
               <a:t>采购管理</a:t>
             </a:r>
@@ -20178,8 +19864,8 @@
                 <a:solidFill>
                   <a:schemeClr val="tx1"/>
                 </a:solidFill>
-                <a:latin typeface="微软雅黑" pitchFamily="34" charset="-122"/>
-                <a:ea typeface="微软雅黑" pitchFamily="34" charset="-122"/>
+                <a:latin typeface="微软雅黑" panose="020B0503020204020204" pitchFamily="34" charset="-122"/>
+                <a:ea typeface="微软雅黑" panose="020B0503020204020204" pitchFamily="34" charset="-122"/>
               </a:rPr>
               <a:t>)</a:t>
             </a:r>
@@ -20187,8 +19873,8 @@
               <a:solidFill>
                 <a:schemeClr val="tx1"/>
               </a:solidFill>
-              <a:latin typeface="微软雅黑" pitchFamily="34" charset="-122"/>
-              <a:ea typeface="微软雅黑" pitchFamily="34" charset="-122"/>
+              <a:latin typeface="微软雅黑" panose="020B0503020204020204" pitchFamily="34" charset="-122"/>
+              <a:ea typeface="微软雅黑" panose="020B0503020204020204" pitchFamily="34" charset="-122"/>
             </a:endParaRPr>
           </a:p>
         </p:txBody>
@@ -20201,7 +19887,7 @@
         </p:nvSpPr>
         <p:spPr>
           <a:xfrm>
-            <a:off x="7696200" y="3428999"/>
+            <a:off x="9220200" y="3428999"/>
             <a:ext cx="1295401" cy="609601"/>
           </a:xfrm>
           <a:prstGeom prst="rect">
@@ -20235,28 +19921,18 @@
                 <a:solidFill>
                   <a:schemeClr val="tx1"/>
                 </a:solidFill>
-                <a:latin typeface="微软雅黑" pitchFamily="34" charset="-122"/>
-                <a:ea typeface="微软雅黑" pitchFamily="34" charset="-122"/>
+                <a:latin typeface="微软雅黑" panose="020B0503020204020204" pitchFamily="34" charset="-122"/>
+                <a:ea typeface="微软雅黑" panose="020B0503020204020204" pitchFamily="34" charset="-122"/>
               </a:rPr>
               <a:t>如何沟通？</a:t>
-            </a:r>
-            <a:r>
-              <a:rPr lang="en-US" altLang="zh-CN" sz="1800" b="1" dirty="0">
-                <a:solidFill>
-                  <a:schemeClr val="tx1"/>
-                </a:solidFill>
-                <a:latin typeface="微软雅黑" pitchFamily="34" charset="-122"/>
-                <a:ea typeface="微软雅黑" pitchFamily="34" charset="-122"/>
-              </a:rPr>
-              <a:t/>
             </a:r>
             <a:br>
               <a:rPr lang="en-US" altLang="zh-CN" sz="1800" b="1" dirty="0">
                 <a:solidFill>
                   <a:schemeClr val="tx1"/>
                 </a:solidFill>
-                <a:latin typeface="微软雅黑" pitchFamily="34" charset="-122"/>
-                <a:ea typeface="微软雅黑" pitchFamily="34" charset="-122"/>
+                <a:latin typeface="微软雅黑" panose="020B0503020204020204" pitchFamily="34" charset="-122"/>
+                <a:ea typeface="微软雅黑" panose="020B0503020204020204" pitchFamily="34" charset="-122"/>
               </a:rPr>
             </a:br>
             <a:r>
@@ -20264,8 +19940,8 @@
                 <a:solidFill>
                   <a:schemeClr val="tx1"/>
                 </a:solidFill>
-                <a:latin typeface="微软雅黑" pitchFamily="34" charset="-122"/>
-                <a:ea typeface="微软雅黑" pitchFamily="34" charset="-122"/>
+                <a:latin typeface="微软雅黑" panose="020B0503020204020204" pitchFamily="34" charset="-122"/>
+                <a:ea typeface="微软雅黑" panose="020B0503020204020204" pitchFamily="34" charset="-122"/>
               </a:rPr>
               <a:t>(</a:t>
             </a:r>
@@ -20274,8 +19950,8 @@
                 <a:solidFill>
                   <a:schemeClr val="tx1"/>
                 </a:solidFill>
-                <a:latin typeface="微软雅黑" pitchFamily="34" charset="-122"/>
-                <a:ea typeface="微软雅黑" pitchFamily="34" charset="-122"/>
+                <a:latin typeface="微软雅黑" panose="020B0503020204020204" pitchFamily="34" charset="-122"/>
+                <a:ea typeface="微软雅黑" panose="020B0503020204020204" pitchFamily="34" charset="-122"/>
               </a:rPr>
               <a:t>沟通管理</a:t>
             </a:r>
@@ -20284,8 +19960,8 @@
                 <a:solidFill>
                   <a:schemeClr val="tx1"/>
                 </a:solidFill>
-                <a:latin typeface="微软雅黑" pitchFamily="34" charset="-122"/>
-                <a:ea typeface="微软雅黑" pitchFamily="34" charset="-122"/>
+                <a:latin typeface="微软雅黑" panose="020B0503020204020204" pitchFamily="34" charset="-122"/>
+                <a:ea typeface="微软雅黑" panose="020B0503020204020204" pitchFamily="34" charset="-122"/>
               </a:rPr>
               <a:t>)</a:t>
             </a:r>
@@ -20293,8 +19969,8 @@
               <a:solidFill>
                 <a:schemeClr val="tx1"/>
               </a:solidFill>
-              <a:latin typeface="微软雅黑" pitchFamily="34" charset="-122"/>
-              <a:ea typeface="微软雅黑" pitchFamily="34" charset="-122"/>
+              <a:latin typeface="微软雅黑" panose="020B0503020204020204" pitchFamily="34" charset="-122"/>
+              <a:ea typeface="微软雅黑" panose="020B0503020204020204" pitchFamily="34" charset="-122"/>
             </a:endParaRPr>
           </a:p>
         </p:txBody>
@@ -20307,7 +19983,7 @@
         </p:nvSpPr>
         <p:spPr>
           <a:xfrm>
-            <a:off x="228600" y="1295400"/>
+            <a:off x="1752600" y="1295400"/>
             <a:ext cx="8686800" cy="609600"/>
           </a:xfrm>
           <a:prstGeom prst="rect">
@@ -20341,8 +20017,8 @@
                 <a:solidFill>
                   <a:schemeClr val="tx1"/>
                 </a:solidFill>
-                <a:latin typeface="微软雅黑" pitchFamily="34" charset="-122"/>
-                <a:ea typeface="微软雅黑" pitchFamily="34" charset="-122"/>
+                <a:latin typeface="微软雅黑" panose="020B0503020204020204" pitchFamily="34" charset="-122"/>
+                <a:ea typeface="微软雅黑" panose="020B0503020204020204" pitchFamily="34" charset="-122"/>
               </a:rPr>
               <a:t>如何实现综合最优？（整合管理）</a:t>
             </a:r>
@@ -20350,8 +20026,8 @@
               <a:solidFill>
                 <a:schemeClr val="tx1"/>
               </a:solidFill>
-              <a:latin typeface="微软雅黑" pitchFamily="34" charset="-122"/>
-              <a:ea typeface="微软雅黑" pitchFamily="34" charset="-122"/>
+              <a:latin typeface="微软雅黑" panose="020B0503020204020204" pitchFamily="34" charset="-122"/>
+              <a:ea typeface="微软雅黑" panose="020B0503020204020204" pitchFamily="34" charset="-122"/>
             </a:endParaRPr>
           </a:p>
         </p:txBody>
@@ -20364,7 +20040,7 @@
         </p:nvSpPr>
         <p:spPr>
           <a:xfrm>
-            <a:off x="228600" y="5791200"/>
+            <a:off x="1752600" y="5791200"/>
             <a:ext cx="8686800" cy="609600"/>
           </a:xfrm>
           <a:prstGeom prst="rect">
@@ -20398,11 +20074,18 @@
                 <a:solidFill>
                   <a:schemeClr val="tx1"/>
                 </a:solidFill>
-                <a:latin typeface="微软雅黑" pitchFamily="34" charset="-122"/>
-                <a:ea typeface="微软雅黑" pitchFamily="34" charset="-122"/>
+                <a:latin typeface="微软雅黑" panose="020B0503020204020204" pitchFamily="34" charset="-122"/>
+                <a:ea typeface="微软雅黑" panose="020B0503020204020204" pitchFamily="34" charset="-122"/>
               </a:rPr>
               <a:t>有哪些风险？（风险管理）</a:t>
             </a:r>
+            <a:endParaRPr lang="zh-CN" altLang="en-US" sz="1800" b="1" dirty="0">
+              <a:solidFill>
+                <a:schemeClr val="tx1"/>
+              </a:solidFill>
+              <a:latin typeface="微软雅黑" panose="020B0503020204020204" pitchFamily="34" charset="-122"/>
+              <a:ea typeface="微软雅黑" panose="020B0503020204020204" pitchFamily="34" charset="-122"/>
+            </a:endParaRPr>
           </a:p>
         </p:txBody>
       </p:sp>
@@ -20417,7 +20100,7 @@
         </p:nvCxnSpPr>
         <p:spPr>
           <a:xfrm flipV="1">
-            <a:off x="1500554" y="2895600"/>
+            <a:off x="3024554" y="2895600"/>
             <a:ext cx="480646" cy="990600"/>
           </a:xfrm>
           <a:prstGeom prst="bentConnector3">
@@ -20455,7 +20138,7 @@
         </p:nvCxnSpPr>
         <p:spPr>
           <a:xfrm flipV="1">
-            <a:off x="1500554" y="3886199"/>
+            <a:off x="3024554" y="3886199"/>
             <a:ext cx="480646" cy="1"/>
           </a:xfrm>
           <a:prstGeom prst="bentConnector3">
@@ -20493,7 +20176,7 @@
         </p:nvCxnSpPr>
         <p:spPr>
           <a:xfrm>
-            <a:off x="1500554" y="3886200"/>
+            <a:off x="3024554" y="3886200"/>
             <a:ext cx="480646" cy="914400"/>
           </a:xfrm>
           <a:prstGeom prst="bentConnector3">
@@ -20531,7 +20214,7 @@
         </p:nvCxnSpPr>
         <p:spPr>
           <a:xfrm>
-            <a:off x="3581401" y="2895600"/>
+            <a:off x="5105401" y="2895600"/>
             <a:ext cx="527538" cy="990601"/>
           </a:xfrm>
           <a:prstGeom prst="bentConnector3">
@@ -20569,7 +20252,7 @@
         </p:nvCxnSpPr>
         <p:spPr>
           <a:xfrm>
-            <a:off x="3581401" y="3886199"/>
+            <a:off x="5105401" y="3886199"/>
             <a:ext cx="527538" cy="2"/>
           </a:xfrm>
           <a:prstGeom prst="bentConnector3">
@@ -20607,7 +20290,7 @@
         </p:nvCxnSpPr>
         <p:spPr>
           <a:xfrm flipV="1">
-            <a:off x="3657601" y="3886201"/>
+            <a:off x="5181601" y="3886201"/>
             <a:ext cx="451338" cy="914399"/>
           </a:xfrm>
           <a:prstGeom prst="bentConnector3">
@@ -20645,7 +20328,7 @@
         </p:nvCxnSpPr>
         <p:spPr>
           <a:xfrm flipV="1">
-            <a:off x="5105400" y="2895600"/>
+            <a:off x="6629400" y="2895600"/>
             <a:ext cx="533399" cy="990601"/>
           </a:xfrm>
           <a:prstGeom prst="bentConnector3">
@@ -20683,7 +20366,7 @@
         </p:nvCxnSpPr>
         <p:spPr>
           <a:xfrm>
-            <a:off x="5105400" y="3886201"/>
+            <a:off x="6629400" y="3886201"/>
             <a:ext cx="533399" cy="914400"/>
           </a:xfrm>
           <a:prstGeom prst="bentConnector3">
@@ -20721,7 +20404,7 @@
         </p:nvCxnSpPr>
         <p:spPr>
           <a:xfrm>
-            <a:off x="7315200" y="2895600"/>
+            <a:off x="8839200" y="2895600"/>
             <a:ext cx="1028701" cy="533399"/>
           </a:xfrm>
           <a:prstGeom prst="bentConnector2">
@@ -20757,7 +20440,7 @@
         </p:nvCxnSpPr>
         <p:spPr>
           <a:xfrm flipV="1">
-            <a:off x="7315200" y="4038600"/>
+            <a:off x="8839200" y="4038600"/>
             <a:ext cx="1028701" cy="762001"/>
           </a:xfrm>
           <a:prstGeom prst="bentConnector2">
@@ -20790,7 +20473,7 @@
         </p:nvSpPr>
         <p:spPr>
           <a:xfrm rot="5400000">
-            <a:off x="2514600" y="2133600"/>
+            <a:off x="4038600" y="2133600"/>
             <a:ext cx="533400" cy="228600"/>
           </a:xfrm>
           <a:prstGeom prst="leftRightArrow">
@@ -20836,7 +20519,7 @@
         </p:nvSpPr>
         <p:spPr>
           <a:xfrm rot="5400000">
-            <a:off x="533400" y="2133600"/>
+            <a:off x="2057400" y="2133600"/>
             <a:ext cx="533400" cy="228600"/>
           </a:xfrm>
           <a:prstGeom prst="leftRightArrow">
@@ -20882,7 +20565,7 @@
         </p:nvSpPr>
         <p:spPr>
           <a:xfrm rot="5400000">
-            <a:off x="6248400" y="2133600"/>
+            <a:off x="7772400" y="2133600"/>
             <a:ext cx="533400" cy="228600"/>
           </a:xfrm>
           <a:prstGeom prst="leftRightArrow">
@@ -20928,7 +20611,7 @@
         </p:nvSpPr>
         <p:spPr>
           <a:xfrm rot="5400000">
-            <a:off x="8153400" y="2133600"/>
+            <a:off x="9677400" y="2133600"/>
             <a:ext cx="533400" cy="228600"/>
           </a:xfrm>
           <a:prstGeom prst="leftRightArrow">
@@ -20974,7 +20657,7 @@
         </p:nvSpPr>
         <p:spPr>
           <a:xfrm rot="5400000">
-            <a:off x="2590800" y="5334000"/>
+            <a:off x="4114800" y="5334000"/>
             <a:ext cx="533400" cy="228600"/>
           </a:xfrm>
           <a:prstGeom prst="leftRightArrow">
@@ -21020,7 +20703,7 @@
         </p:nvSpPr>
         <p:spPr>
           <a:xfrm rot="5400000">
-            <a:off x="609600" y="5334000"/>
+            <a:off x="2133600" y="5334000"/>
             <a:ext cx="533400" cy="228600"/>
           </a:xfrm>
           <a:prstGeom prst="leftRightArrow">
@@ -21066,7 +20749,7 @@
         </p:nvSpPr>
         <p:spPr>
           <a:xfrm rot="5400000">
-            <a:off x="6324600" y="5334000"/>
+            <a:off x="7848600" y="5334000"/>
             <a:ext cx="533400" cy="228600"/>
           </a:xfrm>
           <a:prstGeom prst="leftRightArrow">
@@ -21112,7 +20795,7 @@
         </p:nvSpPr>
         <p:spPr>
           <a:xfrm rot="5400000">
-            <a:off x="8229600" y="5334000"/>
+            <a:off x="9753600" y="5334000"/>
             <a:ext cx="533400" cy="228600"/>
           </a:xfrm>
           <a:prstGeom prst="leftRightArrow">
@@ -21151,11 +20834,6 @@
         </p:txBody>
       </p:sp>
     </p:spTree>
-    <p:extLst>
-      <p:ext uri="{BB962C8B-B14F-4D97-AF65-F5344CB8AC3E}">
-        <p14:creationId xmlns:p14="http://schemas.microsoft.com/office/powerpoint/2010/main" val="1761634360"/>
-      </p:ext>
-    </p:extLst>
   </p:cSld>
   <p:clrMapOvr>
     <a:masterClrMapping/>
@@ -22350,24 +22028,24 @@
       </p:par>
     </p:tnLst>
     <p:bldLst>
-      <p:bldP spid="6" grpId="0" animBg="1"/>
-      <p:bldP spid="7" grpId="0" animBg="1"/>
-      <p:bldP spid="8" grpId="0" animBg="1"/>
-      <p:bldP spid="9" grpId="0" animBg="1"/>
-      <p:bldP spid="10" grpId="0" animBg="1"/>
-      <p:bldP spid="12" grpId="0" animBg="1"/>
-      <p:bldP spid="13" grpId="0" animBg="1"/>
-      <p:bldP spid="14" grpId="0" animBg="1"/>
-      <p:bldP spid="15" grpId="0" animBg="1"/>
-      <p:bldP spid="16" grpId="0" animBg="1"/>
-      <p:bldP spid="40" grpId="0" animBg="1"/>
-      <p:bldP spid="42" grpId="0" animBg="1"/>
-      <p:bldP spid="43" grpId="0" animBg="1"/>
-      <p:bldP spid="44" grpId="0" animBg="1"/>
-      <p:bldP spid="45" grpId="0" animBg="1"/>
-      <p:bldP spid="46" grpId="0" animBg="1"/>
-      <p:bldP spid="47" grpId="0" animBg="1"/>
-      <p:bldP spid="48" grpId="0" animBg="1"/>
+      <p:bldP spid="6" grpId="0" bldLvl="0" animBg="1"/>
+      <p:bldP spid="7" grpId="0" bldLvl="0" animBg="1"/>
+      <p:bldP spid="8" grpId="0" bldLvl="0" animBg="1"/>
+      <p:bldP spid="9" grpId="0" bldLvl="0" animBg="1"/>
+      <p:bldP spid="10" grpId="0" bldLvl="0" animBg="1"/>
+      <p:bldP spid="12" grpId="0" bldLvl="0" animBg="1"/>
+      <p:bldP spid="13" grpId="0" bldLvl="0" animBg="1"/>
+      <p:bldP spid="14" grpId="0" bldLvl="0" animBg="1"/>
+      <p:bldP spid="15" grpId="0" bldLvl="0" animBg="1"/>
+      <p:bldP spid="16" grpId="0" bldLvl="0" animBg="1"/>
+      <p:bldP spid="40" grpId="0" bldLvl="0" animBg="1"/>
+      <p:bldP spid="42" grpId="0" bldLvl="0" animBg="1"/>
+      <p:bldP spid="43" grpId="0" bldLvl="0" animBg="1"/>
+      <p:bldP spid="44" grpId="0" bldLvl="0" animBg="1"/>
+      <p:bldP spid="45" grpId="0" bldLvl="0" animBg="1"/>
+      <p:bldP spid="46" grpId="0" bldLvl="0" animBg="1"/>
+      <p:bldP spid="47" grpId="0" bldLvl="0" animBg="1"/>
+      <p:bldP spid="48" grpId="0" bldLvl="0" animBg="1"/>
     </p:bldLst>
   </p:timing>
 </p:sld>
@@ -22405,7 +22083,7 @@
           <a:bodyPr/>
           <a:lstStyle/>
           <a:p>
-            <a:endParaRPr lang="zh-CN" altLang="en-US" dirty="0"/>
+            <a:endParaRPr lang="en-US" altLang="zh-CN" dirty="0"/>
           </a:p>
         </p:txBody>
       </p:sp>
@@ -22456,7 +22134,7 @@
           <p:nvPr/>
         </p:nvPicPr>
         <p:blipFill>
-          <a:blip r:embed="rId2">
+          <a:blip r:embed="rId1">
             <a:extLst>
               <a:ext uri="{28A0092B-C50C-407E-A947-70E740481C1C}">
                 <a14:useLocalDpi xmlns:a14="http://schemas.microsoft.com/office/drawing/2010/main" val="0"/>
@@ -22470,7 +22148,7 @@
         </p:blipFill>
         <p:spPr bwMode="auto">
           <a:xfrm>
-            <a:off x="2492474" y="3261646"/>
+            <a:off x="4016474" y="2852706"/>
             <a:ext cx="3596354" cy="3596354"/>
           </a:xfrm>
           <a:prstGeom prst="roundRect">
@@ -22708,6 +22386,7 @@
               <a:rPr lang="en-US" altLang="zh-CN" sz="2000" dirty="0" smtClean="0"/>
               <a:t>; </a:t>
             </a:r>
+            <a:endParaRPr lang="en-US" altLang="zh-CN" sz="2000" dirty="0" smtClean="0"/>
           </a:p>
           <a:p>
             <a:pPr lvl="1"/>
@@ -22829,21 +22508,15 @@
         <p:nvGraphicFramePr>
           <p:cNvPr id="4" name="图示 3"/>
           <p:cNvGraphicFramePr/>
-          <p:nvPr>
-            <p:extLst>
-              <p:ext uri="{D42A27DB-BD31-4B8C-83A1-F6EECF244321}">
-                <p14:modId xmlns:p14="http://schemas.microsoft.com/office/powerpoint/2010/main" val="2436066222"/>
-              </p:ext>
-            </p:extLst>
-          </p:nvPr>
+          <p:nvPr/>
         </p:nvGraphicFramePr>
         <p:xfrm>
-          <a:off x="678426" y="929159"/>
+          <a:off x="1745861" y="932334"/>
           <a:ext cx="8318090" cy="5427396"/>
         </p:xfrm>
         <a:graphic>
           <a:graphicData uri="http://schemas.openxmlformats.org/drawingml/2006/diagram">
-            <dgm:relIds xmlns:dgm="http://schemas.openxmlformats.org/drawingml/2006/diagram" xmlns:r="http://schemas.openxmlformats.org/officeDocument/2006/relationships" r:dm="rId2" r:lo="rId3" r:qs="rId4" r:cs="rId5"/>
+            <dgm:relIds xmlns:dgm="http://schemas.openxmlformats.org/drawingml/2006/diagram" xmlns:r="http://schemas.openxmlformats.org/officeDocument/2006/relationships" r:dm="rId1" r:lo="rId2" r:qs="rId3" r:cs="rId4"/>
           </a:graphicData>
         </a:graphic>
       </p:graphicFrame>
@@ -22911,7 +22584,7 @@
           <p:nvPr/>
         </p:nvPicPr>
         <p:blipFill>
-          <a:blip r:embed="rId2">
+          <a:blip r:embed="rId1">
             <a:extLst>
               <a:ext uri="{28A0092B-C50C-407E-A947-70E740481C1C}">
                 <a14:useLocalDpi xmlns:a14="http://schemas.microsoft.com/office/drawing/2010/main" val="0"/>
@@ -22925,7 +22598,7 @@
         </p:blipFill>
         <p:spPr bwMode="auto">
           <a:xfrm>
-            <a:off x="0" y="-145"/>
+            <a:off x="400050" y="1800715"/>
             <a:ext cx="4655372" cy="3727553"/>
           </a:xfrm>
           <a:prstGeom prst="rect">
@@ -22952,7 +22625,7 @@
           <p:nvPr/>
         </p:nvPicPr>
         <p:blipFill>
-          <a:blip r:embed="rId3">
+          <a:blip r:embed="rId2">
             <a:extLst>
               <a:ext uri="{28A0092B-C50C-407E-A947-70E740481C1C}">
                 <a14:useLocalDpi xmlns:a14="http://schemas.microsoft.com/office/drawing/2010/main" val="0"/>
@@ -22966,8 +22639,8 @@
         </p:blipFill>
         <p:spPr bwMode="auto">
           <a:xfrm>
-            <a:off x="3598606" y="3727408"/>
-            <a:ext cx="5545394" cy="3130592"/>
+            <a:off x="5154295" y="1800860"/>
+            <a:ext cx="6602095" cy="3727450"/>
           </a:xfrm>
           <a:prstGeom prst="rect">
             <a:avLst/>
@@ -22992,8 +22665,8 @@
         </p:nvSpPr>
         <p:spPr>
           <a:xfrm>
-            <a:off x="1059380" y="3727408"/>
-            <a:ext cx="2153154" cy="400110"/>
+            <a:off x="1459430" y="5528268"/>
+            <a:ext cx="2135505" cy="398780"/>
           </a:xfrm>
           <a:prstGeom prst="rect">
             <a:avLst/>
@@ -23038,8 +22711,8 @@
         </p:nvSpPr>
         <p:spPr>
           <a:xfrm>
-            <a:off x="5695290" y="3338637"/>
-            <a:ext cx="1758815" cy="400110"/>
+            <a:off x="7853655" y="5528117"/>
+            <a:ext cx="1739900" cy="398780"/>
           </a:xfrm>
           <a:prstGeom prst="rect">
             <a:avLst/>
@@ -23077,11 +22750,6 @@
         </p:txBody>
       </p:sp>
     </p:spTree>
-    <p:extLst>
-      <p:ext uri="{BB962C8B-B14F-4D97-AF65-F5344CB8AC3E}">
-        <p14:creationId xmlns:p14="http://schemas.microsoft.com/office/powerpoint/2010/main" val="11810058"/>
-      </p:ext>
-    </p:extLst>
   </p:cSld>
   <p:clrMapOvr>
     <a:masterClrMapping/>
@@ -23094,6 +22762,16 @@
     </p:tnLst>
   </p:timing>
 </p:sld>
+</file>
+
+<file path=ppt/tags/tag1.xml><?xml version="1.0" encoding="utf-8"?>
+<p:tagLst xmlns:p="http://schemas.openxmlformats.org/presentationml/2006/main">
+  <p:tag name="KSO_WM_TEMPLATE_TOPIC_ID" val="2869567"/>
+  <p:tag name="KSO_WM_TEMPLATE_OUTLINE_ID" val="5"/>
+  <p:tag name="KSO_WM_TEMPLATE_SCENE_ID" val="1"/>
+  <p:tag name="KSO_WM_TEMPLATE_JOB_ID" val="5"/>
+  <p:tag name="KSO_WM_TEMPLATE_TOPIC_DEFAULT" val="0"/>
+</p:tagLst>
 </file>
 
 <file path=ppt/theme/theme1.xml><?xml version="1.0" encoding="utf-8"?>
@@ -23343,13 +23021,8 @@
           <a:headEnd type="none" w="med" len="med"/>
           <a:tailEnd type="none" w="med" len="med"/>
         </a:ln>
-        <a:effectLst/>
       </a:spPr>
-      <a:bodyPr vert="horz" wrap="none" lIns="90000" tIns="46800" rIns="90000" bIns="46800" numCol="1" anchor="ctr" anchorCtr="0" compatLnSpc="1">
-        <a:prstTxWarp prst="textNoShape">
-          <a:avLst/>
-        </a:prstTxWarp>
-      </a:bodyPr>
+      <a:bodyPr vert="horz" wrap="none" lIns="90000" tIns="46800" rIns="90000" bIns="46800" numCol="1" anchor="ctr" anchorCtr="0" compatLnSpc="1"/>
       <a:lstStyle>
         <a:defPPr marL="0" marR="0" indent="0" algn="l" defTabSz="914400" rtl="0" eaLnBrk="1" fontAlgn="base" latinLnBrk="0" hangingPunct="1">
           <a:lnSpc>
@@ -23365,7 +23038,6 @@
           <a:buSzTx/>
           <a:buFontTx/>
           <a:buNone/>
-          <a:tabLst/>
           <a:defRPr kumimoji="0" lang="en-US" sz="2000" b="0" i="0" u="none" strike="noStrike" cap="none" normalizeH="0" baseline="0" smtClean="0">
             <a:ln>
               <a:noFill/>
@@ -23374,7 +23046,7 @@
               <a:schemeClr val="tx1"/>
             </a:solidFill>
             <a:effectLst/>
-            <a:latin typeface="Arial" charset="0"/>
+            <a:latin typeface="Arial" panose="020B0604020202020204" pitchFamily="34" charset="0"/>
           </a:defRPr>
         </a:defPPr>
       </a:lstStyle>
@@ -23393,7 +23065,6 @@
           <a:headEnd type="none" w="med" len="med"/>
           <a:tailEnd type="none" w="med" len="med"/>
         </a:ln>
-        <a:effectLst/>
       </a:spPr>
       <a:bodyPr/>
       <a:lstStyle/>
@@ -23442,6 +23113,11 @@
       <a:clrMap bg1="lt1" tx1="dk1" bg2="lt2" tx2="dk2" accent1="accent1" accent2="accent2" accent3="accent3" accent4="accent4" accent5="accent5" accent6="accent6" hlink="hlink" folHlink="folHlink"/>
     </a:extraClrScheme>
   </a:extraClrSchemeLst>
+  <a:extLst>
+    <a:ext uri="{05A4C25C-085E-4340-85A3-A5531E510DB2}">
+      <thm15:themeFamily xmlns:thm15="http://schemas.microsoft.com/office/thememl/2012/main" name="Office Theme" id="{62F939B6-93AF-4DB8-9C6B-D6C7DFDC589F}" vid="{4A3C46E8-61CC-4603-A589-7422A47A8E4A}"/>
+    </a:ext>
+  </a:extLst>
 </a:theme>
 </file>
 
@@ -23723,8 +23399,11 @@
       </a:bgFillStyleLst>
     </a:fmtScheme>
   </a:themeElements>
-  <a:objectDefaults/>
-  <a:extraClrSchemeLst/>
+  <a:extLst>
+    <a:ext uri="{05A4C25C-085E-4340-85A3-A5531E510DB2}">
+      <thm15:themeFamily xmlns:thm15="http://schemas.microsoft.com/office/thememl/2012/main" name="Office Theme" id="{62F939B6-93AF-4DB8-9C6B-D6C7DFDC589F}" vid="{4A3C46E8-61CC-4603-A589-7422A47A8E4A}"/>
+    </a:ext>
+  </a:extLst>
 </a:theme>
 </file>
 
@@ -24006,7 +23685,10 @@
       </a:bgFillStyleLst>
     </a:fmtScheme>
   </a:themeElements>
-  <a:objectDefaults/>
-  <a:extraClrSchemeLst/>
+  <a:extLst>
+    <a:ext uri="{05A4C25C-085E-4340-85A3-A5531E510DB2}">
+      <thm15:themeFamily xmlns:thm15="http://schemas.microsoft.com/office/thememl/2012/main" name="Office Theme" id="{62F939B6-93AF-4DB8-9C6B-D6C7DFDC589F}" vid="{4A3C46E8-61CC-4603-A589-7422A47A8E4A}"/>
+    </a:ext>
+  </a:extLst>
 </a:theme>
 </file>
--- a/materials/slides/ch03-5.pptx
+++ b/materials/slides/ch03-5.pptx
@@ -15072,14 +15072,19 @@
             <p:ph sz="quarter" idx="1"/>
           </p:nvPr>
         </p:nvSpPr>
-        <p:spPr/>
+        <p:spPr>
+          <a:xfrm>
+            <a:off x="393700" y="1395730"/>
+            <a:ext cx="9443720" cy="4313555"/>
+          </a:xfrm>
+        </p:spPr>
         <p:txBody>
           <a:bodyPr/>
           <a:lstStyle/>
           <a:p>
             <a:r>
               <a:rPr lang="zh-CN" altLang="en-US" sz="2400" dirty="0" smtClean="0"/>
-              <a:t>角色。说明某人负责项目某部分工作的一个名词。例如架构师、开发人员、测试人员</a:t>
+              <a:t>角色。说明某人负责项目某部分工作的特定身份的名词。例如架构师、开发人员、测试人员</a:t>
             </a:r>
             <a:endParaRPr lang="en-US" altLang="zh-CN" sz="2400" dirty="0" smtClean="0"/>
           </a:p>
@@ -16617,7 +16622,7 @@
         </p:nvSpPr>
         <p:spPr>
           <a:xfrm>
-            <a:off x="7021592" y="3335020"/>
+            <a:off x="7021592" y="3361690"/>
             <a:ext cx="3230880" cy="398780"/>
           </a:xfrm>
           <a:prstGeom prst="rect">
@@ -16653,7 +16658,7 @@
         </p:nvSpPr>
         <p:spPr>
           <a:xfrm>
-            <a:off x="7010400" y="2526308"/>
+            <a:off x="7010400" y="2606318"/>
             <a:ext cx="1960880" cy="398780"/>
           </a:xfrm>
           <a:prstGeom prst="rect">
@@ -16689,7 +16694,7 @@
         </p:nvSpPr>
         <p:spPr>
           <a:xfrm>
-            <a:off x="7018655" y="1831975"/>
+            <a:off x="7018655" y="1898650"/>
             <a:ext cx="3484880" cy="398780"/>
           </a:xfrm>
           <a:prstGeom prst="rect">
@@ -17278,7 +17283,7 @@
         <p:spPr>
           <a:xfrm>
             <a:off x="400050" y="1371600"/>
-            <a:ext cx="9810750" cy="1219200"/>
+            <a:ext cx="10318750" cy="1219200"/>
           </a:xfrm>
         </p:spPr>
         <p:txBody>
@@ -17287,14 +17292,14 @@
           <a:p>
             <a:r>
               <a:rPr lang="zh-CN" altLang="en-US" sz="2400" dirty="0" smtClean="0"/>
-              <a:t>保健因素：导致不满的因素</a:t>
+              <a:t>保健因素：导致工作不满的因素（避免产生不满，又不能提供满意的因素）</a:t>
             </a:r>
             <a:endParaRPr lang="en-US" altLang="zh-CN" sz="2400" dirty="0" smtClean="0"/>
           </a:p>
           <a:p>
             <a:r>
               <a:rPr lang="zh-CN" altLang="en-US" sz="2400" dirty="0" smtClean="0"/>
-              <a:t>激励因素：影响工作满意度的因素</a:t>
+              <a:t>激励因素：影响工作满意的因素</a:t>
             </a:r>
             <a:endParaRPr lang="zh-CN" altLang="en-US" sz="2400" dirty="0"/>
           </a:p>
@@ -19050,219 +19055,9 @@
   <p:timing>
     <p:tnLst>
       <p:par>
-        <p:cTn id="1" dur="indefinite" restart="never" nodeType="tmRoot">
-          <p:childTnLst>
-            <p:seq concurrent="1" nextAc="seek">
-              <p:cTn id="2" dur="indefinite" nodeType="mainSeq">
-                <p:childTnLst>
-                  <p:par>
-                    <p:cTn id="3" fill="hold">
-                      <p:stCondLst>
-                        <p:cond delay="indefinite"/>
-                      </p:stCondLst>
-                      <p:childTnLst>
-                        <p:par>
-                          <p:cTn id="4" fill="hold">
-                            <p:stCondLst>
-                              <p:cond delay="0"/>
-                            </p:stCondLst>
-                            <p:childTnLst>
-                              <p:par>
-                                <p:cTn id="5" presetID="2" presetClass="entr" presetSubtype="4" fill="hold" grpId="0" nodeType="clickEffect">
-                                  <p:stCondLst>
-                                    <p:cond delay="0"/>
-                                  </p:stCondLst>
-                                  <p:childTnLst>
-                                    <p:set>
-                                      <p:cBhvr>
-                                        <p:cTn id="6" dur="1" fill="hold">
-                                          <p:stCondLst>
-                                            <p:cond delay="0"/>
-                                          </p:stCondLst>
-                                        </p:cTn>
-                                        <p:tgtEl>
-                                          <p:spTgt spid="7"/>
-                                        </p:tgtEl>
-                                        <p:attrNameLst>
-                                          <p:attrName>style.visibility</p:attrName>
-                                        </p:attrNameLst>
-                                      </p:cBhvr>
-                                      <p:to>
-                                        <p:strVal val="visible"/>
-                                      </p:to>
-                                    </p:set>
-                                    <p:anim calcmode="lin" valueType="num">
-                                      <p:cBhvr additive="base">
-                                        <p:cTn id="7" dur="500" fill="hold"/>
-                                        <p:tgtEl>
-                                          <p:spTgt spid="7"/>
-                                        </p:tgtEl>
-                                        <p:attrNameLst>
-                                          <p:attrName>ppt_x</p:attrName>
-                                        </p:attrNameLst>
-                                      </p:cBhvr>
-                                      <p:tavLst>
-                                        <p:tav tm="0">
-                                          <p:val>
-                                            <p:strVal val="#ppt_x"/>
-                                          </p:val>
-                                        </p:tav>
-                                        <p:tav tm="100000">
-                                          <p:val>
-                                            <p:strVal val="#ppt_x"/>
-                                          </p:val>
-                                        </p:tav>
-                                      </p:tavLst>
-                                    </p:anim>
-                                    <p:anim calcmode="lin" valueType="num">
-                                      <p:cBhvr additive="base">
-                                        <p:cTn id="8" dur="500" fill="hold"/>
-                                        <p:tgtEl>
-                                          <p:spTgt spid="7"/>
-                                        </p:tgtEl>
-                                        <p:attrNameLst>
-                                          <p:attrName>ppt_y</p:attrName>
-                                        </p:attrNameLst>
-                                      </p:cBhvr>
-                                      <p:tavLst>
-                                        <p:tav tm="0">
-                                          <p:val>
-                                            <p:strVal val="1+#ppt_h/2"/>
-                                          </p:val>
-                                        </p:tav>
-                                        <p:tav tm="100000">
-                                          <p:val>
-                                            <p:strVal val="#ppt_y"/>
-                                          </p:val>
-                                        </p:tav>
-                                      </p:tavLst>
-                                    </p:anim>
-                                  </p:childTnLst>
-                                </p:cTn>
-                              </p:par>
-                            </p:childTnLst>
-                          </p:cTn>
-                        </p:par>
-                      </p:childTnLst>
-                    </p:cTn>
-                  </p:par>
-                  <p:par>
-                    <p:cTn id="9" fill="hold">
-                      <p:stCondLst>
-                        <p:cond delay="indefinite"/>
-                      </p:stCondLst>
-                      <p:childTnLst>
-                        <p:par>
-                          <p:cTn id="10" fill="hold">
-                            <p:stCondLst>
-                              <p:cond delay="0"/>
-                            </p:stCondLst>
-                            <p:childTnLst>
-                              <p:par>
-                                <p:cTn id="11" presetID="2" presetClass="entr" presetSubtype="4" fill="hold" nodeType="clickEffect">
-                                  <p:stCondLst>
-                                    <p:cond delay="0"/>
-                                  </p:stCondLst>
-                                  <p:childTnLst>
-                                    <p:set>
-                                      <p:cBhvr>
-                                        <p:cTn id="12" dur="1" fill="hold">
-                                          <p:stCondLst>
-                                            <p:cond delay="0"/>
-                                          </p:stCondLst>
-                                        </p:cTn>
-                                        <p:tgtEl>
-                                          <p:spTgt spid="8"/>
-                                        </p:tgtEl>
-                                        <p:attrNameLst>
-                                          <p:attrName>style.visibility</p:attrName>
-                                        </p:attrNameLst>
-                                      </p:cBhvr>
-                                      <p:to>
-                                        <p:strVal val="visible"/>
-                                      </p:to>
-                                    </p:set>
-                                    <p:anim calcmode="lin" valueType="num">
-                                      <p:cBhvr additive="base">
-                                        <p:cTn id="13" dur="500" fill="hold"/>
-                                        <p:tgtEl>
-                                          <p:spTgt spid="8"/>
-                                        </p:tgtEl>
-                                        <p:attrNameLst>
-                                          <p:attrName>ppt_x</p:attrName>
-                                        </p:attrNameLst>
-                                      </p:cBhvr>
-                                      <p:tavLst>
-                                        <p:tav tm="0">
-                                          <p:val>
-                                            <p:strVal val="#ppt_x"/>
-                                          </p:val>
-                                        </p:tav>
-                                        <p:tav tm="100000">
-                                          <p:val>
-                                            <p:strVal val="#ppt_x"/>
-                                          </p:val>
-                                        </p:tav>
-                                      </p:tavLst>
-                                    </p:anim>
-                                    <p:anim calcmode="lin" valueType="num">
-                                      <p:cBhvr additive="base">
-                                        <p:cTn id="14" dur="500" fill="hold"/>
-                                        <p:tgtEl>
-                                          <p:spTgt spid="8"/>
-                                        </p:tgtEl>
-                                        <p:attrNameLst>
-                                          <p:attrName>ppt_y</p:attrName>
-                                        </p:attrNameLst>
-                                      </p:cBhvr>
-                                      <p:tavLst>
-                                        <p:tav tm="0">
-                                          <p:val>
-                                            <p:strVal val="1+#ppt_h/2"/>
-                                          </p:val>
-                                        </p:tav>
-                                        <p:tav tm="100000">
-                                          <p:val>
-                                            <p:strVal val="#ppt_y"/>
-                                          </p:val>
-                                        </p:tav>
-                                      </p:tavLst>
-                                    </p:anim>
-                                  </p:childTnLst>
-                                </p:cTn>
-                              </p:par>
-                            </p:childTnLst>
-                          </p:cTn>
-                        </p:par>
-                      </p:childTnLst>
-                    </p:cTn>
-                  </p:par>
-                </p:childTnLst>
-              </p:cTn>
-              <p:prevCondLst>
-                <p:cond evt="onPrev" delay="0">
-                  <p:tgtEl>
-                    <p:sldTgt/>
-                  </p:tgtEl>
-                </p:cond>
-              </p:prevCondLst>
-              <p:nextCondLst>
-                <p:cond evt="onNext" delay="0">
-                  <p:tgtEl>
-                    <p:sldTgt/>
-                  </p:tgtEl>
-                </p:cond>
-              </p:nextCondLst>
-            </p:seq>
-          </p:childTnLst>
-        </p:cTn>
+        <p:cTn id="1" dur="indefinite" restart="never" nodeType="tmRoot"/>
       </p:par>
     </p:tnLst>
-    <p:bldLst>
-      <p:bldGraphic spid="7" grpId="0">
-        <p:bldAsOne/>
-      </p:bldGraphic>
-    </p:bldLst>
   </p:timing>
 </p:sld>
 </file>
@@ -20841,1212 +20636,9 @@
   <p:timing>
     <p:tnLst>
       <p:par>
-        <p:cTn id="1" dur="indefinite" restart="never" nodeType="tmRoot">
-          <p:childTnLst>
-            <p:seq concurrent="1" nextAc="seek">
-              <p:cTn id="2" dur="indefinite" nodeType="mainSeq">
-                <p:childTnLst>
-                  <p:par>
-                    <p:cTn id="3" fill="hold">
-                      <p:stCondLst>
-                        <p:cond delay="indefinite"/>
-                      </p:stCondLst>
-                      <p:childTnLst>
-                        <p:par>
-                          <p:cTn id="4" fill="hold">
-                            <p:stCondLst>
-                              <p:cond delay="0"/>
-                            </p:stCondLst>
-                            <p:childTnLst>
-                              <p:par>
-                                <p:cTn id="5" presetID="3" presetClass="entr" presetSubtype="10" fill="hold" grpId="0" nodeType="clickEffect">
-                                  <p:stCondLst>
-                                    <p:cond delay="0"/>
-                                  </p:stCondLst>
-                                  <p:childTnLst>
-                                    <p:set>
-                                      <p:cBhvr>
-                                        <p:cTn id="6" dur="1" fill="hold">
-                                          <p:stCondLst>
-                                            <p:cond delay="0"/>
-                                          </p:stCondLst>
-                                        </p:cTn>
-                                        <p:tgtEl>
-                                          <p:spTgt spid="6"/>
-                                        </p:tgtEl>
-                                        <p:attrNameLst>
-                                          <p:attrName>style.visibility</p:attrName>
-                                        </p:attrNameLst>
-                                      </p:cBhvr>
-                                      <p:to>
-                                        <p:strVal val="visible"/>
-                                      </p:to>
-                                    </p:set>
-                                    <p:animEffect transition="in" filter="blinds(horizontal)">
-                                      <p:cBhvr>
-                                        <p:cTn id="7" dur="500"/>
-                                        <p:tgtEl>
-                                          <p:spTgt spid="6"/>
-                                        </p:tgtEl>
-                                      </p:cBhvr>
-                                    </p:animEffect>
-                                  </p:childTnLst>
-                                </p:cTn>
-                              </p:par>
-                            </p:childTnLst>
-                          </p:cTn>
-                        </p:par>
-                      </p:childTnLst>
-                    </p:cTn>
-                  </p:par>
-                  <p:par>
-                    <p:cTn id="8" fill="hold">
-                      <p:stCondLst>
-                        <p:cond delay="indefinite"/>
-                      </p:stCondLst>
-                      <p:childTnLst>
-                        <p:par>
-                          <p:cTn id="9" fill="hold">
-                            <p:stCondLst>
-                              <p:cond delay="0"/>
-                            </p:stCondLst>
-                            <p:childTnLst>
-                              <p:par>
-                                <p:cTn id="10" presetID="3" presetClass="entr" presetSubtype="10" fill="hold" nodeType="clickEffect">
-                                  <p:stCondLst>
-                                    <p:cond delay="0"/>
-                                  </p:stCondLst>
-                                  <p:childTnLst>
-                                    <p:set>
-                                      <p:cBhvr>
-                                        <p:cTn id="11" dur="1" fill="hold">
-                                          <p:stCondLst>
-                                            <p:cond delay="0"/>
-                                          </p:stCondLst>
-                                        </p:cTn>
-                                        <p:tgtEl>
-                                          <p:spTgt spid="18"/>
-                                        </p:tgtEl>
-                                        <p:attrNameLst>
-                                          <p:attrName>style.visibility</p:attrName>
-                                        </p:attrNameLst>
-                                      </p:cBhvr>
-                                      <p:to>
-                                        <p:strVal val="visible"/>
-                                      </p:to>
-                                    </p:set>
-                                    <p:animEffect transition="in" filter="blinds(horizontal)">
-                                      <p:cBhvr>
-                                        <p:cTn id="12" dur="500"/>
-                                        <p:tgtEl>
-                                          <p:spTgt spid="18"/>
-                                        </p:tgtEl>
-                                      </p:cBhvr>
-                                    </p:animEffect>
-                                  </p:childTnLst>
-                                </p:cTn>
-                              </p:par>
-                              <p:par>
-                                <p:cTn id="13" presetID="3" presetClass="entr" presetSubtype="10" fill="hold" grpId="0" nodeType="withEffect">
-                                  <p:stCondLst>
-                                    <p:cond delay="0"/>
-                                  </p:stCondLst>
-                                  <p:childTnLst>
-                                    <p:set>
-                                      <p:cBhvr>
-                                        <p:cTn id="14" dur="1" fill="hold">
-                                          <p:stCondLst>
-                                            <p:cond delay="0"/>
-                                          </p:stCondLst>
-                                        </p:cTn>
-                                        <p:tgtEl>
-                                          <p:spTgt spid="7"/>
-                                        </p:tgtEl>
-                                        <p:attrNameLst>
-                                          <p:attrName>style.visibility</p:attrName>
-                                        </p:attrNameLst>
-                                      </p:cBhvr>
-                                      <p:to>
-                                        <p:strVal val="visible"/>
-                                      </p:to>
-                                    </p:set>
-                                    <p:animEffect transition="in" filter="blinds(horizontal)">
-                                      <p:cBhvr>
-                                        <p:cTn id="15" dur="500"/>
-                                        <p:tgtEl>
-                                          <p:spTgt spid="7"/>
-                                        </p:tgtEl>
-                                      </p:cBhvr>
-                                    </p:animEffect>
-                                  </p:childTnLst>
-                                </p:cTn>
-                              </p:par>
-                            </p:childTnLst>
-                          </p:cTn>
-                        </p:par>
-                      </p:childTnLst>
-                    </p:cTn>
-                  </p:par>
-                  <p:par>
-                    <p:cTn id="16" fill="hold">
-                      <p:stCondLst>
-                        <p:cond delay="indefinite"/>
-                      </p:stCondLst>
-                      <p:childTnLst>
-                        <p:par>
-                          <p:cTn id="17" fill="hold">
-                            <p:stCondLst>
-                              <p:cond delay="0"/>
-                            </p:stCondLst>
-                            <p:childTnLst>
-                              <p:par>
-                                <p:cTn id="18" presetID="3" presetClass="entr" presetSubtype="10" fill="hold" nodeType="clickEffect">
-                                  <p:stCondLst>
-                                    <p:cond delay="0"/>
-                                  </p:stCondLst>
-                                  <p:childTnLst>
-                                    <p:set>
-                                      <p:cBhvr>
-                                        <p:cTn id="19" dur="1" fill="hold">
-                                          <p:stCondLst>
-                                            <p:cond delay="0"/>
-                                          </p:stCondLst>
-                                        </p:cTn>
-                                        <p:tgtEl>
-                                          <p:spTgt spid="20"/>
-                                        </p:tgtEl>
-                                        <p:attrNameLst>
-                                          <p:attrName>style.visibility</p:attrName>
-                                        </p:attrNameLst>
-                                      </p:cBhvr>
-                                      <p:to>
-                                        <p:strVal val="visible"/>
-                                      </p:to>
-                                    </p:set>
-                                    <p:animEffect transition="in" filter="blinds(horizontal)">
-                                      <p:cBhvr>
-                                        <p:cTn id="20" dur="500"/>
-                                        <p:tgtEl>
-                                          <p:spTgt spid="20"/>
-                                        </p:tgtEl>
-                                      </p:cBhvr>
-                                    </p:animEffect>
-                                  </p:childTnLst>
-                                </p:cTn>
-                              </p:par>
-                              <p:par>
-                                <p:cTn id="21" presetID="3" presetClass="entr" presetSubtype="10" fill="hold" grpId="0" nodeType="withEffect">
-                                  <p:stCondLst>
-                                    <p:cond delay="0"/>
-                                  </p:stCondLst>
-                                  <p:childTnLst>
-                                    <p:set>
-                                      <p:cBhvr>
-                                        <p:cTn id="22" dur="1" fill="hold">
-                                          <p:stCondLst>
-                                            <p:cond delay="0"/>
-                                          </p:stCondLst>
-                                        </p:cTn>
-                                        <p:tgtEl>
-                                          <p:spTgt spid="8"/>
-                                        </p:tgtEl>
-                                        <p:attrNameLst>
-                                          <p:attrName>style.visibility</p:attrName>
-                                        </p:attrNameLst>
-                                      </p:cBhvr>
-                                      <p:to>
-                                        <p:strVal val="visible"/>
-                                      </p:to>
-                                    </p:set>
-                                    <p:animEffect transition="in" filter="blinds(horizontal)">
-                                      <p:cBhvr>
-                                        <p:cTn id="23" dur="500"/>
-                                        <p:tgtEl>
-                                          <p:spTgt spid="8"/>
-                                        </p:tgtEl>
-                                      </p:cBhvr>
-                                    </p:animEffect>
-                                  </p:childTnLst>
-                                </p:cTn>
-                              </p:par>
-                            </p:childTnLst>
-                          </p:cTn>
-                        </p:par>
-                      </p:childTnLst>
-                    </p:cTn>
-                  </p:par>
-                  <p:par>
-                    <p:cTn id="24" fill="hold">
-                      <p:stCondLst>
-                        <p:cond delay="indefinite"/>
-                      </p:stCondLst>
-                      <p:childTnLst>
-                        <p:par>
-                          <p:cTn id="25" fill="hold">
-                            <p:stCondLst>
-                              <p:cond delay="0"/>
-                            </p:stCondLst>
-                            <p:childTnLst>
-                              <p:par>
-                                <p:cTn id="26" presetID="3" presetClass="entr" presetSubtype="10" fill="hold" nodeType="clickEffect">
-                                  <p:stCondLst>
-                                    <p:cond delay="0"/>
-                                  </p:stCondLst>
-                                  <p:childTnLst>
-                                    <p:set>
-                                      <p:cBhvr>
-                                        <p:cTn id="27" dur="1" fill="hold">
-                                          <p:stCondLst>
-                                            <p:cond delay="0"/>
-                                          </p:stCondLst>
-                                        </p:cTn>
-                                        <p:tgtEl>
-                                          <p:spTgt spid="22"/>
-                                        </p:tgtEl>
-                                        <p:attrNameLst>
-                                          <p:attrName>style.visibility</p:attrName>
-                                        </p:attrNameLst>
-                                      </p:cBhvr>
-                                      <p:to>
-                                        <p:strVal val="visible"/>
-                                      </p:to>
-                                    </p:set>
-                                    <p:animEffect transition="in" filter="blinds(horizontal)">
-                                      <p:cBhvr>
-                                        <p:cTn id="28" dur="500"/>
-                                        <p:tgtEl>
-                                          <p:spTgt spid="22"/>
-                                        </p:tgtEl>
-                                      </p:cBhvr>
-                                    </p:animEffect>
-                                  </p:childTnLst>
-                                </p:cTn>
-                              </p:par>
-                              <p:par>
-                                <p:cTn id="29" presetID="3" presetClass="entr" presetSubtype="10" fill="hold" grpId="0" nodeType="withEffect">
-                                  <p:stCondLst>
-                                    <p:cond delay="0"/>
-                                  </p:stCondLst>
-                                  <p:childTnLst>
-                                    <p:set>
-                                      <p:cBhvr>
-                                        <p:cTn id="30" dur="1" fill="hold">
-                                          <p:stCondLst>
-                                            <p:cond delay="0"/>
-                                          </p:stCondLst>
-                                        </p:cTn>
-                                        <p:tgtEl>
-                                          <p:spTgt spid="9"/>
-                                        </p:tgtEl>
-                                        <p:attrNameLst>
-                                          <p:attrName>style.visibility</p:attrName>
-                                        </p:attrNameLst>
-                                      </p:cBhvr>
-                                      <p:to>
-                                        <p:strVal val="visible"/>
-                                      </p:to>
-                                    </p:set>
-                                    <p:animEffect transition="in" filter="blinds(horizontal)">
-                                      <p:cBhvr>
-                                        <p:cTn id="31" dur="500"/>
-                                        <p:tgtEl>
-                                          <p:spTgt spid="9"/>
-                                        </p:tgtEl>
-                                      </p:cBhvr>
-                                    </p:animEffect>
-                                  </p:childTnLst>
-                                </p:cTn>
-                              </p:par>
-                            </p:childTnLst>
-                          </p:cTn>
-                        </p:par>
-                      </p:childTnLst>
-                    </p:cTn>
-                  </p:par>
-                  <p:par>
-                    <p:cTn id="32" fill="hold">
-                      <p:stCondLst>
-                        <p:cond delay="indefinite"/>
-                      </p:stCondLst>
-                      <p:childTnLst>
-                        <p:par>
-                          <p:cTn id="33" fill="hold">
-                            <p:stCondLst>
-                              <p:cond delay="0"/>
-                            </p:stCondLst>
-                            <p:childTnLst>
-                              <p:par>
-                                <p:cTn id="34" presetID="3" presetClass="entr" presetSubtype="10" fill="hold" nodeType="clickEffect">
-                                  <p:stCondLst>
-                                    <p:cond delay="0"/>
-                                  </p:stCondLst>
-                                  <p:childTnLst>
-                                    <p:set>
-                                      <p:cBhvr>
-                                        <p:cTn id="35" dur="1" fill="hold">
-                                          <p:stCondLst>
-                                            <p:cond delay="0"/>
-                                          </p:stCondLst>
-                                        </p:cTn>
-                                        <p:tgtEl>
-                                          <p:spTgt spid="24"/>
-                                        </p:tgtEl>
-                                        <p:attrNameLst>
-                                          <p:attrName>style.visibility</p:attrName>
-                                        </p:attrNameLst>
-                                      </p:cBhvr>
-                                      <p:to>
-                                        <p:strVal val="visible"/>
-                                      </p:to>
-                                    </p:set>
-                                    <p:animEffect transition="in" filter="blinds(horizontal)">
-                                      <p:cBhvr>
-                                        <p:cTn id="36" dur="500"/>
-                                        <p:tgtEl>
-                                          <p:spTgt spid="24"/>
-                                        </p:tgtEl>
-                                      </p:cBhvr>
-                                    </p:animEffect>
-                                  </p:childTnLst>
-                                </p:cTn>
-                              </p:par>
-                              <p:par>
-                                <p:cTn id="37" presetID="3" presetClass="entr" presetSubtype="10" fill="hold" nodeType="withEffect">
-                                  <p:stCondLst>
-                                    <p:cond delay="0"/>
-                                  </p:stCondLst>
-                                  <p:childTnLst>
-                                    <p:set>
-                                      <p:cBhvr>
-                                        <p:cTn id="38" dur="1" fill="hold">
-                                          <p:stCondLst>
-                                            <p:cond delay="0"/>
-                                          </p:stCondLst>
-                                        </p:cTn>
-                                        <p:tgtEl>
-                                          <p:spTgt spid="26"/>
-                                        </p:tgtEl>
-                                        <p:attrNameLst>
-                                          <p:attrName>style.visibility</p:attrName>
-                                        </p:attrNameLst>
-                                      </p:cBhvr>
-                                      <p:to>
-                                        <p:strVal val="visible"/>
-                                      </p:to>
-                                    </p:set>
-                                    <p:animEffect transition="in" filter="blinds(horizontal)">
-                                      <p:cBhvr>
-                                        <p:cTn id="39" dur="500"/>
-                                        <p:tgtEl>
-                                          <p:spTgt spid="26"/>
-                                        </p:tgtEl>
-                                      </p:cBhvr>
-                                    </p:animEffect>
-                                  </p:childTnLst>
-                                </p:cTn>
-                              </p:par>
-                              <p:par>
-                                <p:cTn id="40" presetID="3" presetClass="entr" presetSubtype="10" fill="hold" nodeType="withEffect">
-                                  <p:stCondLst>
-                                    <p:cond delay="0"/>
-                                  </p:stCondLst>
-                                  <p:childTnLst>
-                                    <p:set>
-                                      <p:cBhvr>
-                                        <p:cTn id="41" dur="1" fill="hold">
-                                          <p:stCondLst>
-                                            <p:cond delay="0"/>
-                                          </p:stCondLst>
-                                        </p:cTn>
-                                        <p:tgtEl>
-                                          <p:spTgt spid="30"/>
-                                        </p:tgtEl>
-                                        <p:attrNameLst>
-                                          <p:attrName>style.visibility</p:attrName>
-                                        </p:attrNameLst>
-                                      </p:cBhvr>
-                                      <p:to>
-                                        <p:strVal val="visible"/>
-                                      </p:to>
-                                    </p:set>
-                                    <p:animEffect transition="in" filter="blinds(horizontal)">
-                                      <p:cBhvr>
-                                        <p:cTn id="42" dur="500"/>
-                                        <p:tgtEl>
-                                          <p:spTgt spid="30"/>
-                                        </p:tgtEl>
-                                      </p:cBhvr>
-                                    </p:animEffect>
-                                  </p:childTnLst>
-                                </p:cTn>
-                              </p:par>
-                              <p:par>
-                                <p:cTn id="43" presetID="3" presetClass="entr" presetSubtype="10" fill="hold" grpId="0" nodeType="withEffect">
-                                  <p:stCondLst>
-                                    <p:cond delay="0"/>
-                                  </p:stCondLst>
-                                  <p:childTnLst>
-                                    <p:set>
-                                      <p:cBhvr>
-                                        <p:cTn id="44" dur="1" fill="hold">
-                                          <p:stCondLst>
-                                            <p:cond delay="0"/>
-                                          </p:stCondLst>
-                                        </p:cTn>
-                                        <p:tgtEl>
-                                          <p:spTgt spid="10"/>
-                                        </p:tgtEl>
-                                        <p:attrNameLst>
-                                          <p:attrName>style.visibility</p:attrName>
-                                        </p:attrNameLst>
-                                      </p:cBhvr>
-                                      <p:to>
-                                        <p:strVal val="visible"/>
-                                      </p:to>
-                                    </p:set>
-                                    <p:animEffect transition="in" filter="blinds(horizontal)">
-                                      <p:cBhvr>
-                                        <p:cTn id="45" dur="500"/>
-                                        <p:tgtEl>
-                                          <p:spTgt spid="10"/>
-                                        </p:tgtEl>
-                                      </p:cBhvr>
-                                    </p:animEffect>
-                                  </p:childTnLst>
-                                </p:cTn>
-                              </p:par>
-                            </p:childTnLst>
-                          </p:cTn>
-                        </p:par>
-                      </p:childTnLst>
-                    </p:cTn>
-                  </p:par>
-                  <p:par>
-                    <p:cTn id="46" fill="hold">
-                      <p:stCondLst>
-                        <p:cond delay="indefinite"/>
-                      </p:stCondLst>
-                      <p:childTnLst>
-                        <p:par>
-                          <p:cTn id="47" fill="hold">
-                            <p:stCondLst>
-                              <p:cond delay="0"/>
-                            </p:stCondLst>
-                            <p:childTnLst>
-                              <p:par>
-                                <p:cTn id="48" presetID="3" presetClass="entr" presetSubtype="10" fill="hold" nodeType="clickEffect">
-                                  <p:stCondLst>
-                                    <p:cond delay="0"/>
-                                  </p:stCondLst>
-                                  <p:childTnLst>
-                                    <p:set>
-                                      <p:cBhvr>
-                                        <p:cTn id="49" dur="1" fill="hold">
-                                          <p:stCondLst>
-                                            <p:cond delay="0"/>
-                                          </p:stCondLst>
-                                        </p:cTn>
-                                        <p:tgtEl>
-                                          <p:spTgt spid="32"/>
-                                        </p:tgtEl>
-                                        <p:attrNameLst>
-                                          <p:attrName>style.visibility</p:attrName>
-                                        </p:attrNameLst>
-                                      </p:cBhvr>
-                                      <p:to>
-                                        <p:strVal val="visible"/>
-                                      </p:to>
-                                    </p:set>
-                                    <p:animEffect transition="in" filter="blinds(horizontal)">
-                                      <p:cBhvr>
-                                        <p:cTn id="50" dur="500"/>
-                                        <p:tgtEl>
-                                          <p:spTgt spid="32"/>
-                                        </p:tgtEl>
-                                      </p:cBhvr>
-                                    </p:animEffect>
-                                  </p:childTnLst>
-                                </p:cTn>
-                              </p:par>
-                              <p:par>
-                                <p:cTn id="51" presetID="3" presetClass="entr" presetSubtype="10" fill="hold" grpId="0" nodeType="withEffect">
-                                  <p:stCondLst>
-                                    <p:cond delay="0"/>
-                                  </p:stCondLst>
-                                  <p:childTnLst>
-                                    <p:set>
-                                      <p:cBhvr>
-                                        <p:cTn id="52" dur="1" fill="hold">
-                                          <p:stCondLst>
-                                            <p:cond delay="0"/>
-                                          </p:stCondLst>
-                                        </p:cTn>
-                                        <p:tgtEl>
-                                          <p:spTgt spid="12"/>
-                                        </p:tgtEl>
-                                        <p:attrNameLst>
-                                          <p:attrName>style.visibility</p:attrName>
-                                        </p:attrNameLst>
-                                      </p:cBhvr>
-                                      <p:to>
-                                        <p:strVal val="visible"/>
-                                      </p:to>
-                                    </p:set>
-                                    <p:animEffect transition="in" filter="blinds(horizontal)">
-                                      <p:cBhvr>
-                                        <p:cTn id="53" dur="500"/>
-                                        <p:tgtEl>
-                                          <p:spTgt spid="12"/>
-                                        </p:tgtEl>
-                                      </p:cBhvr>
-                                    </p:animEffect>
-                                  </p:childTnLst>
-                                </p:cTn>
-                              </p:par>
-                            </p:childTnLst>
-                          </p:cTn>
-                        </p:par>
-                      </p:childTnLst>
-                    </p:cTn>
-                  </p:par>
-                  <p:par>
-                    <p:cTn id="54" fill="hold">
-                      <p:stCondLst>
-                        <p:cond delay="indefinite"/>
-                      </p:stCondLst>
-                      <p:childTnLst>
-                        <p:par>
-                          <p:cTn id="55" fill="hold">
-                            <p:stCondLst>
-                              <p:cond delay="0"/>
-                            </p:stCondLst>
-                            <p:childTnLst>
-                              <p:par>
-                                <p:cTn id="56" presetID="3" presetClass="entr" presetSubtype="10" fill="hold" nodeType="clickEffect">
-                                  <p:stCondLst>
-                                    <p:cond delay="0"/>
-                                  </p:stCondLst>
-                                  <p:childTnLst>
-                                    <p:set>
-                                      <p:cBhvr>
-                                        <p:cTn id="57" dur="1" fill="hold">
-                                          <p:stCondLst>
-                                            <p:cond delay="0"/>
-                                          </p:stCondLst>
-                                        </p:cTn>
-                                        <p:tgtEl>
-                                          <p:spTgt spid="34"/>
-                                        </p:tgtEl>
-                                        <p:attrNameLst>
-                                          <p:attrName>style.visibility</p:attrName>
-                                        </p:attrNameLst>
-                                      </p:cBhvr>
-                                      <p:to>
-                                        <p:strVal val="visible"/>
-                                      </p:to>
-                                    </p:set>
-                                    <p:animEffect transition="in" filter="blinds(horizontal)">
-                                      <p:cBhvr>
-                                        <p:cTn id="58" dur="500"/>
-                                        <p:tgtEl>
-                                          <p:spTgt spid="34"/>
-                                        </p:tgtEl>
-                                      </p:cBhvr>
-                                    </p:animEffect>
-                                  </p:childTnLst>
-                                </p:cTn>
-                              </p:par>
-                              <p:par>
-                                <p:cTn id="59" presetID="3" presetClass="entr" presetSubtype="10" fill="hold" grpId="0" nodeType="withEffect">
-                                  <p:stCondLst>
-                                    <p:cond delay="0"/>
-                                  </p:stCondLst>
-                                  <p:childTnLst>
-                                    <p:set>
-                                      <p:cBhvr>
-                                        <p:cTn id="60" dur="1" fill="hold">
-                                          <p:stCondLst>
-                                            <p:cond delay="0"/>
-                                          </p:stCondLst>
-                                        </p:cTn>
-                                        <p:tgtEl>
-                                          <p:spTgt spid="13"/>
-                                        </p:tgtEl>
-                                        <p:attrNameLst>
-                                          <p:attrName>style.visibility</p:attrName>
-                                        </p:attrNameLst>
-                                      </p:cBhvr>
-                                      <p:to>
-                                        <p:strVal val="visible"/>
-                                      </p:to>
-                                    </p:set>
-                                    <p:animEffect transition="in" filter="blinds(horizontal)">
-                                      <p:cBhvr>
-                                        <p:cTn id="61" dur="500"/>
-                                        <p:tgtEl>
-                                          <p:spTgt spid="13"/>
-                                        </p:tgtEl>
-                                      </p:cBhvr>
-                                    </p:animEffect>
-                                  </p:childTnLst>
-                                </p:cTn>
-                              </p:par>
-                            </p:childTnLst>
-                          </p:cTn>
-                        </p:par>
-                      </p:childTnLst>
-                    </p:cTn>
-                  </p:par>
-                  <p:par>
-                    <p:cTn id="62" fill="hold">
-                      <p:stCondLst>
-                        <p:cond delay="indefinite"/>
-                      </p:stCondLst>
-                      <p:childTnLst>
-                        <p:par>
-                          <p:cTn id="63" fill="hold">
-                            <p:stCondLst>
-                              <p:cond delay="0"/>
-                            </p:stCondLst>
-                            <p:childTnLst>
-                              <p:par>
-                                <p:cTn id="64" presetID="3" presetClass="entr" presetSubtype="10" fill="hold" nodeType="clickEffect">
-                                  <p:stCondLst>
-                                    <p:cond delay="0"/>
-                                  </p:stCondLst>
-                                  <p:childTnLst>
-                                    <p:set>
-                                      <p:cBhvr>
-                                        <p:cTn id="65" dur="1" fill="hold">
-                                          <p:stCondLst>
-                                            <p:cond delay="0"/>
-                                          </p:stCondLst>
-                                        </p:cTn>
-                                        <p:tgtEl>
-                                          <p:spTgt spid="36"/>
-                                        </p:tgtEl>
-                                        <p:attrNameLst>
-                                          <p:attrName>style.visibility</p:attrName>
-                                        </p:attrNameLst>
-                                      </p:cBhvr>
-                                      <p:to>
-                                        <p:strVal val="visible"/>
-                                      </p:to>
-                                    </p:set>
-                                    <p:animEffect transition="in" filter="blinds(horizontal)">
-                                      <p:cBhvr>
-                                        <p:cTn id="66" dur="500"/>
-                                        <p:tgtEl>
-                                          <p:spTgt spid="36"/>
-                                        </p:tgtEl>
-                                      </p:cBhvr>
-                                    </p:animEffect>
-                                  </p:childTnLst>
-                                </p:cTn>
-                              </p:par>
-                              <p:par>
-                                <p:cTn id="67" presetID="3" presetClass="entr" presetSubtype="10" fill="hold" nodeType="withEffect">
-                                  <p:stCondLst>
-                                    <p:cond delay="0"/>
-                                  </p:stCondLst>
-                                  <p:childTnLst>
-                                    <p:set>
-                                      <p:cBhvr>
-                                        <p:cTn id="68" dur="1" fill="hold">
-                                          <p:stCondLst>
-                                            <p:cond delay="0"/>
-                                          </p:stCondLst>
-                                        </p:cTn>
-                                        <p:tgtEl>
-                                          <p:spTgt spid="38"/>
-                                        </p:tgtEl>
-                                        <p:attrNameLst>
-                                          <p:attrName>style.visibility</p:attrName>
-                                        </p:attrNameLst>
-                                      </p:cBhvr>
-                                      <p:to>
-                                        <p:strVal val="visible"/>
-                                      </p:to>
-                                    </p:set>
-                                    <p:animEffect transition="in" filter="blinds(horizontal)">
-                                      <p:cBhvr>
-                                        <p:cTn id="69" dur="500"/>
-                                        <p:tgtEl>
-                                          <p:spTgt spid="38"/>
-                                        </p:tgtEl>
-                                      </p:cBhvr>
-                                    </p:animEffect>
-                                  </p:childTnLst>
-                                </p:cTn>
-                              </p:par>
-                              <p:par>
-                                <p:cTn id="70" presetID="3" presetClass="entr" presetSubtype="10" fill="hold" grpId="0" nodeType="withEffect">
-                                  <p:stCondLst>
-                                    <p:cond delay="0"/>
-                                  </p:stCondLst>
-                                  <p:childTnLst>
-                                    <p:set>
-                                      <p:cBhvr>
-                                        <p:cTn id="71" dur="1" fill="hold">
-                                          <p:stCondLst>
-                                            <p:cond delay="0"/>
-                                          </p:stCondLst>
-                                        </p:cTn>
-                                        <p:tgtEl>
-                                          <p:spTgt spid="14"/>
-                                        </p:tgtEl>
-                                        <p:attrNameLst>
-                                          <p:attrName>style.visibility</p:attrName>
-                                        </p:attrNameLst>
-                                      </p:cBhvr>
-                                      <p:to>
-                                        <p:strVal val="visible"/>
-                                      </p:to>
-                                    </p:set>
-                                    <p:animEffect transition="in" filter="blinds(horizontal)">
-                                      <p:cBhvr>
-                                        <p:cTn id="72" dur="500"/>
-                                        <p:tgtEl>
-                                          <p:spTgt spid="14"/>
-                                        </p:tgtEl>
-                                      </p:cBhvr>
-                                    </p:animEffect>
-                                  </p:childTnLst>
-                                </p:cTn>
-                              </p:par>
-                            </p:childTnLst>
-                          </p:cTn>
-                        </p:par>
-                      </p:childTnLst>
-                    </p:cTn>
-                  </p:par>
-                  <p:par>
-                    <p:cTn id="73" fill="hold">
-                      <p:stCondLst>
-                        <p:cond delay="indefinite"/>
-                      </p:stCondLst>
-                      <p:childTnLst>
-                        <p:par>
-                          <p:cTn id="74" fill="hold">
-                            <p:stCondLst>
-                              <p:cond delay="0"/>
-                            </p:stCondLst>
-                            <p:childTnLst>
-                              <p:par>
-                                <p:cTn id="75" presetID="3" presetClass="entr" presetSubtype="10" fill="hold" grpId="0" nodeType="clickEffect">
-                                  <p:stCondLst>
-                                    <p:cond delay="0"/>
-                                  </p:stCondLst>
-                                  <p:childTnLst>
-                                    <p:set>
-                                      <p:cBhvr>
-                                        <p:cTn id="76" dur="1" fill="hold">
-                                          <p:stCondLst>
-                                            <p:cond delay="0"/>
-                                          </p:stCondLst>
-                                        </p:cTn>
-                                        <p:tgtEl>
-                                          <p:spTgt spid="46"/>
-                                        </p:tgtEl>
-                                        <p:attrNameLst>
-                                          <p:attrName>style.visibility</p:attrName>
-                                        </p:attrNameLst>
-                                      </p:cBhvr>
-                                      <p:to>
-                                        <p:strVal val="visible"/>
-                                      </p:to>
-                                    </p:set>
-                                    <p:animEffect transition="in" filter="blinds(horizontal)">
-                                      <p:cBhvr>
-                                        <p:cTn id="77" dur="500"/>
-                                        <p:tgtEl>
-                                          <p:spTgt spid="46"/>
-                                        </p:tgtEl>
-                                      </p:cBhvr>
-                                    </p:animEffect>
-                                  </p:childTnLst>
-                                </p:cTn>
-                              </p:par>
-                              <p:par>
-                                <p:cTn id="78" presetID="3" presetClass="entr" presetSubtype="10" fill="hold" grpId="0" nodeType="withEffect">
-                                  <p:stCondLst>
-                                    <p:cond delay="0"/>
-                                  </p:stCondLst>
-                                  <p:childTnLst>
-                                    <p:set>
-                                      <p:cBhvr>
-                                        <p:cTn id="79" dur="1" fill="hold">
-                                          <p:stCondLst>
-                                            <p:cond delay="0"/>
-                                          </p:stCondLst>
-                                        </p:cTn>
-                                        <p:tgtEl>
-                                          <p:spTgt spid="45"/>
-                                        </p:tgtEl>
-                                        <p:attrNameLst>
-                                          <p:attrName>style.visibility</p:attrName>
-                                        </p:attrNameLst>
-                                      </p:cBhvr>
-                                      <p:to>
-                                        <p:strVal val="visible"/>
-                                      </p:to>
-                                    </p:set>
-                                    <p:animEffect transition="in" filter="blinds(horizontal)">
-                                      <p:cBhvr>
-                                        <p:cTn id="80" dur="500"/>
-                                        <p:tgtEl>
-                                          <p:spTgt spid="45"/>
-                                        </p:tgtEl>
-                                      </p:cBhvr>
-                                    </p:animEffect>
-                                  </p:childTnLst>
-                                </p:cTn>
-                              </p:par>
-                              <p:par>
-                                <p:cTn id="81" presetID="3" presetClass="entr" presetSubtype="10" fill="hold" grpId="0" nodeType="withEffect">
-                                  <p:stCondLst>
-                                    <p:cond delay="0"/>
-                                  </p:stCondLst>
-                                  <p:childTnLst>
-                                    <p:set>
-                                      <p:cBhvr>
-                                        <p:cTn id="82" dur="1" fill="hold">
-                                          <p:stCondLst>
-                                            <p:cond delay="0"/>
-                                          </p:stCondLst>
-                                        </p:cTn>
-                                        <p:tgtEl>
-                                          <p:spTgt spid="47"/>
-                                        </p:tgtEl>
-                                        <p:attrNameLst>
-                                          <p:attrName>style.visibility</p:attrName>
-                                        </p:attrNameLst>
-                                      </p:cBhvr>
-                                      <p:to>
-                                        <p:strVal val="visible"/>
-                                      </p:to>
-                                    </p:set>
-                                    <p:animEffect transition="in" filter="blinds(horizontal)">
-                                      <p:cBhvr>
-                                        <p:cTn id="83" dur="500"/>
-                                        <p:tgtEl>
-                                          <p:spTgt spid="47"/>
-                                        </p:tgtEl>
-                                      </p:cBhvr>
-                                    </p:animEffect>
-                                  </p:childTnLst>
-                                </p:cTn>
-                              </p:par>
-                              <p:par>
-                                <p:cTn id="84" presetID="3" presetClass="entr" presetSubtype="10" fill="hold" grpId="0" nodeType="withEffect">
-                                  <p:stCondLst>
-                                    <p:cond delay="0"/>
-                                  </p:stCondLst>
-                                  <p:childTnLst>
-                                    <p:set>
-                                      <p:cBhvr>
-                                        <p:cTn id="85" dur="1" fill="hold">
-                                          <p:stCondLst>
-                                            <p:cond delay="0"/>
-                                          </p:stCondLst>
-                                        </p:cTn>
-                                        <p:tgtEl>
-                                          <p:spTgt spid="48"/>
-                                        </p:tgtEl>
-                                        <p:attrNameLst>
-                                          <p:attrName>style.visibility</p:attrName>
-                                        </p:attrNameLst>
-                                      </p:cBhvr>
-                                      <p:to>
-                                        <p:strVal val="visible"/>
-                                      </p:to>
-                                    </p:set>
-                                    <p:animEffect transition="in" filter="blinds(horizontal)">
-                                      <p:cBhvr>
-                                        <p:cTn id="86" dur="500"/>
-                                        <p:tgtEl>
-                                          <p:spTgt spid="48"/>
-                                        </p:tgtEl>
-                                      </p:cBhvr>
-                                    </p:animEffect>
-                                  </p:childTnLst>
-                                </p:cTn>
-                              </p:par>
-                              <p:par>
-                                <p:cTn id="87" presetID="3" presetClass="entr" presetSubtype="10" fill="hold" grpId="0" nodeType="withEffect">
-                                  <p:stCondLst>
-                                    <p:cond delay="0"/>
-                                  </p:stCondLst>
-                                  <p:childTnLst>
-                                    <p:set>
-                                      <p:cBhvr>
-                                        <p:cTn id="88" dur="1" fill="hold">
-                                          <p:stCondLst>
-                                            <p:cond delay="0"/>
-                                          </p:stCondLst>
-                                        </p:cTn>
-                                        <p:tgtEl>
-                                          <p:spTgt spid="16"/>
-                                        </p:tgtEl>
-                                        <p:attrNameLst>
-                                          <p:attrName>style.visibility</p:attrName>
-                                        </p:attrNameLst>
-                                      </p:cBhvr>
-                                      <p:to>
-                                        <p:strVal val="visible"/>
-                                      </p:to>
-                                    </p:set>
-                                    <p:animEffect transition="in" filter="blinds(horizontal)">
-                                      <p:cBhvr>
-                                        <p:cTn id="89" dur="500"/>
-                                        <p:tgtEl>
-                                          <p:spTgt spid="16"/>
-                                        </p:tgtEl>
-                                      </p:cBhvr>
-                                    </p:animEffect>
-                                  </p:childTnLst>
-                                </p:cTn>
-                              </p:par>
-                            </p:childTnLst>
-                          </p:cTn>
-                        </p:par>
-                      </p:childTnLst>
-                    </p:cTn>
-                  </p:par>
-                  <p:par>
-                    <p:cTn id="90" fill="hold">
-                      <p:stCondLst>
-                        <p:cond delay="indefinite"/>
-                      </p:stCondLst>
-                      <p:childTnLst>
-                        <p:par>
-                          <p:cTn id="91" fill="hold">
-                            <p:stCondLst>
-                              <p:cond delay="0"/>
-                            </p:stCondLst>
-                            <p:childTnLst>
-                              <p:par>
-                                <p:cTn id="92" presetID="3" presetClass="entr" presetSubtype="10" fill="hold" grpId="0" nodeType="clickEffect">
-                                  <p:stCondLst>
-                                    <p:cond delay="0"/>
-                                  </p:stCondLst>
-                                  <p:childTnLst>
-                                    <p:set>
-                                      <p:cBhvr>
-                                        <p:cTn id="93" dur="1" fill="hold">
-                                          <p:stCondLst>
-                                            <p:cond delay="0"/>
-                                          </p:stCondLst>
-                                        </p:cTn>
-                                        <p:tgtEl>
-                                          <p:spTgt spid="42"/>
-                                        </p:tgtEl>
-                                        <p:attrNameLst>
-                                          <p:attrName>style.visibility</p:attrName>
-                                        </p:attrNameLst>
-                                      </p:cBhvr>
-                                      <p:to>
-                                        <p:strVal val="visible"/>
-                                      </p:to>
-                                    </p:set>
-                                    <p:animEffect transition="in" filter="blinds(horizontal)">
-                                      <p:cBhvr>
-                                        <p:cTn id="94" dur="500"/>
-                                        <p:tgtEl>
-                                          <p:spTgt spid="42"/>
-                                        </p:tgtEl>
-                                      </p:cBhvr>
-                                    </p:animEffect>
-                                  </p:childTnLst>
-                                </p:cTn>
-                              </p:par>
-                              <p:par>
-                                <p:cTn id="95" presetID="3" presetClass="entr" presetSubtype="10" fill="hold" grpId="0" nodeType="withEffect">
-                                  <p:stCondLst>
-                                    <p:cond delay="0"/>
-                                  </p:stCondLst>
-                                  <p:childTnLst>
-                                    <p:set>
-                                      <p:cBhvr>
-                                        <p:cTn id="96" dur="1" fill="hold">
-                                          <p:stCondLst>
-                                            <p:cond delay="0"/>
-                                          </p:stCondLst>
-                                        </p:cTn>
-                                        <p:tgtEl>
-                                          <p:spTgt spid="40"/>
-                                        </p:tgtEl>
-                                        <p:attrNameLst>
-                                          <p:attrName>style.visibility</p:attrName>
-                                        </p:attrNameLst>
-                                      </p:cBhvr>
-                                      <p:to>
-                                        <p:strVal val="visible"/>
-                                      </p:to>
-                                    </p:set>
-                                    <p:animEffect transition="in" filter="blinds(horizontal)">
-                                      <p:cBhvr>
-                                        <p:cTn id="97" dur="500"/>
-                                        <p:tgtEl>
-                                          <p:spTgt spid="40"/>
-                                        </p:tgtEl>
-                                      </p:cBhvr>
-                                    </p:animEffect>
-                                  </p:childTnLst>
-                                </p:cTn>
-                              </p:par>
-                              <p:par>
-                                <p:cTn id="98" presetID="3" presetClass="entr" presetSubtype="10" fill="hold" grpId="0" nodeType="withEffect">
-                                  <p:stCondLst>
-                                    <p:cond delay="0"/>
-                                  </p:stCondLst>
-                                  <p:childTnLst>
-                                    <p:set>
-                                      <p:cBhvr>
-                                        <p:cTn id="99" dur="1" fill="hold">
-                                          <p:stCondLst>
-                                            <p:cond delay="0"/>
-                                          </p:stCondLst>
-                                        </p:cTn>
-                                        <p:tgtEl>
-                                          <p:spTgt spid="43"/>
-                                        </p:tgtEl>
-                                        <p:attrNameLst>
-                                          <p:attrName>style.visibility</p:attrName>
-                                        </p:attrNameLst>
-                                      </p:cBhvr>
-                                      <p:to>
-                                        <p:strVal val="visible"/>
-                                      </p:to>
-                                    </p:set>
-                                    <p:animEffect transition="in" filter="blinds(horizontal)">
-                                      <p:cBhvr>
-                                        <p:cTn id="100" dur="500"/>
-                                        <p:tgtEl>
-                                          <p:spTgt spid="43"/>
-                                        </p:tgtEl>
-                                      </p:cBhvr>
-                                    </p:animEffect>
-                                  </p:childTnLst>
-                                </p:cTn>
-                              </p:par>
-                              <p:par>
-                                <p:cTn id="101" presetID="3" presetClass="entr" presetSubtype="10" fill="hold" grpId="0" nodeType="withEffect">
-                                  <p:stCondLst>
-                                    <p:cond delay="0"/>
-                                  </p:stCondLst>
-                                  <p:childTnLst>
-                                    <p:set>
-                                      <p:cBhvr>
-                                        <p:cTn id="102" dur="1" fill="hold">
-                                          <p:stCondLst>
-                                            <p:cond delay="0"/>
-                                          </p:stCondLst>
-                                        </p:cTn>
-                                        <p:tgtEl>
-                                          <p:spTgt spid="44"/>
-                                        </p:tgtEl>
-                                        <p:attrNameLst>
-                                          <p:attrName>style.visibility</p:attrName>
-                                        </p:attrNameLst>
-                                      </p:cBhvr>
-                                      <p:to>
-                                        <p:strVal val="visible"/>
-                                      </p:to>
-                                    </p:set>
-                                    <p:animEffect transition="in" filter="blinds(horizontal)">
-                                      <p:cBhvr>
-                                        <p:cTn id="103" dur="500"/>
-                                        <p:tgtEl>
-                                          <p:spTgt spid="44"/>
-                                        </p:tgtEl>
-                                      </p:cBhvr>
-                                    </p:animEffect>
-                                  </p:childTnLst>
-                                </p:cTn>
-                              </p:par>
-                              <p:par>
-                                <p:cTn id="104" presetID="3" presetClass="entr" presetSubtype="10" fill="hold" grpId="0" nodeType="withEffect">
-                                  <p:stCondLst>
-                                    <p:cond delay="0"/>
-                                  </p:stCondLst>
-                                  <p:childTnLst>
-                                    <p:set>
-                                      <p:cBhvr>
-                                        <p:cTn id="105" dur="1" fill="hold">
-                                          <p:stCondLst>
-                                            <p:cond delay="0"/>
-                                          </p:stCondLst>
-                                        </p:cTn>
-                                        <p:tgtEl>
-                                          <p:spTgt spid="15"/>
-                                        </p:tgtEl>
-                                        <p:attrNameLst>
-                                          <p:attrName>style.visibility</p:attrName>
-                                        </p:attrNameLst>
-                                      </p:cBhvr>
-                                      <p:to>
-                                        <p:strVal val="visible"/>
-                                      </p:to>
-                                    </p:set>
-                                    <p:animEffect transition="in" filter="blinds(horizontal)">
-                                      <p:cBhvr>
-                                        <p:cTn id="106" dur="500"/>
-                                        <p:tgtEl>
-                                          <p:spTgt spid="15"/>
-                                        </p:tgtEl>
-                                      </p:cBhvr>
-                                    </p:animEffect>
-                                  </p:childTnLst>
-                                </p:cTn>
-                              </p:par>
-                            </p:childTnLst>
-                          </p:cTn>
-                        </p:par>
-                      </p:childTnLst>
-                    </p:cTn>
-                  </p:par>
-                </p:childTnLst>
-              </p:cTn>
-              <p:prevCondLst>
-                <p:cond evt="onPrev" delay="0">
-                  <p:tgtEl>
-                    <p:sldTgt/>
-                  </p:tgtEl>
-                </p:cond>
-              </p:prevCondLst>
-              <p:nextCondLst>
-                <p:cond evt="onNext" delay="0">
-                  <p:tgtEl>
-                    <p:sldTgt/>
-                  </p:tgtEl>
-                </p:cond>
-              </p:nextCondLst>
-            </p:seq>
-          </p:childTnLst>
-        </p:cTn>
+        <p:cTn id="1" dur="indefinite" restart="never" nodeType="tmRoot"/>
       </p:par>
     </p:tnLst>
-    <p:bldLst>
-      <p:bldP spid="6" grpId="0" bldLvl="0" animBg="1"/>
-      <p:bldP spid="7" grpId="0" bldLvl="0" animBg="1"/>
-      <p:bldP spid="8" grpId="0" bldLvl="0" animBg="1"/>
-      <p:bldP spid="9" grpId="0" bldLvl="0" animBg="1"/>
-      <p:bldP spid="10" grpId="0" bldLvl="0" animBg="1"/>
-      <p:bldP spid="12" grpId="0" bldLvl="0" animBg="1"/>
-      <p:bldP spid="13" grpId="0" bldLvl="0" animBg="1"/>
-      <p:bldP spid="14" grpId="0" bldLvl="0" animBg="1"/>
-      <p:bldP spid="15" grpId="0" bldLvl="0" animBg="1"/>
-      <p:bldP spid="16" grpId="0" bldLvl="0" animBg="1"/>
-      <p:bldP spid="40" grpId="0" bldLvl="0" animBg="1"/>
-      <p:bldP spid="42" grpId="0" bldLvl="0" animBg="1"/>
-      <p:bldP spid="43" grpId="0" bldLvl="0" animBg="1"/>
-      <p:bldP spid="44" grpId="0" bldLvl="0" animBg="1"/>
-      <p:bldP spid="45" grpId="0" bldLvl="0" animBg="1"/>
-      <p:bldP spid="46" grpId="0" bldLvl="0" animBg="1"/>
-      <p:bldP spid="47" grpId="0" bldLvl="0" animBg="1"/>
-      <p:bldP spid="48" grpId="0" bldLvl="0" animBg="1"/>
-    </p:bldLst>
   </p:timing>
 </p:sld>
 </file>
@@ -22359,6 +20951,22 @@
               <a:t>项目经理</a:t>
             </a:r>
             <a:r>
+              <a:rPr lang="zh-CN" altLang="en-US" sz="2400" dirty="0" smtClean="0">
+                <a:solidFill>
+                  <a:schemeClr val="tx1"/>
+                </a:solidFill>
+              </a:rPr>
+              <a:t>和</a:t>
+            </a:r>
+            <a:r>
+              <a:rPr lang="zh-CN" altLang="en-US" sz="2400" dirty="0" smtClean="0">
+                <a:solidFill>
+                  <a:srgbClr val="FF0000"/>
+                </a:solidFill>
+              </a:rPr>
+              <a:t>人力资源部门</a:t>
+            </a:r>
+            <a:r>
               <a:rPr lang="zh-CN" altLang="en-US" sz="2400" dirty="0" smtClean="0"/>
               <a:t>负责，其它成员配合。成果是：</a:t>
             </a:r>
@@ -22463,7 +21071,7 @@
           <a:p>
             <a:r>
               <a:rPr lang="zh-CN" altLang="en-US" dirty="0" smtClean="0"/>
-              <a:t>团队的组织机构</a:t>
+              <a:t>团队的组织结构</a:t>
             </a:r>
             <a:endParaRPr lang="zh-CN" altLang="en-US" dirty="0"/>
           </a:p>
@@ -22486,7 +21094,7 @@
           <a:p>
             <a:r>
               <a:rPr lang="zh-CN" altLang="en-US" sz="2400" dirty="0" smtClean="0"/>
-              <a:t>传统组织机构图</a:t>
+              <a:t>组织结构图案例</a:t>
             </a:r>
             <a:endParaRPr lang="en-US" altLang="zh-CN" sz="2400" dirty="0" smtClean="0"/>
           </a:p>

--- a/materials/slides/ch03-5.pptx
+++ b/materials/slides/ch03-5.pptx
@@ -17292,14 +17292,14 @@
           <a:p>
             <a:r>
               <a:rPr lang="zh-CN" altLang="en-US" sz="2400" dirty="0" smtClean="0"/>
-              <a:t>保健因素：导致工作不满的因素（避免产生不满，又不能提供满意的因素）</a:t>
+              <a:t>保健因素：降低导致工作不满的因素</a:t>
             </a:r>
             <a:endParaRPr lang="en-US" altLang="zh-CN" sz="2400" dirty="0" smtClean="0"/>
           </a:p>
           <a:p>
             <a:r>
               <a:rPr lang="zh-CN" altLang="en-US" sz="2400" dirty="0" smtClean="0"/>
-              <a:t>激励因素：影响工作满意的因素</a:t>
+              <a:t>激励因素：加强对工作满意的因素</a:t>
             </a:r>
             <a:endParaRPr lang="zh-CN" altLang="en-US" sz="2400" dirty="0"/>
           </a:p>

--- a/materials/slides/ch03-5.pptx
+++ b/materials/slides/ch03-5.pptx
@@ -20675,7 +20675,11 @@
           <a:bodyPr/>
           <a:lstStyle/>
           <a:p>
-            <a:endParaRPr lang="en-US" altLang="zh-CN" dirty="0"/>
+            <a:r>
+              <a:rPr lang="zh-CN" altLang="en-US" dirty="0"/>
+              <a:t>人才的重要性</a:t>
+            </a:r>
+            <a:endParaRPr lang="zh-CN" altLang="en-US" dirty="0"/>
           </a:p>
         </p:txBody>
       </p:sp>
